--- a/Archi_Tool_Tutorial_base_on_User_Guide.pptx
+++ b/Archi_Tool_Tutorial_base_on_User_Guide.pptx
@@ -3699,7 +3699,7 @@
         </p:blipFill>
         <p:spPr>
           <a:xfrm>
-            <a:off x="254177" y="2218298"/>
+            <a:off x="-29308" y="2301643"/>
             <a:ext cx="4414714" cy="4414714"/>
           </a:xfrm>
           <a:prstGeom prst="rect">
@@ -3827,7 +3827,7 @@
         </p:blipFill>
         <p:spPr>
           <a:xfrm>
-            <a:off x="6126618" y="2522183"/>
+            <a:off x="7383376" y="2517850"/>
             <a:ext cx="4482156" cy="4228768"/>
           </a:xfrm>
           <a:prstGeom prst="rect">
@@ -3842,6 +3842,42 @@
                 <a:alpha val="65000"/>
               </a:srgbClr>
             </a:outerShdw>
+          </a:effectLst>
+        </p:spPr>
+      </p:pic>
+      <p:pic>
+        <p:nvPicPr>
+          <p:cNvPr id="11" name="Picture 10">
+            <a:extLst>
+              <a:ext uri="{FF2B5EF4-FFF2-40B4-BE49-F238E27FC236}">
+                <a16:creationId xmlns:a16="http://schemas.microsoft.com/office/drawing/2014/main" id="{222F8014-79E8-1B72-E0F2-5FEF855BB24A}"/>
+              </a:ext>
+            </a:extLst>
+          </p:cNvPr>
+          <p:cNvPicPr>
+            <a:picLocks noChangeAspect="1"/>
+          </p:cNvPicPr>
+          <p:nvPr/>
+        </p:nvPicPr>
+        <p:blipFill>
+          <a:blip r:embed="rId6"/>
+          <a:stretch>
+            <a:fillRect/>
+          </a:stretch>
+        </p:blipFill>
+        <p:spPr>
+          <a:xfrm>
+            <a:off x="4186059" y="3545572"/>
+            <a:ext cx="3244987" cy="1394056"/>
+          </a:xfrm>
+          <a:prstGeom prst="rect">
+            <a:avLst/>
+          </a:prstGeom>
+          <a:ln>
+            <a:noFill/>
+          </a:ln>
+          <a:effectLst>
+            <a:softEdge rad="112500"/>
           </a:effectLst>
         </p:spPr>
       </p:pic>

--- a/Archi_Tool_Tutorial_base_on_User_Guide.pptx
+++ b/Archi_Tool_Tutorial_base_on_User_Guide.pptx
@@ -5,10 +5,11 @@
     <p:sldMasterId id="2147483648" r:id="rId1"/>
   </p:sldMasterIdLst>
   <p:notesMasterIdLst>
-    <p:notesMasterId r:id="rId3"/>
+    <p:notesMasterId r:id="rId4"/>
   </p:notesMasterIdLst>
   <p:sldIdLst>
     <p:sldId id="375" r:id="rId2"/>
+    <p:sldId id="376" r:id="rId3"/>
   </p:sldIdLst>
   <p:sldSz cx="12192000" cy="6858000"/>
   <p:notesSz cx="6858000" cy="9144000"/>
@@ -565,6 +566,114 @@
 </p:notes>
 </file>
 
+<file path=ppt/notesSlides/notesSlide2.xml><?xml version="1.0" encoding="utf-8"?>
+<p:notes xmlns:a="http://schemas.openxmlformats.org/drawingml/2006/main" xmlns:r="http://schemas.openxmlformats.org/officeDocument/2006/relationships" xmlns:p="http://schemas.openxmlformats.org/presentationml/2006/main">
+  <p:cSld>
+    <p:spTree>
+      <p:nvGrpSpPr>
+        <p:cNvPr id="1" name="">
+          <a:extLst>
+            <a:ext uri="{FF2B5EF4-FFF2-40B4-BE49-F238E27FC236}">
+              <a16:creationId xmlns:a16="http://schemas.microsoft.com/office/drawing/2014/main" id="{EE93F8A5-D0FA-3F93-3828-52BB1A1E9525}"/>
+            </a:ext>
+          </a:extLst>
+        </p:cNvPr>
+        <p:cNvGrpSpPr/>
+        <p:nvPr/>
+      </p:nvGrpSpPr>
+      <p:grpSpPr>
+        <a:xfrm>
+          <a:off x="0" y="0"/>
+          <a:ext cx="0" cy="0"/>
+          <a:chOff x="0" y="0"/>
+          <a:chExt cx="0" cy="0"/>
+        </a:xfrm>
+      </p:grpSpPr>
+      <p:sp>
+        <p:nvSpPr>
+          <p:cNvPr id="2" name="Slide Image Placeholder 1">
+            <a:extLst>
+              <a:ext uri="{FF2B5EF4-FFF2-40B4-BE49-F238E27FC236}">
+                <a16:creationId xmlns:a16="http://schemas.microsoft.com/office/drawing/2014/main" id="{E2F8541C-54D7-56A9-341F-7A7303D29B91}"/>
+              </a:ext>
+            </a:extLst>
+          </p:cNvPr>
+          <p:cNvSpPr>
+            <a:spLocks noGrp="1" noRot="1" noChangeAspect="1"/>
+          </p:cNvSpPr>
+          <p:nvPr>
+            <p:ph type="sldImg"/>
+          </p:nvPr>
+        </p:nvSpPr>
+        <p:spPr/>
+      </p:sp>
+      <p:sp>
+        <p:nvSpPr>
+          <p:cNvPr id="3" name="Notes Placeholder 2">
+            <a:extLst>
+              <a:ext uri="{FF2B5EF4-FFF2-40B4-BE49-F238E27FC236}">
+                <a16:creationId xmlns:a16="http://schemas.microsoft.com/office/drawing/2014/main" id="{AADC36AE-34FD-3E2B-5B20-65822473F225}"/>
+              </a:ext>
+            </a:extLst>
+          </p:cNvPr>
+          <p:cNvSpPr>
+            <a:spLocks noGrp="1"/>
+          </p:cNvSpPr>
+          <p:nvPr>
+            <p:ph type="body" idx="1"/>
+          </p:nvPr>
+        </p:nvSpPr>
+        <p:spPr/>
+        <p:txBody>
+          <a:bodyPr/>
+          <a:lstStyle/>
+          <a:p>
+            <a:endParaRPr lang="en-US" dirty="0"/>
+          </a:p>
+        </p:txBody>
+      </p:sp>
+      <p:sp>
+        <p:nvSpPr>
+          <p:cNvPr id="4" name="Slide Number Placeholder 3">
+            <a:extLst>
+              <a:ext uri="{FF2B5EF4-FFF2-40B4-BE49-F238E27FC236}">
+                <a16:creationId xmlns:a16="http://schemas.microsoft.com/office/drawing/2014/main" id="{D33405EC-C791-5D36-3A04-AFA58CE0E992}"/>
+              </a:ext>
+            </a:extLst>
+          </p:cNvPr>
+          <p:cNvSpPr>
+            <a:spLocks noGrp="1"/>
+          </p:cNvSpPr>
+          <p:nvPr>
+            <p:ph type="sldNum" sz="quarter" idx="5"/>
+          </p:nvPr>
+        </p:nvSpPr>
+        <p:spPr/>
+        <p:txBody>
+          <a:bodyPr/>
+          <a:lstStyle/>
+          <a:p>
+            <a:fld id="{DAF72F06-F6ED-43C1-A86D-15B5F2AFDECD}" type="slidenum">
+              <a:rPr lang="en-US" smtClean="0"/>
+              <a:t>2</a:t>
+            </a:fld>
+            <a:endParaRPr lang="en-US" dirty="0"/>
+          </a:p>
+        </p:txBody>
+      </p:sp>
+    </p:spTree>
+    <p:extLst>
+      <p:ext uri="{BB962C8B-B14F-4D97-AF65-F5344CB8AC3E}">
+        <p14:creationId xmlns:p14="http://schemas.microsoft.com/office/powerpoint/2010/main" val="22475685"/>
+      </p:ext>
+    </p:extLst>
+  </p:cSld>
+  <p:clrMapOvr>
+    <a:masterClrMapping/>
+  </p:clrMapOvr>
+</p:notes>
+</file>
+
 <file path=ppt/slideLayouts/slideLayout1.xml><?xml version="1.0" encoding="utf-8"?>
 <p:sldLayout xmlns:a="http://schemas.openxmlformats.org/drawingml/2006/main" xmlns:r="http://schemas.openxmlformats.org/officeDocument/2006/relationships" xmlns:p="http://schemas.openxmlformats.org/presentationml/2006/main" preserve="1" userDrawn="1">
   <p:cSld name="Title Slide">
@@ -3633,7 +3742,7 @@
         </p:blipFill>
         <p:spPr>
           <a:xfrm>
-            <a:off x="0" y="0"/>
+            <a:off x="-11019" y="0"/>
             <a:ext cx="12196224" cy="6858000"/>
           </a:xfrm>
         </p:spPr>
@@ -3656,8 +3765,8 @@
         </p:nvSpPr>
         <p:spPr>
           <a:xfrm>
-            <a:off x="-11018" y="1101314"/>
-            <a:ext cx="12188952" cy="2031324"/>
+            <a:off x="-11019" y="1101314"/>
+            <a:ext cx="7781251" cy="2031324"/>
           </a:xfrm>
         </p:spPr>
         <p:txBody>
@@ -3785,7 +3894,7 @@
         <p:spPr>
           <a:xfrm>
             <a:off x="2294959" y="286071"/>
-            <a:ext cx="8648521" cy="923330"/>
+            <a:ext cx="2993127" cy="923330"/>
           </a:xfrm>
           <a:prstGeom prst="rect">
             <a:avLst/>
@@ -3800,17 +3909,17 @@
           <a:p>
             <a:r>
               <a:rPr lang="en-US" sz="5400" b="1" dirty="0"/>
-              <a:t>Opening and Introduction</a:t>
+              <a:t>Opening</a:t>
             </a:r>
           </a:p>
         </p:txBody>
       </p:sp>
       <p:pic>
         <p:nvPicPr>
-          <p:cNvPr id="9" name="Picture 8">
-            <a:extLst>
-              <a:ext uri="{FF2B5EF4-FFF2-40B4-BE49-F238E27FC236}">
-                <a16:creationId xmlns:a16="http://schemas.microsoft.com/office/drawing/2014/main" id="{F8339D03-86AA-63C7-7BFE-61976B610781}"/>
+          <p:cNvPr id="11" name="Picture 10">
+            <a:extLst>
+              <a:ext uri="{FF2B5EF4-FFF2-40B4-BE49-F238E27FC236}">
+                <a16:creationId xmlns:a16="http://schemas.microsoft.com/office/drawing/2014/main" id="{222F8014-79E8-1B72-E0F2-5FEF855BB24A}"/>
               </a:ext>
             </a:extLst>
           </p:cNvPr>
@@ -3827,8 +3936,44 @@
         </p:blipFill>
         <p:spPr>
           <a:xfrm>
-            <a:off x="7383376" y="2517850"/>
-            <a:ext cx="4482156" cy="4228768"/>
+            <a:off x="4186059" y="3545572"/>
+            <a:ext cx="3244987" cy="1394056"/>
+          </a:xfrm>
+          <a:prstGeom prst="rect">
+            <a:avLst/>
+          </a:prstGeom>
+          <a:ln>
+            <a:noFill/>
+          </a:ln>
+          <a:effectLst>
+            <a:softEdge rad="112500"/>
+          </a:effectLst>
+        </p:spPr>
+      </p:pic>
+      <p:pic>
+        <p:nvPicPr>
+          <p:cNvPr id="15" name="Picture 14">
+            <a:extLst>
+              <a:ext uri="{FF2B5EF4-FFF2-40B4-BE49-F238E27FC236}">
+                <a16:creationId xmlns:a16="http://schemas.microsoft.com/office/drawing/2014/main" id="{8732DAE5-ECB5-3B67-F681-9E4442907CD9}"/>
+              </a:ext>
+            </a:extLst>
+          </p:cNvPr>
+          <p:cNvPicPr>
+            <a:picLocks noChangeAspect="1"/>
+          </p:cNvPicPr>
+          <p:nvPr/>
+        </p:nvPicPr>
+        <p:blipFill>
+          <a:blip r:embed="rId6"/>
+          <a:stretch>
+            <a:fillRect/>
+          </a:stretch>
+        </p:blipFill>
+        <p:spPr>
+          <a:xfrm>
+            <a:off x="7684836" y="0"/>
+            <a:ext cx="4319542" cy="6858000"/>
           </a:xfrm>
           <a:prstGeom prst="rect">
             <a:avLst/>
@@ -3845,12 +3990,287 @@
           </a:effectLst>
         </p:spPr>
       </p:pic>
+    </p:spTree>
+    <p:extLst>
+      <p:ext uri="{BB962C8B-B14F-4D97-AF65-F5344CB8AC3E}">
+        <p14:creationId xmlns:p14="http://schemas.microsoft.com/office/powerpoint/2010/main" val="4031715759"/>
+      </p:ext>
+    </p:extLst>
+  </p:cSld>
+  <p:clrMapOvr>
+    <a:masterClrMapping/>
+  </p:clrMapOvr>
+</p:sld>
+</file>
+
+<file path=ppt/slides/slide2.xml><?xml version="1.0" encoding="utf-8"?>
+<p:sld xmlns:a="http://schemas.openxmlformats.org/drawingml/2006/main" xmlns:r="http://schemas.openxmlformats.org/officeDocument/2006/relationships" xmlns:p="http://schemas.openxmlformats.org/presentationml/2006/main">
+  <p:cSld>
+    <p:spTree>
+      <p:nvGrpSpPr>
+        <p:cNvPr id="1" name="">
+          <a:extLst>
+            <a:ext uri="{FF2B5EF4-FFF2-40B4-BE49-F238E27FC236}">
+              <a16:creationId xmlns:a16="http://schemas.microsoft.com/office/drawing/2014/main" id="{448460AB-48F1-FA7E-CEBC-7C340AA729EC}"/>
+            </a:ext>
+          </a:extLst>
+        </p:cNvPr>
+        <p:cNvGrpSpPr/>
+        <p:nvPr/>
+      </p:nvGrpSpPr>
+      <p:grpSpPr>
+        <a:xfrm>
+          <a:off x="0" y="0"/>
+          <a:ext cx="0" cy="0"/>
+          <a:chOff x="0" y="0"/>
+          <a:chExt cx="0" cy="0"/>
+        </a:xfrm>
+      </p:grpSpPr>
+      <p:pic>
+        <p:nvPicPr>
+          <p:cNvPr id="5" name="Picture Placeholder 4" descr="Fog-covered mountain&#10;">
+            <a:extLst>
+              <a:ext uri="{FF2B5EF4-FFF2-40B4-BE49-F238E27FC236}">
+                <a16:creationId xmlns:a16="http://schemas.microsoft.com/office/drawing/2014/main" id="{3BE60D1D-6A94-3D4E-F278-7BB045619777}"/>
+              </a:ext>
+            </a:extLst>
+          </p:cNvPr>
+          <p:cNvPicPr>
+            <a:picLocks noGrp="1" noChangeAspect="1"/>
+          </p:cNvPicPr>
+          <p:nvPr>
+            <p:ph type="pic" sz="quarter" idx="14"/>
+          </p:nvPr>
+        </p:nvPicPr>
+        <p:blipFill rotWithShape="1">
+          <a:blip r:embed="rId3">
+            <a:extLst>
+              <a:ext uri="{28A0092B-C50C-407E-A947-70E740481C1C}">
+                <a14:useLocalDpi xmlns:a14="http://schemas.microsoft.com/office/drawing/2010/main" val="0"/>
+              </a:ext>
+            </a:extLst>
+          </a:blip>
+          <a:srcRect/>
+          <a:stretch/>
+        </p:blipFill>
+        <p:spPr>
+          <a:xfrm>
+            <a:off x="0" y="0"/>
+            <a:ext cx="12196224" cy="6858000"/>
+          </a:xfrm>
+        </p:spPr>
+      </p:pic>
+      <p:sp>
+        <p:nvSpPr>
+          <p:cNvPr id="6" name="Title 2">
+            <a:extLst>
+              <a:ext uri="{FF2B5EF4-FFF2-40B4-BE49-F238E27FC236}">
+                <a16:creationId xmlns:a16="http://schemas.microsoft.com/office/drawing/2014/main" id="{CD47A94C-4F6D-6BBB-AF56-4D12EAE3A3F4}"/>
+              </a:ext>
+            </a:extLst>
+          </p:cNvPr>
+          <p:cNvSpPr>
+            <a:spLocks noGrp="1"/>
+          </p:cNvSpPr>
+          <p:nvPr>
+            <p:ph type="title"/>
+          </p:nvPr>
+        </p:nvSpPr>
+        <p:spPr>
+          <a:xfrm>
+            <a:off x="14066" y="82088"/>
+            <a:ext cx="9869563" cy="1156517"/>
+          </a:xfrm>
+        </p:spPr>
+        <p:txBody>
+          <a:bodyPr>
+            <a:normAutofit fontScale="90000"/>
+          </a:bodyPr>
+          <a:lstStyle/>
+          <a:p>
+            <a:r>
+              <a:rPr lang="en-US" dirty="0"/>
+              <a:t>Archi® Tool Tutorial base on User Guide 5.6.0</a:t>
+            </a:r>
+          </a:p>
+        </p:txBody>
+      </p:sp>
+      <p:sp>
+        <p:nvSpPr>
+          <p:cNvPr id="4" name="TextBox 3">
+            <a:extLst>
+              <a:ext uri="{FF2B5EF4-FFF2-40B4-BE49-F238E27FC236}">
+                <a16:creationId xmlns:a16="http://schemas.microsoft.com/office/drawing/2014/main" id="{721C4AF7-9CA1-E28D-C5D7-2FD8F04675D8}"/>
+              </a:ext>
+            </a:extLst>
+          </p:cNvPr>
+          <p:cNvSpPr txBox="1"/>
+          <p:nvPr/>
+        </p:nvSpPr>
+        <p:spPr>
+          <a:xfrm>
+            <a:off x="81440" y="1278063"/>
+            <a:ext cx="1916371" cy="1200329"/>
+          </a:xfrm>
+          <a:prstGeom prst="rect">
+            <a:avLst/>
+          </a:prstGeom>
+        </p:spPr>
+        <p:style>
+          <a:lnRef idx="0">
+            <a:schemeClr val="accent6"/>
+          </a:lnRef>
+          <a:fillRef idx="3">
+            <a:schemeClr val="accent6"/>
+          </a:fillRef>
+          <a:effectRef idx="3">
+            <a:schemeClr val="accent6"/>
+          </a:effectRef>
+          <a:fontRef idx="minor">
+            <a:schemeClr val="lt1"/>
+          </a:fontRef>
+        </p:style>
+        <p:txBody>
+          <a:bodyPr wrap="square" rtlCol="0" anchor="ctr">
+            <a:spAutoFit/>
+          </a:bodyPr>
+          <a:lstStyle/>
+          <a:p>
+            <a:pPr algn="ctr"/>
+            <a:r>
+              <a:rPr lang="en-US" sz="7200" b="1" dirty="0">
+                <a:latin typeface="Amasis MT Pro Black" panose="02040A04050005020304" pitchFamily="18" charset="0"/>
+                <a:ea typeface="华文琥珀" panose="02010800040101010101" pitchFamily="2" charset="-122"/>
+                <a:cs typeface="Aharoni" panose="02010803020104030203" pitchFamily="2" charset="-79"/>
+              </a:rPr>
+              <a:t>002</a:t>
+            </a:r>
+          </a:p>
+        </p:txBody>
+      </p:sp>
+      <p:sp>
+        <p:nvSpPr>
+          <p:cNvPr id="7" name="TextBox 6">
+            <a:extLst>
+              <a:ext uri="{FF2B5EF4-FFF2-40B4-BE49-F238E27FC236}">
+                <a16:creationId xmlns:a16="http://schemas.microsoft.com/office/drawing/2014/main" id="{E017D0B6-126F-E463-FD31-F5AF361CF5A6}"/>
+              </a:ext>
+            </a:extLst>
+          </p:cNvPr>
+          <p:cNvSpPr txBox="1"/>
+          <p:nvPr/>
+        </p:nvSpPr>
+        <p:spPr>
+          <a:xfrm>
+            <a:off x="106258" y="2743563"/>
+            <a:ext cx="6406138" cy="923330"/>
+          </a:xfrm>
+          <a:prstGeom prst="rect">
+            <a:avLst/>
+          </a:prstGeom>
+          <a:noFill/>
+        </p:spPr>
+        <p:txBody>
+          <a:bodyPr wrap="square" rtlCol="0">
+            <a:spAutoFit/>
+          </a:bodyPr>
+          <a:lstStyle/>
+          <a:p>
+            <a:r>
+              <a:rPr lang="en-US" sz="5400" b="1" dirty="0">
+                <a:solidFill>
+                  <a:schemeClr val="bg1"/>
+                </a:solidFill>
+              </a:rPr>
+              <a:t>CH01 Introduction</a:t>
+            </a:r>
+          </a:p>
+        </p:txBody>
+      </p:sp>
+      <p:pic>
+        <p:nvPicPr>
+          <p:cNvPr id="9" name="Picture 8">
+            <a:extLst>
+              <a:ext uri="{FF2B5EF4-FFF2-40B4-BE49-F238E27FC236}">
+                <a16:creationId xmlns:a16="http://schemas.microsoft.com/office/drawing/2014/main" id="{D0B969F5-84BD-B2AD-5C39-AAE6AE643289}"/>
+              </a:ext>
+            </a:extLst>
+          </p:cNvPr>
+          <p:cNvPicPr>
+            <a:picLocks noChangeAspect="1"/>
+          </p:cNvPicPr>
+          <p:nvPr/>
+        </p:nvPicPr>
+        <p:blipFill>
+          <a:blip r:embed="rId4">
+            <a:alphaModFix amt="70000"/>
+          </a:blip>
+          <a:stretch>
+            <a:fillRect/>
+          </a:stretch>
+        </p:blipFill>
+        <p:spPr>
+          <a:xfrm>
+            <a:off x="6352051" y="1491193"/>
+            <a:ext cx="5290580" cy="4991490"/>
+          </a:xfrm>
+          <a:prstGeom prst="rect">
+            <a:avLst/>
+          </a:prstGeom>
+          <a:ln>
+            <a:noFill/>
+          </a:ln>
+          <a:effectLst>
+            <a:outerShdw blurRad="292100" dist="139700" dir="2700000" algn="tl" rotWithShape="0">
+              <a:srgbClr val="333333">
+                <a:alpha val="65000"/>
+              </a:srgbClr>
+            </a:outerShdw>
+          </a:effectLst>
+        </p:spPr>
+      </p:pic>
       <p:pic>
         <p:nvPicPr>
           <p:cNvPr id="11" name="Picture 10">
             <a:extLst>
               <a:ext uri="{FF2B5EF4-FFF2-40B4-BE49-F238E27FC236}">
-                <a16:creationId xmlns:a16="http://schemas.microsoft.com/office/drawing/2014/main" id="{222F8014-79E8-1B72-E0F2-5FEF855BB24A}"/>
+                <a16:creationId xmlns:a16="http://schemas.microsoft.com/office/drawing/2014/main" id="{F2A1A546-4982-E08D-00D2-CE1BE0114DB1}"/>
+              </a:ext>
+            </a:extLst>
+          </p:cNvPr>
+          <p:cNvPicPr>
+            <a:picLocks noChangeAspect="1"/>
+          </p:cNvPicPr>
+          <p:nvPr/>
+        </p:nvPicPr>
+        <p:blipFill>
+          <a:blip r:embed="rId5"/>
+          <a:stretch>
+            <a:fillRect/>
+          </a:stretch>
+        </p:blipFill>
+        <p:spPr>
+          <a:xfrm>
+            <a:off x="9883629" y="130236"/>
+            <a:ext cx="2294305" cy="985640"/>
+          </a:xfrm>
+          <a:prstGeom prst="rect">
+            <a:avLst/>
+          </a:prstGeom>
+          <a:ln>
+            <a:noFill/>
+          </a:ln>
+          <a:effectLst>
+            <a:softEdge rad="112500"/>
+          </a:effectLst>
+        </p:spPr>
+      </p:pic>
+      <p:pic>
+        <p:nvPicPr>
+          <p:cNvPr id="8" name="Picture 7">
+            <a:extLst>
+              <a:ext uri="{FF2B5EF4-FFF2-40B4-BE49-F238E27FC236}">
+                <a16:creationId xmlns:a16="http://schemas.microsoft.com/office/drawing/2014/main" id="{A52B4C03-7932-98A4-DDF5-5B45A59385E4}"/>
               </a:ext>
             </a:extLst>
           </p:cNvPr>
@@ -3867,8 +4287,8 @@
         </p:blipFill>
         <p:spPr>
           <a:xfrm>
-            <a:off x="4186059" y="3545572"/>
-            <a:ext cx="3244987" cy="1394056"/>
+            <a:off x="962335" y="3652016"/>
+            <a:ext cx="4693983" cy="2845545"/>
           </a:xfrm>
           <a:prstGeom prst="rect">
             <a:avLst/>
@@ -3877,14 +4297,18 @@
             <a:noFill/>
           </a:ln>
           <a:effectLst>
-            <a:softEdge rad="112500"/>
+            <a:outerShdw blurRad="292100" dist="139700" dir="2700000" algn="tl" rotWithShape="0">
+              <a:srgbClr val="333333">
+                <a:alpha val="65000"/>
+              </a:srgbClr>
+            </a:outerShdw>
           </a:effectLst>
         </p:spPr>
       </p:pic>
     </p:spTree>
     <p:extLst>
       <p:ext uri="{BB962C8B-B14F-4D97-AF65-F5344CB8AC3E}">
-        <p14:creationId xmlns:p14="http://schemas.microsoft.com/office/powerpoint/2010/main" val="4031715759"/>
+        <p14:creationId xmlns:p14="http://schemas.microsoft.com/office/powerpoint/2010/main" val="1786602962"/>
       </p:ext>
     </p:extLst>
   </p:cSld>

--- a/Archi_Tool_Tutorial_base_on_User_Guide.pptx
+++ b/Archi_Tool_Tutorial_base_on_User_Guide.pptx
@@ -5,11 +5,27 @@
     <p:sldMasterId id="2147483648" r:id="rId1"/>
   </p:sldMasterIdLst>
   <p:notesMasterIdLst>
-    <p:notesMasterId r:id="rId4"/>
+    <p:notesMasterId r:id="rId20"/>
   </p:notesMasterIdLst>
   <p:sldIdLst>
     <p:sldId id="375" r:id="rId2"/>
     <p:sldId id="376" r:id="rId3"/>
+    <p:sldId id="377" r:id="rId4"/>
+    <p:sldId id="378" r:id="rId5"/>
+    <p:sldId id="379" r:id="rId6"/>
+    <p:sldId id="380" r:id="rId7"/>
+    <p:sldId id="381" r:id="rId8"/>
+    <p:sldId id="382" r:id="rId9"/>
+    <p:sldId id="383" r:id="rId10"/>
+    <p:sldId id="384" r:id="rId11"/>
+    <p:sldId id="385" r:id="rId12"/>
+    <p:sldId id="386" r:id="rId13"/>
+    <p:sldId id="387" r:id="rId14"/>
+    <p:sldId id="388" r:id="rId15"/>
+    <p:sldId id="389" r:id="rId16"/>
+    <p:sldId id="390" r:id="rId17"/>
+    <p:sldId id="391" r:id="rId18"/>
+    <p:sldId id="392" r:id="rId19"/>
   </p:sldIdLst>
   <p:sldSz cx="12192000" cy="6858000"/>
   <p:notesSz cx="6858000" cy="9144000"/>
@@ -109,6 +125,40 @@
     </a:lvl9pPr>
   </p:defaultTextStyle>
   <p:extLst>
+    <p:ext uri="{521415D9-36F7-43E2-AB2F-B90AF26B5E84}">
+      <p14:sectionLst xmlns:p14="http://schemas.microsoft.com/office/powerpoint/2010/main">
+        <p14:section name="Default Section" id="{C089A8A8-FAC4-46A1-8029-FA1F33A9A89D}">
+          <p14:sldIdLst>
+            <p14:sldId id="375"/>
+            <p14:sldId id="376"/>
+            <p14:sldId id="377"/>
+            <p14:sldId id="378"/>
+          </p14:sldIdLst>
+        </p14:section>
+        <p14:section name="04 Creating a New ArchiMate Model" id="{F649414F-4716-4DF5-9416-A24773F94DD4}">
+          <p14:sldIdLst>
+            <p14:sldId id="379"/>
+          </p14:sldIdLst>
+        </p14:section>
+        <p14:section name="05 The Model Tree" id="{D9BB7177-C3C2-4255-92F8-84B535C83FDB}">
+          <p14:sldIdLst>
+            <p14:sldId id="380"/>
+            <p14:sldId id="381"/>
+            <p14:sldId id="382"/>
+            <p14:sldId id="383"/>
+            <p14:sldId id="384"/>
+            <p14:sldId id="385"/>
+            <p14:sldId id="386"/>
+            <p14:sldId id="387"/>
+            <p14:sldId id="388"/>
+            <p14:sldId id="389"/>
+            <p14:sldId id="390"/>
+            <p14:sldId id="391"/>
+            <p14:sldId id="392"/>
+          </p14:sldIdLst>
+        </p14:section>
+      </p14:sectionLst>
+    </p:ext>
     <p:ext uri="{EFAFB233-063F-42B5-8137-9DF3F51BA10A}">
       <p15:sldGuideLst xmlns:p15="http://schemas.microsoft.com/office/powerpoint/2012/main">
         <p15:guide id="1" orient="horz" pos="2160" userDrawn="1">
@@ -566,6 +616,978 @@
 </p:notes>
 </file>
 
+<file path=ppt/notesSlides/notesSlide10.xml><?xml version="1.0" encoding="utf-8"?>
+<p:notes xmlns:a="http://schemas.openxmlformats.org/drawingml/2006/main" xmlns:r="http://schemas.openxmlformats.org/officeDocument/2006/relationships" xmlns:p="http://schemas.openxmlformats.org/presentationml/2006/main">
+  <p:cSld>
+    <p:spTree>
+      <p:nvGrpSpPr>
+        <p:cNvPr id="1" name="">
+          <a:extLst>
+            <a:ext uri="{FF2B5EF4-FFF2-40B4-BE49-F238E27FC236}">
+              <a16:creationId xmlns:a16="http://schemas.microsoft.com/office/drawing/2014/main" id="{FBE25F2B-E0DB-1DF7-E858-8A1DF1D75AE4}"/>
+            </a:ext>
+          </a:extLst>
+        </p:cNvPr>
+        <p:cNvGrpSpPr/>
+        <p:nvPr/>
+      </p:nvGrpSpPr>
+      <p:grpSpPr>
+        <a:xfrm>
+          <a:off x="0" y="0"/>
+          <a:ext cx="0" cy="0"/>
+          <a:chOff x="0" y="0"/>
+          <a:chExt cx="0" cy="0"/>
+        </a:xfrm>
+      </p:grpSpPr>
+      <p:sp>
+        <p:nvSpPr>
+          <p:cNvPr id="2" name="Slide Image Placeholder 1">
+            <a:extLst>
+              <a:ext uri="{FF2B5EF4-FFF2-40B4-BE49-F238E27FC236}">
+                <a16:creationId xmlns:a16="http://schemas.microsoft.com/office/drawing/2014/main" id="{8556BAC4-2AA6-C2D4-BF0F-E2E41B1DAB0F}"/>
+              </a:ext>
+            </a:extLst>
+          </p:cNvPr>
+          <p:cNvSpPr>
+            <a:spLocks noGrp="1" noRot="1" noChangeAspect="1"/>
+          </p:cNvSpPr>
+          <p:nvPr>
+            <p:ph type="sldImg"/>
+          </p:nvPr>
+        </p:nvSpPr>
+        <p:spPr/>
+      </p:sp>
+      <p:sp>
+        <p:nvSpPr>
+          <p:cNvPr id="3" name="Notes Placeholder 2">
+            <a:extLst>
+              <a:ext uri="{FF2B5EF4-FFF2-40B4-BE49-F238E27FC236}">
+                <a16:creationId xmlns:a16="http://schemas.microsoft.com/office/drawing/2014/main" id="{425A698E-2C05-9432-266C-D11B1573F8D1}"/>
+              </a:ext>
+            </a:extLst>
+          </p:cNvPr>
+          <p:cNvSpPr>
+            <a:spLocks noGrp="1"/>
+          </p:cNvSpPr>
+          <p:nvPr>
+            <p:ph type="body" idx="1"/>
+          </p:nvPr>
+        </p:nvSpPr>
+        <p:spPr/>
+        <p:txBody>
+          <a:bodyPr/>
+          <a:lstStyle/>
+          <a:p>
+            <a:endParaRPr lang="en-US" dirty="0"/>
+          </a:p>
+        </p:txBody>
+      </p:sp>
+      <p:sp>
+        <p:nvSpPr>
+          <p:cNvPr id="4" name="Slide Number Placeholder 3">
+            <a:extLst>
+              <a:ext uri="{FF2B5EF4-FFF2-40B4-BE49-F238E27FC236}">
+                <a16:creationId xmlns:a16="http://schemas.microsoft.com/office/drawing/2014/main" id="{28BCC6E0-C2C8-5A78-325D-1116D059F666}"/>
+              </a:ext>
+            </a:extLst>
+          </p:cNvPr>
+          <p:cNvSpPr>
+            <a:spLocks noGrp="1"/>
+          </p:cNvSpPr>
+          <p:nvPr>
+            <p:ph type="sldNum" sz="quarter" idx="5"/>
+          </p:nvPr>
+        </p:nvSpPr>
+        <p:spPr/>
+        <p:txBody>
+          <a:bodyPr/>
+          <a:lstStyle/>
+          <a:p>
+            <a:fld id="{DAF72F06-F6ED-43C1-A86D-15B5F2AFDECD}" type="slidenum">
+              <a:rPr lang="en-US" smtClean="0"/>
+              <a:t>10</a:t>
+            </a:fld>
+            <a:endParaRPr lang="en-US" dirty="0"/>
+          </a:p>
+        </p:txBody>
+      </p:sp>
+    </p:spTree>
+    <p:extLst>
+      <p:ext uri="{BB962C8B-B14F-4D97-AF65-F5344CB8AC3E}">
+        <p14:creationId xmlns:p14="http://schemas.microsoft.com/office/powerpoint/2010/main" val="943505155"/>
+      </p:ext>
+    </p:extLst>
+  </p:cSld>
+  <p:clrMapOvr>
+    <a:masterClrMapping/>
+  </p:clrMapOvr>
+</p:notes>
+</file>
+
+<file path=ppt/notesSlides/notesSlide11.xml><?xml version="1.0" encoding="utf-8"?>
+<p:notes xmlns:a="http://schemas.openxmlformats.org/drawingml/2006/main" xmlns:r="http://schemas.openxmlformats.org/officeDocument/2006/relationships" xmlns:p="http://schemas.openxmlformats.org/presentationml/2006/main">
+  <p:cSld>
+    <p:spTree>
+      <p:nvGrpSpPr>
+        <p:cNvPr id="1" name="">
+          <a:extLst>
+            <a:ext uri="{FF2B5EF4-FFF2-40B4-BE49-F238E27FC236}">
+              <a16:creationId xmlns:a16="http://schemas.microsoft.com/office/drawing/2014/main" id="{D4F28763-77B9-5DAB-A648-8F1268BB943F}"/>
+            </a:ext>
+          </a:extLst>
+        </p:cNvPr>
+        <p:cNvGrpSpPr/>
+        <p:nvPr/>
+      </p:nvGrpSpPr>
+      <p:grpSpPr>
+        <a:xfrm>
+          <a:off x="0" y="0"/>
+          <a:ext cx="0" cy="0"/>
+          <a:chOff x="0" y="0"/>
+          <a:chExt cx="0" cy="0"/>
+        </a:xfrm>
+      </p:grpSpPr>
+      <p:sp>
+        <p:nvSpPr>
+          <p:cNvPr id="2" name="Slide Image Placeholder 1">
+            <a:extLst>
+              <a:ext uri="{FF2B5EF4-FFF2-40B4-BE49-F238E27FC236}">
+                <a16:creationId xmlns:a16="http://schemas.microsoft.com/office/drawing/2014/main" id="{F6F4EE18-C638-0C31-6D14-8E04E7CDCBE1}"/>
+              </a:ext>
+            </a:extLst>
+          </p:cNvPr>
+          <p:cNvSpPr>
+            <a:spLocks noGrp="1" noRot="1" noChangeAspect="1"/>
+          </p:cNvSpPr>
+          <p:nvPr>
+            <p:ph type="sldImg"/>
+          </p:nvPr>
+        </p:nvSpPr>
+        <p:spPr/>
+      </p:sp>
+      <p:sp>
+        <p:nvSpPr>
+          <p:cNvPr id="3" name="Notes Placeholder 2">
+            <a:extLst>
+              <a:ext uri="{FF2B5EF4-FFF2-40B4-BE49-F238E27FC236}">
+                <a16:creationId xmlns:a16="http://schemas.microsoft.com/office/drawing/2014/main" id="{D7B283CE-ACE4-4387-485C-05D51E2387A2}"/>
+              </a:ext>
+            </a:extLst>
+          </p:cNvPr>
+          <p:cNvSpPr>
+            <a:spLocks noGrp="1"/>
+          </p:cNvSpPr>
+          <p:nvPr>
+            <p:ph type="body" idx="1"/>
+          </p:nvPr>
+        </p:nvSpPr>
+        <p:spPr/>
+        <p:txBody>
+          <a:bodyPr/>
+          <a:lstStyle/>
+          <a:p>
+            <a:endParaRPr lang="en-US" dirty="0"/>
+          </a:p>
+        </p:txBody>
+      </p:sp>
+      <p:sp>
+        <p:nvSpPr>
+          <p:cNvPr id="4" name="Slide Number Placeholder 3">
+            <a:extLst>
+              <a:ext uri="{FF2B5EF4-FFF2-40B4-BE49-F238E27FC236}">
+                <a16:creationId xmlns:a16="http://schemas.microsoft.com/office/drawing/2014/main" id="{4C042DF9-D6E7-3536-3B70-998DEB657C65}"/>
+              </a:ext>
+            </a:extLst>
+          </p:cNvPr>
+          <p:cNvSpPr>
+            <a:spLocks noGrp="1"/>
+          </p:cNvSpPr>
+          <p:nvPr>
+            <p:ph type="sldNum" sz="quarter" idx="5"/>
+          </p:nvPr>
+        </p:nvSpPr>
+        <p:spPr/>
+        <p:txBody>
+          <a:bodyPr/>
+          <a:lstStyle/>
+          <a:p>
+            <a:fld id="{DAF72F06-F6ED-43C1-A86D-15B5F2AFDECD}" type="slidenum">
+              <a:rPr lang="en-US" smtClean="0"/>
+              <a:t>11</a:t>
+            </a:fld>
+            <a:endParaRPr lang="en-US" dirty="0"/>
+          </a:p>
+        </p:txBody>
+      </p:sp>
+    </p:spTree>
+    <p:extLst>
+      <p:ext uri="{BB962C8B-B14F-4D97-AF65-F5344CB8AC3E}">
+        <p14:creationId xmlns:p14="http://schemas.microsoft.com/office/powerpoint/2010/main" val="1604206032"/>
+      </p:ext>
+    </p:extLst>
+  </p:cSld>
+  <p:clrMapOvr>
+    <a:masterClrMapping/>
+  </p:clrMapOvr>
+</p:notes>
+</file>
+
+<file path=ppt/notesSlides/notesSlide12.xml><?xml version="1.0" encoding="utf-8"?>
+<p:notes xmlns:a="http://schemas.openxmlformats.org/drawingml/2006/main" xmlns:r="http://schemas.openxmlformats.org/officeDocument/2006/relationships" xmlns:p="http://schemas.openxmlformats.org/presentationml/2006/main">
+  <p:cSld>
+    <p:spTree>
+      <p:nvGrpSpPr>
+        <p:cNvPr id="1" name="">
+          <a:extLst>
+            <a:ext uri="{FF2B5EF4-FFF2-40B4-BE49-F238E27FC236}">
+              <a16:creationId xmlns:a16="http://schemas.microsoft.com/office/drawing/2014/main" id="{CB230BF6-E72F-4EE9-D75D-3896CFA92678}"/>
+            </a:ext>
+          </a:extLst>
+        </p:cNvPr>
+        <p:cNvGrpSpPr/>
+        <p:nvPr/>
+      </p:nvGrpSpPr>
+      <p:grpSpPr>
+        <a:xfrm>
+          <a:off x="0" y="0"/>
+          <a:ext cx="0" cy="0"/>
+          <a:chOff x="0" y="0"/>
+          <a:chExt cx="0" cy="0"/>
+        </a:xfrm>
+      </p:grpSpPr>
+      <p:sp>
+        <p:nvSpPr>
+          <p:cNvPr id="2" name="Slide Image Placeholder 1">
+            <a:extLst>
+              <a:ext uri="{FF2B5EF4-FFF2-40B4-BE49-F238E27FC236}">
+                <a16:creationId xmlns:a16="http://schemas.microsoft.com/office/drawing/2014/main" id="{5ACFD546-4A55-82BB-DC47-3044781FE232}"/>
+              </a:ext>
+            </a:extLst>
+          </p:cNvPr>
+          <p:cNvSpPr>
+            <a:spLocks noGrp="1" noRot="1" noChangeAspect="1"/>
+          </p:cNvSpPr>
+          <p:nvPr>
+            <p:ph type="sldImg"/>
+          </p:nvPr>
+        </p:nvSpPr>
+        <p:spPr/>
+      </p:sp>
+      <p:sp>
+        <p:nvSpPr>
+          <p:cNvPr id="3" name="Notes Placeholder 2">
+            <a:extLst>
+              <a:ext uri="{FF2B5EF4-FFF2-40B4-BE49-F238E27FC236}">
+                <a16:creationId xmlns:a16="http://schemas.microsoft.com/office/drawing/2014/main" id="{66B8764A-12B0-ECC1-C155-2A52BACA07DE}"/>
+              </a:ext>
+            </a:extLst>
+          </p:cNvPr>
+          <p:cNvSpPr>
+            <a:spLocks noGrp="1"/>
+          </p:cNvSpPr>
+          <p:nvPr>
+            <p:ph type="body" idx="1"/>
+          </p:nvPr>
+        </p:nvSpPr>
+        <p:spPr/>
+        <p:txBody>
+          <a:bodyPr/>
+          <a:lstStyle/>
+          <a:p>
+            <a:endParaRPr lang="en-US" dirty="0"/>
+          </a:p>
+        </p:txBody>
+      </p:sp>
+      <p:sp>
+        <p:nvSpPr>
+          <p:cNvPr id="4" name="Slide Number Placeholder 3">
+            <a:extLst>
+              <a:ext uri="{FF2B5EF4-FFF2-40B4-BE49-F238E27FC236}">
+                <a16:creationId xmlns:a16="http://schemas.microsoft.com/office/drawing/2014/main" id="{B7FE5DDD-0CDB-6ACB-87E0-E4F35497524F}"/>
+              </a:ext>
+            </a:extLst>
+          </p:cNvPr>
+          <p:cNvSpPr>
+            <a:spLocks noGrp="1"/>
+          </p:cNvSpPr>
+          <p:nvPr>
+            <p:ph type="sldNum" sz="quarter" idx="5"/>
+          </p:nvPr>
+        </p:nvSpPr>
+        <p:spPr/>
+        <p:txBody>
+          <a:bodyPr/>
+          <a:lstStyle/>
+          <a:p>
+            <a:fld id="{DAF72F06-F6ED-43C1-A86D-15B5F2AFDECD}" type="slidenum">
+              <a:rPr lang="en-US" smtClean="0"/>
+              <a:t>12</a:t>
+            </a:fld>
+            <a:endParaRPr lang="en-US" dirty="0"/>
+          </a:p>
+        </p:txBody>
+      </p:sp>
+    </p:spTree>
+    <p:extLst>
+      <p:ext uri="{BB962C8B-B14F-4D97-AF65-F5344CB8AC3E}">
+        <p14:creationId xmlns:p14="http://schemas.microsoft.com/office/powerpoint/2010/main" val="187250825"/>
+      </p:ext>
+    </p:extLst>
+  </p:cSld>
+  <p:clrMapOvr>
+    <a:masterClrMapping/>
+  </p:clrMapOvr>
+</p:notes>
+</file>
+
+<file path=ppt/notesSlides/notesSlide13.xml><?xml version="1.0" encoding="utf-8"?>
+<p:notes xmlns:a="http://schemas.openxmlformats.org/drawingml/2006/main" xmlns:r="http://schemas.openxmlformats.org/officeDocument/2006/relationships" xmlns:p="http://schemas.openxmlformats.org/presentationml/2006/main">
+  <p:cSld>
+    <p:spTree>
+      <p:nvGrpSpPr>
+        <p:cNvPr id="1" name="">
+          <a:extLst>
+            <a:ext uri="{FF2B5EF4-FFF2-40B4-BE49-F238E27FC236}">
+              <a16:creationId xmlns:a16="http://schemas.microsoft.com/office/drawing/2014/main" id="{B01A69D1-CA83-AEB9-DBED-B642353B00DA}"/>
+            </a:ext>
+          </a:extLst>
+        </p:cNvPr>
+        <p:cNvGrpSpPr/>
+        <p:nvPr/>
+      </p:nvGrpSpPr>
+      <p:grpSpPr>
+        <a:xfrm>
+          <a:off x="0" y="0"/>
+          <a:ext cx="0" cy="0"/>
+          <a:chOff x="0" y="0"/>
+          <a:chExt cx="0" cy="0"/>
+        </a:xfrm>
+      </p:grpSpPr>
+      <p:sp>
+        <p:nvSpPr>
+          <p:cNvPr id="2" name="Slide Image Placeholder 1">
+            <a:extLst>
+              <a:ext uri="{FF2B5EF4-FFF2-40B4-BE49-F238E27FC236}">
+                <a16:creationId xmlns:a16="http://schemas.microsoft.com/office/drawing/2014/main" id="{59460F80-9389-BEDA-08EB-9F07B0F29C71}"/>
+              </a:ext>
+            </a:extLst>
+          </p:cNvPr>
+          <p:cNvSpPr>
+            <a:spLocks noGrp="1" noRot="1" noChangeAspect="1"/>
+          </p:cNvSpPr>
+          <p:nvPr>
+            <p:ph type="sldImg"/>
+          </p:nvPr>
+        </p:nvSpPr>
+        <p:spPr/>
+      </p:sp>
+      <p:sp>
+        <p:nvSpPr>
+          <p:cNvPr id="3" name="Notes Placeholder 2">
+            <a:extLst>
+              <a:ext uri="{FF2B5EF4-FFF2-40B4-BE49-F238E27FC236}">
+                <a16:creationId xmlns:a16="http://schemas.microsoft.com/office/drawing/2014/main" id="{B5BEB310-5E88-1C9B-FEA5-6E0B545BC6F6}"/>
+              </a:ext>
+            </a:extLst>
+          </p:cNvPr>
+          <p:cNvSpPr>
+            <a:spLocks noGrp="1"/>
+          </p:cNvSpPr>
+          <p:nvPr>
+            <p:ph type="body" idx="1"/>
+          </p:nvPr>
+        </p:nvSpPr>
+        <p:spPr/>
+        <p:txBody>
+          <a:bodyPr/>
+          <a:lstStyle/>
+          <a:p>
+            <a:endParaRPr lang="en-US" dirty="0"/>
+          </a:p>
+        </p:txBody>
+      </p:sp>
+      <p:sp>
+        <p:nvSpPr>
+          <p:cNvPr id="4" name="Slide Number Placeholder 3">
+            <a:extLst>
+              <a:ext uri="{FF2B5EF4-FFF2-40B4-BE49-F238E27FC236}">
+                <a16:creationId xmlns:a16="http://schemas.microsoft.com/office/drawing/2014/main" id="{4651DA87-C3A6-2F54-2178-7ED3E965EF65}"/>
+              </a:ext>
+            </a:extLst>
+          </p:cNvPr>
+          <p:cNvSpPr>
+            <a:spLocks noGrp="1"/>
+          </p:cNvSpPr>
+          <p:nvPr>
+            <p:ph type="sldNum" sz="quarter" idx="5"/>
+          </p:nvPr>
+        </p:nvSpPr>
+        <p:spPr/>
+        <p:txBody>
+          <a:bodyPr/>
+          <a:lstStyle/>
+          <a:p>
+            <a:fld id="{DAF72F06-F6ED-43C1-A86D-15B5F2AFDECD}" type="slidenum">
+              <a:rPr lang="en-US" smtClean="0"/>
+              <a:t>13</a:t>
+            </a:fld>
+            <a:endParaRPr lang="en-US" dirty="0"/>
+          </a:p>
+        </p:txBody>
+      </p:sp>
+    </p:spTree>
+    <p:extLst>
+      <p:ext uri="{BB962C8B-B14F-4D97-AF65-F5344CB8AC3E}">
+        <p14:creationId xmlns:p14="http://schemas.microsoft.com/office/powerpoint/2010/main" val="3115491056"/>
+      </p:ext>
+    </p:extLst>
+  </p:cSld>
+  <p:clrMapOvr>
+    <a:masterClrMapping/>
+  </p:clrMapOvr>
+</p:notes>
+</file>
+
+<file path=ppt/notesSlides/notesSlide14.xml><?xml version="1.0" encoding="utf-8"?>
+<p:notes xmlns:a="http://schemas.openxmlformats.org/drawingml/2006/main" xmlns:r="http://schemas.openxmlformats.org/officeDocument/2006/relationships" xmlns:p="http://schemas.openxmlformats.org/presentationml/2006/main">
+  <p:cSld>
+    <p:spTree>
+      <p:nvGrpSpPr>
+        <p:cNvPr id="1" name="">
+          <a:extLst>
+            <a:ext uri="{FF2B5EF4-FFF2-40B4-BE49-F238E27FC236}">
+              <a16:creationId xmlns:a16="http://schemas.microsoft.com/office/drawing/2014/main" id="{678BDB07-C866-B877-0BBE-68FA1436D027}"/>
+            </a:ext>
+          </a:extLst>
+        </p:cNvPr>
+        <p:cNvGrpSpPr/>
+        <p:nvPr/>
+      </p:nvGrpSpPr>
+      <p:grpSpPr>
+        <a:xfrm>
+          <a:off x="0" y="0"/>
+          <a:ext cx="0" cy="0"/>
+          <a:chOff x="0" y="0"/>
+          <a:chExt cx="0" cy="0"/>
+        </a:xfrm>
+      </p:grpSpPr>
+      <p:sp>
+        <p:nvSpPr>
+          <p:cNvPr id="2" name="Slide Image Placeholder 1">
+            <a:extLst>
+              <a:ext uri="{FF2B5EF4-FFF2-40B4-BE49-F238E27FC236}">
+                <a16:creationId xmlns:a16="http://schemas.microsoft.com/office/drawing/2014/main" id="{C54FD2A3-930A-4950-2481-5A59D1FE4D2C}"/>
+              </a:ext>
+            </a:extLst>
+          </p:cNvPr>
+          <p:cNvSpPr>
+            <a:spLocks noGrp="1" noRot="1" noChangeAspect="1"/>
+          </p:cNvSpPr>
+          <p:nvPr>
+            <p:ph type="sldImg"/>
+          </p:nvPr>
+        </p:nvSpPr>
+        <p:spPr/>
+      </p:sp>
+      <p:sp>
+        <p:nvSpPr>
+          <p:cNvPr id="3" name="Notes Placeholder 2">
+            <a:extLst>
+              <a:ext uri="{FF2B5EF4-FFF2-40B4-BE49-F238E27FC236}">
+                <a16:creationId xmlns:a16="http://schemas.microsoft.com/office/drawing/2014/main" id="{8827156C-2A85-4100-5B7B-C762714B44F0}"/>
+              </a:ext>
+            </a:extLst>
+          </p:cNvPr>
+          <p:cNvSpPr>
+            <a:spLocks noGrp="1"/>
+          </p:cNvSpPr>
+          <p:nvPr>
+            <p:ph type="body" idx="1"/>
+          </p:nvPr>
+        </p:nvSpPr>
+        <p:spPr/>
+        <p:txBody>
+          <a:bodyPr/>
+          <a:lstStyle/>
+          <a:p>
+            <a:endParaRPr lang="en-US" dirty="0"/>
+          </a:p>
+        </p:txBody>
+      </p:sp>
+      <p:sp>
+        <p:nvSpPr>
+          <p:cNvPr id="4" name="Slide Number Placeholder 3">
+            <a:extLst>
+              <a:ext uri="{FF2B5EF4-FFF2-40B4-BE49-F238E27FC236}">
+                <a16:creationId xmlns:a16="http://schemas.microsoft.com/office/drawing/2014/main" id="{B4AD8A25-E312-B694-DE18-05A99F1D83AB}"/>
+              </a:ext>
+            </a:extLst>
+          </p:cNvPr>
+          <p:cNvSpPr>
+            <a:spLocks noGrp="1"/>
+          </p:cNvSpPr>
+          <p:nvPr>
+            <p:ph type="sldNum" sz="quarter" idx="5"/>
+          </p:nvPr>
+        </p:nvSpPr>
+        <p:spPr/>
+        <p:txBody>
+          <a:bodyPr/>
+          <a:lstStyle/>
+          <a:p>
+            <a:fld id="{DAF72F06-F6ED-43C1-A86D-15B5F2AFDECD}" type="slidenum">
+              <a:rPr lang="en-US" smtClean="0"/>
+              <a:t>14</a:t>
+            </a:fld>
+            <a:endParaRPr lang="en-US" dirty="0"/>
+          </a:p>
+        </p:txBody>
+      </p:sp>
+    </p:spTree>
+    <p:extLst>
+      <p:ext uri="{BB962C8B-B14F-4D97-AF65-F5344CB8AC3E}">
+        <p14:creationId xmlns:p14="http://schemas.microsoft.com/office/powerpoint/2010/main" val="1431245136"/>
+      </p:ext>
+    </p:extLst>
+  </p:cSld>
+  <p:clrMapOvr>
+    <a:masterClrMapping/>
+  </p:clrMapOvr>
+</p:notes>
+</file>
+
+<file path=ppt/notesSlides/notesSlide15.xml><?xml version="1.0" encoding="utf-8"?>
+<p:notes xmlns:a="http://schemas.openxmlformats.org/drawingml/2006/main" xmlns:r="http://schemas.openxmlformats.org/officeDocument/2006/relationships" xmlns:p="http://schemas.openxmlformats.org/presentationml/2006/main">
+  <p:cSld>
+    <p:spTree>
+      <p:nvGrpSpPr>
+        <p:cNvPr id="1" name="">
+          <a:extLst>
+            <a:ext uri="{FF2B5EF4-FFF2-40B4-BE49-F238E27FC236}">
+              <a16:creationId xmlns:a16="http://schemas.microsoft.com/office/drawing/2014/main" id="{27F85A09-8BDD-47DC-999A-7421305B777D}"/>
+            </a:ext>
+          </a:extLst>
+        </p:cNvPr>
+        <p:cNvGrpSpPr/>
+        <p:nvPr/>
+      </p:nvGrpSpPr>
+      <p:grpSpPr>
+        <a:xfrm>
+          <a:off x="0" y="0"/>
+          <a:ext cx="0" cy="0"/>
+          <a:chOff x="0" y="0"/>
+          <a:chExt cx="0" cy="0"/>
+        </a:xfrm>
+      </p:grpSpPr>
+      <p:sp>
+        <p:nvSpPr>
+          <p:cNvPr id="2" name="Slide Image Placeholder 1">
+            <a:extLst>
+              <a:ext uri="{FF2B5EF4-FFF2-40B4-BE49-F238E27FC236}">
+                <a16:creationId xmlns:a16="http://schemas.microsoft.com/office/drawing/2014/main" id="{D5E335EE-1785-3A5E-18A2-89468C187695}"/>
+              </a:ext>
+            </a:extLst>
+          </p:cNvPr>
+          <p:cNvSpPr>
+            <a:spLocks noGrp="1" noRot="1" noChangeAspect="1"/>
+          </p:cNvSpPr>
+          <p:nvPr>
+            <p:ph type="sldImg"/>
+          </p:nvPr>
+        </p:nvSpPr>
+        <p:spPr/>
+      </p:sp>
+      <p:sp>
+        <p:nvSpPr>
+          <p:cNvPr id="3" name="Notes Placeholder 2">
+            <a:extLst>
+              <a:ext uri="{FF2B5EF4-FFF2-40B4-BE49-F238E27FC236}">
+                <a16:creationId xmlns:a16="http://schemas.microsoft.com/office/drawing/2014/main" id="{0A92C0E3-B064-3E1D-B76B-C6B2D7D37519}"/>
+              </a:ext>
+            </a:extLst>
+          </p:cNvPr>
+          <p:cNvSpPr>
+            <a:spLocks noGrp="1"/>
+          </p:cNvSpPr>
+          <p:nvPr>
+            <p:ph type="body" idx="1"/>
+          </p:nvPr>
+        </p:nvSpPr>
+        <p:spPr/>
+        <p:txBody>
+          <a:bodyPr/>
+          <a:lstStyle/>
+          <a:p>
+            <a:endParaRPr lang="en-US" dirty="0"/>
+          </a:p>
+        </p:txBody>
+      </p:sp>
+      <p:sp>
+        <p:nvSpPr>
+          <p:cNvPr id="4" name="Slide Number Placeholder 3">
+            <a:extLst>
+              <a:ext uri="{FF2B5EF4-FFF2-40B4-BE49-F238E27FC236}">
+                <a16:creationId xmlns:a16="http://schemas.microsoft.com/office/drawing/2014/main" id="{2BCC5667-D60F-E0CC-1971-D689BDDF78F9}"/>
+              </a:ext>
+            </a:extLst>
+          </p:cNvPr>
+          <p:cNvSpPr>
+            <a:spLocks noGrp="1"/>
+          </p:cNvSpPr>
+          <p:nvPr>
+            <p:ph type="sldNum" sz="quarter" idx="5"/>
+          </p:nvPr>
+        </p:nvSpPr>
+        <p:spPr/>
+        <p:txBody>
+          <a:bodyPr/>
+          <a:lstStyle/>
+          <a:p>
+            <a:fld id="{DAF72F06-F6ED-43C1-A86D-15B5F2AFDECD}" type="slidenum">
+              <a:rPr lang="en-US" smtClean="0"/>
+              <a:t>15</a:t>
+            </a:fld>
+            <a:endParaRPr lang="en-US" dirty="0"/>
+          </a:p>
+        </p:txBody>
+      </p:sp>
+    </p:spTree>
+    <p:extLst>
+      <p:ext uri="{BB962C8B-B14F-4D97-AF65-F5344CB8AC3E}">
+        <p14:creationId xmlns:p14="http://schemas.microsoft.com/office/powerpoint/2010/main" val="674151515"/>
+      </p:ext>
+    </p:extLst>
+  </p:cSld>
+  <p:clrMapOvr>
+    <a:masterClrMapping/>
+  </p:clrMapOvr>
+</p:notes>
+</file>
+
+<file path=ppt/notesSlides/notesSlide16.xml><?xml version="1.0" encoding="utf-8"?>
+<p:notes xmlns:a="http://schemas.openxmlformats.org/drawingml/2006/main" xmlns:r="http://schemas.openxmlformats.org/officeDocument/2006/relationships" xmlns:p="http://schemas.openxmlformats.org/presentationml/2006/main">
+  <p:cSld>
+    <p:spTree>
+      <p:nvGrpSpPr>
+        <p:cNvPr id="1" name="">
+          <a:extLst>
+            <a:ext uri="{FF2B5EF4-FFF2-40B4-BE49-F238E27FC236}">
+              <a16:creationId xmlns:a16="http://schemas.microsoft.com/office/drawing/2014/main" id="{6E69A30B-0A84-0A6B-47ED-79D57707FFD0}"/>
+            </a:ext>
+          </a:extLst>
+        </p:cNvPr>
+        <p:cNvGrpSpPr/>
+        <p:nvPr/>
+      </p:nvGrpSpPr>
+      <p:grpSpPr>
+        <a:xfrm>
+          <a:off x="0" y="0"/>
+          <a:ext cx="0" cy="0"/>
+          <a:chOff x="0" y="0"/>
+          <a:chExt cx="0" cy="0"/>
+        </a:xfrm>
+      </p:grpSpPr>
+      <p:sp>
+        <p:nvSpPr>
+          <p:cNvPr id="2" name="Slide Image Placeholder 1">
+            <a:extLst>
+              <a:ext uri="{FF2B5EF4-FFF2-40B4-BE49-F238E27FC236}">
+                <a16:creationId xmlns:a16="http://schemas.microsoft.com/office/drawing/2014/main" id="{EE2E58DA-32CA-89A0-0A66-470F74F296CF}"/>
+              </a:ext>
+            </a:extLst>
+          </p:cNvPr>
+          <p:cNvSpPr>
+            <a:spLocks noGrp="1" noRot="1" noChangeAspect="1"/>
+          </p:cNvSpPr>
+          <p:nvPr>
+            <p:ph type="sldImg"/>
+          </p:nvPr>
+        </p:nvSpPr>
+        <p:spPr/>
+      </p:sp>
+      <p:sp>
+        <p:nvSpPr>
+          <p:cNvPr id="3" name="Notes Placeholder 2">
+            <a:extLst>
+              <a:ext uri="{FF2B5EF4-FFF2-40B4-BE49-F238E27FC236}">
+                <a16:creationId xmlns:a16="http://schemas.microsoft.com/office/drawing/2014/main" id="{D728DAA3-B51D-5AC9-0BF0-9D1848550626}"/>
+              </a:ext>
+            </a:extLst>
+          </p:cNvPr>
+          <p:cNvSpPr>
+            <a:spLocks noGrp="1"/>
+          </p:cNvSpPr>
+          <p:nvPr>
+            <p:ph type="body" idx="1"/>
+          </p:nvPr>
+        </p:nvSpPr>
+        <p:spPr/>
+        <p:txBody>
+          <a:bodyPr/>
+          <a:lstStyle/>
+          <a:p>
+            <a:endParaRPr lang="en-US" dirty="0"/>
+          </a:p>
+        </p:txBody>
+      </p:sp>
+      <p:sp>
+        <p:nvSpPr>
+          <p:cNvPr id="4" name="Slide Number Placeholder 3">
+            <a:extLst>
+              <a:ext uri="{FF2B5EF4-FFF2-40B4-BE49-F238E27FC236}">
+                <a16:creationId xmlns:a16="http://schemas.microsoft.com/office/drawing/2014/main" id="{E9A84A28-22D1-1271-8C77-0E971EBCE582}"/>
+              </a:ext>
+            </a:extLst>
+          </p:cNvPr>
+          <p:cNvSpPr>
+            <a:spLocks noGrp="1"/>
+          </p:cNvSpPr>
+          <p:nvPr>
+            <p:ph type="sldNum" sz="quarter" idx="5"/>
+          </p:nvPr>
+        </p:nvSpPr>
+        <p:spPr/>
+        <p:txBody>
+          <a:bodyPr/>
+          <a:lstStyle/>
+          <a:p>
+            <a:fld id="{DAF72F06-F6ED-43C1-A86D-15B5F2AFDECD}" type="slidenum">
+              <a:rPr lang="en-US" smtClean="0"/>
+              <a:t>16</a:t>
+            </a:fld>
+            <a:endParaRPr lang="en-US" dirty="0"/>
+          </a:p>
+        </p:txBody>
+      </p:sp>
+    </p:spTree>
+    <p:extLst>
+      <p:ext uri="{BB962C8B-B14F-4D97-AF65-F5344CB8AC3E}">
+        <p14:creationId xmlns:p14="http://schemas.microsoft.com/office/powerpoint/2010/main" val="2825325768"/>
+      </p:ext>
+    </p:extLst>
+  </p:cSld>
+  <p:clrMapOvr>
+    <a:masterClrMapping/>
+  </p:clrMapOvr>
+</p:notes>
+</file>
+
+<file path=ppt/notesSlides/notesSlide17.xml><?xml version="1.0" encoding="utf-8"?>
+<p:notes xmlns:a="http://schemas.openxmlformats.org/drawingml/2006/main" xmlns:r="http://schemas.openxmlformats.org/officeDocument/2006/relationships" xmlns:p="http://schemas.openxmlformats.org/presentationml/2006/main">
+  <p:cSld>
+    <p:spTree>
+      <p:nvGrpSpPr>
+        <p:cNvPr id="1" name="">
+          <a:extLst>
+            <a:ext uri="{FF2B5EF4-FFF2-40B4-BE49-F238E27FC236}">
+              <a16:creationId xmlns:a16="http://schemas.microsoft.com/office/drawing/2014/main" id="{538180BC-B23C-6ABE-9E15-A0A9DDBC281B}"/>
+            </a:ext>
+          </a:extLst>
+        </p:cNvPr>
+        <p:cNvGrpSpPr/>
+        <p:nvPr/>
+      </p:nvGrpSpPr>
+      <p:grpSpPr>
+        <a:xfrm>
+          <a:off x="0" y="0"/>
+          <a:ext cx="0" cy="0"/>
+          <a:chOff x="0" y="0"/>
+          <a:chExt cx="0" cy="0"/>
+        </a:xfrm>
+      </p:grpSpPr>
+      <p:sp>
+        <p:nvSpPr>
+          <p:cNvPr id="2" name="Slide Image Placeholder 1">
+            <a:extLst>
+              <a:ext uri="{FF2B5EF4-FFF2-40B4-BE49-F238E27FC236}">
+                <a16:creationId xmlns:a16="http://schemas.microsoft.com/office/drawing/2014/main" id="{F3DE56BD-9599-427F-C1BB-AE4C69979686}"/>
+              </a:ext>
+            </a:extLst>
+          </p:cNvPr>
+          <p:cNvSpPr>
+            <a:spLocks noGrp="1" noRot="1" noChangeAspect="1"/>
+          </p:cNvSpPr>
+          <p:nvPr>
+            <p:ph type="sldImg"/>
+          </p:nvPr>
+        </p:nvSpPr>
+        <p:spPr/>
+      </p:sp>
+      <p:sp>
+        <p:nvSpPr>
+          <p:cNvPr id="3" name="Notes Placeholder 2">
+            <a:extLst>
+              <a:ext uri="{FF2B5EF4-FFF2-40B4-BE49-F238E27FC236}">
+                <a16:creationId xmlns:a16="http://schemas.microsoft.com/office/drawing/2014/main" id="{8B0AF2FE-41D6-CFB1-2E66-EA05130968CD}"/>
+              </a:ext>
+            </a:extLst>
+          </p:cNvPr>
+          <p:cNvSpPr>
+            <a:spLocks noGrp="1"/>
+          </p:cNvSpPr>
+          <p:nvPr>
+            <p:ph type="body" idx="1"/>
+          </p:nvPr>
+        </p:nvSpPr>
+        <p:spPr/>
+        <p:txBody>
+          <a:bodyPr/>
+          <a:lstStyle/>
+          <a:p>
+            <a:endParaRPr lang="en-US" dirty="0"/>
+          </a:p>
+        </p:txBody>
+      </p:sp>
+      <p:sp>
+        <p:nvSpPr>
+          <p:cNvPr id="4" name="Slide Number Placeholder 3">
+            <a:extLst>
+              <a:ext uri="{FF2B5EF4-FFF2-40B4-BE49-F238E27FC236}">
+                <a16:creationId xmlns:a16="http://schemas.microsoft.com/office/drawing/2014/main" id="{76D88099-47E4-6DC6-B316-67F549EF6501}"/>
+              </a:ext>
+            </a:extLst>
+          </p:cNvPr>
+          <p:cNvSpPr>
+            <a:spLocks noGrp="1"/>
+          </p:cNvSpPr>
+          <p:nvPr>
+            <p:ph type="sldNum" sz="quarter" idx="5"/>
+          </p:nvPr>
+        </p:nvSpPr>
+        <p:spPr/>
+        <p:txBody>
+          <a:bodyPr/>
+          <a:lstStyle/>
+          <a:p>
+            <a:fld id="{DAF72F06-F6ED-43C1-A86D-15B5F2AFDECD}" type="slidenum">
+              <a:rPr lang="en-US" smtClean="0"/>
+              <a:t>17</a:t>
+            </a:fld>
+            <a:endParaRPr lang="en-US" dirty="0"/>
+          </a:p>
+        </p:txBody>
+      </p:sp>
+    </p:spTree>
+    <p:extLst>
+      <p:ext uri="{BB962C8B-B14F-4D97-AF65-F5344CB8AC3E}">
+        <p14:creationId xmlns:p14="http://schemas.microsoft.com/office/powerpoint/2010/main" val="1249733332"/>
+      </p:ext>
+    </p:extLst>
+  </p:cSld>
+  <p:clrMapOvr>
+    <a:masterClrMapping/>
+  </p:clrMapOvr>
+</p:notes>
+</file>
+
+<file path=ppt/notesSlides/notesSlide18.xml><?xml version="1.0" encoding="utf-8"?>
+<p:notes xmlns:a="http://schemas.openxmlformats.org/drawingml/2006/main" xmlns:r="http://schemas.openxmlformats.org/officeDocument/2006/relationships" xmlns:p="http://schemas.openxmlformats.org/presentationml/2006/main">
+  <p:cSld>
+    <p:spTree>
+      <p:nvGrpSpPr>
+        <p:cNvPr id="1" name="">
+          <a:extLst>
+            <a:ext uri="{FF2B5EF4-FFF2-40B4-BE49-F238E27FC236}">
+              <a16:creationId xmlns:a16="http://schemas.microsoft.com/office/drawing/2014/main" id="{BB223ACD-B710-879A-89BC-FF89121458EF}"/>
+            </a:ext>
+          </a:extLst>
+        </p:cNvPr>
+        <p:cNvGrpSpPr/>
+        <p:nvPr/>
+      </p:nvGrpSpPr>
+      <p:grpSpPr>
+        <a:xfrm>
+          <a:off x="0" y="0"/>
+          <a:ext cx="0" cy="0"/>
+          <a:chOff x="0" y="0"/>
+          <a:chExt cx="0" cy="0"/>
+        </a:xfrm>
+      </p:grpSpPr>
+      <p:sp>
+        <p:nvSpPr>
+          <p:cNvPr id="2" name="Slide Image Placeholder 1">
+            <a:extLst>
+              <a:ext uri="{FF2B5EF4-FFF2-40B4-BE49-F238E27FC236}">
+                <a16:creationId xmlns:a16="http://schemas.microsoft.com/office/drawing/2014/main" id="{BC207B1D-BA9A-74CD-7958-2AF98FF81406}"/>
+              </a:ext>
+            </a:extLst>
+          </p:cNvPr>
+          <p:cNvSpPr>
+            <a:spLocks noGrp="1" noRot="1" noChangeAspect="1"/>
+          </p:cNvSpPr>
+          <p:nvPr>
+            <p:ph type="sldImg"/>
+          </p:nvPr>
+        </p:nvSpPr>
+        <p:spPr/>
+      </p:sp>
+      <p:sp>
+        <p:nvSpPr>
+          <p:cNvPr id="3" name="Notes Placeholder 2">
+            <a:extLst>
+              <a:ext uri="{FF2B5EF4-FFF2-40B4-BE49-F238E27FC236}">
+                <a16:creationId xmlns:a16="http://schemas.microsoft.com/office/drawing/2014/main" id="{F6D1B796-CC33-80E5-412B-065210165112}"/>
+              </a:ext>
+            </a:extLst>
+          </p:cNvPr>
+          <p:cNvSpPr>
+            <a:spLocks noGrp="1"/>
+          </p:cNvSpPr>
+          <p:nvPr>
+            <p:ph type="body" idx="1"/>
+          </p:nvPr>
+        </p:nvSpPr>
+        <p:spPr/>
+        <p:txBody>
+          <a:bodyPr/>
+          <a:lstStyle/>
+          <a:p>
+            <a:endParaRPr lang="en-US" dirty="0"/>
+          </a:p>
+        </p:txBody>
+      </p:sp>
+      <p:sp>
+        <p:nvSpPr>
+          <p:cNvPr id="4" name="Slide Number Placeholder 3">
+            <a:extLst>
+              <a:ext uri="{FF2B5EF4-FFF2-40B4-BE49-F238E27FC236}">
+                <a16:creationId xmlns:a16="http://schemas.microsoft.com/office/drawing/2014/main" id="{C735FE20-2B68-D3E5-631E-109D1228033D}"/>
+              </a:ext>
+            </a:extLst>
+          </p:cNvPr>
+          <p:cNvSpPr>
+            <a:spLocks noGrp="1"/>
+          </p:cNvSpPr>
+          <p:nvPr>
+            <p:ph type="sldNum" sz="quarter" idx="5"/>
+          </p:nvPr>
+        </p:nvSpPr>
+        <p:spPr/>
+        <p:txBody>
+          <a:bodyPr/>
+          <a:lstStyle/>
+          <a:p>
+            <a:fld id="{DAF72F06-F6ED-43C1-A86D-15B5F2AFDECD}" type="slidenum">
+              <a:rPr lang="en-US" smtClean="0"/>
+              <a:t>18</a:t>
+            </a:fld>
+            <a:endParaRPr lang="en-US" dirty="0"/>
+          </a:p>
+        </p:txBody>
+      </p:sp>
+    </p:spTree>
+    <p:extLst>
+      <p:ext uri="{BB962C8B-B14F-4D97-AF65-F5344CB8AC3E}">
+        <p14:creationId xmlns:p14="http://schemas.microsoft.com/office/powerpoint/2010/main" val="2512354206"/>
+      </p:ext>
+    </p:extLst>
+  </p:cSld>
+  <p:clrMapOvr>
+    <a:masterClrMapping/>
+  </p:clrMapOvr>
+</p:notes>
+</file>
+
 <file path=ppt/notesSlides/notesSlide2.xml><?xml version="1.0" encoding="utf-8"?>
 <p:notes xmlns:a="http://schemas.openxmlformats.org/drawingml/2006/main" xmlns:r="http://schemas.openxmlformats.org/officeDocument/2006/relationships" xmlns:p="http://schemas.openxmlformats.org/presentationml/2006/main">
   <p:cSld>
@@ -665,6 +1687,762 @@
     <p:extLst>
       <p:ext uri="{BB962C8B-B14F-4D97-AF65-F5344CB8AC3E}">
         <p14:creationId xmlns:p14="http://schemas.microsoft.com/office/powerpoint/2010/main" val="22475685"/>
+      </p:ext>
+    </p:extLst>
+  </p:cSld>
+  <p:clrMapOvr>
+    <a:masterClrMapping/>
+  </p:clrMapOvr>
+</p:notes>
+</file>
+
+<file path=ppt/notesSlides/notesSlide3.xml><?xml version="1.0" encoding="utf-8"?>
+<p:notes xmlns:a="http://schemas.openxmlformats.org/drawingml/2006/main" xmlns:r="http://schemas.openxmlformats.org/officeDocument/2006/relationships" xmlns:p="http://schemas.openxmlformats.org/presentationml/2006/main">
+  <p:cSld>
+    <p:spTree>
+      <p:nvGrpSpPr>
+        <p:cNvPr id="1" name="">
+          <a:extLst>
+            <a:ext uri="{FF2B5EF4-FFF2-40B4-BE49-F238E27FC236}">
+              <a16:creationId xmlns:a16="http://schemas.microsoft.com/office/drawing/2014/main" id="{69985EEF-5203-823D-121B-645C19F40DAF}"/>
+            </a:ext>
+          </a:extLst>
+        </p:cNvPr>
+        <p:cNvGrpSpPr/>
+        <p:nvPr/>
+      </p:nvGrpSpPr>
+      <p:grpSpPr>
+        <a:xfrm>
+          <a:off x="0" y="0"/>
+          <a:ext cx="0" cy="0"/>
+          <a:chOff x="0" y="0"/>
+          <a:chExt cx="0" cy="0"/>
+        </a:xfrm>
+      </p:grpSpPr>
+      <p:sp>
+        <p:nvSpPr>
+          <p:cNvPr id="2" name="Slide Image Placeholder 1">
+            <a:extLst>
+              <a:ext uri="{FF2B5EF4-FFF2-40B4-BE49-F238E27FC236}">
+                <a16:creationId xmlns:a16="http://schemas.microsoft.com/office/drawing/2014/main" id="{D9776F7B-B561-252B-DADC-54F96A4EDF23}"/>
+              </a:ext>
+            </a:extLst>
+          </p:cNvPr>
+          <p:cNvSpPr>
+            <a:spLocks noGrp="1" noRot="1" noChangeAspect="1"/>
+          </p:cNvSpPr>
+          <p:nvPr>
+            <p:ph type="sldImg"/>
+          </p:nvPr>
+        </p:nvSpPr>
+        <p:spPr/>
+      </p:sp>
+      <p:sp>
+        <p:nvSpPr>
+          <p:cNvPr id="3" name="Notes Placeholder 2">
+            <a:extLst>
+              <a:ext uri="{FF2B5EF4-FFF2-40B4-BE49-F238E27FC236}">
+                <a16:creationId xmlns:a16="http://schemas.microsoft.com/office/drawing/2014/main" id="{93A3BC56-8F11-CDC1-6BE9-33020C9C2E04}"/>
+              </a:ext>
+            </a:extLst>
+          </p:cNvPr>
+          <p:cNvSpPr>
+            <a:spLocks noGrp="1"/>
+          </p:cNvSpPr>
+          <p:nvPr>
+            <p:ph type="body" idx="1"/>
+          </p:nvPr>
+        </p:nvSpPr>
+        <p:spPr/>
+        <p:txBody>
+          <a:bodyPr/>
+          <a:lstStyle/>
+          <a:p>
+            <a:endParaRPr lang="en-US" dirty="0"/>
+          </a:p>
+        </p:txBody>
+      </p:sp>
+      <p:sp>
+        <p:nvSpPr>
+          <p:cNvPr id="4" name="Slide Number Placeholder 3">
+            <a:extLst>
+              <a:ext uri="{FF2B5EF4-FFF2-40B4-BE49-F238E27FC236}">
+                <a16:creationId xmlns:a16="http://schemas.microsoft.com/office/drawing/2014/main" id="{A78DA1D4-45B4-8FF7-9444-2D61418021FB}"/>
+              </a:ext>
+            </a:extLst>
+          </p:cNvPr>
+          <p:cNvSpPr>
+            <a:spLocks noGrp="1"/>
+          </p:cNvSpPr>
+          <p:nvPr>
+            <p:ph type="sldNum" sz="quarter" idx="5"/>
+          </p:nvPr>
+        </p:nvSpPr>
+        <p:spPr/>
+        <p:txBody>
+          <a:bodyPr/>
+          <a:lstStyle/>
+          <a:p>
+            <a:fld id="{DAF72F06-F6ED-43C1-A86D-15B5F2AFDECD}" type="slidenum">
+              <a:rPr lang="en-US" smtClean="0"/>
+              <a:t>3</a:t>
+            </a:fld>
+            <a:endParaRPr lang="en-US" dirty="0"/>
+          </a:p>
+        </p:txBody>
+      </p:sp>
+    </p:spTree>
+    <p:extLst>
+      <p:ext uri="{BB962C8B-B14F-4D97-AF65-F5344CB8AC3E}">
+        <p14:creationId xmlns:p14="http://schemas.microsoft.com/office/powerpoint/2010/main" val="77030783"/>
+      </p:ext>
+    </p:extLst>
+  </p:cSld>
+  <p:clrMapOvr>
+    <a:masterClrMapping/>
+  </p:clrMapOvr>
+</p:notes>
+</file>
+
+<file path=ppt/notesSlides/notesSlide4.xml><?xml version="1.0" encoding="utf-8"?>
+<p:notes xmlns:a="http://schemas.openxmlformats.org/drawingml/2006/main" xmlns:r="http://schemas.openxmlformats.org/officeDocument/2006/relationships" xmlns:p="http://schemas.openxmlformats.org/presentationml/2006/main">
+  <p:cSld>
+    <p:spTree>
+      <p:nvGrpSpPr>
+        <p:cNvPr id="1" name="">
+          <a:extLst>
+            <a:ext uri="{FF2B5EF4-FFF2-40B4-BE49-F238E27FC236}">
+              <a16:creationId xmlns:a16="http://schemas.microsoft.com/office/drawing/2014/main" id="{38045F2C-9559-B46F-0116-9FE459833762}"/>
+            </a:ext>
+          </a:extLst>
+        </p:cNvPr>
+        <p:cNvGrpSpPr/>
+        <p:nvPr/>
+      </p:nvGrpSpPr>
+      <p:grpSpPr>
+        <a:xfrm>
+          <a:off x="0" y="0"/>
+          <a:ext cx="0" cy="0"/>
+          <a:chOff x="0" y="0"/>
+          <a:chExt cx="0" cy="0"/>
+        </a:xfrm>
+      </p:grpSpPr>
+      <p:sp>
+        <p:nvSpPr>
+          <p:cNvPr id="2" name="Slide Image Placeholder 1">
+            <a:extLst>
+              <a:ext uri="{FF2B5EF4-FFF2-40B4-BE49-F238E27FC236}">
+                <a16:creationId xmlns:a16="http://schemas.microsoft.com/office/drawing/2014/main" id="{B06A6C9E-249A-0422-2DA9-5CA953B2AFAB}"/>
+              </a:ext>
+            </a:extLst>
+          </p:cNvPr>
+          <p:cNvSpPr>
+            <a:spLocks noGrp="1" noRot="1" noChangeAspect="1"/>
+          </p:cNvSpPr>
+          <p:nvPr>
+            <p:ph type="sldImg"/>
+          </p:nvPr>
+        </p:nvSpPr>
+        <p:spPr/>
+      </p:sp>
+      <p:sp>
+        <p:nvSpPr>
+          <p:cNvPr id="3" name="Notes Placeholder 2">
+            <a:extLst>
+              <a:ext uri="{FF2B5EF4-FFF2-40B4-BE49-F238E27FC236}">
+                <a16:creationId xmlns:a16="http://schemas.microsoft.com/office/drawing/2014/main" id="{D8C9EED3-A407-9A24-EE2D-7307EEC79818}"/>
+              </a:ext>
+            </a:extLst>
+          </p:cNvPr>
+          <p:cNvSpPr>
+            <a:spLocks noGrp="1"/>
+          </p:cNvSpPr>
+          <p:nvPr>
+            <p:ph type="body" idx="1"/>
+          </p:nvPr>
+        </p:nvSpPr>
+        <p:spPr/>
+        <p:txBody>
+          <a:bodyPr/>
+          <a:lstStyle/>
+          <a:p>
+            <a:endParaRPr lang="en-US" dirty="0"/>
+          </a:p>
+        </p:txBody>
+      </p:sp>
+      <p:sp>
+        <p:nvSpPr>
+          <p:cNvPr id="4" name="Slide Number Placeholder 3">
+            <a:extLst>
+              <a:ext uri="{FF2B5EF4-FFF2-40B4-BE49-F238E27FC236}">
+                <a16:creationId xmlns:a16="http://schemas.microsoft.com/office/drawing/2014/main" id="{4ABEBB1E-1A2C-361B-2B95-27F49A78A409}"/>
+              </a:ext>
+            </a:extLst>
+          </p:cNvPr>
+          <p:cNvSpPr>
+            <a:spLocks noGrp="1"/>
+          </p:cNvSpPr>
+          <p:nvPr>
+            <p:ph type="sldNum" sz="quarter" idx="5"/>
+          </p:nvPr>
+        </p:nvSpPr>
+        <p:spPr/>
+        <p:txBody>
+          <a:bodyPr/>
+          <a:lstStyle/>
+          <a:p>
+            <a:fld id="{DAF72F06-F6ED-43C1-A86D-15B5F2AFDECD}" type="slidenum">
+              <a:rPr lang="en-US" smtClean="0"/>
+              <a:t>4</a:t>
+            </a:fld>
+            <a:endParaRPr lang="en-US" dirty="0"/>
+          </a:p>
+        </p:txBody>
+      </p:sp>
+    </p:spTree>
+    <p:extLst>
+      <p:ext uri="{BB962C8B-B14F-4D97-AF65-F5344CB8AC3E}">
+        <p14:creationId xmlns:p14="http://schemas.microsoft.com/office/powerpoint/2010/main" val="3695035391"/>
+      </p:ext>
+    </p:extLst>
+  </p:cSld>
+  <p:clrMapOvr>
+    <a:masterClrMapping/>
+  </p:clrMapOvr>
+</p:notes>
+</file>
+
+<file path=ppt/notesSlides/notesSlide5.xml><?xml version="1.0" encoding="utf-8"?>
+<p:notes xmlns:a="http://schemas.openxmlformats.org/drawingml/2006/main" xmlns:r="http://schemas.openxmlformats.org/officeDocument/2006/relationships" xmlns:p="http://schemas.openxmlformats.org/presentationml/2006/main">
+  <p:cSld>
+    <p:spTree>
+      <p:nvGrpSpPr>
+        <p:cNvPr id="1" name="">
+          <a:extLst>
+            <a:ext uri="{FF2B5EF4-FFF2-40B4-BE49-F238E27FC236}">
+              <a16:creationId xmlns:a16="http://schemas.microsoft.com/office/drawing/2014/main" id="{23C3D25C-E426-AF3A-C5C9-36F25F934D38}"/>
+            </a:ext>
+          </a:extLst>
+        </p:cNvPr>
+        <p:cNvGrpSpPr/>
+        <p:nvPr/>
+      </p:nvGrpSpPr>
+      <p:grpSpPr>
+        <a:xfrm>
+          <a:off x="0" y="0"/>
+          <a:ext cx="0" cy="0"/>
+          <a:chOff x="0" y="0"/>
+          <a:chExt cx="0" cy="0"/>
+        </a:xfrm>
+      </p:grpSpPr>
+      <p:sp>
+        <p:nvSpPr>
+          <p:cNvPr id="2" name="Slide Image Placeholder 1">
+            <a:extLst>
+              <a:ext uri="{FF2B5EF4-FFF2-40B4-BE49-F238E27FC236}">
+                <a16:creationId xmlns:a16="http://schemas.microsoft.com/office/drawing/2014/main" id="{D037CD74-1157-3810-0CA8-BA446FCB878B}"/>
+              </a:ext>
+            </a:extLst>
+          </p:cNvPr>
+          <p:cNvSpPr>
+            <a:spLocks noGrp="1" noRot="1" noChangeAspect="1"/>
+          </p:cNvSpPr>
+          <p:nvPr>
+            <p:ph type="sldImg"/>
+          </p:nvPr>
+        </p:nvSpPr>
+        <p:spPr/>
+      </p:sp>
+      <p:sp>
+        <p:nvSpPr>
+          <p:cNvPr id="3" name="Notes Placeholder 2">
+            <a:extLst>
+              <a:ext uri="{FF2B5EF4-FFF2-40B4-BE49-F238E27FC236}">
+                <a16:creationId xmlns:a16="http://schemas.microsoft.com/office/drawing/2014/main" id="{BF8E9EB5-9DD6-7F2F-3358-E3CB3AF9F89B}"/>
+              </a:ext>
+            </a:extLst>
+          </p:cNvPr>
+          <p:cNvSpPr>
+            <a:spLocks noGrp="1"/>
+          </p:cNvSpPr>
+          <p:nvPr>
+            <p:ph type="body" idx="1"/>
+          </p:nvPr>
+        </p:nvSpPr>
+        <p:spPr/>
+        <p:txBody>
+          <a:bodyPr/>
+          <a:lstStyle/>
+          <a:p>
+            <a:endParaRPr lang="en-US" dirty="0"/>
+          </a:p>
+        </p:txBody>
+      </p:sp>
+      <p:sp>
+        <p:nvSpPr>
+          <p:cNvPr id="4" name="Slide Number Placeholder 3">
+            <a:extLst>
+              <a:ext uri="{FF2B5EF4-FFF2-40B4-BE49-F238E27FC236}">
+                <a16:creationId xmlns:a16="http://schemas.microsoft.com/office/drawing/2014/main" id="{71BD348C-65F3-415E-A65A-00613DF9CA5C}"/>
+              </a:ext>
+            </a:extLst>
+          </p:cNvPr>
+          <p:cNvSpPr>
+            <a:spLocks noGrp="1"/>
+          </p:cNvSpPr>
+          <p:nvPr>
+            <p:ph type="sldNum" sz="quarter" idx="5"/>
+          </p:nvPr>
+        </p:nvSpPr>
+        <p:spPr/>
+        <p:txBody>
+          <a:bodyPr/>
+          <a:lstStyle/>
+          <a:p>
+            <a:fld id="{DAF72F06-F6ED-43C1-A86D-15B5F2AFDECD}" type="slidenum">
+              <a:rPr lang="en-US" smtClean="0"/>
+              <a:t>5</a:t>
+            </a:fld>
+            <a:endParaRPr lang="en-US" dirty="0"/>
+          </a:p>
+        </p:txBody>
+      </p:sp>
+    </p:spTree>
+    <p:extLst>
+      <p:ext uri="{BB962C8B-B14F-4D97-AF65-F5344CB8AC3E}">
+        <p14:creationId xmlns:p14="http://schemas.microsoft.com/office/powerpoint/2010/main" val="601572257"/>
+      </p:ext>
+    </p:extLst>
+  </p:cSld>
+  <p:clrMapOvr>
+    <a:masterClrMapping/>
+  </p:clrMapOvr>
+</p:notes>
+</file>
+
+<file path=ppt/notesSlides/notesSlide6.xml><?xml version="1.0" encoding="utf-8"?>
+<p:notes xmlns:a="http://schemas.openxmlformats.org/drawingml/2006/main" xmlns:r="http://schemas.openxmlformats.org/officeDocument/2006/relationships" xmlns:p="http://schemas.openxmlformats.org/presentationml/2006/main">
+  <p:cSld>
+    <p:spTree>
+      <p:nvGrpSpPr>
+        <p:cNvPr id="1" name="">
+          <a:extLst>
+            <a:ext uri="{FF2B5EF4-FFF2-40B4-BE49-F238E27FC236}">
+              <a16:creationId xmlns:a16="http://schemas.microsoft.com/office/drawing/2014/main" id="{C925A2AE-3B4A-11EB-944C-1D1442FD80C0}"/>
+            </a:ext>
+          </a:extLst>
+        </p:cNvPr>
+        <p:cNvGrpSpPr/>
+        <p:nvPr/>
+      </p:nvGrpSpPr>
+      <p:grpSpPr>
+        <a:xfrm>
+          <a:off x="0" y="0"/>
+          <a:ext cx="0" cy="0"/>
+          <a:chOff x="0" y="0"/>
+          <a:chExt cx="0" cy="0"/>
+        </a:xfrm>
+      </p:grpSpPr>
+      <p:sp>
+        <p:nvSpPr>
+          <p:cNvPr id="2" name="Slide Image Placeholder 1">
+            <a:extLst>
+              <a:ext uri="{FF2B5EF4-FFF2-40B4-BE49-F238E27FC236}">
+                <a16:creationId xmlns:a16="http://schemas.microsoft.com/office/drawing/2014/main" id="{51892B57-A201-7B71-D29A-3865930344ED}"/>
+              </a:ext>
+            </a:extLst>
+          </p:cNvPr>
+          <p:cNvSpPr>
+            <a:spLocks noGrp="1" noRot="1" noChangeAspect="1"/>
+          </p:cNvSpPr>
+          <p:nvPr>
+            <p:ph type="sldImg"/>
+          </p:nvPr>
+        </p:nvSpPr>
+        <p:spPr/>
+      </p:sp>
+      <p:sp>
+        <p:nvSpPr>
+          <p:cNvPr id="3" name="Notes Placeholder 2">
+            <a:extLst>
+              <a:ext uri="{FF2B5EF4-FFF2-40B4-BE49-F238E27FC236}">
+                <a16:creationId xmlns:a16="http://schemas.microsoft.com/office/drawing/2014/main" id="{9512F928-B555-9981-1065-C17AE913BA62}"/>
+              </a:ext>
+            </a:extLst>
+          </p:cNvPr>
+          <p:cNvSpPr>
+            <a:spLocks noGrp="1"/>
+          </p:cNvSpPr>
+          <p:nvPr>
+            <p:ph type="body" idx="1"/>
+          </p:nvPr>
+        </p:nvSpPr>
+        <p:spPr/>
+        <p:txBody>
+          <a:bodyPr/>
+          <a:lstStyle/>
+          <a:p>
+            <a:endParaRPr lang="en-US" dirty="0"/>
+          </a:p>
+        </p:txBody>
+      </p:sp>
+      <p:sp>
+        <p:nvSpPr>
+          <p:cNvPr id="4" name="Slide Number Placeholder 3">
+            <a:extLst>
+              <a:ext uri="{FF2B5EF4-FFF2-40B4-BE49-F238E27FC236}">
+                <a16:creationId xmlns:a16="http://schemas.microsoft.com/office/drawing/2014/main" id="{64378B39-25BB-4381-98FB-EA9DB40F3A4C}"/>
+              </a:ext>
+            </a:extLst>
+          </p:cNvPr>
+          <p:cNvSpPr>
+            <a:spLocks noGrp="1"/>
+          </p:cNvSpPr>
+          <p:nvPr>
+            <p:ph type="sldNum" sz="quarter" idx="5"/>
+          </p:nvPr>
+        </p:nvSpPr>
+        <p:spPr/>
+        <p:txBody>
+          <a:bodyPr/>
+          <a:lstStyle/>
+          <a:p>
+            <a:fld id="{DAF72F06-F6ED-43C1-A86D-15B5F2AFDECD}" type="slidenum">
+              <a:rPr lang="en-US" smtClean="0"/>
+              <a:t>6</a:t>
+            </a:fld>
+            <a:endParaRPr lang="en-US" dirty="0"/>
+          </a:p>
+        </p:txBody>
+      </p:sp>
+    </p:spTree>
+    <p:extLst>
+      <p:ext uri="{BB962C8B-B14F-4D97-AF65-F5344CB8AC3E}">
+        <p14:creationId xmlns:p14="http://schemas.microsoft.com/office/powerpoint/2010/main" val="217099939"/>
+      </p:ext>
+    </p:extLst>
+  </p:cSld>
+  <p:clrMapOvr>
+    <a:masterClrMapping/>
+  </p:clrMapOvr>
+</p:notes>
+</file>
+
+<file path=ppt/notesSlides/notesSlide7.xml><?xml version="1.0" encoding="utf-8"?>
+<p:notes xmlns:a="http://schemas.openxmlformats.org/drawingml/2006/main" xmlns:r="http://schemas.openxmlformats.org/officeDocument/2006/relationships" xmlns:p="http://schemas.openxmlformats.org/presentationml/2006/main">
+  <p:cSld>
+    <p:spTree>
+      <p:nvGrpSpPr>
+        <p:cNvPr id="1" name="">
+          <a:extLst>
+            <a:ext uri="{FF2B5EF4-FFF2-40B4-BE49-F238E27FC236}">
+              <a16:creationId xmlns:a16="http://schemas.microsoft.com/office/drawing/2014/main" id="{5965BD01-7083-43D9-D1AA-EB28604272A3}"/>
+            </a:ext>
+          </a:extLst>
+        </p:cNvPr>
+        <p:cNvGrpSpPr/>
+        <p:nvPr/>
+      </p:nvGrpSpPr>
+      <p:grpSpPr>
+        <a:xfrm>
+          <a:off x="0" y="0"/>
+          <a:ext cx="0" cy="0"/>
+          <a:chOff x="0" y="0"/>
+          <a:chExt cx="0" cy="0"/>
+        </a:xfrm>
+      </p:grpSpPr>
+      <p:sp>
+        <p:nvSpPr>
+          <p:cNvPr id="2" name="Slide Image Placeholder 1">
+            <a:extLst>
+              <a:ext uri="{FF2B5EF4-FFF2-40B4-BE49-F238E27FC236}">
+                <a16:creationId xmlns:a16="http://schemas.microsoft.com/office/drawing/2014/main" id="{EF5440B2-6F08-3465-E9A9-069F56BD8022}"/>
+              </a:ext>
+            </a:extLst>
+          </p:cNvPr>
+          <p:cNvSpPr>
+            <a:spLocks noGrp="1" noRot="1" noChangeAspect="1"/>
+          </p:cNvSpPr>
+          <p:nvPr>
+            <p:ph type="sldImg"/>
+          </p:nvPr>
+        </p:nvSpPr>
+        <p:spPr/>
+      </p:sp>
+      <p:sp>
+        <p:nvSpPr>
+          <p:cNvPr id="3" name="Notes Placeholder 2">
+            <a:extLst>
+              <a:ext uri="{FF2B5EF4-FFF2-40B4-BE49-F238E27FC236}">
+                <a16:creationId xmlns:a16="http://schemas.microsoft.com/office/drawing/2014/main" id="{8EB359DF-AF85-936F-E8C7-79798F8BF8DC}"/>
+              </a:ext>
+            </a:extLst>
+          </p:cNvPr>
+          <p:cNvSpPr>
+            <a:spLocks noGrp="1"/>
+          </p:cNvSpPr>
+          <p:nvPr>
+            <p:ph type="body" idx="1"/>
+          </p:nvPr>
+        </p:nvSpPr>
+        <p:spPr/>
+        <p:txBody>
+          <a:bodyPr/>
+          <a:lstStyle/>
+          <a:p>
+            <a:endParaRPr lang="en-US" dirty="0"/>
+          </a:p>
+        </p:txBody>
+      </p:sp>
+      <p:sp>
+        <p:nvSpPr>
+          <p:cNvPr id="4" name="Slide Number Placeholder 3">
+            <a:extLst>
+              <a:ext uri="{FF2B5EF4-FFF2-40B4-BE49-F238E27FC236}">
+                <a16:creationId xmlns:a16="http://schemas.microsoft.com/office/drawing/2014/main" id="{EB0ED5D6-5875-7E0E-3EC1-564EEBB0BF31}"/>
+              </a:ext>
+            </a:extLst>
+          </p:cNvPr>
+          <p:cNvSpPr>
+            <a:spLocks noGrp="1"/>
+          </p:cNvSpPr>
+          <p:nvPr>
+            <p:ph type="sldNum" sz="quarter" idx="5"/>
+          </p:nvPr>
+        </p:nvSpPr>
+        <p:spPr/>
+        <p:txBody>
+          <a:bodyPr/>
+          <a:lstStyle/>
+          <a:p>
+            <a:fld id="{DAF72F06-F6ED-43C1-A86D-15B5F2AFDECD}" type="slidenum">
+              <a:rPr lang="en-US" smtClean="0"/>
+              <a:t>7</a:t>
+            </a:fld>
+            <a:endParaRPr lang="en-US" dirty="0"/>
+          </a:p>
+        </p:txBody>
+      </p:sp>
+    </p:spTree>
+    <p:extLst>
+      <p:ext uri="{BB962C8B-B14F-4D97-AF65-F5344CB8AC3E}">
+        <p14:creationId xmlns:p14="http://schemas.microsoft.com/office/powerpoint/2010/main" val="1258530115"/>
+      </p:ext>
+    </p:extLst>
+  </p:cSld>
+  <p:clrMapOvr>
+    <a:masterClrMapping/>
+  </p:clrMapOvr>
+</p:notes>
+</file>
+
+<file path=ppt/notesSlides/notesSlide8.xml><?xml version="1.0" encoding="utf-8"?>
+<p:notes xmlns:a="http://schemas.openxmlformats.org/drawingml/2006/main" xmlns:r="http://schemas.openxmlformats.org/officeDocument/2006/relationships" xmlns:p="http://schemas.openxmlformats.org/presentationml/2006/main">
+  <p:cSld>
+    <p:spTree>
+      <p:nvGrpSpPr>
+        <p:cNvPr id="1" name="">
+          <a:extLst>
+            <a:ext uri="{FF2B5EF4-FFF2-40B4-BE49-F238E27FC236}">
+              <a16:creationId xmlns:a16="http://schemas.microsoft.com/office/drawing/2014/main" id="{8955193E-0B80-8A3D-EA5B-10BC1934DBE2}"/>
+            </a:ext>
+          </a:extLst>
+        </p:cNvPr>
+        <p:cNvGrpSpPr/>
+        <p:nvPr/>
+      </p:nvGrpSpPr>
+      <p:grpSpPr>
+        <a:xfrm>
+          <a:off x="0" y="0"/>
+          <a:ext cx="0" cy="0"/>
+          <a:chOff x="0" y="0"/>
+          <a:chExt cx="0" cy="0"/>
+        </a:xfrm>
+      </p:grpSpPr>
+      <p:sp>
+        <p:nvSpPr>
+          <p:cNvPr id="2" name="Slide Image Placeholder 1">
+            <a:extLst>
+              <a:ext uri="{FF2B5EF4-FFF2-40B4-BE49-F238E27FC236}">
+                <a16:creationId xmlns:a16="http://schemas.microsoft.com/office/drawing/2014/main" id="{58072C6E-2753-9EAB-BC09-AF2CFD7D6F74}"/>
+              </a:ext>
+            </a:extLst>
+          </p:cNvPr>
+          <p:cNvSpPr>
+            <a:spLocks noGrp="1" noRot="1" noChangeAspect="1"/>
+          </p:cNvSpPr>
+          <p:nvPr>
+            <p:ph type="sldImg"/>
+          </p:nvPr>
+        </p:nvSpPr>
+        <p:spPr/>
+      </p:sp>
+      <p:sp>
+        <p:nvSpPr>
+          <p:cNvPr id="3" name="Notes Placeholder 2">
+            <a:extLst>
+              <a:ext uri="{FF2B5EF4-FFF2-40B4-BE49-F238E27FC236}">
+                <a16:creationId xmlns:a16="http://schemas.microsoft.com/office/drawing/2014/main" id="{C51395E0-045F-7186-9401-C4C37983DFD3}"/>
+              </a:ext>
+            </a:extLst>
+          </p:cNvPr>
+          <p:cNvSpPr>
+            <a:spLocks noGrp="1"/>
+          </p:cNvSpPr>
+          <p:nvPr>
+            <p:ph type="body" idx="1"/>
+          </p:nvPr>
+        </p:nvSpPr>
+        <p:spPr/>
+        <p:txBody>
+          <a:bodyPr/>
+          <a:lstStyle/>
+          <a:p>
+            <a:endParaRPr lang="en-US" dirty="0"/>
+          </a:p>
+        </p:txBody>
+      </p:sp>
+      <p:sp>
+        <p:nvSpPr>
+          <p:cNvPr id="4" name="Slide Number Placeholder 3">
+            <a:extLst>
+              <a:ext uri="{FF2B5EF4-FFF2-40B4-BE49-F238E27FC236}">
+                <a16:creationId xmlns:a16="http://schemas.microsoft.com/office/drawing/2014/main" id="{D6042273-CB15-D588-5F5C-8079705AEA16}"/>
+              </a:ext>
+            </a:extLst>
+          </p:cNvPr>
+          <p:cNvSpPr>
+            <a:spLocks noGrp="1"/>
+          </p:cNvSpPr>
+          <p:nvPr>
+            <p:ph type="sldNum" sz="quarter" idx="5"/>
+          </p:nvPr>
+        </p:nvSpPr>
+        <p:spPr/>
+        <p:txBody>
+          <a:bodyPr/>
+          <a:lstStyle/>
+          <a:p>
+            <a:fld id="{DAF72F06-F6ED-43C1-A86D-15B5F2AFDECD}" type="slidenum">
+              <a:rPr lang="en-US" smtClean="0"/>
+              <a:t>8</a:t>
+            </a:fld>
+            <a:endParaRPr lang="en-US" dirty="0"/>
+          </a:p>
+        </p:txBody>
+      </p:sp>
+    </p:spTree>
+    <p:extLst>
+      <p:ext uri="{BB962C8B-B14F-4D97-AF65-F5344CB8AC3E}">
+        <p14:creationId xmlns:p14="http://schemas.microsoft.com/office/powerpoint/2010/main" val="781971606"/>
+      </p:ext>
+    </p:extLst>
+  </p:cSld>
+  <p:clrMapOvr>
+    <a:masterClrMapping/>
+  </p:clrMapOvr>
+</p:notes>
+</file>
+
+<file path=ppt/notesSlides/notesSlide9.xml><?xml version="1.0" encoding="utf-8"?>
+<p:notes xmlns:a="http://schemas.openxmlformats.org/drawingml/2006/main" xmlns:r="http://schemas.openxmlformats.org/officeDocument/2006/relationships" xmlns:p="http://schemas.openxmlformats.org/presentationml/2006/main">
+  <p:cSld>
+    <p:spTree>
+      <p:nvGrpSpPr>
+        <p:cNvPr id="1" name="">
+          <a:extLst>
+            <a:ext uri="{FF2B5EF4-FFF2-40B4-BE49-F238E27FC236}">
+              <a16:creationId xmlns:a16="http://schemas.microsoft.com/office/drawing/2014/main" id="{E6502E42-67C0-7A65-85DA-D94AD609B785}"/>
+            </a:ext>
+          </a:extLst>
+        </p:cNvPr>
+        <p:cNvGrpSpPr/>
+        <p:nvPr/>
+      </p:nvGrpSpPr>
+      <p:grpSpPr>
+        <a:xfrm>
+          <a:off x="0" y="0"/>
+          <a:ext cx="0" cy="0"/>
+          <a:chOff x="0" y="0"/>
+          <a:chExt cx="0" cy="0"/>
+        </a:xfrm>
+      </p:grpSpPr>
+      <p:sp>
+        <p:nvSpPr>
+          <p:cNvPr id="2" name="Slide Image Placeholder 1">
+            <a:extLst>
+              <a:ext uri="{FF2B5EF4-FFF2-40B4-BE49-F238E27FC236}">
+                <a16:creationId xmlns:a16="http://schemas.microsoft.com/office/drawing/2014/main" id="{D62C7FD3-37AA-4F4E-9BBE-CA4A63BBC1F1}"/>
+              </a:ext>
+            </a:extLst>
+          </p:cNvPr>
+          <p:cNvSpPr>
+            <a:spLocks noGrp="1" noRot="1" noChangeAspect="1"/>
+          </p:cNvSpPr>
+          <p:nvPr>
+            <p:ph type="sldImg"/>
+          </p:nvPr>
+        </p:nvSpPr>
+        <p:spPr/>
+      </p:sp>
+      <p:sp>
+        <p:nvSpPr>
+          <p:cNvPr id="3" name="Notes Placeholder 2">
+            <a:extLst>
+              <a:ext uri="{FF2B5EF4-FFF2-40B4-BE49-F238E27FC236}">
+                <a16:creationId xmlns:a16="http://schemas.microsoft.com/office/drawing/2014/main" id="{E0B21405-ADE9-FEF5-A949-D22FB254B840}"/>
+              </a:ext>
+            </a:extLst>
+          </p:cNvPr>
+          <p:cNvSpPr>
+            <a:spLocks noGrp="1"/>
+          </p:cNvSpPr>
+          <p:nvPr>
+            <p:ph type="body" idx="1"/>
+          </p:nvPr>
+        </p:nvSpPr>
+        <p:spPr/>
+        <p:txBody>
+          <a:bodyPr/>
+          <a:lstStyle/>
+          <a:p>
+            <a:endParaRPr lang="en-US" dirty="0"/>
+          </a:p>
+        </p:txBody>
+      </p:sp>
+      <p:sp>
+        <p:nvSpPr>
+          <p:cNvPr id="4" name="Slide Number Placeholder 3">
+            <a:extLst>
+              <a:ext uri="{FF2B5EF4-FFF2-40B4-BE49-F238E27FC236}">
+                <a16:creationId xmlns:a16="http://schemas.microsoft.com/office/drawing/2014/main" id="{470C1AEF-B506-1B3D-414F-840F8E076720}"/>
+              </a:ext>
+            </a:extLst>
+          </p:cNvPr>
+          <p:cNvSpPr>
+            <a:spLocks noGrp="1"/>
+          </p:cNvSpPr>
+          <p:nvPr>
+            <p:ph type="sldNum" sz="quarter" idx="5"/>
+          </p:nvPr>
+        </p:nvSpPr>
+        <p:spPr/>
+        <p:txBody>
+          <a:bodyPr/>
+          <a:lstStyle/>
+          <a:p>
+            <a:fld id="{DAF72F06-F6ED-43C1-A86D-15B5F2AFDECD}" type="slidenum">
+              <a:rPr lang="en-US" smtClean="0"/>
+              <a:t>9</a:t>
+            </a:fld>
+            <a:endParaRPr lang="en-US" dirty="0"/>
+          </a:p>
+        </p:txBody>
+      </p:sp>
+    </p:spTree>
+    <p:extLst>
+      <p:ext uri="{BB962C8B-B14F-4D97-AF65-F5344CB8AC3E}">
+        <p14:creationId xmlns:p14="http://schemas.microsoft.com/office/powerpoint/2010/main" val="2949250262"/>
       </p:ext>
     </p:extLst>
   </p:cSld>
@@ -4003,6 +5781,2914 @@
 </p:sld>
 </file>
 
+<file path=ppt/slides/slide10.xml><?xml version="1.0" encoding="utf-8"?>
+<p:sld xmlns:a="http://schemas.openxmlformats.org/drawingml/2006/main" xmlns:r="http://schemas.openxmlformats.org/officeDocument/2006/relationships" xmlns:p="http://schemas.openxmlformats.org/presentationml/2006/main">
+  <p:cSld>
+    <p:spTree>
+      <p:nvGrpSpPr>
+        <p:cNvPr id="1" name="">
+          <a:extLst>
+            <a:ext uri="{FF2B5EF4-FFF2-40B4-BE49-F238E27FC236}">
+              <a16:creationId xmlns:a16="http://schemas.microsoft.com/office/drawing/2014/main" id="{6E5FA6C1-0EBD-F6B4-AB91-7AFD1D297EA7}"/>
+            </a:ext>
+          </a:extLst>
+        </p:cNvPr>
+        <p:cNvGrpSpPr/>
+        <p:nvPr/>
+      </p:nvGrpSpPr>
+      <p:grpSpPr>
+        <a:xfrm>
+          <a:off x="0" y="0"/>
+          <a:ext cx="0" cy="0"/>
+          <a:chOff x="0" y="0"/>
+          <a:chExt cx="0" cy="0"/>
+        </a:xfrm>
+      </p:grpSpPr>
+      <p:pic>
+        <p:nvPicPr>
+          <p:cNvPr id="5" name="Picture Placeholder 4" descr="Fog-covered mountain&#10;">
+            <a:extLst>
+              <a:ext uri="{FF2B5EF4-FFF2-40B4-BE49-F238E27FC236}">
+                <a16:creationId xmlns:a16="http://schemas.microsoft.com/office/drawing/2014/main" id="{AC4F893B-4D33-5D42-5262-B56E05DF82B6}"/>
+              </a:ext>
+            </a:extLst>
+          </p:cNvPr>
+          <p:cNvPicPr>
+            <a:picLocks noGrp="1" noChangeAspect="1"/>
+          </p:cNvPicPr>
+          <p:nvPr>
+            <p:ph type="pic" sz="quarter" idx="14"/>
+          </p:nvPr>
+        </p:nvPicPr>
+        <p:blipFill rotWithShape="1">
+          <a:blip r:embed="rId3">
+            <a:extLst>
+              <a:ext uri="{28A0092B-C50C-407E-A947-70E740481C1C}">
+                <a14:useLocalDpi xmlns:a14="http://schemas.microsoft.com/office/drawing/2010/main" val="0"/>
+              </a:ext>
+            </a:extLst>
+          </a:blip>
+          <a:srcRect/>
+          <a:stretch/>
+        </p:blipFill>
+        <p:spPr>
+          <a:xfrm>
+            <a:off x="0" y="0"/>
+            <a:ext cx="12196224" cy="6858000"/>
+          </a:xfrm>
+        </p:spPr>
+      </p:pic>
+      <p:sp>
+        <p:nvSpPr>
+          <p:cNvPr id="6" name="Title 2">
+            <a:extLst>
+              <a:ext uri="{FF2B5EF4-FFF2-40B4-BE49-F238E27FC236}">
+                <a16:creationId xmlns:a16="http://schemas.microsoft.com/office/drawing/2014/main" id="{EA8CDE64-2DDF-A448-B795-99311D7FF400}"/>
+              </a:ext>
+            </a:extLst>
+          </p:cNvPr>
+          <p:cNvSpPr>
+            <a:spLocks noGrp="1"/>
+          </p:cNvSpPr>
+          <p:nvPr>
+            <p:ph type="title"/>
+          </p:nvPr>
+        </p:nvSpPr>
+        <p:spPr>
+          <a:xfrm>
+            <a:off x="81440" y="82088"/>
+            <a:ext cx="9695273" cy="667633"/>
+          </a:xfrm>
+        </p:spPr>
+        <p:txBody>
+          <a:bodyPr>
+            <a:normAutofit fontScale="90000"/>
+          </a:bodyPr>
+          <a:lstStyle/>
+          <a:p>
+            <a:r>
+              <a:rPr lang="en-US" sz="3200" dirty="0"/>
+              <a:t>Archi® Tool Tutorial base on User Guide 5.6.0</a:t>
+            </a:r>
+          </a:p>
+        </p:txBody>
+      </p:sp>
+      <p:sp>
+        <p:nvSpPr>
+          <p:cNvPr id="4" name="TextBox 3">
+            <a:extLst>
+              <a:ext uri="{FF2B5EF4-FFF2-40B4-BE49-F238E27FC236}">
+                <a16:creationId xmlns:a16="http://schemas.microsoft.com/office/drawing/2014/main" id="{5855CD34-C8FC-FE8C-AED9-5DDCE7CDCEA6}"/>
+              </a:ext>
+            </a:extLst>
+          </p:cNvPr>
+          <p:cNvSpPr txBox="1"/>
+          <p:nvPr/>
+        </p:nvSpPr>
+        <p:spPr>
+          <a:xfrm>
+            <a:off x="106258" y="917049"/>
+            <a:ext cx="1916371" cy="1200329"/>
+          </a:xfrm>
+          <a:prstGeom prst="rect">
+            <a:avLst/>
+          </a:prstGeom>
+        </p:spPr>
+        <p:style>
+          <a:lnRef idx="0">
+            <a:schemeClr val="accent6"/>
+          </a:lnRef>
+          <a:fillRef idx="3">
+            <a:schemeClr val="accent6"/>
+          </a:fillRef>
+          <a:effectRef idx="3">
+            <a:schemeClr val="accent6"/>
+          </a:effectRef>
+          <a:fontRef idx="minor">
+            <a:schemeClr val="lt1"/>
+          </a:fontRef>
+        </p:style>
+        <p:txBody>
+          <a:bodyPr wrap="square" rtlCol="0" anchor="ctr">
+            <a:spAutoFit/>
+          </a:bodyPr>
+          <a:lstStyle/>
+          <a:p>
+            <a:pPr algn="ctr"/>
+            <a:r>
+              <a:rPr lang="en-US" sz="7200" b="1" dirty="0">
+                <a:latin typeface="Amasis MT Pro Black" panose="02040A04050005020304" pitchFamily="18" charset="0"/>
+                <a:ea typeface="华文琥珀" panose="02010800040101010101" pitchFamily="2" charset="-122"/>
+                <a:cs typeface="Aharoni" panose="02010803020104030203" pitchFamily="2" charset="-79"/>
+              </a:rPr>
+              <a:t>010</a:t>
+            </a:r>
+          </a:p>
+        </p:txBody>
+      </p:sp>
+      <p:sp>
+        <p:nvSpPr>
+          <p:cNvPr id="7" name="TextBox 6">
+            <a:extLst>
+              <a:ext uri="{FF2B5EF4-FFF2-40B4-BE49-F238E27FC236}">
+                <a16:creationId xmlns:a16="http://schemas.microsoft.com/office/drawing/2014/main" id="{64FB8D9B-BB98-4C8C-29AE-A01B5EA7472F}"/>
+              </a:ext>
+            </a:extLst>
+          </p:cNvPr>
+          <p:cNvSpPr txBox="1"/>
+          <p:nvPr/>
+        </p:nvSpPr>
+        <p:spPr>
+          <a:xfrm>
+            <a:off x="81440" y="2353369"/>
+            <a:ext cx="6252416" cy="3139321"/>
+          </a:xfrm>
+          <a:prstGeom prst="rect">
+            <a:avLst/>
+          </a:prstGeom>
+          <a:noFill/>
+        </p:spPr>
+        <p:txBody>
+          <a:bodyPr wrap="square" rtlCol="0">
+            <a:spAutoFit/>
+          </a:bodyPr>
+          <a:lstStyle/>
+          <a:p>
+            <a:r>
+              <a:rPr lang="en-US" sz="5400" b="1" dirty="0">
+                <a:solidFill>
+                  <a:schemeClr val="bg1"/>
+                </a:solidFill>
+              </a:rPr>
+              <a:t>CH05 Model Tree</a:t>
+            </a:r>
+          </a:p>
+          <a:p>
+            <a:pPr marL="457200" indent="-457200">
+              <a:buFont typeface="Arial" panose="020B0604020202020204" pitchFamily="34" charset="0"/>
+              <a:buChar char="•"/>
+            </a:pPr>
+            <a:r>
+              <a:rPr lang="en-US" sz="3600" b="1" dirty="0">
+                <a:solidFill>
+                  <a:schemeClr val="bg1"/>
+                </a:solidFill>
+              </a:rPr>
+              <a:t>05.05 Changing an Object’s ArchiMate Concept Type in the Model Tree</a:t>
+            </a:r>
+            <a:endParaRPr lang="en-US" sz="2800" b="1" dirty="0">
+              <a:solidFill>
+                <a:schemeClr val="bg1"/>
+              </a:solidFill>
+            </a:endParaRPr>
+          </a:p>
+        </p:txBody>
+      </p:sp>
+      <p:pic>
+        <p:nvPicPr>
+          <p:cNvPr id="11" name="Picture 10">
+            <a:extLst>
+              <a:ext uri="{FF2B5EF4-FFF2-40B4-BE49-F238E27FC236}">
+                <a16:creationId xmlns:a16="http://schemas.microsoft.com/office/drawing/2014/main" id="{4026A5B9-2DC7-81A9-8140-B717AE67BD43}"/>
+              </a:ext>
+            </a:extLst>
+          </p:cNvPr>
+          <p:cNvPicPr>
+            <a:picLocks noChangeAspect="1"/>
+          </p:cNvPicPr>
+          <p:nvPr/>
+        </p:nvPicPr>
+        <p:blipFill>
+          <a:blip r:embed="rId4"/>
+          <a:stretch>
+            <a:fillRect/>
+          </a:stretch>
+        </p:blipFill>
+        <p:spPr>
+          <a:xfrm>
+            <a:off x="9883629" y="130236"/>
+            <a:ext cx="2294305" cy="985640"/>
+          </a:xfrm>
+          <a:prstGeom prst="rect">
+            <a:avLst/>
+          </a:prstGeom>
+          <a:ln>
+            <a:noFill/>
+          </a:ln>
+          <a:effectLst>
+            <a:softEdge rad="112500"/>
+          </a:effectLst>
+        </p:spPr>
+      </p:pic>
+      <p:pic>
+        <p:nvPicPr>
+          <p:cNvPr id="10" name="Picture 9">
+            <a:extLst>
+              <a:ext uri="{FF2B5EF4-FFF2-40B4-BE49-F238E27FC236}">
+                <a16:creationId xmlns:a16="http://schemas.microsoft.com/office/drawing/2014/main" id="{48FCA69D-A001-A525-C1C0-8D7FAC91EFF3}"/>
+              </a:ext>
+            </a:extLst>
+          </p:cNvPr>
+          <p:cNvPicPr>
+            <a:picLocks noChangeAspect="1"/>
+          </p:cNvPicPr>
+          <p:nvPr/>
+        </p:nvPicPr>
+        <p:blipFill>
+          <a:blip r:embed="rId5"/>
+          <a:stretch>
+            <a:fillRect/>
+          </a:stretch>
+        </p:blipFill>
+        <p:spPr>
+          <a:xfrm>
+            <a:off x="6520677" y="1150577"/>
+            <a:ext cx="4656298" cy="5544904"/>
+          </a:xfrm>
+          <a:prstGeom prst="rect">
+            <a:avLst/>
+          </a:prstGeom>
+          <a:ln>
+            <a:noFill/>
+          </a:ln>
+          <a:effectLst>
+            <a:outerShdw blurRad="292100" dist="139700" dir="2700000" algn="tl" rotWithShape="0">
+              <a:srgbClr val="333333">
+                <a:alpha val="65000"/>
+              </a:srgbClr>
+            </a:outerShdw>
+          </a:effectLst>
+        </p:spPr>
+      </p:pic>
+    </p:spTree>
+    <p:extLst>
+      <p:ext uri="{BB962C8B-B14F-4D97-AF65-F5344CB8AC3E}">
+        <p14:creationId xmlns:p14="http://schemas.microsoft.com/office/powerpoint/2010/main" val="440620366"/>
+      </p:ext>
+    </p:extLst>
+  </p:cSld>
+  <p:clrMapOvr>
+    <a:masterClrMapping/>
+  </p:clrMapOvr>
+</p:sld>
+</file>
+
+<file path=ppt/slides/slide11.xml><?xml version="1.0" encoding="utf-8"?>
+<p:sld xmlns:a="http://schemas.openxmlformats.org/drawingml/2006/main" xmlns:r="http://schemas.openxmlformats.org/officeDocument/2006/relationships" xmlns:p="http://schemas.openxmlformats.org/presentationml/2006/main">
+  <p:cSld>
+    <p:spTree>
+      <p:nvGrpSpPr>
+        <p:cNvPr id="1" name="">
+          <a:extLst>
+            <a:ext uri="{FF2B5EF4-FFF2-40B4-BE49-F238E27FC236}">
+              <a16:creationId xmlns:a16="http://schemas.microsoft.com/office/drawing/2014/main" id="{BA5FE617-840D-11D9-A52C-710089A74217}"/>
+            </a:ext>
+          </a:extLst>
+        </p:cNvPr>
+        <p:cNvGrpSpPr/>
+        <p:nvPr/>
+      </p:nvGrpSpPr>
+      <p:grpSpPr>
+        <a:xfrm>
+          <a:off x="0" y="0"/>
+          <a:ext cx="0" cy="0"/>
+          <a:chOff x="0" y="0"/>
+          <a:chExt cx="0" cy="0"/>
+        </a:xfrm>
+      </p:grpSpPr>
+      <p:pic>
+        <p:nvPicPr>
+          <p:cNvPr id="5" name="Picture Placeholder 4" descr="Fog-covered mountain&#10;">
+            <a:extLst>
+              <a:ext uri="{FF2B5EF4-FFF2-40B4-BE49-F238E27FC236}">
+                <a16:creationId xmlns:a16="http://schemas.microsoft.com/office/drawing/2014/main" id="{4201F6B9-03EA-5937-7713-76CA3654DCB3}"/>
+              </a:ext>
+            </a:extLst>
+          </p:cNvPr>
+          <p:cNvPicPr>
+            <a:picLocks noGrp="1" noChangeAspect="1"/>
+          </p:cNvPicPr>
+          <p:nvPr>
+            <p:ph type="pic" sz="quarter" idx="14"/>
+          </p:nvPr>
+        </p:nvPicPr>
+        <p:blipFill rotWithShape="1">
+          <a:blip r:embed="rId3">
+            <a:extLst>
+              <a:ext uri="{28A0092B-C50C-407E-A947-70E740481C1C}">
+                <a14:useLocalDpi xmlns:a14="http://schemas.microsoft.com/office/drawing/2010/main" val="0"/>
+              </a:ext>
+            </a:extLst>
+          </a:blip>
+          <a:srcRect/>
+          <a:stretch/>
+        </p:blipFill>
+        <p:spPr>
+          <a:xfrm>
+            <a:off x="0" y="0"/>
+            <a:ext cx="12196224" cy="6858000"/>
+          </a:xfrm>
+        </p:spPr>
+      </p:pic>
+      <p:sp>
+        <p:nvSpPr>
+          <p:cNvPr id="6" name="Title 2">
+            <a:extLst>
+              <a:ext uri="{FF2B5EF4-FFF2-40B4-BE49-F238E27FC236}">
+                <a16:creationId xmlns:a16="http://schemas.microsoft.com/office/drawing/2014/main" id="{C1A1403B-AC7F-C45A-6A33-02DBA8B0D70A}"/>
+              </a:ext>
+            </a:extLst>
+          </p:cNvPr>
+          <p:cNvSpPr>
+            <a:spLocks noGrp="1"/>
+          </p:cNvSpPr>
+          <p:nvPr>
+            <p:ph type="title"/>
+          </p:nvPr>
+        </p:nvSpPr>
+        <p:spPr>
+          <a:xfrm>
+            <a:off x="81440" y="82088"/>
+            <a:ext cx="9695273" cy="667633"/>
+          </a:xfrm>
+        </p:spPr>
+        <p:txBody>
+          <a:bodyPr>
+            <a:normAutofit fontScale="90000"/>
+          </a:bodyPr>
+          <a:lstStyle/>
+          <a:p>
+            <a:r>
+              <a:rPr lang="en-US" sz="3200" dirty="0"/>
+              <a:t>Archi® Tool Tutorial base on User Guide 5.6.0</a:t>
+            </a:r>
+          </a:p>
+        </p:txBody>
+      </p:sp>
+      <p:sp>
+        <p:nvSpPr>
+          <p:cNvPr id="4" name="TextBox 3">
+            <a:extLst>
+              <a:ext uri="{FF2B5EF4-FFF2-40B4-BE49-F238E27FC236}">
+                <a16:creationId xmlns:a16="http://schemas.microsoft.com/office/drawing/2014/main" id="{A7184BEE-B63D-6E96-56BD-A566BB82B313}"/>
+              </a:ext>
+            </a:extLst>
+          </p:cNvPr>
+          <p:cNvSpPr txBox="1"/>
+          <p:nvPr/>
+        </p:nvSpPr>
+        <p:spPr>
+          <a:xfrm>
+            <a:off x="106258" y="917049"/>
+            <a:ext cx="1916371" cy="1200329"/>
+          </a:xfrm>
+          <a:prstGeom prst="rect">
+            <a:avLst/>
+          </a:prstGeom>
+        </p:spPr>
+        <p:style>
+          <a:lnRef idx="0">
+            <a:schemeClr val="accent6"/>
+          </a:lnRef>
+          <a:fillRef idx="3">
+            <a:schemeClr val="accent6"/>
+          </a:fillRef>
+          <a:effectRef idx="3">
+            <a:schemeClr val="accent6"/>
+          </a:effectRef>
+          <a:fontRef idx="minor">
+            <a:schemeClr val="lt1"/>
+          </a:fontRef>
+        </p:style>
+        <p:txBody>
+          <a:bodyPr wrap="square" rtlCol="0" anchor="ctr">
+            <a:spAutoFit/>
+          </a:bodyPr>
+          <a:lstStyle/>
+          <a:p>
+            <a:pPr algn="ctr"/>
+            <a:r>
+              <a:rPr lang="en-US" sz="7200" b="1" dirty="0">
+                <a:latin typeface="Amasis MT Pro Black" panose="02040A04050005020304" pitchFamily="18" charset="0"/>
+                <a:ea typeface="华文琥珀" panose="02010800040101010101" pitchFamily="2" charset="-122"/>
+                <a:cs typeface="Aharoni" panose="02010803020104030203" pitchFamily="2" charset="-79"/>
+              </a:rPr>
+              <a:t>011</a:t>
+            </a:r>
+          </a:p>
+        </p:txBody>
+      </p:sp>
+      <p:sp>
+        <p:nvSpPr>
+          <p:cNvPr id="7" name="TextBox 6">
+            <a:extLst>
+              <a:ext uri="{FF2B5EF4-FFF2-40B4-BE49-F238E27FC236}">
+                <a16:creationId xmlns:a16="http://schemas.microsoft.com/office/drawing/2014/main" id="{B1B38396-81AF-5825-EDF9-E9BAF5BB126D}"/>
+              </a:ext>
+            </a:extLst>
+          </p:cNvPr>
+          <p:cNvSpPr txBox="1"/>
+          <p:nvPr/>
+        </p:nvSpPr>
+        <p:spPr>
+          <a:xfrm>
+            <a:off x="81440" y="2353369"/>
+            <a:ext cx="6252416" cy="2585323"/>
+          </a:xfrm>
+          <a:prstGeom prst="rect">
+            <a:avLst/>
+          </a:prstGeom>
+          <a:noFill/>
+        </p:spPr>
+        <p:txBody>
+          <a:bodyPr wrap="square" rtlCol="0">
+            <a:spAutoFit/>
+          </a:bodyPr>
+          <a:lstStyle/>
+          <a:p>
+            <a:r>
+              <a:rPr lang="en-US" sz="5400" b="1" dirty="0">
+                <a:solidFill>
+                  <a:schemeClr val="bg1"/>
+                </a:solidFill>
+              </a:rPr>
+              <a:t>CH05 Model Tree</a:t>
+            </a:r>
+          </a:p>
+          <a:p>
+            <a:pPr marL="457200" indent="-457200">
+              <a:buFont typeface="Arial" panose="020B0604020202020204" pitchFamily="34" charset="0"/>
+              <a:buChar char="•"/>
+            </a:pPr>
+            <a:r>
+              <a:rPr lang="en-US" sz="3600" b="1" dirty="0">
+                <a:solidFill>
+                  <a:schemeClr val="bg1"/>
+                </a:solidFill>
+              </a:rPr>
+              <a:t>05.06 </a:t>
+            </a:r>
+            <a:r>
+              <a:rPr lang="en-US" altLang="zh-CN" sz="3600" b="1" dirty="0">
+                <a:solidFill>
+                  <a:schemeClr val="bg1"/>
+                </a:solidFill>
+              </a:rPr>
+              <a:t>Editing Properties for an Object in the Model Tree</a:t>
+            </a:r>
+            <a:endParaRPr lang="en-US" sz="2800" b="1" dirty="0">
+              <a:solidFill>
+                <a:schemeClr val="bg1"/>
+              </a:solidFill>
+            </a:endParaRPr>
+          </a:p>
+        </p:txBody>
+      </p:sp>
+      <p:pic>
+        <p:nvPicPr>
+          <p:cNvPr id="11" name="Picture 10">
+            <a:extLst>
+              <a:ext uri="{FF2B5EF4-FFF2-40B4-BE49-F238E27FC236}">
+                <a16:creationId xmlns:a16="http://schemas.microsoft.com/office/drawing/2014/main" id="{50C48DC8-E65C-059A-3664-3DB0049469B2}"/>
+              </a:ext>
+            </a:extLst>
+          </p:cNvPr>
+          <p:cNvPicPr>
+            <a:picLocks noChangeAspect="1"/>
+          </p:cNvPicPr>
+          <p:nvPr/>
+        </p:nvPicPr>
+        <p:blipFill>
+          <a:blip r:embed="rId4"/>
+          <a:stretch>
+            <a:fillRect/>
+          </a:stretch>
+        </p:blipFill>
+        <p:spPr>
+          <a:xfrm>
+            <a:off x="9883629" y="130236"/>
+            <a:ext cx="2294305" cy="985640"/>
+          </a:xfrm>
+          <a:prstGeom prst="rect">
+            <a:avLst/>
+          </a:prstGeom>
+          <a:ln>
+            <a:noFill/>
+          </a:ln>
+          <a:effectLst>
+            <a:softEdge rad="112500"/>
+          </a:effectLst>
+        </p:spPr>
+      </p:pic>
+      <p:pic>
+        <p:nvPicPr>
+          <p:cNvPr id="12" name="Picture 11">
+            <a:extLst>
+              <a:ext uri="{FF2B5EF4-FFF2-40B4-BE49-F238E27FC236}">
+                <a16:creationId xmlns:a16="http://schemas.microsoft.com/office/drawing/2014/main" id="{F7517B3D-856B-4C6F-18AB-8E782D77DF29}"/>
+              </a:ext>
+            </a:extLst>
+          </p:cNvPr>
+          <p:cNvPicPr>
+            <a:picLocks noChangeAspect="1"/>
+          </p:cNvPicPr>
+          <p:nvPr/>
+        </p:nvPicPr>
+        <p:blipFill>
+          <a:blip r:embed="rId5"/>
+          <a:stretch>
+            <a:fillRect/>
+          </a:stretch>
+        </p:blipFill>
+        <p:spPr>
+          <a:xfrm>
+            <a:off x="6440114" y="1152524"/>
+            <a:ext cx="4677166" cy="5575240"/>
+          </a:xfrm>
+          <a:prstGeom prst="rect">
+            <a:avLst/>
+          </a:prstGeom>
+          <a:ln>
+            <a:noFill/>
+          </a:ln>
+          <a:effectLst>
+            <a:outerShdw blurRad="292100" dist="139700" dir="2700000" algn="tl" rotWithShape="0">
+              <a:srgbClr val="333333">
+                <a:alpha val="65000"/>
+              </a:srgbClr>
+            </a:outerShdw>
+          </a:effectLst>
+        </p:spPr>
+      </p:pic>
+    </p:spTree>
+    <p:extLst>
+      <p:ext uri="{BB962C8B-B14F-4D97-AF65-F5344CB8AC3E}">
+        <p14:creationId xmlns:p14="http://schemas.microsoft.com/office/powerpoint/2010/main" val="764564386"/>
+      </p:ext>
+    </p:extLst>
+  </p:cSld>
+  <p:clrMapOvr>
+    <a:masterClrMapping/>
+  </p:clrMapOvr>
+</p:sld>
+</file>
+
+<file path=ppt/slides/slide12.xml><?xml version="1.0" encoding="utf-8"?>
+<p:sld xmlns:a="http://schemas.openxmlformats.org/drawingml/2006/main" xmlns:r="http://schemas.openxmlformats.org/officeDocument/2006/relationships" xmlns:p="http://schemas.openxmlformats.org/presentationml/2006/main">
+  <p:cSld>
+    <p:spTree>
+      <p:nvGrpSpPr>
+        <p:cNvPr id="1" name="">
+          <a:extLst>
+            <a:ext uri="{FF2B5EF4-FFF2-40B4-BE49-F238E27FC236}">
+              <a16:creationId xmlns:a16="http://schemas.microsoft.com/office/drawing/2014/main" id="{2CB8693E-A1E1-E9F6-3F05-6BFC56C2E728}"/>
+            </a:ext>
+          </a:extLst>
+        </p:cNvPr>
+        <p:cNvGrpSpPr/>
+        <p:nvPr/>
+      </p:nvGrpSpPr>
+      <p:grpSpPr>
+        <a:xfrm>
+          <a:off x="0" y="0"/>
+          <a:ext cx="0" cy="0"/>
+          <a:chOff x="0" y="0"/>
+          <a:chExt cx="0" cy="0"/>
+        </a:xfrm>
+      </p:grpSpPr>
+      <p:pic>
+        <p:nvPicPr>
+          <p:cNvPr id="5" name="Picture Placeholder 4" descr="Fog-covered mountain&#10;">
+            <a:extLst>
+              <a:ext uri="{FF2B5EF4-FFF2-40B4-BE49-F238E27FC236}">
+                <a16:creationId xmlns:a16="http://schemas.microsoft.com/office/drawing/2014/main" id="{AC74F456-4C5D-E90C-D295-D2BB0DDB04F7}"/>
+              </a:ext>
+            </a:extLst>
+          </p:cNvPr>
+          <p:cNvPicPr>
+            <a:picLocks noGrp="1" noChangeAspect="1"/>
+          </p:cNvPicPr>
+          <p:nvPr>
+            <p:ph type="pic" sz="quarter" idx="14"/>
+          </p:nvPr>
+        </p:nvPicPr>
+        <p:blipFill rotWithShape="1">
+          <a:blip r:embed="rId3">
+            <a:extLst>
+              <a:ext uri="{28A0092B-C50C-407E-A947-70E740481C1C}">
+                <a14:useLocalDpi xmlns:a14="http://schemas.microsoft.com/office/drawing/2010/main" val="0"/>
+              </a:ext>
+            </a:extLst>
+          </a:blip>
+          <a:srcRect/>
+          <a:stretch/>
+        </p:blipFill>
+        <p:spPr>
+          <a:xfrm>
+            <a:off x="0" y="0"/>
+            <a:ext cx="12196224" cy="6858000"/>
+          </a:xfrm>
+        </p:spPr>
+      </p:pic>
+      <p:sp>
+        <p:nvSpPr>
+          <p:cNvPr id="6" name="Title 2">
+            <a:extLst>
+              <a:ext uri="{FF2B5EF4-FFF2-40B4-BE49-F238E27FC236}">
+                <a16:creationId xmlns:a16="http://schemas.microsoft.com/office/drawing/2014/main" id="{8F9EF706-2411-1F0D-C6A5-07525AECF31F}"/>
+              </a:ext>
+            </a:extLst>
+          </p:cNvPr>
+          <p:cNvSpPr>
+            <a:spLocks noGrp="1"/>
+          </p:cNvSpPr>
+          <p:nvPr>
+            <p:ph type="title"/>
+          </p:nvPr>
+        </p:nvSpPr>
+        <p:spPr>
+          <a:xfrm>
+            <a:off x="81440" y="82088"/>
+            <a:ext cx="9695273" cy="667633"/>
+          </a:xfrm>
+        </p:spPr>
+        <p:txBody>
+          <a:bodyPr>
+            <a:normAutofit fontScale="90000"/>
+          </a:bodyPr>
+          <a:lstStyle/>
+          <a:p>
+            <a:r>
+              <a:rPr lang="en-US" sz="3200" dirty="0"/>
+              <a:t>Archi® Tool Tutorial base on User Guide 5.6.0</a:t>
+            </a:r>
+          </a:p>
+        </p:txBody>
+      </p:sp>
+      <p:sp>
+        <p:nvSpPr>
+          <p:cNvPr id="4" name="TextBox 3">
+            <a:extLst>
+              <a:ext uri="{FF2B5EF4-FFF2-40B4-BE49-F238E27FC236}">
+                <a16:creationId xmlns:a16="http://schemas.microsoft.com/office/drawing/2014/main" id="{1701647B-7AC2-D128-205D-B6A80803C786}"/>
+              </a:ext>
+            </a:extLst>
+          </p:cNvPr>
+          <p:cNvSpPr txBox="1"/>
+          <p:nvPr/>
+        </p:nvSpPr>
+        <p:spPr>
+          <a:xfrm>
+            <a:off x="106258" y="917049"/>
+            <a:ext cx="1916371" cy="1200329"/>
+          </a:xfrm>
+          <a:prstGeom prst="rect">
+            <a:avLst/>
+          </a:prstGeom>
+        </p:spPr>
+        <p:style>
+          <a:lnRef idx="0">
+            <a:schemeClr val="accent6"/>
+          </a:lnRef>
+          <a:fillRef idx="3">
+            <a:schemeClr val="accent6"/>
+          </a:fillRef>
+          <a:effectRef idx="3">
+            <a:schemeClr val="accent6"/>
+          </a:effectRef>
+          <a:fontRef idx="minor">
+            <a:schemeClr val="lt1"/>
+          </a:fontRef>
+        </p:style>
+        <p:txBody>
+          <a:bodyPr wrap="square" rtlCol="0" anchor="ctr">
+            <a:spAutoFit/>
+          </a:bodyPr>
+          <a:lstStyle/>
+          <a:p>
+            <a:pPr algn="ctr"/>
+            <a:r>
+              <a:rPr lang="en-US" sz="7200" b="1" dirty="0">
+                <a:latin typeface="Amasis MT Pro Black" panose="02040A04050005020304" pitchFamily="18" charset="0"/>
+                <a:ea typeface="华文琥珀" panose="02010800040101010101" pitchFamily="2" charset="-122"/>
+                <a:cs typeface="Aharoni" panose="02010803020104030203" pitchFamily="2" charset="-79"/>
+              </a:rPr>
+              <a:t>012</a:t>
+            </a:r>
+          </a:p>
+        </p:txBody>
+      </p:sp>
+      <p:sp>
+        <p:nvSpPr>
+          <p:cNvPr id="7" name="TextBox 6">
+            <a:extLst>
+              <a:ext uri="{FF2B5EF4-FFF2-40B4-BE49-F238E27FC236}">
+                <a16:creationId xmlns:a16="http://schemas.microsoft.com/office/drawing/2014/main" id="{67AF3A78-B8F0-73E8-7B45-91E160D11204}"/>
+              </a:ext>
+            </a:extLst>
+          </p:cNvPr>
+          <p:cNvSpPr txBox="1"/>
+          <p:nvPr/>
+        </p:nvSpPr>
+        <p:spPr>
+          <a:xfrm>
+            <a:off x="81440" y="2353369"/>
+            <a:ext cx="6252416" cy="2031325"/>
+          </a:xfrm>
+          <a:prstGeom prst="rect">
+            <a:avLst/>
+          </a:prstGeom>
+          <a:noFill/>
+        </p:spPr>
+        <p:txBody>
+          <a:bodyPr wrap="square" rtlCol="0">
+            <a:spAutoFit/>
+          </a:bodyPr>
+          <a:lstStyle/>
+          <a:p>
+            <a:r>
+              <a:rPr lang="en-US" sz="5400" b="1" dirty="0">
+                <a:solidFill>
+                  <a:schemeClr val="bg1"/>
+                </a:solidFill>
+              </a:rPr>
+              <a:t>CH05 Model Tree</a:t>
+            </a:r>
+          </a:p>
+          <a:p>
+            <a:pPr marL="457200" indent="-457200">
+              <a:buFont typeface="Arial" panose="020B0604020202020204" pitchFamily="34" charset="0"/>
+              <a:buChar char="•"/>
+            </a:pPr>
+            <a:r>
+              <a:rPr lang="en-US" sz="3600" b="1" dirty="0">
+                <a:solidFill>
+                  <a:schemeClr val="bg1"/>
+                </a:solidFill>
+              </a:rPr>
+              <a:t>05.07 Concepts in the Model Tree and Views</a:t>
+            </a:r>
+            <a:endParaRPr lang="en-US" sz="2800" b="1" dirty="0">
+              <a:solidFill>
+                <a:schemeClr val="bg1"/>
+              </a:solidFill>
+            </a:endParaRPr>
+          </a:p>
+        </p:txBody>
+      </p:sp>
+      <p:pic>
+        <p:nvPicPr>
+          <p:cNvPr id="11" name="Picture 10">
+            <a:extLst>
+              <a:ext uri="{FF2B5EF4-FFF2-40B4-BE49-F238E27FC236}">
+                <a16:creationId xmlns:a16="http://schemas.microsoft.com/office/drawing/2014/main" id="{F1786EDB-DCC3-0CB6-3D4D-0B40A354BDEB}"/>
+              </a:ext>
+            </a:extLst>
+          </p:cNvPr>
+          <p:cNvPicPr>
+            <a:picLocks noChangeAspect="1"/>
+          </p:cNvPicPr>
+          <p:nvPr/>
+        </p:nvPicPr>
+        <p:blipFill>
+          <a:blip r:embed="rId4"/>
+          <a:stretch>
+            <a:fillRect/>
+          </a:stretch>
+        </p:blipFill>
+        <p:spPr>
+          <a:xfrm>
+            <a:off x="9883629" y="130236"/>
+            <a:ext cx="2294305" cy="985640"/>
+          </a:xfrm>
+          <a:prstGeom prst="rect">
+            <a:avLst/>
+          </a:prstGeom>
+          <a:ln>
+            <a:noFill/>
+          </a:ln>
+          <a:effectLst>
+            <a:softEdge rad="112500"/>
+          </a:effectLst>
+        </p:spPr>
+      </p:pic>
+      <p:pic>
+        <p:nvPicPr>
+          <p:cNvPr id="10" name="Picture 9">
+            <a:extLst>
+              <a:ext uri="{FF2B5EF4-FFF2-40B4-BE49-F238E27FC236}">
+                <a16:creationId xmlns:a16="http://schemas.microsoft.com/office/drawing/2014/main" id="{7092779F-20BC-1707-D460-EDDDA9955E6F}"/>
+              </a:ext>
+            </a:extLst>
+          </p:cNvPr>
+          <p:cNvPicPr>
+            <a:picLocks noChangeAspect="1"/>
+          </p:cNvPicPr>
+          <p:nvPr/>
+        </p:nvPicPr>
+        <p:blipFill>
+          <a:blip r:embed="rId5"/>
+          <a:stretch>
+            <a:fillRect/>
+          </a:stretch>
+        </p:blipFill>
+        <p:spPr>
+          <a:xfrm>
+            <a:off x="6065649" y="1200420"/>
+            <a:ext cx="4807477" cy="5559764"/>
+          </a:xfrm>
+          <a:prstGeom prst="rect">
+            <a:avLst/>
+          </a:prstGeom>
+          <a:ln>
+            <a:noFill/>
+          </a:ln>
+          <a:effectLst>
+            <a:outerShdw blurRad="292100" dist="139700" dir="2700000" algn="tl" rotWithShape="0">
+              <a:srgbClr val="333333">
+                <a:alpha val="65000"/>
+              </a:srgbClr>
+            </a:outerShdw>
+          </a:effectLst>
+        </p:spPr>
+      </p:pic>
+    </p:spTree>
+    <p:extLst>
+      <p:ext uri="{BB962C8B-B14F-4D97-AF65-F5344CB8AC3E}">
+        <p14:creationId xmlns:p14="http://schemas.microsoft.com/office/powerpoint/2010/main" val="2666516990"/>
+      </p:ext>
+    </p:extLst>
+  </p:cSld>
+  <p:clrMapOvr>
+    <a:masterClrMapping/>
+  </p:clrMapOvr>
+</p:sld>
+</file>
+
+<file path=ppt/slides/slide13.xml><?xml version="1.0" encoding="utf-8"?>
+<p:sld xmlns:a="http://schemas.openxmlformats.org/drawingml/2006/main" xmlns:r="http://schemas.openxmlformats.org/officeDocument/2006/relationships" xmlns:p="http://schemas.openxmlformats.org/presentationml/2006/main">
+  <p:cSld>
+    <p:spTree>
+      <p:nvGrpSpPr>
+        <p:cNvPr id="1" name="">
+          <a:extLst>
+            <a:ext uri="{FF2B5EF4-FFF2-40B4-BE49-F238E27FC236}">
+              <a16:creationId xmlns:a16="http://schemas.microsoft.com/office/drawing/2014/main" id="{0871685E-7E6B-09B2-09FD-CDAD67AD36CC}"/>
+            </a:ext>
+          </a:extLst>
+        </p:cNvPr>
+        <p:cNvGrpSpPr/>
+        <p:nvPr/>
+      </p:nvGrpSpPr>
+      <p:grpSpPr>
+        <a:xfrm>
+          <a:off x="0" y="0"/>
+          <a:ext cx="0" cy="0"/>
+          <a:chOff x="0" y="0"/>
+          <a:chExt cx="0" cy="0"/>
+        </a:xfrm>
+      </p:grpSpPr>
+      <p:pic>
+        <p:nvPicPr>
+          <p:cNvPr id="5" name="Picture Placeholder 4" descr="Fog-covered mountain&#10;">
+            <a:extLst>
+              <a:ext uri="{FF2B5EF4-FFF2-40B4-BE49-F238E27FC236}">
+                <a16:creationId xmlns:a16="http://schemas.microsoft.com/office/drawing/2014/main" id="{6FE5317E-B2F1-F15E-6821-53D155B4559F}"/>
+              </a:ext>
+            </a:extLst>
+          </p:cNvPr>
+          <p:cNvPicPr>
+            <a:picLocks noGrp="1" noChangeAspect="1"/>
+          </p:cNvPicPr>
+          <p:nvPr>
+            <p:ph type="pic" sz="quarter" idx="14"/>
+          </p:nvPr>
+        </p:nvPicPr>
+        <p:blipFill rotWithShape="1">
+          <a:blip r:embed="rId3">
+            <a:extLst>
+              <a:ext uri="{28A0092B-C50C-407E-A947-70E740481C1C}">
+                <a14:useLocalDpi xmlns:a14="http://schemas.microsoft.com/office/drawing/2010/main" val="0"/>
+              </a:ext>
+            </a:extLst>
+          </a:blip>
+          <a:srcRect/>
+          <a:stretch/>
+        </p:blipFill>
+        <p:spPr>
+          <a:xfrm>
+            <a:off x="0" y="0"/>
+            <a:ext cx="12196224" cy="6858000"/>
+          </a:xfrm>
+        </p:spPr>
+      </p:pic>
+      <p:sp>
+        <p:nvSpPr>
+          <p:cNvPr id="6" name="Title 2">
+            <a:extLst>
+              <a:ext uri="{FF2B5EF4-FFF2-40B4-BE49-F238E27FC236}">
+                <a16:creationId xmlns:a16="http://schemas.microsoft.com/office/drawing/2014/main" id="{C61C231B-5C96-9190-6656-594E47443BE3}"/>
+              </a:ext>
+            </a:extLst>
+          </p:cNvPr>
+          <p:cNvSpPr>
+            <a:spLocks noGrp="1"/>
+          </p:cNvSpPr>
+          <p:nvPr>
+            <p:ph type="title"/>
+          </p:nvPr>
+        </p:nvSpPr>
+        <p:spPr>
+          <a:xfrm>
+            <a:off x="81440" y="82088"/>
+            <a:ext cx="9695273" cy="667633"/>
+          </a:xfrm>
+        </p:spPr>
+        <p:txBody>
+          <a:bodyPr>
+            <a:normAutofit fontScale="90000"/>
+          </a:bodyPr>
+          <a:lstStyle/>
+          <a:p>
+            <a:r>
+              <a:rPr lang="en-US" sz="3200" dirty="0"/>
+              <a:t>Archi® Tool Tutorial base on User Guide 5.6.0</a:t>
+            </a:r>
+          </a:p>
+        </p:txBody>
+      </p:sp>
+      <p:sp>
+        <p:nvSpPr>
+          <p:cNvPr id="4" name="TextBox 3">
+            <a:extLst>
+              <a:ext uri="{FF2B5EF4-FFF2-40B4-BE49-F238E27FC236}">
+                <a16:creationId xmlns:a16="http://schemas.microsoft.com/office/drawing/2014/main" id="{B2605129-BCED-3634-71C1-40312DE02A2A}"/>
+              </a:ext>
+            </a:extLst>
+          </p:cNvPr>
+          <p:cNvSpPr txBox="1"/>
+          <p:nvPr/>
+        </p:nvSpPr>
+        <p:spPr>
+          <a:xfrm>
+            <a:off x="106258" y="917049"/>
+            <a:ext cx="1916371" cy="1200329"/>
+          </a:xfrm>
+          <a:prstGeom prst="rect">
+            <a:avLst/>
+          </a:prstGeom>
+        </p:spPr>
+        <p:style>
+          <a:lnRef idx="0">
+            <a:schemeClr val="accent6"/>
+          </a:lnRef>
+          <a:fillRef idx="3">
+            <a:schemeClr val="accent6"/>
+          </a:fillRef>
+          <a:effectRef idx="3">
+            <a:schemeClr val="accent6"/>
+          </a:effectRef>
+          <a:fontRef idx="minor">
+            <a:schemeClr val="lt1"/>
+          </a:fontRef>
+        </p:style>
+        <p:txBody>
+          <a:bodyPr wrap="square" rtlCol="0" anchor="ctr">
+            <a:spAutoFit/>
+          </a:bodyPr>
+          <a:lstStyle/>
+          <a:p>
+            <a:pPr algn="ctr"/>
+            <a:r>
+              <a:rPr lang="en-US" sz="7200" b="1" dirty="0">
+                <a:latin typeface="Amasis MT Pro Black" panose="02040A04050005020304" pitchFamily="18" charset="0"/>
+                <a:ea typeface="华文琥珀" panose="02010800040101010101" pitchFamily="2" charset="-122"/>
+                <a:cs typeface="Aharoni" panose="02010803020104030203" pitchFamily="2" charset="-79"/>
+              </a:rPr>
+              <a:t>013</a:t>
+            </a:r>
+          </a:p>
+        </p:txBody>
+      </p:sp>
+      <p:sp>
+        <p:nvSpPr>
+          <p:cNvPr id="7" name="TextBox 6">
+            <a:extLst>
+              <a:ext uri="{FF2B5EF4-FFF2-40B4-BE49-F238E27FC236}">
+                <a16:creationId xmlns:a16="http://schemas.microsoft.com/office/drawing/2014/main" id="{EF8F5D03-E846-BF9C-12D2-93FDC589EA2B}"/>
+              </a:ext>
+            </a:extLst>
+          </p:cNvPr>
+          <p:cNvSpPr txBox="1"/>
+          <p:nvPr/>
+        </p:nvSpPr>
+        <p:spPr>
+          <a:xfrm>
+            <a:off x="81440" y="2353369"/>
+            <a:ext cx="6252416" cy="2585323"/>
+          </a:xfrm>
+          <a:prstGeom prst="rect">
+            <a:avLst/>
+          </a:prstGeom>
+          <a:noFill/>
+        </p:spPr>
+        <p:txBody>
+          <a:bodyPr wrap="square" rtlCol="0">
+            <a:spAutoFit/>
+          </a:bodyPr>
+          <a:lstStyle/>
+          <a:p>
+            <a:r>
+              <a:rPr lang="en-US" sz="5400" b="1" dirty="0">
+                <a:solidFill>
+                  <a:schemeClr val="bg1"/>
+                </a:solidFill>
+              </a:rPr>
+              <a:t>CH05 Model Tree</a:t>
+            </a:r>
+          </a:p>
+          <a:p>
+            <a:pPr marL="457200" indent="-457200">
+              <a:buFont typeface="Arial" panose="020B0604020202020204" pitchFamily="34" charset="0"/>
+              <a:buChar char="•"/>
+            </a:pPr>
+            <a:r>
+              <a:rPr lang="en-US" sz="3600" b="1" dirty="0">
+                <a:solidFill>
+                  <a:schemeClr val="bg1"/>
+                </a:solidFill>
+              </a:rPr>
+              <a:t>05.08 Synchronizing Selections in the Model Tree and a View</a:t>
+            </a:r>
+            <a:endParaRPr lang="en-US" sz="2800" b="1" dirty="0">
+              <a:solidFill>
+                <a:schemeClr val="bg1"/>
+              </a:solidFill>
+            </a:endParaRPr>
+          </a:p>
+        </p:txBody>
+      </p:sp>
+      <p:pic>
+        <p:nvPicPr>
+          <p:cNvPr id="11" name="Picture 10">
+            <a:extLst>
+              <a:ext uri="{FF2B5EF4-FFF2-40B4-BE49-F238E27FC236}">
+                <a16:creationId xmlns:a16="http://schemas.microsoft.com/office/drawing/2014/main" id="{14100BDC-58C0-85A3-608C-EB904DF71668}"/>
+              </a:ext>
+            </a:extLst>
+          </p:cNvPr>
+          <p:cNvPicPr>
+            <a:picLocks noChangeAspect="1"/>
+          </p:cNvPicPr>
+          <p:nvPr/>
+        </p:nvPicPr>
+        <p:blipFill>
+          <a:blip r:embed="rId4"/>
+          <a:stretch>
+            <a:fillRect/>
+          </a:stretch>
+        </p:blipFill>
+        <p:spPr>
+          <a:xfrm>
+            <a:off x="9883629" y="130236"/>
+            <a:ext cx="2294305" cy="985640"/>
+          </a:xfrm>
+          <a:prstGeom prst="rect">
+            <a:avLst/>
+          </a:prstGeom>
+          <a:ln>
+            <a:noFill/>
+          </a:ln>
+          <a:effectLst>
+            <a:softEdge rad="112500"/>
+          </a:effectLst>
+        </p:spPr>
+      </p:pic>
+      <p:pic>
+        <p:nvPicPr>
+          <p:cNvPr id="12" name="Picture 11">
+            <a:extLst>
+              <a:ext uri="{FF2B5EF4-FFF2-40B4-BE49-F238E27FC236}">
+                <a16:creationId xmlns:a16="http://schemas.microsoft.com/office/drawing/2014/main" id="{743234B5-3D71-677B-795C-3FC5A9331F5B}"/>
+              </a:ext>
+            </a:extLst>
+          </p:cNvPr>
+          <p:cNvPicPr>
+            <a:picLocks noChangeAspect="1"/>
+          </p:cNvPicPr>
+          <p:nvPr/>
+        </p:nvPicPr>
+        <p:blipFill>
+          <a:blip r:embed="rId5"/>
+          <a:stretch>
+            <a:fillRect/>
+          </a:stretch>
+        </p:blipFill>
+        <p:spPr>
+          <a:xfrm>
+            <a:off x="6279709" y="1161669"/>
+            <a:ext cx="4751072" cy="5614243"/>
+          </a:xfrm>
+          <a:prstGeom prst="rect">
+            <a:avLst/>
+          </a:prstGeom>
+          <a:ln>
+            <a:noFill/>
+          </a:ln>
+          <a:effectLst>
+            <a:outerShdw blurRad="292100" dist="139700" dir="2700000" algn="tl" rotWithShape="0">
+              <a:srgbClr val="333333">
+                <a:alpha val="65000"/>
+              </a:srgbClr>
+            </a:outerShdw>
+          </a:effectLst>
+        </p:spPr>
+      </p:pic>
+    </p:spTree>
+    <p:extLst>
+      <p:ext uri="{BB962C8B-B14F-4D97-AF65-F5344CB8AC3E}">
+        <p14:creationId xmlns:p14="http://schemas.microsoft.com/office/powerpoint/2010/main" val="1053316992"/>
+      </p:ext>
+    </p:extLst>
+  </p:cSld>
+  <p:clrMapOvr>
+    <a:masterClrMapping/>
+  </p:clrMapOvr>
+</p:sld>
+</file>
+
+<file path=ppt/slides/slide14.xml><?xml version="1.0" encoding="utf-8"?>
+<p:sld xmlns:a="http://schemas.openxmlformats.org/drawingml/2006/main" xmlns:r="http://schemas.openxmlformats.org/officeDocument/2006/relationships" xmlns:p="http://schemas.openxmlformats.org/presentationml/2006/main">
+  <p:cSld>
+    <p:spTree>
+      <p:nvGrpSpPr>
+        <p:cNvPr id="1" name="">
+          <a:extLst>
+            <a:ext uri="{FF2B5EF4-FFF2-40B4-BE49-F238E27FC236}">
+              <a16:creationId xmlns:a16="http://schemas.microsoft.com/office/drawing/2014/main" id="{336E3753-242B-10FA-F626-ECF56E77CE02}"/>
+            </a:ext>
+          </a:extLst>
+        </p:cNvPr>
+        <p:cNvGrpSpPr/>
+        <p:nvPr/>
+      </p:nvGrpSpPr>
+      <p:grpSpPr>
+        <a:xfrm>
+          <a:off x="0" y="0"/>
+          <a:ext cx="0" cy="0"/>
+          <a:chOff x="0" y="0"/>
+          <a:chExt cx="0" cy="0"/>
+        </a:xfrm>
+      </p:grpSpPr>
+      <p:pic>
+        <p:nvPicPr>
+          <p:cNvPr id="5" name="Picture Placeholder 4" descr="Fog-covered mountain&#10;">
+            <a:extLst>
+              <a:ext uri="{FF2B5EF4-FFF2-40B4-BE49-F238E27FC236}">
+                <a16:creationId xmlns:a16="http://schemas.microsoft.com/office/drawing/2014/main" id="{147D4CDE-7DD2-B98A-D2E0-84CE1F8B6AB8}"/>
+              </a:ext>
+            </a:extLst>
+          </p:cNvPr>
+          <p:cNvPicPr>
+            <a:picLocks noGrp="1" noChangeAspect="1"/>
+          </p:cNvPicPr>
+          <p:nvPr>
+            <p:ph type="pic" sz="quarter" idx="14"/>
+          </p:nvPr>
+        </p:nvPicPr>
+        <p:blipFill rotWithShape="1">
+          <a:blip r:embed="rId3">
+            <a:extLst>
+              <a:ext uri="{28A0092B-C50C-407E-A947-70E740481C1C}">
+                <a14:useLocalDpi xmlns:a14="http://schemas.microsoft.com/office/drawing/2010/main" val="0"/>
+              </a:ext>
+            </a:extLst>
+          </a:blip>
+          <a:srcRect/>
+          <a:stretch/>
+        </p:blipFill>
+        <p:spPr>
+          <a:xfrm>
+            <a:off x="0" y="0"/>
+            <a:ext cx="12196224" cy="6858000"/>
+          </a:xfrm>
+        </p:spPr>
+      </p:pic>
+      <p:sp>
+        <p:nvSpPr>
+          <p:cNvPr id="6" name="Title 2">
+            <a:extLst>
+              <a:ext uri="{FF2B5EF4-FFF2-40B4-BE49-F238E27FC236}">
+                <a16:creationId xmlns:a16="http://schemas.microsoft.com/office/drawing/2014/main" id="{99696A72-4587-F88D-08D1-8CC210E1DD6D}"/>
+              </a:ext>
+            </a:extLst>
+          </p:cNvPr>
+          <p:cNvSpPr>
+            <a:spLocks noGrp="1"/>
+          </p:cNvSpPr>
+          <p:nvPr>
+            <p:ph type="title"/>
+          </p:nvPr>
+        </p:nvSpPr>
+        <p:spPr>
+          <a:xfrm>
+            <a:off x="81440" y="82088"/>
+            <a:ext cx="9695273" cy="667633"/>
+          </a:xfrm>
+        </p:spPr>
+        <p:txBody>
+          <a:bodyPr>
+            <a:normAutofit fontScale="90000"/>
+          </a:bodyPr>
+          <a:lstStyle/>
+          <a:p>
+            <a:r>
+              <a:rPr lang="en-US" sz="3200" dirty="0"/>
+              <a:t>Archi® Tool Tutorial base on User Guide 5.6.0</a:t>
+            </a:r>
+          </a:p>
+        </p:txBody>
+      </p:sp>
+      <p:sp>
+        <p:nvSpPr>
+          <p:cNvPr id="4" name="TextBox 3">
+            <a:extLst>
+              <a:ext uri="{FF2B5EF4-FFF2-40B4-BE49-F238E27FC236}">
+                <a16:creationId xmlns:a16="http://schemas.microsoft.com/office/drawing/2014/main" id="{990C2454-C29F-799E-E807-8EA853DCD290}"/>
+              </a:ext>
+            </a:extLst>
+          </p:cNvPr>
+          <p:cNvSpPr txBox="1"/>
+          <p:nvPr/>
+        </p:nvSpPr>
+        <p:spPr>
+          <a:xfrm>
+            <a:off x="106258" y="917049"/>
+            <a:ext cx="1916371" cy="1200329"/>
+          </a:xfrm>
+          <a:prstGeom prst="rect">
+            <a:avLst/>
+          </a:prstGeom>
+        </p:spPr>
+        <p:style>
+          <a:lnRef idx="0">
+            <a:schemeClr val="accent6"/>
+          </a:lnRef>
+          <a:fillRef idx="3">
+            <a:schemeClr val="accent6"/>
+          </a:fillRef>
+          <a:effectRef idx="3">
+            <a:schemeClr val="accent6"/>
+          </a:effectRef>
+          <a:fontRef idx="minor">
+            <a:schemeClr val="lt1"/>
+          </a:fontRef>
+        </p:style>
+        <p:txBody>
+          <a:bodyPr wrap="square" rtlCol="0" anchor="ctr">
+            <a:spAutoFit/>
+          </a:bodyPr>
+          <a:lstStyle/>
+          <a:p>
+            <a:pPr algn="ctr"/>
+            <a:r>
+              <a:rPr lang="en-US" sz="7200" b="1" dirty="0">
+                <a:latin typeface="Amasis MT Pro Black" panose="02040A04050005020304" pitchFamily="18" charset="0"/>
+                <a:ea typeface="华文琥珀" panose="02010800040101010101" pitchFamily="2" charset="-122"/>
+                <a:cs typeface="Aharoni" panose="02010803020104030203" pitchFamily="2" charset="-79"/>
+              </a:rPr>
+              <a:t>014</a:t>
+            </a:r>
+          </a:p>
+        </p:txBody>
+      </p:sp>
+      <p:sp>
+        <p:nvSpPr>
+          <p:cNvPr id="7" name="TextBox 6">
+            <a:extLst>
+              <a:ext uri="{FF2B5EF4-FFF2-40B4-BE49-F238E27FC236}">
+                <a16:creationId xmlns:a16="http://schemas.microsoft.com/office/drawing/2014/main" id="{C3F4DE9C-4B63-3433-2F01-75EABA637C92}"/>
+              </a:ext>
+            </a:extLst>
+          </p:cNvPr>
+          <p:cNvSpPr txBox="1"/>
+          <p:nvPr/>
+        </p:nvSpPr>
+        <p:spPr>
+          <a:xfrm>
+            <a:off x="81440" y="2353369"/>
+            <a:ext cx="6252416" cy="1538883"/>
+          </a:xfrm>
+          <a:prstGeom prst="rect">
+            <a:avLst/>
+          </a:prstGeom>
+          <a:noFill/>
+        </p:spPr>
+        <p:txBody>
+          <a:bodyPr wrap="square" rtlCol="0">
+            <a:spAutoFit/>
+          </a:bodyPr>
+          <a:lstStyle/>
+          <a:p>
+            <a:r>
+              <a:rPr lang="en-US" sz="5400" b="1" dirty="0">
+                <a:solidFill>
+                  <a:schemeClr val="bg1"/>
+                </a:solidFill>
+              </a:rPr>
+              <a:t>CH05 Model Tree</a:t>
+            </a:r>
+          </a:p>
+          <a:p>
+            <a:pPr marL="457200" indent="-457200">
+              <a:buFont typeface="Arial" panose="020B0604020202020204" pitchFamily="34" charset="0"/>
+              <a:buChar char="•"/>
+            </a:pPr>
+            <a:r>
+              <a:rPr lang="en-US" sz="4000" b="1" dirty="0">
+                <a:solidFill>
+                  <a:schemeClr val="bg1"/>
+                </a:solidFill>
+              </a:rPr>
+              <a:t>05.09 Drill Down</a:t>
+            </a:r>
+            <a:endParaRPr lang="en-US" sz="2800" b="1" dirty="0">
+              <a:solidFill>
+                <a:schemeClr val="bg1"/>
+              </a:solidFill>
+            </a:endParaRPr>
+          </a:p>
+        </p:txBody>
+      </p:sp>
+      <p:pic>
+        <p:nvPicPr>
+          <p:cNvPr id="11" name="Picture 10">
+            <a:extLst>
+              <a:ext uri="{FF2B5EF4-FFF2-40B4-BE49-F238E27FC236}">
+                <a16:creationId xmlns:a16="http://schemas.microsoft.com/office/drawing/2014/main" id="{D0ED738F-7D72-B399-2F12-78F289A826FB}"/>
+              </a:ext>
+            </a:extLst>
+          </p:cNvPr>
+          <p:cNvPicPr>
+            <a:picLocks noChangeAspect="1"/>
+          </p:cNvPicPr>
+          <p:nvPr/>
+        </p:nvPicPr>
+        <p:blipFill>
+          <a:blip r:embed="rId4"/>
+          <a:stretch>
+            <a:fillRect/>
+          </a:stretch>
+        </p:blipFill>
+        <p:spPr>
+          <a:xfrm>
+            <a:off x="9883629" y="130236"/>
+            <a:ext cx="2294305" cy="985640"/>
+          </a:xfrm>
+          <a:prstGeom prst="rect">
+            <a:avLst/>
+          </a:prstGeom>
+          <a:ln>
+            <a:noFill/>
+          </a:ln>
+          <a:effectLst>
+            <a:softEdge rad="112500"/>
+          </a:effectLst>
+        </p:spPr>
+      </p:pic>
+      <p:pic>
+        <p:nvPicPr>
+          <p:cNvPr id="9" name="Picture 8">
+            <a:extLst>
+              <a:ext uri="{FF2B5EF4-FFF2-40B4-BE49-F238E27FC236}">
+                <a16:creationId xmlns:a16="http://schemas.microsoft.com/office/drawing/2014/main" id="{FF48A35C-86CC-AC93-3632-5FB63A52FC50}"/>
+              </a:ext>
+            </a:extLst>
+          </p:cNvPr>
+          <p:cNvPicPr>
+            <a:picLocks noChangeAspect="1"/>
+          </p:cNvPicPr>
+          <p:nvPr/>
+        </p:nvPicPr>
+        <p:blipFill>
+          <a:blip r:embed="rId5"/>
+          <a:stretch>
+            <a:fillRect/>
+          </a:stretch>
+        </p:blipFill>
+        <p:spPr>
+          <a:xfrm>
+            <a:off x="1861543" y="3945545"/>
+            <a:ext cx="1995406" cy="1995406"/>
+          </a:xfrm>
+          <a:prstGeom prst="roundRect">
+            <a:avLst>
+              <a:gd name="adj" fmla="val 8594"/>
+            </a:avLst>
+          </a:prstGeom>
+          <a:solidFill>
+            <a:srgbClr val="FFFFFF">
+              <a:shade val="85000"/>
+            </a:srgbClr>
+          </a:solidFill>
+          <a:ln>
+            <a:noFill/>
+          </a:ln>
+          <a:effectLst>
+            <a:reflection blurRad="12700" stA="38000" endPos="28000" dist="5000" dir="5400000" sy="-100000" algn="bl" rotWithShape="0"/>
+          </a:effectLst>
+        </p:spPr>
+      </p:pic>
+      <p:pic>
+        <p:nvPicPr>
+          <p:cNvPr id="12" name="Picture 11">
+            <a:extLst>
+              <a:ext uri="{FF2B5EF4-FFF2-40B4-BE49-F238E27FC236}">
+                <a16:creationId xmlns:a16="http://schemas.microsoft.com/office/drawing/2014/main" id="{A00286B4-A3F9-F05E-039F-77313B6F3509}"/>
+              </a:ext>
+            </a:extLst>
+          </p:cNvPr>
+          <p:cNvPicPr>
+            <a:picLocks noChangeAspect="1"/>
+          </p:cNvPicPr>
+          <p:nvPr/>
+        </p:nvPicPr>
+        <p:blipFill>
+          <a:blip r:embed="rId6"/>
+          <a:stretch>
+            <a:fillRect/>
+          </a:stretch>
+        </p:blipFill>
+        <p:spPr>
+          <a:xfrm>
+            <a:off x="6060004" y="1199095"/>
+            <a:ext cx="4674657" cy="5492900"/>
+          </a:xfrm>
+          <a:prstGeom prst="rect">
+            <a:avLst/>
+          </a:prstGeom>
+          <a:ln>
+            <a:noFill/>
+          </a:ln>
+          <a:effectLst>
+            <a:outerShdw blurRad="292100" dist="139700" dir="2700000" algn="tl" rotWithShape="0">
+              <a:srgbClr val="333333">
+                <a:alpha val="65000"/>
+              </a:srgbClr>
+            </a:outerShdw>
+          </a:effectLst>
+        </p:spPr>
+      </p:pic>
+    </p:spTree>
+    <p:extLst>
+      <p:ext uri="{BB962C8B-B14F-4D97-AF65-F5344CB8AC3E}">
+        <p14:creationId xmlns:p14="http://schemas.microsoft.com/office/powerpoint/2010/main" val="2209461385"/>
+      </p:ext>
+    </p:extLst>
+  </p:cSld>
+  <p:clrMapOvr>
+    <a:masterClrMapping/>
+  </p:clrMapOvr>
+</p:sld>
+</file>
+
+<file path=ppt/slides/slide15.xml><?xml version="1.0" encoding="utf-8"?>
+<p:sld xmlns:a="http://schemas.openxmlformats.org/drawingml/2006/main" xmlns:r="http://schemas.openxmlformats.org/officeDocument/2006/relationships" xmlns:p="http://schemas.openxmlformats.org/presentationml/2006/main">
+  <p:cSld>
+    <p:spTree>
+      <p:nvGrpSpPr>
+        <p:cNvPr id="1" name="">
+          <a:extLst>
+            <a:ext uri="{FF2B5EF4-FFF2-40B4-BE49-F238E27FC236}">
+              <a16:creationId xmlns:a16="http://schemas.microsoft.com/office/drawing/2014/main" id="{4C6089F5-6718-833F-85E7-6F7D69215EB5}"/>
+            </a:ext>
+          </a:extLst>
+        </p:cNvPr>
+        <p:cNvGrpSpPr/>
+        <p:nvPr/>
+      </p:nvGrpSpPr>
+      <p:grpSpPr>
+        <a:xfrm>
+          <a:off x="0" y="0"/>
+          <a:ext cx="0" cy="0"/>
+          <a:chOff x="0" y="0"/>
+          <a:chExt cx="0" cy="0"/>
+        </a:xfrm>
+      </p:grpSpPr>
+      <p:pic>
+        <p:nvPicPr>
+          <p:cNvPr id="5" name="Picture Placeholder 4" descr="Fog-covered mountain&#10;">
+            <a:extLst>
+              <a:ext uri="{FF2B5EF4-FFF2-40B4-BE49-F238E27FC236}">
+                <a16:creationId xmlns:a16="http://schemas.microsoft.com/office/drawing/2014/main" id="{09E0B0F0-9D3F-9623-11AE-804C07659B49}"/>
+              </a:ext>
+            </a:extLst>
+          </p:cNvPr>
+          <p:cNvPicPr>
+            <a:picLocks noGrp="1" noChangeAspect="1"/>
+          </p:cNvPicPr>
+          <p:nvPr>
+            <p:ph type="pic" sz="quarter" idx="14"/>
+          </p:nvPr>
+        </p:nvPicPr>
+        <p:blipFill rotWithShape="1">
+          <a:blip r:embed="rId3">
+            <a:extLst>
+              <a:ext uri="{28A0092B-C50C-407E-A947-70E740481C1C}">
+                <a14:useLocalDpi xmlns:a14="http://schemas.microsoft.com/office/drawing/2010/main" val="0"/>
+              </a:ext>
+            </a:extLst>
+          </a:blip>
+          <a:srcRect/>
+          <a:stretch/>
+        </p:blipFill>
+        <p:spPr>
+          <a:xfrm>
+            <a:off x="0" y="0"/>
+            <a:ext cx="12196224" cy="6858000"/>
+          </a:xfrm>
+        </p:spPr>
+      </p:pic>
+      <p:sp>
+        <p:nvSpPr>
+          <p:cNvPr id="6" name="Title 2">
+            <a:extLst>
+              <a:ext uri="{FF2B5EF4-FFF2-40B4-BE49-F238E27FC236}">
+                <a16:creationId xmlns:a16="http://schemas.microsoft.com/office/drawing/2014/main" id="{CF360AB1-390C-A8CC-F7E6-E355B7039AA5}"/>
+              </a:ext>
+            </a:extLst>
+          </p:cNvPr>
+          <p:cNvSpPr>
+            <a:spLocks noGrp="1"/>
+          </p:cNvSpPr>
+          <p:nvPr>
+            <p:ph type="title"/>
+          </p:nvPr>
+        </p:nvSpPr>
+        <p:spPr>
+          <a:xfrm>
+            <a:off x="81440" y="82088"/>
+            <a:ext cx="9695273" cy="667633"/>
+          </a:xfrm>
+        </p:spPr>
+        <p:txBody>
+          <a:bodyPr>
+            <a:normAutofit fontScale="90000"/>
+          </a:bodyPr>
+          <a:lstStyle/>
+          <a:p>
+            <a:r>
+              <a:rPr lang="en-US" sz="3200" dirty="0"/>
+              <a:t>Archi® Tool Tutorial base on User Guide 5.6.0</a:t>
+            </a:r>
+          </a:p>
+        </p:txBody>
+      </p:sp>
+      <p:sp>
+        <p:nvSpPr>
+          <p:cNvPr id="4" name="TextBox 3">
+            <a:extLst>
+              <a:ext uri="{FF2B5EF4-FFF2-40B4-BE49-F238E27FC236}">
+                <a16:creationId xmlns:a16="http://schemas.microsoft.com/office/drawing/2014/main" id="{36EDF4A9-556A-8EE9-035A-984261E007A6}"/>
+              </a:ext>
+            </a:extLst>
+          </p:cNvPr>
+          <p:cNvSpPr txBox="1"/>
+          <p:nvPr/>
+        </p:nvSpPr>
+        <p:spPr>
+          <a:xfrm>
+            <a:off x="106258" y="917049"/>
+            <a:ext cx="1916371" cy="1200329"/>
+          </a:xfrm>
+          <a:prstGeom prst="rect">
+            <a:avLst/>
+          </a:prstGeom>
+        </p:spPr>
+        <p:style>
+          <a:lnRef idx="0">
+            <a:schemeClr val="accent6"/>
+          </a:lnRef>
+          <a:fillRef idx="3">
+            <a:schemeClr val="accent6"/>
+          </a:fillRef>
+          <a:effectRef idx="3">
+            <a:schemeClr val="accent6"/>
+          </a:effectRef>
+          <a:fontRef idx="minor">
+            <a:schemeClr val="lt1"/>
+          </a:fontRef>
+        </p:style>
+        <p:txBody>
+          <a:bodyPr wrap="square" rtlCol="0" anchor="ctr">
+            <a:spAutoFit/>
+          </a:bodyPr>
+          <a:lstStyle/>
+          <a:p>
+            <a:pPr algn="ctr"/>
+            <a:r>
+              <a:rPr lang="en-US" sz="7200" b="1" dirty="0">
+                <a:latin typeface="Amasis MT Pro Black" panose="02040A04050005020304" pitchFamily="18" charset="0"/>
+                <a:ea typeface="华文琥珀" panose="02010800040101010101" pitchFamily="2" charset="-122"/>
+                <a:cs typeface="Aharoni" panose="02010803020104030203" pitchFamily="2" charset="-79"/>
+              </a:rPr>
+              <a:t>015</a:t>
+            </a:r>
+          </a:p>
+        </p:txBody>
+      </p:sp>
+      <p:sp>
+        <p:nvSpPr>
+          <p:cNvPr id="7" name="TextBox 6">
+            <a:extLst>
+              <a:ext uri="{FF2B5EF4-FFF2-40B4-BE49-F238E27FC236}">
+                <a16:creationId xmlns:a16="http://schemas.microsoft.com/office/drawing/2014/main" id="{B5CD8D04-2D2D-E081-9C85-E01762998788}"/>
+              </a:ext>
+            </a:extLst>
+          </p:cNvPr>
+          <p:cNvSpPr txBox="1"/>
+          <p:nvPr/>
+        </p:nvSpPr>
+        <p:spPr>
+          <a:xfrm>
+            <a:off x="81440" y="2353369"/>
+            <a:ext cx="6252416" cy="1538883"/>
+          </a:xfrm>
+          <a:prstGeom prst="rect">
+            <a:avLst/>
+          </a:prstGeom>
+          <a:noFill/>
+        </p:spPr>
+        <p:txBody>
+          <a:bodyPr wrap="square" rtlCol="0">
+            <a:spAutoFit/>
+          </a:bodyPr>
+          <a:lstStyle/>
+          <a:p>
+            <a:r>
+              <a:rPr lang="en-US" sz="5400" b="1" dirty="0">
+                <a:solidFill>
+                  <a:schemeClr val="bg1"/>
+                </a:solidFill>
+              </a:rPr>
+              <a:t>CH05 Model Tree</a:t>
+            </a:r>
+          </a:p>
+          <a:p>
+            <a:pPr marL="457200" indent="-457200">
+              <a:buFont typeface="Arial" panose="020B0604020202020204" pitchFamily="34" charset="0"/>
+              <a:buChar char="•"/>
+            </a:pPr>
+            <a:r>
+              <a:rPr lang="en-US" sz="4000" b="1" dirty="0">
+                <a:solidFill>
+                  <a:schemeClr val="bg1"/>
+                </a:solidFill>
+              </a:rPr>
+              <a:t>05.10 Hiding Folders</a:t>
+            </a:r>
+            <a:endParaRPr lang="en-US" sz="2800" b="1" dirty="0">
+              <a:solidFill>
+                <a:schemeClr val="bg1"/>
+              </a:solidFill>
+            </a:endParaRPr>
+          </a:p>
+        </p:txBody>
+      </p:sp>
+      <p:pic>
+        <p:nvPicPr>
+          <p:cNvPr id="11" name="Picture 10">
+            <a:extLst>
+              <a:ext uri="{FF2B5EF4-FFF2-40B4-BE49-F238E27FC236}">
+                <a16:creationId xmlns:a16="http://schemas.microsoft.com/office/drawing/2014/main" id="{8C229DB6-51E0-BD34-54C2-BE4007978099}"/>
+              </a:ext>
+            </a:extLst>
+          </p:cNvPr>
+          <p:cNvPicPr>
+            <a:picLocks noChangeAspect="1"/>
+          </p:cNvPicPr>
+          <p:nvPr/>
+        </p:nvPicPr>
+        <p:blipFill>
+          <a:blip r:embed="rId4"/>
+          <a:stretch>
+            <a:fillRect/>
+          </a:stretch>
+        </p:blipFill>
+        <p:spPr>
+          <a:xfrm>
+            <a:off x="9883629" y="130236"/>
+            <a:ext cx="2294305" cy="985640"/>
+          </a:xfrm>
+          <a:prstGeom prst="rect">
+            <a:avLst/>
+          </a:prstGeom>
+          <a:ln>
+            <a:noFill/>
+          </a:ln>
+          <a:effectLst>
+            <a:softEdge rad="112500"/>
+          </a:effectLst>
+        </p:spPr>
+      </p:pic>
+      <p:pic>
+        <p:nvPicPr>
+          <p:cNvPr id="8" name="Picture 7">
+            <a:extLst>
+              <a:ext uri="{FF2B5EF4-FFF2-40B4-BE49-F238E27FC236}">
+                <a16:creationId xmlns:a16="http://schemas.microsoft.com/office/drawing/2014/main" id="{272B7D58-EC11-3D0A-672F-EFC00FC9EFF7}"/>
+              </a:ext>
+            </a:extLst>
+          </p:cNvPr>
+          <p:cNvPicPr>
+            <a:picLocks noChangeAspect="1"/>
+          </p:cNvPicPr>
+          <p:nvPr/>
+        </p:nvPicPr>
+        <p:blipFill>
+          <a:blip r:embed="rId5"/>
+          <a:stretch>
+            <a:fillRect/>
+          </a:stretch>
+        </p:blipFill>
+        <p:spPr>
+          <a:xfrm>
+            <a:off x="6217335" y="1246112"/>
+            <a:ext cx="4518668" cy="5362891"/>
+          </a:xfrm>
+          <a:prstGeom prst="rect">
+            <a:avLst/>
+          </a:prstGeom>
+          <a:ln>
+            <a:noFill/>
+          </a:ln>
+          <a:effectLst>
+            <a:outerShdw blurRad="292100" dist="139700" dir="2700000" algn="tl" rotWithShape="0">
+              <a:srgbClr val="333333">
+                <a:alpha val="65000"/>
+              </a:srgbClr>
+            </a:outerShdw>
+          </a:effectLst>
+        </p:spPr>
+      </p:pic>
+      <p:pic>
+        <p:nvPicPr>
+          <p:cNvPr id="10" name="Picture 9">
+            <a:extLst>
+              <a:ext uri="{FF2B5EF4-FFF2-40B4-BE49-F238E27FC236}">
+                <a16:creationId xmlns:a16="http://schemas.microsoft.com/office/drawing/2014/main" id="{08E2BDDE-FF38-EA4C-F5E2-DD06F6E12549}"/>
+              </a:ext>
+            </a:extLst>
+          </p:cNvPr>
+          <p:cNvPicPr>
+            <a:picLocks noChangeAspect="1"/>
+          </p:cNvPicPr>
+          <p:nvPr/>
+        </p:nvPicPr>
+        <p:blipFill>
+          <a:blip r:embed="rId6"/>
+          <a:stretch>
+            <a:fillRect/>
+          </a:stretch>
+        </p:blipFill>
+        <p:spPr>
+          <a:xfrm>
+            <a:off x="3417085" y="4535440"/>
+            <a:ext cx="1634412" cy="1235311"/>
+          </a:xfrm>
+          <a:prstGeom prst="rect">
+            <a:avLst/>
+          </a:prstGeom>
+          <a:ln>
+            <a:noFill/>
+          </a:ln>
+          <a:effectLst>
+            <a:softEdge rad="112500"/>
+          </a:effectLst>
+        </p:spPr>
+      </p:pic>
+      <p:pic>
+        <p:nvPicPr>
+          <p:cNvPr id="12" name="Picture 11">
+            <a:extLst>
+              <a:ext uri="{FF2B5EF4-FFF2-40B4-BE49-F238E27FC236}">
+                <a16:creationId xmlns:a16="http://schemas.microsoft.com/office/drawing/2014/main" id="{723C55E6-635A-57B2-9942-995BEEB7A17F}"/>
+              </a:ext>
+            </a:extLst>
+          </p:cNvPr>
+          <p:cNvPicPr>
+            <a:picLocks noChangeAspect="1"/>
+          </p:cNvPicPr>
+          <p:nvPr/>
+        </p:nvPicPr>
+        <p:blipFill>
+          <a:blip r:embed="rId7"/>
+          <a:stretch>
+            <a:fillRect/>
+          </a:stretch>
+        </p:blipFill>
+        <p:spPr>
+          <a:xfrm>
+            <a:off x="825886" y="4535440"/>
+            <a:ext cx="1425361" cy="1216307"/>
+          </a:xfrm>
+          <a:prstGeom prst="rect">
+            <a:avLst/>
+          </a:prstGeom>
+          <a:ln>
+            <a:noFill/>
+          </a:ln>
+          <a:effectLst>
+            <a:softEdge rad="112500"/>
+          </a:effectLst>
+        </p:spPr>
+      </p:pic>
+      <p:sp>
+        <p:nvSpPr>
+          <p:cNvPr id="13" name="Arrow: Right 12">
+            <a:extLst>
+              <a:ext uri="{FF2B5EF4-FFF2-40B4-BE49-F238E27FC236}">
+                <a16:creationId xmlns:a16="http://schemas.microsoft.com/office/drawing/2014/main" id="{A615FDC3-797F-24DB-855C-0E6601079B9B}"/>
+              </a:ext>
+            </a:extLst>
+          </p:cNvPr>
+          <p:cNvSpPr/>
+          <p:nvPr/>
+        </p:nvSpPr>
+        <p:spPr>
+          <a:xfrm>
+            <a:off x="2594624" y="4827282"/>
+            <a:ext cx="579654" cy="610759"/>
+          </a:xfrm>
+          <a:prstGeom prst="rightArrow">
+            <a:avLst/>
+          </a:prstGeom>
+        </p:spPr>
+        <p:style>
+          <a:lnRef idx="0">
+            <a:schemeClr val="accent1"/>
+          </a:lnRef>
+          <a:fillRef idx="3">
+            <a:schemeClr val="accent1"/>
+          </a:fillRef>
+          <a:effectRef idx="3">
+            <a:schemeClr val="accent1"/>
+          </a:effectRef>
+          <a:fontRef idx="minor">
+            <a:schemeClr val="lt1"/>
+          </a:fontRef>
+        </p:style>
+        <p:txBody>
+          <a:bodyPr rtlCol="0" anchor="ctr"/>
+          <a:lstStyle/>
+          <a:p>
+            <a:pPr algn="ctr"/>
+            <a:endParaRPr lang="en-US"/>
+          </a:p>
+        </p:txBody>
+      </p:sp>
+    </p:spTree>
+    <p:extLst>
+      <p:ext uri="{BB962C8B-B14F-4D97-AF65-F5344CB8AC3E}">
+        <p14:creationId xmlns:p14="http://schemas.microsoft.com/office/powerpoint/2010/main" val="379748812"/>
+      </p:ext>
+    </p:extLst>
+  </p:cSld>
+  <p:clrMapOvr>
+    <a:masterClrMapping/>
+  </p:clrMapOvr>
+</p:sld>
+</file>
+
+<file path=ppt/slides/slide16.xml><?xml version="1.0" encoding="utf-8"?>
+<p:sld xmlns:a="http://schemas.openxmlformats.org/drawingml/2006/main" xmlns:r="http://schemas.openxmlformats.org/officeDocument/2006/relationships" xmlns:p="http://schemas.openxmlformats.org/presentationml/2006/main">
+  <p:cSld>
+    <p:spTree>
+      <p:nvGrpSpPr>
+        <p:cNvPr id="1" name="">
+          <a:extLst>
+            <a:ext uri="{FF2B5EF4-FFF2-40B4-BE49-F238E27FC236}">
+              <a16:creationId xmlns:a16="http://schemas.microsoft.com/office/drawing/2014/main" id="{611B9D68-E39E-9FC0-CB2F-CDBB48EF4474}"/>
+            </a:ext>
+          </a:extLst>
+        </p:cNvPr>
+        <p:cNvGrpSpPr/>
+        <p:nvPr/>
+      </p:nvGrpSpPr>
+      <p:grpSpPr>
+        <a:xfrm>
+          <a:off x="0" y="0"/>
+          <a:ext cx="0" cy="0"/>
+          <a:chOff x="0" y="0"/>
+          <a:chExt cx="0" cy="0"/>
+        </a:xfrm>
+      </p:grpSpPr>
+      <p:pic>
+        <p:nvPicPr>
+          <p:cNvPr id="5" name="Picture Placeholder 4" descr="Fog-covered mountain&#10;">
+            <a:extLst>
+              <a:ext uri="{FF2B5EF4-FFF2-40B4-BE49-F238E27FC236}">
+                <a16:creationId xmlns:a16="http://schemas.microsoft.com/office/drawing/2014/main" id="{49BB8A00-CD03-E228-0ADC-577DDBF83BB3}"/>
+              </a:ext>
+            </a:extLst>
+          </p:cNvPr>
+          <p:cNvPicPr>
+            <a:picLocks noGrp="1" noChangeAspect="1"/>
+          </p:cNvPicPr>
+          <p:nvPr>
+            <p:ph type="pic" sz="quarter" idx="14"/>
+          </p:nvPr>
+        </p:nvPicPr>
+        <p:blipFill rotWithShape="1">
+          <a:blip r:embed="rId3">
+            <a:extLst>
+              <a:ext uri="{28A0092B-C50C-407E-A947-70E740481C1C}">
+                <a14:useLocalDpi xmlns:a14="http://schemas.microsoft.com/office/drawing/2010/main" val="0"/>
+              </a:ext>
+            </a:extLst>
+          </a:blip>
+          <a:srcRect/>
+          <a:stretch/>
+        </p:blipFill>
+        <p:spPr>
+          <a:xfrm>
+            <a:off x="0" y="0"/>
+            <a:ext cx="12196224" cy="6858000"/>
+          </a:xfrm>
+        </p:spPr>
+      </p:pic>
+      <p:sp>
+        <p:nvSpPr>
+          <p:cNvPr id="6" name="Title 2">
+            <a:extLst>
+              <a:ext uri="{FF2B5EF4-FFF2-40B4-BE49-F238E27FC236}">
+                <a16:creationId xmlns:a16="http://schemas.microsoft.com/office/drawing/2014/main" id="{116B9F5C-9567-0932-9ADB-287202DB8241}"/>
+              </a:ext>
+            </a:extLst>
+          </p:cNvPr>
+          <p:cNvSpPr>
+            <a:spLocks noGrp="1"/>
+          </p:cNvSpPr>
+          <p:nvPr>
+            <p:ph type="title"/>
+          </p:nvPr>
+        </p:nvSpPr>
+        <p:spPr>
+          <a:xfrm>
+            <a:off x="81440" y="82088"/>
+            <a:ext cx="9695273" cy="667633"/>
+          </a:xfrm>
+        </p:spPr>
+        <p:txBody>
+          <a:bodyPr>
+            <a:normAutofit fontScale="90000"/>
+          </a:bodyPr>
+          <a:lstStyle/>
+          <a:p>
+            <a:r>
+              <a:rPr lang="en-US" sz="3200" dirty="0"/>
+              <a:t>Archi® Tool Tutorial base on User Guide 5.6.0</a:t>
+            </a:r>
+          </a:p>
+        </p:txBody>
+      </p:sp>
+      <p:sp>
+        <p:nvSpPr>
+          <p:cNvPr id="4" name="TextBox 3">
+            <a:extLst>
+              <a:ext uri="{FF2B5EF4-FFF2-40B4-BE49-F238E27FC236}">
+                <a16:creationId xmlns:a16="http://schemas.microsoft.com/office/drawing/2014/main" id="{28EBC7DA-044E-D0E0-016C-4DF250133278}"/>
+              </a:ext>
+            </a:extLst>
+          </p:cNvPr>
+          <p:cNvSpPr txBox="1"/>
+          <p:nvPr/>
+        </p:nvSpPr>
+        <p:spPr>
+          <a:xfrm>
+            <a:off x="106258" y="917049"/>
+            <a:ext cx="1916371" cy="1200329"/>
+          </a:xfrm>
+          <a:prstGeom prst="rect">
+            <a:avLst/>
+          </a:prstGeom>
+        </p:spPr>
+        <p:style>
+          <a:lnRef idx="0">
+            <a:schemeClr val="accent6"/>
+          </a:lnRef>
+          <a:fillRef idx="3">
+            <a:schemeClr val="accent6"/>
+          </a:fillRef>
+          <a:effectRef idx="3">
+            <a:schemeClr val="accent6"/>
+          </a:effectRef>
+          <a:fontRef idx="minor">
+            <a:schemeClr val="lt1"/>
+          </a:fontRef>
+        </p:style>
+        <p:txBody>
+          <a:bodyPr wrap="square" rtlCol="0" anchor="ctr">
+            <a:spAutoFit/>
+          </a:bodyPr>
+          <a:lstStyle/>
+          <a:p>
+            <a:pPr algn="ctr"/>
+            <a:r>
+              <a:rPr lang="en-US" sz="7200" b="1" dirty="0">
+                <a:latin typeface="Amasis MT Pro Black" panose="02040A04050005020304" pitchFamily="18" charset="0"/>
+                <a:ea typeface="华文琥珀" panose="02010800040101010101" pitchFamily="2" charset="-122"/>
+                <a:cs typeface="Aharoni" panose="02010803020104030203" pitchFamily="2" charset="-79"/>
+              </a:rPr>
+              <a:t>016</a:t>
+            </a:r>
+          </a:p>
+        </p:txBody>
+      </p:sp>
+      <p:sp>
+        <p:nvSpPr>
+          <p:cNvPr id="7" name="TextBox 6">
+            <a:extLst>
+              <a:ext uri="{FF2B5EF4-FFF2-40B4-BE49-F238E27FC236}">
+                <a16:creationId xmlns:a16="http://schemas.microsoft.com/office/drawing/2014/main" id="{C3916571-F088-0B38-60B0-C0CB6D1FECC9}"/>
+              </a:ext>
+            </a:extLst>
+          </p:cNvPr>
+          <p:cNvSpPr txBox="1"/>
+          <p:nvPr/>
+        </p:nvSpPr>
+        <p:spPr>
+          <a:xfrm>
+            <a:off x="81440" y="2353369"/>
+            <a:ext cx="6252416" cy="3693319"/>
+          </a:xfrm>
+          <a:prstGeom prst="rect">
+            <a:avLst/>
+          </a:prstGeom>
+          <a:noFill/>
+        </p:spPr>
+        <p:txBody>
+          <a:bodyPr wrap="square" rtlCol="0">
+            <a:spAutoFit/>
+          </a:bodyPr>
+          <a:lstStyle/>
+          <a:p>
+            <a:r>
+              <a:rPr lang="en-US" sz="5400" b="1" dirty="0">
+                <a:solidFill>
+                  <a:schemeClr val="bg1"/>
+                </a:solidFill>
+              </a:rPr>
+              <a:t>CH05 Model Tree</a:t>
+            </a:r>
+          </a:p>
+          <a:p>
+            <a:pPr marL="457200" indent="-457200">
+              <a:buFont typeface="Arial" panose="020B0604020202020204" pitchFamily="34" charset="0"/>
+              <a:buChar char="•"/>
+            </a:pPr>
+            <a:r>
+              <a:rPr lang="en-US" sz="3600" b="1" dirty="0">
+                <a:solidFill>
+                  <a:schemeClr val="bg1"/>
+                </a:solidFill>
+              </a:rPr>
+              <a:t>05.11 Searching and Filtering in the Model Tree</a:t>
+            </a:r>
+          </a:p>
+          <a:p>
+            <a:pPr marL="914400" lvl="1" indent="-457200">
+              <a:buFont typeface="Arial" panose="020B0604020202020204" pitchFamily="34" charset="0"/>
+              <a:buChar char="•"/>
+            </a:pPr>
+            <a:r>
+              <a:rPr lang="en-US" sz="2400" b="1" dirty="0">
+                <a:solidFill>
+                  <a:schemeClr val="bg1"/>
+                </a:solidFill>
+              </a:rPr>
+              <a:t>05.11.01 </a:t>
+            </a:r>
+            <a:r>
+              <a:rPr lang="en-US" altLang="zh-CN" sz="2400" b="1" dirty="0">
+                <a:solidFill>
+                  <a:schemeClr val="bg1"/>
+                </a:solidFill>
+              </a:rPr>
+              <a:t>Filtering Object Types</a:t>
+            </a:r>
+          </a:p>
+          <a:p>
+            <a:pPr marL="914400" lvl="1" indent="-457200">
+              <a:buFont typeface="Arial" panose="020B0604020202020204" pitchFamily="34" charset="0"/>
+              <a:buChar char="•"/>
+            </a:pPr>
+            <a:r>
+              <a:rPr lang="en-US" sz="2400" b="1" dirty="0">
+                <a:solidFill>
+                  <a:schemeClr val="bg1"/>
+                </a:solidFill>
+              </a:rPr>
+              <a:t>05.11.02 Filtering User Properties</a:t>
+            </a:r>
+          </a:p>
+          <a:p>
+            <a:pPr marL="914400" lvl="1" indent="-457200">
+              <a:buFont typeface="Arial" panose="020B0604020202020204" pitchFamily="34" charset="0"/>
+              <a:buChar char="•"/>
+            </a:pPr>
+            <a:r>
+              <a:rPr lang="en-US" sz="2400" b="1" dirty="0">
+                <a:solidFill>
+                  <a:schemeClr val="bg1"/>
+                </a:solidFill>
+              </a:rPr>
+              <a:t>05.11.03 Filtering Specializations</a:t>
+            </a:r>
+          </a:p>
+        </p:txBody>
+      </p:sp>
+      <p:pic>
+        <p:nvPicPr>
+          <p:cNvPr id="11" name="Picture 10">
+            <a:extLst>
+              <a:ext uri="{FF2B5EF4-FFF2-40B4-BE49-F238E27FC236}">
+                <a16:creationId xmlns:a16="http://schemas.microsoft.com/office/drawing/2014/main" id="{3304C235-29BA-58CE-32CB-F6DAA96AC9B6}"/>
+              </a:ext>
+            </a:extLst>
+          </p:cNvPr>
+          <p:cNvPicPr>
+            <a:picLocks noChangeAspect="1"/>
+          </p:cNvPicPr>
+          <p:nvPr/>
+        </p:nvPicPr>
+        <p:blipFill>
+          <a:blip r:embed="rId4"/>
+          <a:stretch>
+            <a:fillRect/>
+          </a:stretch>
+        </p:blipFill>
+        <p:spPr>
+          <a:xfrm>
+            <a:off x="9883629" y="130236"/>
+            <a:ext cx="2294305" cy="985640"/>
+          </a:xfrm>
+          <a:prstGeom prst="rect">
+            <a:avLst/>
+          </a:prstGeom>
+          <a:ln>
+            <a:noFill/>
+          </a:ln>
+          <a:effectLst>
+            <a:softEdge rad="112500"/>
+          </a:effectLst>
+        </p:spPr>
+      </p:pic>
+      <p:pic>
+        <p:nvPicPr>
+          <p:cNvPr id="14" name="Picture 13">
+            <a:extLst>
+              <a:ext uri="{FF2B5EF4-FFF2-40B4-BE49-F238E27FC236}">
+                <a16:creationId xmlns:a16="http://schemas.microsoft.com/office/drawing/2014/main" id="{611F45D4-A847-9E63-8898-BDB8DCCB3F5E}"/>
+              </a:ext>
+            </a:extLst>
+          </p:cNvPr>
+          <p:cNvPicPr>
+            <a:picLocks noChangeAspect="1"/>
+          </p:cNvPicPr>
+          <p:nvPr/>
+        </p:nvPicPr>
+        <p:blipFill>
+          <a:blip r:embed="rId5"/>
+          <a:stretch>
+            <a:fillRect/>
+          </a:stretch>
+        </p:blipFill>
+        <p:spPr>
+          <a:xfrm>
+            <a:off x="6096000" y="1246112"/>
+            <a:ext cx="5232200" cy="5367225"/>
+          </a:xfrm>
+          <a:prstGeom prst="rect">
+            <a:avLst/>
+          </a:prstGeom>
+          <a:ln>
+            <a:noFill/>
+          </a:ln>
+          <a:effectLst>
+            <a:outerShdw blurRad="292100" dist="139700" dir="2700000" algn="tl" rotWithShape="0">
+              <a:srgbClr val="333333">
+                <a:alpha val="65000"/>
+              </a:srgbClr>
+            </a:outerShdw>
+          </a:effectLst>
+        </p:spPr>
+      </p:pic>
+    </p:spTree>
+    <p:extLst>
+      <p:ext uri="{BB962C8B-B14F-4D97-AF65-F5344CB8AC3E}">
+        <p14:creationId xmlns:p14="http://schemas.microsoft.com/office/powerpoint/2010/main" val="3648052372"/>
+      </p:ext>
+    </p:extLst>
+  </p:cSld>
+  <p:clrMapOvr>
+    <a:masterClrMapping/>
+  </p:clrMapOvr>
+</p:sld>
+</file>
+
+<file path=ppt/slides/slide17.xml><?xml version="1.0" encoding="utf-8"?>
+<p:sld xmlns:a="http://schemas.openxmlformats.org/drawingml/2006/main" xmlns:r="http://schemas.openxmlformats.org/officeDocument/2006/relationships" xmlns:p="http://schemas.openxmlformats.org/presentationml/2006/main">
+  <p:cSld>
+    <p:spTree>
+      <p:nvGrpSpPr>
+        <p:cNvPr id="1" name="">
+          <a:extLst>
+            <a:ext uri="{FF2B5EF4-FFF2-40B4-BE49-F238E27FC236}">
+              <a16:creationId xmlns:a16="http://schemas.microsoft.com/office/drawing/2014/main" id="{9BE635C6-6698-D950-63D0-9540DA065C85}"/>
+            </a:ext>
+          </a:extLst>
+        </p:cNvPr>
+        <p:cNvGrpSpPr/>
+        <p:nvPr/>
+      </p:nvGrpSpPr>
+      <p:grpSpPr>
+        <a:xfrm>
+          <a:off x="0" y="0"/>
+          <a:ext cx="0" cy="0"/>
+          <a:chOff x="0" y="0"/>
+          <a:chExt cx="0" cy="0"/>
+        </a:xfrm>
+      </p:grpSpPr>
+      <p:pic>
+        <p:nvPicPr>
+          <p:cNvPr id="5" name="Picture Placeholder 4" descr="Fog-covered mountain&#10;">
+            <a:extLst>
+              <a:ext uri="{FF2B5EF4-FFF2-40B4-BE49-F238E27FC236}">
+                <a16:creationId xmlns:a16="http://schemas.microsoft.com/office/drawing/2014/main" id="{29CA17D0-950B-2393-8032-E8261201595D}"/>
+              </a:ext>
+            </a:extLst>
+          </p:cNvPr>
+          <p:cNvPicPr>
+            <a:picLocks noGrp="1" noChangeAspect="1"/>
+          </p:cNvPicPr>
+          <p:nvPr>
+            <p:ph type="pic" sz="quarter" idx="14"/>
+          </p:nvPr>
+        </p:nvPicPr>
+        <p:blipFill rotWithShape="1">
+          <a:blip r:embed="rId3">
+            <a:extLst>
+              <a:ext uri="{28A0092B-C50C-407E-A947-70E740481C1C}">
+                <a14:useLocalDpi xmlns:a14="http://schemas.microsoft.com/office/drawing/2010/main" val="0"/>
+              </a:ext>
+            </a:extLst>
+          </a:blip>
+          <a:srcRect/>
+          <a:stretch/>
+        </p:blipFill>
+        <p:spPr>
+          <a:xfrm>
+            <a:off x="0" y="0"/>
+            <a:ext cx="12196224" cy="6858000"/>
+          </a:xfrm>
+        </p:spPr>
+      </p:pic>
+      <p:sp>
+        <p:nvSpPr>
+          <p:cNvPr id="6" name="Title 2">
+            <a:extLst>
+              <a:ext uri="{FF2B5EF4-FFF2-40B4-BE49-F238E27FC236}">
+                <a16:creationId xmlns:a16="http://schemas.microsoft.com/office/drawing/2014/main" id="{E857B028-2F87-F388-6F6C-849ADC6CA97C}"/>
+              </a:ext>
+            </a:extLst>
+          </p:cNvPr>
+          <p:cNvSpPr>
+            <a:spLocks noGrp="1"/>
+          </p:cNvSpPr>
+          <p:nvPr>
+            <p:ph type="title"/>
+          </p:nvPr>
+        </p:nvSpPr>
+        <p:spPr>
+          <a:xfrm>
+            <a:off x="81440" y="82088"/>
+            <a:ext cx="9695273" cy="667633"/>
+          </a:xfrm>
+        </p:spPr>
+        <p:txBody>
+          <a:bodyPr>
+            <a:normAutofit fontScale="90000"/>
+          </a:bodyPr>
+          <a:lstStyle/>
+          <a:p>
+            <a:r>
+              <a:rPr lang="en-US" sz="3200" dirty="0"/>
+              <a:t>Archi® Tool Tutorial base on User Guide 5.6.0</a:t>
+            </a:r>
+          </a:p>
+        </p:txBody>
+      </p:sp>
+      <p:sp>
+        <p:nvSpPr>
+          <p:cNvPr id="4" name="TextBox 3">
+            <a:extLst>
+              <a:ext uri="{FF2B5EF4-FFF2-40B4-BE49-F238E27FC236}">
+                <a16:creationId xmlns:a16="http://schemas.microsoft.com/office/drawing/2014/main" id="{C341AB16-ECC6-D3D3-1EA5-692C7661812B}"/>
+              </a:ext>
+            </a:extLst>
+          </p:cNvPr>
+          <p:cNvSpPr txBox="1"/>
+          <p:nvPr/>
+        </p:nvSpPr>
+        <p:spPr>
+          <a:xfrm>
+            <a:off x="106258" y="917049"/>
+            <a:ext cx="1916371" cy="1200329"/>
+          </a:xfrm>
+          <a:prstGeom prst="rect">
+            <a:avLst/>
+          </a:prstGeom>
+        </p:spPr>
+        <p:style>
+          <a:lnRef idx="0">
+            <a:schemeClr val="accent6"/>
+          </a:lnRef>
+          <a:fillRef idx="3">
+            <a:schemeClr val="accent6"/>
+          </a:fillRef>
+          <a:effectRef idx="3">
+            <a:schemeClr val="accent6"/>
+          </a:effectRef>
+          <a:fontRef idx="minor">
+            <a:schemeClr val="lt1"/>
+          </a:fontRef>
+        </p:style>
+        <p:txBody>
+          <a:bodyPr wrap="square" rtlCol="0" anchor="ctr">
+            <a:spAutoFit/>
+          </a:bodyPr>
+          <a:lstStyle/>
+          <a:p>
+            <a:pPr algn="ctr"/>
+            <a:r>
+              <a:rPr lang="en-US" sz="7200" b="1" dirty="0">
+                <a:latin typeface="Amasis MT Pro Black" panose="02040A04050005020304" pitchFamily="18" charset="0"/>
+                <a:ea typeface="华文琥珀" panose="02010800040101010101" pitchFamily="2" charset="-122"/>
+                <a:cs typeface="Aharoni" panose="02010803020104030203" pitchFamily="2" charset="-79"/>
+              </a:rPr>
+              <a:t>017</a:t>
+            </a:r>
+          </a:p>
+        </p:txBody>
+      </p:sp>
+      <p:sp>
+        <p:nvSpPr>
+          <p:cNvPr id="7" name="TextBox 6">
+            <a:extLst>
+              <a:ext uri="{FF2B5EF4-FFF2-40B4-BE49-F238E27FC236}">
+                <a16:creationId xmlns:a16="http://schemas.microsoft.com/office/drawing/2014/main" id="{A7665643-3B42-D57C-4957-0B3A04DFC8B7}"/>
+              </a:ext>
+            </a:extLst>
+          </p:cNvPr>
+          <p:cNvSpPr txBox="1"/>
+          <p:nvPr/>
+        </p:nvSpPr>
+        <p:spPr>
+          <a:xfrm>
+            <a:off x="81440" y="2353369"/>
+            <a:ext cx="6252416" cy="3693319"/>
+          </a:xfrm>
+          <a:prstGeom prst="rect">
+            <a:avLst/>
+          </a:prstGeom>
+          <a:noFill/>
+        </p:spPr>
+        <p:txBody>
+          <a:bodyPr wrap="square" rtlCol="0">
+            <a:spAutoFit/>
+          </a:bodyPr>
+          <a:lstStyle/>
+          <a:p>
+            <a:r>
+              <a:rPr lang="en-US" sz="5400" b="1" dirty="0">
+                <a:solidFill>
+                  <a:schemeClr val="bg1"/>
+                </a:solidFill>
+              </a:rPr>
+              <a:t>CH05 Model Tree</a:t>
+            </a:r>
+          </a:p>
+          <a:p>
+            <a:pPr marL="457200" indent="-457200">
+              <a:buFont typeface="Arial" panose="020B0604020202020204" pitchFamily="34" charset="0"/>
+              <a:buChar char="•"/>
+            </a:pPr>
+            <a:r>
+              <a:rPr lang="en-US" sz="3600" b="1" dirty="0">
+                <a:solidFill>
+                  <a:schemeClr val="bg1"/>
+                </a:solidFill>
+              </a:rPr>
+              <a:t>05.11 Searching and Filtering in the Model Tree</a:t>
+            </a:r>
+          </a:p>
+          <a:p>
+            <a:pPr marL="914400" lvl="1" indent="-457200">
+              <a:buFont typeface="Arial" panose="020B0604020202020204" pitchFamily="34" charset="0"/>
+              <a:buChar char="•"/>
+            </a:pPr>
+            <a:r>
+              <a:rPr lang="en-US" sz="2400" b="1" dirty="0">
+                <a:solidFill>
+                  <a:schemeClr val="bg1"/>
+                </a:solidFill>
+              </a:rPr>
+              <a:t>05.11.04 Show All Folders</a:t>
+            </a:r>
+          </a:p>
+          <a:p>
+            <a:pPr marL="914400" lvl="1" indent="-457200">
+              <a:buFont typeface="Arial" panose="020B0604020202020204" pitchFamily="34" charset="0"/>
+              <a:buChar char="•"/>
+            </a:pPr>
+            <a:r>
+              <a:rPr lang="en-US" sz="2400" b="1" dirty="0">
+                <a:solidFill>
+                  <a:schemeClr val="bg1"/>
+                </a:solidFill>
+              </a:rPr>
+              <a:t>05.11.05 Match Case</a:t>
+            </a:r>
+          </a:p>
+          <a:p>
+            <a:pPr marL="914400" lvl="1" indent="-457200">
+              <a:buFont typeface="Arial" panose="020B0604020202020204" pitchFamily="34" charset="0"/>
+              <a:buChar char="•"/>
+            </a:pPr>
+            <a:r>
+              <a:rPr lang="en-US" sz="2400" b="1" dirty="0">
+                <a:solidFill>
+                  <a:schemeClr val="bg1"/>
+                </a:solidFill>
+              </a:rPr>
+              <a:t>05.11.06 Match Regular Expression</a:t>
+            </a:r>
+          </a:p>
+        </p:txBody>
+      </p:sp>
+      <p:pic>
+        <p:nvPicPr>
+          <p:cNvPr id="11" name="Picture 10">
+            <a:extLst>
+              <a:ext uri="{FF2B5EF4-FFF2-40B4-BE49-F238E27FC236}">
+                <a16:creationId xmlns:a16="http://schemas.microsoft.com/office/drawing/2014/main" id="{BCA195F4-D235-DC6E-F00D-0BD96918298C}"/>
+              </a:ext>
+            </a:extLst>
+          </p:cNvPr>
+          <p:cNvPicPr>
+            <a:picLocks noChangeAspect="1"/>
+          </p:cNvPicPr>
+          <p:nvPr/>
+        </p:nvPicPr>
+        <p:blipFill>
+          <a:blip r:embed="rId4"/>
+          <a:stretch>
+            <a:fillRect/>
+          </a:stretch>
+        </p:blipFill>
+        <p:spPr>
+          <a:xfrm>
+            <a:off x="9883629" y="130236"/>
+            <a:ext cx="2294305" cy="985640"/>
+          </a:xfrm>
+          <a:prstGeom prst="rect">
+            <a:avLst/>
+          </a:prstGeom>
+          <a:ln>
+            <a:noFill/>
+          </a:ln>
+          <a:effectLst>
+            <a:softEdge rad="112500"/>
+          </a:effectLst>
+        </p:spPr>
+      </p:pic>
+      <p:pic>
+        <p:nvPicPr>
+          <p:cNvPr id="3" name="Picture 2">
+            <a:extLst>
+              <a:ext uri="{FF2B5EF4-FFF2-40B4-BE49-F238E27FC236}">
+                <a16:creationId xmlns:a16="http://schemas.microsoft.com/office/drawing/2014/main" id="{F0CF1395-160D-D782-4B27-918E08B1CF84}"/>
+              </a:ext>
+            </a:extLst>
+          </p:cNvPr>
+          <p:cNvPicPr>
+            <a:picLocks noChangeAspect="1"/>
+          </p:cNvPicPr>
+          <p:nvPr/>
+        </p:nvPicPr>
+        <p:blipFill>
+          <a:blip r:embed="rId5"/>
+          <a:stretch>
+            <a:fillRect/>
+          </a:stretch>
+        </p:blipFill>
+        <p:spPr>
+          <a:xfrm>
+            <a:off x="6333856" y="1191527"/>
+            <a:ext cx="5291391" cy="5536237"/>
+          </a:xfrm>
+          <a:prstGeom prst="rect">
+            <a:avLst/>
+          </a:prstGeom>
+          <a:ln>
+            <a:noFill/>
+          </a:ln>
+          <a:effectLst>
+            <a:outerShdw blurRad="292100" dist="139700" dir="2700000" algn="tl" rotWithShape="0">
+              <a:srgbClr val="333333">
+                <a:alpha val="65000"/>
+              </a:srgbClr>
+            </a:outerShdw>
+          </a:effectLst>
+        </p:spPr>
+      </p:pic>
+    </p:spTree>
+    <p:extLst>
+      <p:ext uri="{BB962C8B-B14F-4D97-AF65-F5344CB8AC3E}">
+        <p14:creationId xmlns:p14="http://schemas.microsoft.com/office/powerpoint/2010/main" val="2065499431"/>
+      </p:ext>
+    </p:extLst>
+  </p:cSld>
+  <p:clrMapOvr>
+    <a:masterClrMapping/>
+  </p:clrMapOvr>
+</p:sld>
+</file>
+
+<file path=ppt/slides/slide18.xml><?xml version="1.0" encoding="utf-8"?>
+<p:sld xmlns:a="http://schemas.openxmlformats.org/drawingml/2006/main" xmlns:r="http://schemas.openxmlformats.org/officeDocument/2006/relationships" xmlns:p="http://schemas.openxmlformats.org/presentationml/2006/main">
+  <p:cSld>
+    <p:spTree>
+      <p:nvGrpSpPr>
+        <p:cNvPr id="1" name="">
+          <a:extLst>
+            <a:ext uri="{FF2B5EF4-FFF2-40B4-BE49-F238E27FC236}">
+              <a16:creationId xmlns:a16="http://schemas.microsoft.com/office/drawing/2014/main" id="{F9580D88-B8B4-7CBD-8A1A-3E12C3198981}"/>
+            </a:ext>
+          </a:extLst>
+        </p:cNvPr>
+        <p:cNvGrpSpPr/>
+        <p:nvPr/>
+      </p:nvGrpSpPr>
+      <p:grpSpPr>
+        <a:xfrm>
+          <a:off x="0" y="0"/>
+          <a:ext cx="0" cy="0"/>
+          <a:chOff x="0" y="0"/>
+          <a:chExt cx="0" cy="0"/>
+        </a:xfrm>
+      </p:grpSpPr>
+      <p:pic>
+        <p:nvPicPr>
+          <p:cNvPr id="5" name="Picture Placeholder 4" descr="Fog-covered mountain&#10;">
+            <a:extLst>
+              <a:ext uri="{FF2B5EF4-FFF2-40B4-BE49-F238E27FC236}">
+                <a16:creationId xmlns:a16="http://schemas.microsoft.com/office/drawing/2014/main" id="{AE3F5CD1-5D81-A24F-6509-7B30EF447650}"/>
+              </a:ext>
+            </a:extLst>
+          </p:cNvPr>
+          <p:cNvPicPr>
+            <a:picLocks noGrp="1" noChangeAspect="1"/>
+          </p:cNvPicPr>
+          <p:nvPr>
+            <p:ph type="pic" sz="quarter" idx="14"/>
+          </p:nvPr>
+        </p:nvPicPr>
+        <p:blipFill rotWithShape="1">
+          <a:blip r:embed="rId3">
+            <a:extLst>
+              <a:ext uri="{28A0092B-C50C-407E-A947-70E740481C1C}">
+                <a14:useLocalDpi xmlns:a14="http://schemas.microsoft.com/office/drawing/2010/main" val="0"/>
+              </a:ext>
+            </a:extLst>
+          </a:blip>
+          <a:srcRect/>
+          <a:stretch/>
+        </p:blipFill>
+        <p:spPr>
+          <a:xfrm>
+            <a:off x="0" y="0"/>
+            <a:ext cx="12196224" cy="6858000"/>
+          </a:xfrm>
+        </p:spPr>
+      </p:pic>
+      <p:sp>
+        <p:nvSpPr>
+          <p:cNvPr id="6" name="Title 2">
+            <a:extLst>
+              <a:ext uri="{FF2B5EF4-FFF2-40B4-BE49-F238E27FC236}">
+                <a16:creationId xmlns:a16="http://schemas.microsoft.com/office/drawing/2014/main" id="{FFEDE1BF-26D3-1D10-D187-F353390FF30E}"/>
+              </a:ext>
+            </a:extLst>
+          </p:cNvPr>
+          <p:cNvSpPr>
+            <a:spLocks noGrp="1"/>
+          </p:cNvSpPr>
+          <p:nvPr>
+            <p:ph type="title"/>
+          </p:nvPr>
+        </p:nvSpPr>
+        <p:spPr>
+          <a:xfrm>
+            <a:off x="81440" y="82088"/>
+            <a:ext cx="9695273" cy="667633"/>
+          </a:xfrm>
+        </p:spPr>
+        <p:txBody>
+          <a:bodyPr>
+            <a:normAutofit fontScale="90000"/>
+          </a:bodyPr>
+          <a:lstStyle/>
+          <a:p>
+            <a:r>
+              <a:rPr lang="en-US" sz="3200" dirty="0"/>
+              <a:t>Archi® Tool Tutorial base on User Guide 5.6.0</a:t>
+            </a:r>
+          </a:p>
+        </p:txBody>
+      </p:sp>
+      <p:sp>
+        <p:nvSpPr>
+          <p:cNvPr id="4" name="TextBox 3">
+            <a:extLst>
+              <a:ext uri="{FF2B5EF4-FFF2-40B4-BE49-F238E27FC236}">
+                <a16:creationId xmlns:a16="http://schemas.microsoft.com/office/drawing/2014/main" id="{29A68D91-34AA-7113-144A-D0FC7FD9C05E}"/>
+              </a:ext>
+            </a:extLst>
+          </p:cNvPr>
+          <p:cNvSpPr txBox="1"/>
+          <p:nvPr/>
+        </p:nvSpPr>
+        <p:spPr>
+          <a:xfrm>
+            <a:off x="106258" y="917049"/>
+            <a:ext cx="1916371" cy="1200329"/>
+          </a:xfrm>
+          <a:prstGeom prst="rect">
+            <a:avLst/>
+          </a:prstGeom>
+        </p:spPr>
+        <p:style>
+          <a:lnRef idx="0">
+            <a:schemeClr val="accent6"/>
+          </a:lnRef>
+          <a:fillRef idx="3">
+            <a:schemeClr val="accent6"/>
+          </a:fillRef>
+          <a:effectRef idx="3">
+            <a:schemeClr val="accent6"/>
+          </a:effectRef>
+          <a:fontRef idx="minor">
+            <a:schemeClr val="lt1"/>
+          </a:fontRef>
+        </p:style>
+        <p:txBody>
+          <a:bodyPr wrap="square" rtlCol="0" anchor="ctr">
+            <a:spAutoFit/>
+          </a:bodyPr>
+          <a:lstStyle/>
+          <a:p>
+            <a:pPr algn="ctr"/>
+            <a:r>
+              <a:rPr lang="en-US" sz="7200" b="1" dirty="0">
+                <a:latin typeface="Amasis MT Pro Black" panose="02040A04050005020304" pitchFamily="18" charset="0"/>
+                <a:ea typeface="华文琥珀" panose="02010800040101010101" pitchFamily="2" charset="-122"/>
+                <a:cs typeface="Aharoni" panose="02010803020104030203" pitchFamily="2" charset="-79"/>
+              </a:rPr>
+              <a:t>018</a:t>
+            </a:r>
+          </a:p>
+        </p:txBody>
+      </p:sp>
+      <p:sp>
+        <p:nvSpPr>
+          <p:cNvPr id="7" name="TextBox 6">
+            <a:extLst>
+              <a:ext uri="{FF2B5EF4-FFF2-40B4-BE49-F238E27FC236}">
+                <a16:creationId xmlns:a16="http://schemas.microsoft.com/office/drawing/2014/main" id="{31887E35-C93A-1FDA-A4B4-1F742E180197}"/>
+              </a:ext>
+            </a:extLst>
+          </p:cNvPr>
+          <p:cNvSpPr txBox="1"/>
+          <p:nvPr/>
+        </p:nvSpPr>
+        <p:spPr>
+          <a:xfrm>
+            <a:off x="81440" y="2353369"/>
+            <a:ext cx="6252416" cy="3323987"/>
+          </a:xfrm>
+          <a:prstGeom prst="rect">
+            <a:avLst/>
+          </a:prstGeom>
+          <a:noFill/>
+        </p:spPr>
+        <p:txBody>
+          <a:bodyPr wrap="square" rtlCol="0">
+            <a:spAutoFit/>
+          </a:bodyPr>
+          <a:lstStyle/>
+          <a:p>
+            <a:r>
+              <a:rPr lang="en-US" sz="5400" b="1" dirty="0">
+                <a:solidFill>
+                  <a:schemeClr val="bg1"/>
+                </a:solidFill>
+              </a:rPr>
+              <a:t>CH05 Model Tree</a:t>
+            </a:r>
+          </a:p>
+          <a:p>
+            <a:pPr marL="457200" indent="-457200">
+              <a:buFont typeface="Arial" panose="020B0604020202020204" pitchFamily="34" charset="0"/>
+              <a:buChar char="•"/>
+            </a:pPr>
+            <a:r>
+              <a:rPr lang="en-US" sz="3600" b="1" dirty="0">
+                <a:solidFill>
+                  <a:schemeClr val="bg1"/>
+                </a:solidFill>
+              </a:rPr>
+              <a:t>05.11 Searching and Filtering in the Model Tree</a:t>
+            </a:r>
+          </a:p>
+          <a:p>
+            <a:pPr marL="914400" lvl="1" indent="-457200">
+              <a:buFont typeface="Arial" panose="020B0604020202020204" pitchFamily="34" charset="0"/>
+              <a:buChar char="•"/>
+            </a:pPr>
+            <a:r>
+              <a:rPr lang="en-US" sz="2400" b="1" dirty="0">
+                <a:solidFill>
+                  <a:schemeClr val="bg1"/>
+                </a:solidFill>
+              </a:rPr>
+              <a:t>05.11.07 Reset Filters</a:t>
+            </a:r>
+          </a:p>
+          <a:p>
+            <a:pPr marL="914400" lvl="1" indent="-457200">
+              <a:buFont typeface="Arial" panose="020B0604020202020204" pitchFamily="34" charset="0"/>
+              <a:buChar char="•"/>
+            </a:pPr>
+            <a:r>
+              <a:rPr lang="en-US" sz="2400" b="1">
+                <a:solidFill>
+                  <a:schemeClr val="bg1"/>
+                </a:solidFill>
+              </a:rPr>
+              <a:t>05.11.08 Find </a:t>
+            </a:r>
+            <a:r>
+              <a:rPr lang="en-US" sz="2400" b="1" dirty="0">
+                <a:solidFill>
+                  <a:schemeClr val="bg1"/>
+                </a:solidFill>
+              </a:rPr>
+              <a:t>and Replace</a:t>
+            </a:r>
+          </a:p>
+        </p:txBody>
+      </p:sp>
+      <p:pic>
+        <p:nvPicPr>
+          <p:cNvPr id="11" name="Picture 10">
+            <a:extLst>
+              <a:ext uri="{FF2B5EF4-FFF2-40B4-BE49-F238E27FC236}">
+                <a16:creationId xmlns:a16="http://schemas.microsoft.com/office/drawing/2014/main" id="{0C68D5D2-65B7-2697-4973-99786F3EBB27}"/>
+              </a:ext>
+            </a:extLst>
+          </p:cNvPr>
+          <p:cNvPicPr>
+            <a:picLocks noChangeAspect="1"/>
+          </p:cNvPicPr>
+          <p:nvPr/>
+        </p:nvPicPr>
+        <p:blipFill>
+          <a:blip r:embed="rId4"/>
+          <a:stretch>
+            <a:fillRect/>
+          </a:stretch>
+        </p:blipFill>
+        <p:spPr>
+          <a:xfrm>
+            <a:off x="9883629" y="130236"/>
+            <a:ext cx="2294305" cy="985640"/>
+          </a:xfrm>
+          <a:prstGeom prst="rect">
+            <a:avLst/>
+          </a:prstGeom>
+          <a:ln>
+            <a:noFill/>
+          </a:ln>
+          <a:effectLst>
+            <a:softEdge rad="112500"/>
+          </a:effectLst>
+        </p:spPr>
+      </p:pic>
+      <p:pic>
+        <p:nvPicPr>
+          <p:cNvPr id="8" name="Picture 7">
+            <a:extLst>
+              <a:ext uri="{FF2B5EF4-FFF2-40B4-BE49-F238E27FC236}">
+                <a16:creationId xmlns:a16="http://schemas.microsoft.com/office/drawing/2014/main" id="{89F23CA1-CE8B-1B6F-8159-D21207FC6A7E}"/>
+              </a:ext>
+            </a:extLst>
+          </p:cNvPr>
+          <p:cNvPicPr>
+            <a:picLocks noChangeAspect="1"/>
+          </p:cNvPicPr>
+          <p:nvPr/>
+        </p:nvPicPr>
+        <p:blipFill>
+          <a:blip r:embed="rId5"/>
+          <a:stretch>
+            <a:fillRect/>
+          </a:stretch>
+        </p:blipFill>
+        <p:spPr>
+          <a:xfrm>
+            <a:off x="6251406" y="1174192"/>
+            <a:ext cx="5269120" cy="5553572"/>
+          </a:xfrm>
+          <a:prstGeom prst="rect">
+            <a:avLst/>
+          </a:prstGeom>
+          <a:ln>
+            <a:noFill/>
+          </a:ln>
+          <a:effectLst>
+            <a:outerShdw blurRad="292100" dist="139700" dir="2700000" algn="tl" rotWithShape="0">
+              <a:srgbClr val="333333">
+                <a:alpha val="65000"/>
+              </a:srgbClr>
+            </a:outerShdw>
+          </a:effectLst>
+        </p:spPr>
+      </p:pic>
+    </p:spTree>
+    <p:extLst>
+      <p:ext uri="{BB962C8B-B14F-4D97-AF65-F5344CB8AC3E}">
+        <p14:creationId xmlns:p14="http://schemas.microsoft.com/office/powerpoint/2010/main" val="3284712849"/>
+      </p:ext>
+    </p:extLst>
+  </p:cSld>
+  <p:clrMapOvr>
+    <a:masterClrMapping/>
+  </p:clrMapOvr>
+</p:sld>
+</file>
+
 <file path=ppt/slides/slide2.xml><?xml version="1.0" encoding="utf-8"?>
 <p:sld xmlns:a="http://schemas.openxmlformats.org/drawingml/2006/main" xmlns:r="http://schemas.openxmlformats.org/officeDocument/2006/relationships" xmlns:p="http://schemas.openxmlformats.org/presentationml/2006/main">
   <p:cSld>
@@ -4078,8 +8764,8 @@
         </p:nvSpPr>
         <p:spPr>
           <a:xfrm>
-            <a:off x="14066" y="82088"/>
-            <a:ext cx="9869563" cy="1156517"/>
+            <a:off x="81440" y="82088"/>
+            <a:ext cx="9695273" cy="667633"/>
           </a:xfrm>
         </p:spPr>
         <p:txBody>
@@ -4089,7 +8775,7 @@
           <a:lstStyle/>
           <a:p>
             <a:r>
-              <a:rPr lang="en-US" dirty="0"/>
+              <a:rPr lang="en-US" sz="3200" dirty="0"/>
               <a:t>Archi® Tool Tutorial base on User Guide 5.6.0</a:t>
             </a:r>
           </a:p>
@@ -4109,7 +8795,7 @@
         </p:nvSpPr>
         <p:spPr>
           <a:xfrm>
-            <a:off x="81440" y="1278063"/>
+            <a:off x="106258" y="917049"/>
             <a:ext cx="1916371" cy="1200329"/>
           </a:xfrm>
           <a:prstGeom prst="rect">
@@ -4162,7 +8848,7 @@
         </p:nvSpPr>
         <p:spPr>
           <a:xfrm>
-            <a:off x="106258" y="2743563"/>
+            <a:off x="81440" y="2353369"/>
             <a:ext cx="6406138" cy="923330"/>
           </a:xfrm>
           <a:prstGeom prst="rect">
@@ -4211,8 +8897,8 @@
         </p:blipFill>
         <p:spPr>
           <a:xfrm>
-            <a:off x="6352051" y="1491193"/>
-            <a:ext cx="5290580" cy="4991490"/>
+            <a:off x="6172469" y="1321762"/>
+            <a:ext cx="5727732" cy="5403929"/>
           </a:xfrm>
           <a:prstGeom prst="rect">
             <a:avLst/>
@@ -4309,6 +8995,2355 @@
     <p:extLst>
       <p:ext uri="{BB962C8B-B14F-4D97-AF65-F5344CB8AC3E}">
         <p14:creationId xmlns:p14="http://schemas.microsoft.com/office/powerpoint/2010/main" val="1786602962"/>
+      </p:ext>
+    </p:extLst>
+  </p:cSld>
+  <p:clrMapOvr>
+    <a:masterClrMapping/>
+  </p:clrMapOvr>
+</p:sld>
+</file>
+
+<file path=ppt/slides/slide3.xml><?xml version="1.0" encoding="utf-8"?>
+<p:sld xmlns:a="http://schemas.openxmlformats.org/drawingml/2006/main" xmlns:r="http://schemas.openxmlformats.org/officeDocument/2006/relationships" xmlns:p="http://schemas.openxmlformats.org/presentationml/2006/main">
+  <p:cSld>
+    <p:spTree>
+      <p:nvGrpSpPr>
+        <p:cNvPr id="1" name="">
+          <a:extLst>
+            <a:ext uri="{FF2B5EF4-FFF2-40B4-BE49-F238E27FC236}">
+              <a16:creationId xmlns:a16="http://schemas.microsoft.com/office/drawing/2014/main" id="{96086D43-7180-5199-A6F6-F50DA0B3286E}"/>
+            </a:ext>
+          </a:extLst>
+        </p:cNvPr>
+        <p:cNvGrpSpPr/>
+        <p:nvPr/>
+      </p:nvGrpSpPr>
+      <p:grpSpPr>
+        <a:xfrm>
+          <a:off x="0" y="0"/>
+          <a:ext cx="0" cy="0"/>
+          <a:chOff x="0" y="0"/>
+          <a:chExt cx="0" cy="0"/>
+        </a:xfrm>
+      </p:grpSpPr>
+      <p:pic>
+        <p:nvPicPr>
+          <p:cNvPr id="5" name="Picture Placeholder 4" descr="Fog-covered mountain&#10;">
+            <a:extLst>
+              <a:ext uri="{FF2B5EF4-FFF2-40B4-BE49-F238E27FC236}">
+                <a16:creationId xmlns:a16="http://schemas.microsoft.com/office/drawing/2014/main" id="{6A38FB20-BBC5-804D-9C6F-0C285282E0A3}"/>
+              </a:ext>
+            </a:extLst>
+          </p:cNvPr>
+          <p:cNvPicPr>
+            <a:picLocks noGrp="1" noChangeAspect="1"/>
+          </p:cNvPicPr>
+          <p:nvPr>
+            <p:ph type="pic" sz="quarter" idx="14"/>
+          </p:nvPr>
+        </p:nvPicPr>
+        <p:blipFill rotWithShape="1">
+          <a:blip r:embed="rId3">
+            <a:extLst>
+              <a:ext uri="{28A0092B-C50C-407E-A947-70E740481C1C}">
+                <a14:useLocalDpi xmlns:a14="http://schemas.microsoft.com/office/drawing/2010/main" val="0"/>
+              </a:ext>
+            </a:extLst>
+          </a:blip>
+          <a:srcRect/>
+          <a:stretch/>
+        </p:blipFill>
+        <p:spPr>
+          <a:xfrm>
+            <a:off x="0" y="0"/>
+            <a:ext cx="12196224" cy="6858000"/>
+          </a:xfrm>
+        </p:spPr>
+      </p:pic>
+      <p:sp>
+        <p:nvSpPr>
+          <p:cNvPr id="6" name="Title 2">
+            <a:extLst>
+              <a:ext uri="{FF2B5EF4-FFF2-40B4-BE49-F238E27FC236}">
+                <a16:creationId xmlns:a16="http://schemas.microsoft.com/office/drawing/2014/main" id="{F978413E-5378-FC05-2924-5BC0F653913C}"/>
+              </a:ext>
+            </a:extLst>
+          </p:cNvPr>
+          <p:cNvSpPr>
+            <a:spLocks noGrp="1"/>
+          </p:cNvSpPr>
+          <p:nvPr>
+            <p:ph type="title"/>
+          </p:nvPr>
+        </p:nvSpPr>
+        <p:spPr>
+          <a:xfrm>
+            <a:off x="81440" y="82088"/>
+            <a:ext cx="9695273" cy="667633"/>
+          </a:xfrm>
+        </p:spPr>
+        <p:txBody>
+          <a:bodyPr>
+            <a:normAutofit fontScale="90000"/>
+          </a:bodyPr>
+          <a:lstStyle/>
+          <a:p>
+            <a:r>
+              <a:rPr lang="en-US" sz="3200" dirty="0"/>
+              <a:t>Archi® Tool Tutorial base on User Guide 5.6.0</a:t>
+            </a:r>
+          </a:p>
+        </p:txBody>
+      </p:sp>
+      <p:sp>
+        <p:nvSpPr>
+          <p:cNvPr id="4" name="TextBox 3">
+            <a:extLst>
+              <a:ext uri="{FF2B5EF4-FFF2-40B4-BE49-F238E27FC236}">
+                <a16:creationId xmlns:a16="http://schemas.microsoft.com/office/drawing/2014/main" id="{63A3EED2-E139-8685-2312-5E02175A20A6}"/>
+              </a:ext>
+            </a:extLst>
+          </p:cNvPr>
+          <p:cNvSpPr txBox="1"/>
+          <p:nvPr/>
+        </p:nvSpPr>
+        <p:spPr>
+          <a:xfrm>
+            <a:off x="106258" y="917049"/>
+            <a:ext cx="1916371" cy="1200329"/>
+          </a:xfrm>
+          <a:prstGeom prst="rect">
+            <a:avLst/>
+          </a:prstGeom>
+        </p:spPr>
+        <p:style>
+          <a:lnRef idx="0">
+            <a:schemeClr val="accent6"/>
+          </a:lnRef>
+          <a:fillRef idx="3">
+            <a:schemeClr val="accent6"/>
+          </a:fillRef>
+          <a:effectRef idx="3">
+            <a:schemeClr val="accent6"/>
+          </a:effectRef>
+          <a:fontRef idx="minor">
+            <a:schemeClr val="lt1"/>
+          </a:fontRef>
+        </p:style>
+        <p:txBody>
+          <a:bodyPr wrap="square" rtlCol="0" anchor="ctr">
+            <a:spAutoFit/>
+          </a:bodyPr>
+          <a:lstStyle/>
+          <a:p>
+            <a:pPr algn="ctr"/>
+            <a:r>
+              <a:rPr lang="en-US" sz="7200" b="1" dirty="0">
+                <a:latin typeface="Amasis MT Pro Black" panose="02040A04050005020304" pitchFamily="18" charset="0"/>
+                <a:ea typeface="华文琥珀" panose="02010800040101010101" pitchFamily="2" charset="-122"/>
+                <a:cs typeface="Aharoni" panose="02010803020104030203" pitchFamily="2" charset="-79"/>
+              </a:rPr>
+              <a:t>003</a:t>
+            </a:r>
+          </a:p>
+        </p:txBody>
+      </p:sp>
+      <p:sp>
+        <p:nvSpPr>
+          <p:cNvPr id="7" name="TextBox 6">
+            <a:extLst>
+              <a:ext uri="{FF2B5EF4-FFF2-40B4-BE49-F238E27FC236}">
+                <a16:creationId xmlns:a16="http://schemas.microsoft.com/office/drawing/2014/main" id="{D0FC74F3-C354-997F-9817-A48B09E22979}"/>
+              </a:ext>
+            </a:extLst>
+          </p:cNvPr>
+          <p:cNvSpPr txBox="1"/>
+          <p:nvPr/>
+        </p:nvSpPr>
+        <p:spPr>
+          <a:xfrm>
+            <a:off x="81440" y="2353369"/>
+            <a:ext cx="6406138" cy="2585323"/>
+          </a:xfrm>
+          <a:prstGeom prst="rect">
+            <a:avLst/>
+          </a:prstGeom>
+          <a:noFill/>
+        </p:spPr>
+        <p:txBody>
+          <a:bodyPr wrap="square" rtlCol="0">
+            <a:spAutoFit/>
+          </a:bodyPr>
+          <a:lstStyle/>
+          <a:p>
+            <a:r>
+              <a:rPr lang="en-US" sz="5400" b="1" dirty="0">
+                <a:solidFill>
+                  <a:schemeClr val="bg1"/>
+                </a:solidFill>
+              </a:rPr>
+              <a:t>CH02 Installing</a:t>
+            </a:r>
+            <a:r>
+              <a:rPr lang="zh-CN" altLang="en-US" sz="5400" b="1" dirty="0">
+                <a:solidFill>
+                  <a:schemeClr val="bg1"/>
+                </a:solidFill>
+              </a:rPr>
+              <a:t> </a:t>
+            </a:r>
+            <a:r>
+              <a:rPr lang="en-US" altLang="zh-CN" sz="5400" b="1" dirty="0">
+                <a:solidFill>
+                  <a:schemeClr val="bg1"/>
+                </a:solidFill>
+              </a:rPr>
+              <a:t>and</a:t>
+            </a:r>
+            <a:r>
+              <a:rPr lang="zh-CN" altLang="en-US" sz="5400" b="1" dirty="0">
+                <a:solidFill>
+                  <a:schemeClr val="bg1"/>
+                </a:solidFill>
+              </a:rPr>
+              <a:t> </a:t>
+            </a:r>
+            <a:r>
+              <a:rPr lang="en-US" altLang="zh-CN" sz="5400" b="1" dirty="0">
+                <a:solidFill>
+                  <a:schemeClr val="bg1"/>
+                </a:solidFill>
+              </a:rPr>
+              <a:t>Launching Archi</a:t>
+            </a:r>
+            <a:endParaRPr lang="en-US" sz="5400" b="1" dirty="0">
+              <a:solidFill>
+                <a:schemeClr val="bg1"/>
+              </a:solidFill>
+            </a:endParaRPr>
+          </a:p>
+        </p:txBody>
+      </p:sp>
+      <p:pic>
+        <p:nvPicPr>
+          <p:cNvPr id="11" name="Picture 10">
+            <a:extLst>
+              <a:ext uri="{FF2B5EF4-FFF2-40B4-BE49-F238E27FC236}">
+                <a16:creationId xmlns:a16="http://schemas.microsoft.com/office/drawing/2014/main" id="{F59A17A1-8590-F941-82C6-0286A4E19492}"/>
+              </a:ext>
+            </a:extLst>
+          </p:cNvPr>
+          <p:cNvPicPr>
+            <a:picLocks noChangeAspect="1"/>
+          </p:cNvPicPr>
+          <p:nvPr/>
+        </p:nvPicPr>
+        <p:blipFill>
+          <a:blip r:embed="rId4"/>
+          <a:stretch>
+            <a:fillRect/>
+          </a:stretch>
+        </p:blipFill>
+        <p:spPr>
+          <a:xfrm>
+            <a:off x="9883629" y="130236"/>
+            <a:ext cx="2294305" cy="985640"/>
+          </a:xfrm>
+          <a:prstGeom prst="rect">
+            <a:avLst/>
+          </a:prstGeom>
+          <a:ln>
+            <a:noFill/>
+          </a:ln>
+          <a:effectLst>
+            <a:softEdge rad="112500"/>
+          </a:effectLst>
+        </p:spPr>
+      </p:pic>
+      <p:pic>
+        <p:nvPicPr>
+          <p:cNvPr id="3" name="Picture 2">
+            <a:extLst>
+              <a:ext uri="{FF2B5EF4-FFF2-40B4-BE49-F238E27FC236}">
+                <a16:creationId xmlns:a16="http://schemas.microsoft.com/office/drawing/2014/main" id="{B9076D2A-5E65-4F25-4014-74597A2532D3}"/>
+              </a:ext>
+            </a:extLst>
+          </p:cNvPr>
+          <p:cNvPicPr>
+            <a:picLocks noChangeAspect="1"/>
+          </p:cNvPicPr>
+          <p:nvPr/>
+        </p:nvPicPr>
+        <p:blipFill>
+          <a:blip r:embed="rId5">
+            <a:alphaModFix amt="85000"/>
+          </a:blip>
+          <a:stretch>
+            <a:fillRect/>
+          </a:stretch>
+        </p:blipFill>
+        <p:spPr>
+          <a:xfrm>
+            <a:off x="5802374" y="1163772"/>
+            <a:ext cx="5772001" cy="5528114"/>
+          </a:xfrm>
+          <a:prstGeom prst="rect">
+            <a:avLst/>
+          </a:prstGeom>
+          <a:ln>
+            <a:noFill/>
+          </a:ln>
+          <a:effectLst>
+            <a:outerShdw blurRad="292100" dist="139700" dir="2700000" algn="tl" rotWithShape="0">
+              <a:srgbClr val="333333">
+                <a:alpha val="65000"/>
+              </a:srgbClr>
+            </a:outerShdw>
+          </a:effectLst>
+        </p:spPr>
+      </p:pic>
+      <p:pic>
+        <p:nvPicPr>
+          <p:cNvPr id="12" name="Picture 11">
+            <a:extLst>
+              <a:ext uri="{FF2B5EF4-FFF2-40B4-BE49-F238E27FC236}">
+                <a16:creationId xmlns:a16="http://schemas.microsoft.com/office/drawing/2014/main" id="{9BE56782-993F-354A-DB8D-B2DF18694269}"/>
+              </a:ext>
+            </a:extLst>
+          </p:cNvPr>
+          <p:cNvPicPr>
+            <a:picLocks noChangeAspect="1"/>
+          </p:cNvPicPr>
+          <p:nvPr/>
+        </p:nvPicPr>
+        <p:blipFill>
+          <a:blip r:embed="rId6"/>
+          <a:stretch>
+            <a:fillRect/>
+          </a:stretch>
+        </p:blipFill>
+        <p:spPr>
+          <a:xfrm>
+            <a:off x="2386817" y="4121552"/>
+            <a:ext cx="3144345" cy="2654360"/>
+          </a:xfrm>
+          <a:prstGeom prst="rect">
+            <a:avLst/>
+          </a:prstGeom>
+          <a:ln>
+            <a:noFill/>
+          </a:ln>
+          <a:effectLst>
+            <a:outerShdw blurRad="292100" dist="139700" dir="2700000" algn="tl" rotWithShape="0">
+              <a:srgbClr val="333333">
+                <a:alpha val="65000"/>
+              </a:srgbClr>
+            </a:outerShdw>
+          </a:effectLst>
+        </p:spPr>
+      </p:pic>
+    </p:spTree>
+    <p:extLst>
+      <p:ext uri="{BB962C8B-B14F-4D97-AF65-F5344CB8AC3E}">
+        <p14:creationId xmlns:p14="http://schemas.microsoft.com/office/powerpoint/2010/main" val="2601722348"/>
+      </p:ext>
+    </p:extLst>
+  </p:cSld>
+  <p:clrMapOvr>
+    <a:masterClrMapping/>
+  </p:clrMapOvr>
+</p:sld>
+</file>
+
+<file path=ppt/slides/slide4.xml><?xml version="1.0" encoding="utf-8"?>
+<p:sld xmlns:a="http://schemas.openxmlformats.org/drawingml/2006/main" xmlns:r="http://schemas.openxmlformats.org/officeDocument/2006/relationships" xmlns:p="http://schemas.openxmlformats.org/presentationml/2006/main">
+  <p:cSld>
+    <p:spTree>
+      <p:nvGrpSpPr>
+        <p:cNvPr id="1" name="">
+          <a:extLst>
+            <a:ext uri="{FF2B5EF4-FFF2-40B4-BE49-F238E27FC236}">
+              <a16:creationId xmlns:a16="http://schemas.microsoft.com/office/drawing/2014/main" id="{EBEA2D1F-15EB-7F07-9719-AE4F4379A05B}"/>
+            </a:ext>
+          </a:extLst>
+        </p:cNvPr>
+        <p:cNvGrpSpPr/>
+        <p:nvPr/>
+      </p:nvGrpSpPr>
+      <p:grpSpPr>
+        <a:xfrm>
+          <a:off x="0" y="0"/>
+          <a:ext cx="0" cy="0"/>
+          <a:chOff x="0" y="0"/>
+          <a:chExt cx="0" cy="0"/>
+        </a:xfrm>
+      </p:grpSpPr>
+      <p:pic>
+        <p:nvPicPr>
+          <p:cNvPr id="5" name="Picture Placeholder 4" descr="Fog-covered mountain&#10;">
+            <a:extLst>
+              <a:ext uri="{FF2B5EF4-FFF2-40B4-BE49-F238E27FC236}">
+                <a16:creationId xmlns:a16="http://schemas.microsoft.com/office/drawing/2014/main" id="{A0C9F6F1-EC0E-1191-BE5C-1D85044CD556}"/>
+              </a:ext>
+            </a:extLst>
+          </p:cNvPr>
+          <p:cNvPicPr>
+            <a:picLocks noGrp="1" noChangeAspect="1"/>
+          </p:cNvPicPr>
+          <p:nvPr>
+            <p:ph type="pic" sz="quarter" idx="14"/>
+          </p:nvPr>
+        </p:nvPicPr>
+        <p:blipFill rotWithShape="1">
+          <a:blip r:embed="rId3">
+            <a:extLst>
+              <a:ext uri="{28A0092B-C50C-407E-A947-70E740481C1C}">
+                <a14:useLocalDpi xmlns:a14="http://schemas.microsoft.com/office/drawing/2010/main" val="0"/>
+              </a:ext>
+            </a:extLst>
+          </a:blip>
+          <a:srcRect/>
+          <a:stretch/>
+        </p:blipFill>
+        <p:spPr>
+          <a:xfrm>
+            <a:off x="0" y="0"/>
+            <a:ext cx="12196224" cy="6858000"/>
+          </a:xfrm>
+        </p:spPr>
+      </p:pic>
+      <p:sp>
+        <p:nvSpPr>
+          <p:cNvPr id="6" name="Title 2">
+            <a:extLst>
+              <a:ext uri="{FF2B5EF4-FFF2-40B4-BE49-F238E27FC236}">
+                <a16:creationId xmlns:a16="http://schemas.microsoft.com/office/drawing/2014/main" id="{C88B9E52-5E65-AB20-3908-7D084C0244B9}"/>
+              </a:ext>
+            </a:extLst>
+          </p:cNvPr>
+          <p:cNvSpPr>
+            <a:spLocks noGrp="1"/>
+          </p:cNvSpPr>
+          <p:nvPr>
+            <p:ph type="title"/>
+          </p:nvPr>
+        </p:nvSpPr>
+        <p:spPr>
+          <a:xfrm>
+            <a:off x="81440" y="82088"/>
+            <a:ext cx="9695273" cy="667633"/>
+          </a:xfrm>
+        </p:spPr>
+        <p:txBody>
+          <a:bodyPr>
+            <a:normAutofit fontScale="90000"/>
+          </a:bodyPr>
+          <a:lstStyle/>
+          <a:p>
+            <a:r>
+              <a:rPr lang="en-US" sz="3200" dirty="0"/>
+              <a:t>Archi® Tool Tutorial base on User Guide 5.6.0</a:t>
+            </a:r>
+          </a:p>
+        </p:txBody>
+      </p:sp>
+      <p:sp>
+        <p:nvSpPr>
+          <p:cNvPr id="4" name="TextBox 3">
+            <a:extLst>
+              <a:ext uri="{FF2B5EF4-FFF2-40B4-BE49-F238E27FC236}">
+                <a16:creationId xmlns:a16="http://schemas.microsoft.com/office/drawing/2014/main" id="{289DCB26-1156-1337-B844-EF2B50C27152}"/>
+              </a:ext>
+            </a:extLst>
+          </p:cNvPr>
+          <p:cNvSpPr txBox="1"/>
+          <p:nvPr/>
+        </p:nvSpPr>
+        <p:spPr>
+          <a:xfrm>
+            <a:off x="106258" y="917049"/>
+            <a:ext cx="1916371" cy="1200329"/>
+          </a:xfrm>
+          <a:prstGeom prst="rect">
+            <a:avLst/>
+          </a:prstGeom>
+        </p:spPr>
+        <p:style>
+          <a:lnRef idx="0">
+            <a:schemeClr val="accent6"/>
+          </a:lnRef>
+          <a:fillRef idx="3">
+            <a:schemeClr val="accent6"/>
+          </a:fillRef>
+          <a:effectRef idx="3">
+            <a:schemeClr val="accent6"/>
+          </a:effectRef>
+          <a:fontRef idx="minor">
+            <a:schemeClr val="lt1"/>
+          </a:fontRef>
+        </p:style>
+        <p:txBody>
+          <a:bodyPr wrap="square" rtlCol="0" anchor="ctr">
+            <a:spAutoFit/>
+          </a:bodyPr>
+          <a:lstStyle/>
+          <a:p>
+            <a:pPr algn="ctr"/>
+            <a:r>
+              <a:rPr lang="en-US" sz="7200" b="1" dirty="0">
+                <a:latin typeface="Amasis MT Pro Black" panose="02040A04050005020304" pitchFamily="18" charset="0"/>
+                <a:ea typeface="华文琥珀" panose="02010800040101010101" pitchFamily="2" charset="-122"/>
+                <a:cs typeface="Aharoni" panose="02010803020104030203" pitchFamily="2" charset="-79"/>
+              </a:rPr>
+              <a:t>004</a:t>
+            </a:r>
+          </a:p>
+        </p:txBody>
+      </p:sp>
+      <p:sp>
+        <p:nvSpPr>
+          <p:cNvPr id="7" name="TextBox 6">
+            <a:extLst>
+              <a:ext uri="{FF2B5EF4-FFF2-40B4-BE49-F238E27FC236}">
+                <a16:creationId xmlns:a16="http://schemas.microsoft.com/office/drawing/2014/main" id="{C5B1E288-9AD4-E423-AD43-66707E53B4F2}"/>
+              </a:ext>
+            </a:extLst>
+          </p:cNvPr>
+          <p:cNvSpPr txBox="1"/>
+          <p:nvPr/>
+        </p:nvSpPr>
+        <p:spPr>
+          <a:xfrm>
+            <a:off x="81440" y="2353369"/>
+            <a:ext cx="6406138" cy="3600986"/>
+          </a:xfrm>
+          <a:prstGeom prst="rect">
+            <a:avLst/>
+          </a:prstGeom>
+          <a:noFill/>
+        </p:spPr>
+        <p:txBody>
+          <a:bodyPr wrap="square" rtlCol="0">
+            <a:spAutoFit/>
+          </a:bodyPr>
+          <a:lstStyle/>
+          <a:p>
+            <a:r>
+              <a:rPr lang="en-US" sz="5400" b="1" dirty="0">
+                <a:solidFill>
+                  <a:schemeClr val="bg1"/>
+                </a:solidFill>
+              </a:rPr>
+              <a:t>CH03 </a:t>
+            </a:r>
+            <a:r>
+              <a:rPr lang="en-US" altLang="zh-CN" sz="5400" b="1" dirty="0">
+                <a:solidFill>
+                  <a:schemeClr val="bg1"/>
+                </a:solidFill>
+              </a:rPr>
+              <a:t>Working in Archi</a:t>
+            </a:r>
+          </a:p>
+          <a:p>
+            <a:pPr marL="685800" indent="-685800">
+              <a:buFont typeface="Arial" panose="020B0604020202020204" pitchFamily="34" charset="0"/>
+              <a:buChar char="•"/>
+            </a:pPr>
+            <a:r>
+              <a:rPr lang="en-US" sz="3200" b="1" dirty="0">
+                <a:solidFill>
+                  <a:schemeClr val="bg1"/>
+                </a:solidFill>
+              </a:rPr>
+              <a:t>Windows and Tabs</a:t>
+            </a:r>
+          </a:p>
+          <a:p>
+            <a:pPr marL="685800" indent="-685800">
+              <a:buFont typeface="Arial" panose="020B0604020202020204" pitchFamily="34" charset="0"/>
+              <a:buChar char="•"/>
+            </a:pPr>
+            <a:r>
+              <a:rPr lang="en-US" sz="3200" b="1" dirty="0">
+                <a:solidFill>
+                  <a:schemeClr val="bg1"/>
+                </a:solidFill>
+              </a:rPr>
+              <a:t>Undo/Redo *</a:t>
+            </a:r>
+          </a:p>
+          <a:p>
+            <a:pPr marL="685800" indent="-685800">
+              <a:buFont typeface="Arial" panose="020B0604020202020204" pitchFamily="34" charset="0"/>
+              <a:buChar char="•"/>
+            </a:pPr>
+            <a:r>
+              <a:rPr lang="en-US" sz="2800" b="1" dirty="0">
+                <a:solidFill>
+                  <a:schemeClr val="bg1"/>
+                </a:solidFill>
+              </a:rPr>
+              <a:t>Cheat Sheets</a:t>
+            </a:r>
+          </a:p>
+          <a:p>
+            <a:pPr marL="685800" indent="-685800">
+              <a:buFont typeface="Arial" panose="020B0604020202020204" pitchFamily="34" charset="0"/>
+              <a:buChar char="•"/>
+            </a:pPr>
+            <a:r>
+              <a:rPr lang="en-US" sz="2800" b="1" dirty="0">
+                <a:solidFill>
+                  <a:schemeClr val="bg1"/>
+                </a:solidFill>
+              </a:rPr>
+              <a:t>Getting Help</a:t>
+            </a:r>
+          </a:p>
+        </p:txBody>
+      </p:sp>
+      <p:pic>
+        <p:nvPicPr>
+          <p:cNvPr id="11" name="Picture 10">
+            <a:extLst>
+              <a:ext uri="{FF2B5EF4-FFF2-40B4-BE49-F238E27FC236}">
+                <a16:creationId xmlns:a16="http://schemas.microsoft.com/office/drawing/2014/main" id="{D8D15693-AA1D-39CE-EE09-5E5582312D36}"/>
+              </a:ext>
+            </a:extLst>
+          </p:cNvPr>
+          <p:cNvPicPr>
+            <a:picLocks noChangeAspect="1"/>
+          </p:cNvPicPr>
+          <p:nvPr/>
+        </p:nvPicPr>
+        <p:blipFill>
+          <a:blip r:embed="rId4"/>
+          <a:stretch>
+            <a:fillRect/>
+          </a:stretch>
+        </p:blipFill>
+        <p:spPr>
+          <a:xfrm>
+            <a:off x="9883629" y="130236"/>
+            <a:ext cx="2294305" cy="985640"/>
+          </a:xfrm>
+          <a:prstGeom prst="rect">
+            <a:avLst/>
+          </a:prstGeom>
+          <a:ln>
+            <a:noFill/>
+          </a:ln>
+          <a:effectLst>
+            <a:softEdge rad="112500"/>
+          </a:effectLst>
+        </p:spPr>
+      </p:pic>
+      <p:pic>
+        <p:nvPicPr>
+          <p:cNvPr id="8" name="Picture 7">
+            <a:extLst>
+              <a:ext uri="{FF2B5EF4-FFF2-40B4-BE49-F238E27FC236}">
+                <a16:creationId xmlns:a16="http://schemas.microsoft.com/office/drawing/2014/main" id="{AB7C1072-01B5-9BE6-9CEB-7743244B64E6}"/>
+              </a:ext>
+            </a:extLst>
+          </p:cNvPr>
+          <p:cNvPicPr>
+            <a:picLocks noChangeAspect="1"/>
+          </p:cNvPicPr>
+          <p:nvPr/>
+        </p:nvPicPr>
+        <p:blipFill>
+          <a:blip r:embed="rId5"/>
+          <a:stretch>
+            <a:fillRect/>
+          </a:stretch>
+        </p:blipFill>
+        <p:spPr>
+          <a:xfrm>
+            <a:off x="5991777" y="1179004"/>
+            <a:ext cx="5851995" cy="5596908"/>
+          </a:xfrm>
+          <a:prstGeom prst="rect">
+            <a:avLst/>
+          </a:prstGeom>
+          <a:ln>
+            <a:noFill/>
+          </a:ln>
+          <a:effectLst>
+            <a:outerShdw blurRad="292100" dist="139700" dir="2700000" algn="tl" rotWithShape="0">
+              <a:srgbClr val="333333">
+                <a:alpha val="65000"/>
+              </a:srgbClr>
+            </a:outerShdw>
+          </a:effectLst>
+        </p:spPr>
+      </p:pic>
+    </p:spTree>
+    <p:extLst>
+      <p:ext uri="{BB962C8B-B14F-4D97-AF65-F5344CB8AC3E}">
+        <p14:creationId xmlns:p14="http://schemas.microsoft.com/office/powerpoint/2010/main" val="1315097146"/>
+      </p:ext>
+    </p:extLst>
+  </p:cSld>
+  <p:clrMapOvr>
+    <a:masterClrMapping/>
+  </p:clrMapOvr>
+</p:sld>
+</file>
+
+<file path=ppt/slides/slide5.xml><?xml version="1.0" encoding="utf-8"?>
+<p:sld xmlns:a="http://schemas.openxmlformats.org/drawingml/2006/main" xmlns:r="http://schemas.openxmlformats.org/officeDocument/2006/relationships" xmlns:p="http://schemas.openxmlformats.org/presentationml/2006/main">
+  <p:cSld>
+    <p:spTree>
+      <p:nvGrpSpPr>
+        <p:cNvPr id="1" name="">
+          <a:extLst>
+            <a:ext uri="{FF2B5EF4-FFF2-40B4-BE49-F238E27FC236}">
+              <a16:creationId xmlns:a16="http://schemas.microsoft.com/office/drawing/2014/main" id="{D09DBF33-0BF4-8B0B-CECA-98B3E61AD569}"/>
+            </a:ext>
+          </a:extLst>
+        </p:cNvPr>
+        <p:cNvGrpSpPr/>
+        <p:nvPr/>
+      </p:nvGrpSpPr>
+      <p:grpSpPr>
+        <a:xfrm>
+          <a:off x="0" y="0"/>
+          <a:ext cx="0" cy="0"/>
+          <a:chOff x="0" y="0"/>
+          <a:chExt cx="0" cy="0"/>
+        </a:xfrm>
+      </p:grpSpPr>
+      <p:pic>
+        <p:nvPicPr>
+          <p:cNvPr id="5" name="Picture Placeholder 4" descr="Fog-covered mountain&#10;">
+            <a:extLst>
+              <a:ext uri="{FF2B5EF4-FFF2-40B4-BE49-F238E27FC236}">
+                <a16:creationId xmlns:a16="http://schemas.microsoft.com/office/drawing/2014/main" id="{97D90FD2-7F2B-6A67-3625-34FFE2E79EF0}"/>
+              </a:ext>
+            </a:extLst>
+          </p:cNvPr>
+          <p:cNvPicPr>
+            <a:picLocks noGrp="1" noChangeAspect="1"/>
+          </p:cNvPicPr>
+          <p:nvPr>
+            <p:ph type="pic" sz="quarter" idx="14"/>
+          </p:nvPr>
+        </p:nvPicPr>
+        <p:blipFill rotWithShape="1">
+          <a:blip r:embed="rId3">
+            <a:extLst>
+              <a:ext uri="{28A0092B-C50C-407E-A947-70E740481C1C}">
+                <a14:useLocalDpi xmlns:a14="http://schemas.microsoft.com/office/drawing/2010/main" val="0"/>
+              </a:ext>
+            </a:extLst>
+          </a:blip>
+          <a:srcRect/>
+          <a:stretch/>
+        </p:blipFill>
+        <p:spPr>
+          <a:xfrm>
+            <a:off x="0" y="0"/>
+            <a:ext cx="12196224" cy="6858000"/>
+          </a:xfrm>
+        </p:spPr>
+      </p:pic>
+      <p:sp>
+        <p:nvSpPr>
+          <p:cNvPr id="6" name="Title 2">
+            <a:extLst>
+              <a:ext uri="{FF2B5EF4-FFF2-40B4-BE49-F238E27FC236}">
+                <a16:creationId xmlns:a16="http://schemas.microsoft.com/office/drawing/2014/main" id="{308E6C81-A949-13E3-3D32-54E86528C044}"/>
+              </a:ext>
+            </a:extLst>
+          </p:cNvPr>
+          <p:cNvSpPr>
+            <a:spLocks noGrp="1"/>
+          </p:cNvSpPr>
+          <p:nvPr>
+            <p:ph type="title"/>
+          </p:nvPr>
+        </p:nvSpPr>
+        <p:spPr>
+          <a:xfrm>
+            <a:off x="81440" y="82088"/>
+            <a:ext cx="9695273" cy="667633"/>
+          </a:xfrm>
+        </p:spPr>
+        <p:txBody>
+          <a:bodyPr>
+            <a:normAutofit fontScale="90000"/>
+          </a:bodyPr>
+          <a:lstStyle/>
+          <a:p>
+            <a:r>
+              <a:rPr lang="en-US" sz="3200" dirty="0"/>
+              <a:t>Archi® Tool Tutorial base on User Guide 5.6.0</a:t>
+            </a:r>
+          </a:p>
+        </p:txBody>
+      </p:sp>
+      <p:sp>
+        <p:nvSpPr>
+          <p:cNvPr id="4" name="TextBox 3">
+            <a:extLst>
+              <a:ext uri="{FF2B5EF4-FFF2-40B4-BE49-F238E27FC236}">
+                <a16:creationId xmlns:a16="http://schemas.microsoft.com/office/drawing/2014/main" id="{25F0A2CD-407E-AF6A-940C-81C57ED950E1}"/>
+              </a:ext>
+            </a:extLst>
+          </p:cNvPr>
+          <p:cNvSpPr txBox="1"/>
+          <p:nvPr/>
+        </p:nvSpPr>
+        <p:spPr>
+          <a:xfrm>
+            <a:off x="106258" y="917049"/>
+            <a:ext cx="1916371" cy="1200329"/>
+          </a:xfrm>
+          <a:prstGeom prst="rect">
+            <a:avLst/>
+          </a:prstGeom>
+        </p:spPr>
+        <p:style>
+          <a:lnRef idx="0">
+            <a:schemeClr val="accent6"/>
+          </a:lnRef>
+          <a:fillRef idx="3">
+            <a:schemeClr val="accent6"/>
+          </a:fillRef>
+          <a:effectRef idx="3">
+            <a:schemeClr val="accent6"/>
+          </a:effectRef>
+          <a:fontRef idx="minor">
+            <a:schemeClr val="lt1"/>
+          </a:fontRef>
+        </p:style>
+        <p:txBody>
+          <a:bodyPr wrap="square" rtlCol="0" anchor="ctr">
+            <a:spAutoFit/>
+          </a:bodyPr>
+          <a:lstStyle/>
+          <a:p>
+            <a:pPr algn="ctr"/>
+            <a:r>
+              <a:rPr lang="en-US" sz="7200" b="1" dirty="0">
+                <a:latin typeface="Amasis MT Pro Black" panose="02040A04050005020304" pitchFamily="18" charset="0"/>
+                <a:ea typeface="华文琥珀" panose="02010800040101010101" pitchFamily="2" charset="-122"/>
+                <a:cs typeface="Aharoni" panose="02010803020104030203" pitchFamily="2" charset="-79"/>
+              </a:rPr>
+              <a:t>005</a:t>
+            </a:r>
+          </a:p>
+        </p:txBody>
+      </p:sp>
+      <p:sp>
+        <p:nvSpPr>
+          <p:cNvPr id="7" name="TextBox 6">
+            <a:extLst>
+              <a:ext uri="{FF2B5EF4-FFF2-40B4-BE49-F238E27FC236}">
+                <a16:creationId xmlns:a16="http://schemas.microsoft.com/office/drawing/2014/main" id="{12F3000B-BCA7-D53E-D4C8-1290E6538FE4}"/>
+              </a:ext>
+            </a:extLst>
+          </p:cNvPr>
+          <p:cNvSpPr txBox="1"/>
+          <p:nvPr/>
+        </p:nvSpPr>
+        <p:spPr>
+          <a:xfrm>
+            <a:off x="81440" y="2353369"/>
+            <a:ext cx="6406138" cy="2585323"/>
+          </a:xfrm>
+          <a:prstGeom prst="rect">
+            <a:avLst/>
+          </a:prstGeom>
+          <a:noFill/>
+        </p:spPr>
+        <p:txBody>
+          <a:bodyPr wrap="square" rtlCol="0">
+            <a:spAutoFit/>
+          </a:bodyPr>
+          <a:lstStyle/>
+          <a:p>
+            <a:r>
+              <a:rPr lang="en-US" sz="5400" b="1" dirty="0">
+                <a:solidFill>
+                  <a:schemeClr val="bg1"/>
+                </a:solidFill>
+              </a:rPr>
+              <a:t>CH04 </a:t>
+            </a:r>
+            <a:r>
+              <a:rPr lang="en-US" altLang="zh-CN" sz="5400" b="1" dirty="0">
+                <a:solidFill>
+                  <a:schemeClr val="bg1"/>
+                </a:solidFill>
+              </a:rPr>
+              <a:t>Creating a New ArchiMate Model</a:t>
+            </a:r>
+            <a:endParaRPr lang="en-US" sz="2800" b="1" dirty="0">
+              <a:solidFill>
+                <a:schemeClr val="bg1"/>
+              </a:solidFill>
+            </a:endParaRPr>
+          </a:p>
+        </p:txBody>
+      </p:sp>
+      <p:pic>
+        <p:nvPicPr>
+          <p:cNvPr id="11" name="Picture 10">
+            <a:extLst>
+              <a:ext uri="{FF2B5EF4-FFF2-40B4-BE49-F238E27FC236}">
+                <a16:creationId xmlns:a16="http://schemas.microsoft.com/office/drawing/2014/main" id="{1C321BA3-D0CC-5AE9-CD47-66889BE0B0E7}"/>
+              </a:ext>
+            </a:extLst>
+          </p:cNvPr>
+          <p:cNvPicPr>
+            <a:picLocks noChangeAspect="1"/>
+          </p:cNvPicPr>
+          <p:nvPr/>
+        </p:nvPicPr>
+        <p:blipFill>
+          <a:blip r:embed="rId4"/>
+          <a:stretch>
+            <a:fillRect/>
+          </a:stretch>
+        </p:blipFill>
+        <p:spPr>
+          <a:xfrm>
+            <a:off x="9883629" y="130236"/>
+            <a:ext cx="2294305" cy="985640"/>
+          </a:xfrm>
+          <a:prstGeom prst="rect">
+            <a:avLst/>
+          </a:prstGeom>
+          <a:ln>
+            <a:noFill/>
+          </a:ln>
+          <a:effectLst>
+            <a:softEdge rad="112500"/>
+          </a:effectLst>
+        </p:spPr>
+      </p:pic>
+      <p:pic>
+        <p:nvPicPr>
+          <p:cNvPr id="3" name="Picture 2">
+            <a:extLst>
+              <a:ext uri="{FF2B5EF4-FFF2-40B4-BE49-F238E27FC236}">
+                <a16:creationId xmlns:a16="http://schemas.microsoft.com/office/drawing/2014/main" id="{4960110C-3000-1EA0-7980-A1CDA17B142B}"/>
+              </a:ext>
+            </a:extLst>
+          </p:cNvPr>
+          <p:cNvPicPr>
+            <a:picLocks noChangeAspect="1"/>
+          </p:cNvPicPr>
+          <p:nvPr/>
+        </p:nvPicPr>
+        <p:blipFill>
+          <a:blip r:embed="rId5"/>
+          <a:stretch>
+            <a:fillRect/>
+          </a:stretch>
+        </p:blipFill>
+        <p:spPr>
+          <a:xfrm>
+            <a:off x="6041920" y="1165525"/>
+            <a:ext cx="5802120" cy="5562239"/>
+          </a:xfrm>
+          <a:prstGeom prst="rect">
+            <a:avLst/>
+          </a:prstGeom>
+          <a:ln>
+            <a:noFill/>
+          </a:ln>
+          <a:effectLst>
+            <a:outerShdw blurRad="292100" dist="139700" dir="2700000" algn="tl" rotWithShape="0">
+              <a:srgbClr val="333333">
+                <a:alpha val="65000"/>
+              </a:srgbClr>
+            </a:outerShdw>
+          </a:effectLst>
+        </p:spPr>
+      </p:pic>
+    </p:spTree>
+    <p:extLst>
+      <p:ext uri="{BB962C8B-B14F-4D97-AF65-F5344CB8AC3E}">
+        <p14:creationId xmlns:p14="http://schemas.microsoft.com/office/powerpoint/2010/main" val="2804732712"/>
+      </p:ext>
+    </p:extLst>
+  </p:cSld>
+  <p:clrMapOvr>
+    <a:masterClrMapping/>
+  </p:clrMapOvr>
+</p:sld>
+</file>
+
+<file path=ppt/slides/slide6.xml><?xml version="1.0" encoding="utf-8"?>
+<p:sld xmlns:a="http://schemas.openxmlformats.org/drawingml/2006/main" xmlns:r="http://schemas.openxmlformats.org/officeDocument/2006/relationships" xmlns:p="http://schemas.openxmlformats.org/presentationml/2006/main">
+  <p:cSld>
+    <p:spTree>
+      <p:nvGrpSpPr>
+        <p:cNvPr id="1" name="">
+          <a:extLst>
+            <a:ext uri="{FF2B5EF4-FFF2-40B4-BE49-F238E27FC236}">
+              <a16:creationId xmlns:a16="http://schemas.microsoft.com/office/drawing/2014/main" id="{DA9EC62B-15C7-3970-7A1F-4F57FCF128EA}"/>
+            </a:ext>
+          </a:extLst>
+        </p:cNvPr>
+        <p:cNvGrpSpPr/>
+        <p:nvPr/>
+      </p:nvGrpSpPr>
+      <p:grpSpPr>
+        <a:xfrm>
+          <a:off x="0" y="0"/>
+          <a:ext cx="0" cy="0"/>
+          <a:chOff x="0" y="0"/>
+          <a:chExt cx="0" cy="0"/>
+        </a:xfrm>
+      </p:grpSpPr>
+      <p:pic>
+        <p:nvPicPr>
+          <p:cNvPr id="5" name="Picture Placeholder 4" descr="Fog-covered mountain&#10;">
+            <a:extLst>
+              <a:ext uri="{FF2B5EF4-FFF2-40B4-BE49-F238E27FC236}">
+                <a16:creationId xmlns:a16="http://schemas.microsoft.com/office/drawing/2014/main" id="{1397AC15-2A85-98D9-F981-AABC884030DC}"/>
+              </a:ext>
+            </a:extLst>
+          </p:cNvPr>
+          <p:cNvPicPr>
+            <a:picLocks noGrp="1" noChangeAspect="1"/>
+          </p:cNvPicPr>
+          <p:nvPr>
+            <p:ph type="pic" sz="quarter" idx="14"/>
+          </p:nvPr>
+        </p:nvPicPr>
+        <p:blipFill rotWithShape="1">
+          <a:blip r:embed="rId3">
+            <a:extLst>
+              <a:ext uri="{28A0092B-C50C-407E-A947-70E740481C1C}">
+                <a14:useLocalDpi xmlns:a14="http://schemas.microsoft.com/office/drawing/2010/main" val="0"/>
+              </a:ext>
+            </a:extLst>
+          </a:blip>
+          <a:srcRect/>
+          <a:stretch/>
+        </p:blipFill>
+        <p:spPr>
+          <a:xfrm>
+            <a:off x="0" y="0"/>
+            <a:ext cx="12196224" cy="6858000"/>
+          </a:xfrm>
+        </p:spPr>
+      </p:pic>
+      <p:sp>
+        <p:nvSpPr>
+          <p:cNvPr id="6" name="Title 2">
+            <a:extLst>
+              <a:ext uri="{FF2B5EF4-FFF2-40B4-BE49-F238E27FC236}">
+                <a16:creationId xmlns:a16="http://schemas.microsoft.com/office/drawing/2014/main" id="{3AAE12CA-AB31-E212-0FED-52BABF1C3077}"/>
+              </a:ext>
+            </a:extLst>
+          </p:cNvPr>
+          <p:cNvSpPr>
+            <a:spLocks noGrp="1"/>
+          </p:cNvSpPr>
+          <p:nvPr>
+            <p:ph type="title"/>
+          </p:nvPr>
+        </p:nvSpPr>
+        <p:spPr>
+          <a:xfrm>
+            <a:off x="81440" y="82088"/>
+            <a:ext cx="9695273" cy="667633"/>
+          </a:xfrm>
+        </p:spPr>
+        <p:txBody>
+          <a:bodyPr>
+            <a:normAutofit fontScale="90000"/>
+          </a:bodyPr>
+          <a:lstStyle/>
+          <a:p>
+            <a:r>
+              <a:rPr lang="en-US" sz="3200" dirty="0"/>
+              <a:t>Archi® Tool Tutorial base on User Guide 5.6.0</a:t>
+            </a:r>
+          </a:p>
+        </p:txBody>
+      </p:sp>
+      <p:sp>
+        <p:nvSpPr>
+          <p:cNvPr id="4" name="TextBox 3">
+            <a:extLst>
+              <a:ext uri="{FF2B5EF4-FFF2-40B4-BE49-F238E27FC236}">
+                <a16:creationId xmlns:a16="http://schemas.microsoft.com/office/drawing/2014/main" id="{BAB54D02-DE06-40A2-76B4-903A72584133}"/>
+              </a:ext>
+            </a:extLst>
+          </p:cNvPr>
+          <p:cNvSpPr txBox="1"/>
+          <p:nvPr/>
+        </p:nvSpPr>
+        <p:spPr>
+          <a:xfrm>
+            <a:off x="106258" y="917049"/>
+            <a:ext cx="1916371" cy="1200329"/>
+          </a:xfrm>
+          <a:prstGeom prst="rect">
+            <a:avLst/>
+          </a:prstGeom>
+        </p:spPr>
+        <p:style>
+          <a:lnRef idx="0">
+            <a:schemeClr val="accent6"/>
+          </a:lnRef>
+          <a:fillRef idx="3">
+            <a:schemeClr val="accent6"/>
+          </a:fillRef>
+          <a:effectRef idx="3">
+            <a:schemeClr val="accent6"/>
+          </a:effectRef>
+          <a:fontRef idx="minor">
+            <a:schemeClr val="lt1"/>
+          </a:fontRef>
+        </p:style>
+        <p:txBody>
+          <a:bodyPr wrap="square" rtlCol="0" anchor="ctr">
+            <a:spAutoFit/>
+          </a:bodyPr>
+          <a:lstStyle/>
+          <a:p>
+            <a:pPr algn="ctr"/>
+            <a:r>
+              <a:rPr lang="en-US" sz="7200" b="1" dirty="0">
+                <a:latin typeface="Amasis MT Pro Black" panose="02040A04050005020304" pitchFamily="18" charset="0"/>
+                <a:ea typeface="华文琥珀" panose="02010800040101010101" pitchFamily="2" charset="-122"/>
+                <a:cs typeface="Aharoni" panose="02010803020104030203" pitchFamily="2" charset="-79"/>
+              </a:rPr>
+              <a:t>006</a:t>
+            </a:r>
+          </a:p>
+        </p:txBody>
+      </p:sp>
+      <p:sp>
+        <p:nvSpPr>
+          <p:cNvPr id="7" name="TextBox 6">
+            <a:extLst>
+              <a:ext uri="{FF2B5EF4-FFF2-40B4-BE49-F238E27FC236}">
+                <a16:creationId xmlns:a16="http://schemas.microsoft.com/office/drawing/2014/main" id="{705D4E30-CC32-960D-1196-64A333F8F606}"/>
+              </a:ext>
+            </a:extLst>
+          </p:cNvPr>
+          <p:cNvSpPr txBox="1"/>
+          <p:nvPr/>
+        </p:nvSpPr>
+        <p:spPr>
+          <a:xfrm>
+            <a:off x="81440" y="2353369"/>
+            <a:ext cx="5865515" cy="2585323"/>
+          </a:xfrm>
+          <a:prstGeom prst="rect">
+            <a:avLst/>
+          </a:prstGeom>
+          <a:noFill/>
+        </p:spPr>
+        <p:txBody>
+          <a:bodyPr wrap="square" rtlCol="0">
+            <a:spAutoFit/>
+          </a:bodyPr>
+          <a:lstStyle/>
+          <a:p>
+            <a:r>
+              <a:rPr lang="en-US" sz="5400" b="1" dirty="0">
+                <a:solidFill>
+                  <a:schemeClr val="bg1"/>
+                </a:solidFill>
+              </a:rPr>
+              <a:t>CH05 Model Tree</a:t>
+            </a:r>
+          </a:p>
+          <a:p>
+            <a:pPr marL="457200" indent="-457200">
+              <a:buFont typeface="Arial" panose="020B0604020202020204" pitchFamily="34" charset="0"/>
+              <a:buChar char="•"/>
+            </a:pPr>
+            <a:r>
+              <a:rPr lang="en-US" sz="3600" b="1" dirty="0">
+                <a:solidFill>
+                  <a:schemeClr val="bg1"/>
+                </a:solidFill>
+              </a:rPr>
+              <a:t>05.01 Adding Elements to the Model Tree</a:t>
+            </a:r>
+          </a:p>
+          <a:p>
+            <a:pPr marL="457200" indent="-457200">
+              <a:buFont typeface="Arial" panose="020B0604020202020204" pitchFamily="34" charset="0"/>
+              <a:buChar char="•"/>
+            </a:pPr>
+            <a:r>
+              <a:rPr lang="en-US" sz="3600" b="1" dirty="0">
+                <a:solidFill>
+                  <a:schemeClr val="bg1"/>
+                </a:solidFill>
+              </a:rPr>
+              <a:t>05.04.01 Drag and Drop</a:t>
+            </a:r>
+            <a:endParaRPr lang="en-US" sz="2800" b="1" dirty="0">
+              <a:solidFill>
+                <a:schemeClr val="bg1"/>
+              </a:solidFill>
+            </a:endParaRPr>
+          </a:p>
+        </p:txBody>
+      </p:sp>
+      <p:pic>
+        <p:nvPicPr>
+          <p:cNvPr id="11" name="Picture 10">
+            <a:extLst>
+              <a:ext uri="{FF2B5EF4-FFF2-40B4-BE49-F238E27FC236}">
+                <a16:creationId xmlns:a16="http://schemas.microsoft.com/office/drawing/2014/main" id="{3CD434B9-7CA5-9B44-67D1-EEB7AD0311D4}"/>
+              </a:ext>
+            </a:extLst>
+          </p:cNvPr>
+          <p:cNvPicPr>
+            <a:picLocks noChangeAspect="1"/>
+          </p:cNvPicPr>
+          <p:nvPr/>
+        </p:nvPicPr>
+        <p:blipFill>
+          <a:blip r:embed="rId4"/>
+          <a:stretch>
+            <a:fillRect/>
+          </a:stretch>
+        </p:blipFill>
+        <p:spPr>
+          <a:xfrm>
+            <a:off x="9883629" y="130236"/>
+            <a:ext cx="2294305" cy="985640"/>
+          </a:xfrm>
+          <a:prstGeom prst="rect">
+            <a:avLst/>
+          </a:prstGeom>
+          <a:ln>
+            <a:noFill/>
+          </a:ln>
+          <a:effectLst>
+            <a:softEdge rad="112500"/>
+          </a:effectLst>
+        </p:spPr>
+      </p:pic>
+      <p:pic>
+        <p:nvPicPr>
+          <p:cNvPr id="13" name="Picture 12">
+            <a:extLst>
+              <a:ext uri="{FF2B5EF4-FFF2-40B4-BE49-F238E27FC236}">
+                <a16:creationId xmlns:a16="http://schemas.microsoft.com/office/drawing/2014/main" id="{900BAEC2-7510-2F87-F671-693753D1650E}"/>
+              </a:ext>
+            </a:extLst>
+          </p:cNvPr>
+          <p:cNvPicPr>
+            <a:picLocks noChangeAspect="1"/>
+          </p:cNvPicPr>
+          <p:nvPr/>
+        </p:nvPicPr>
+        <p:blipFill>
+          <a:blip r:embed="rId5"/>
+          <a:stretch>
+            <a:fillRect/>
+          </a:stretch>
+        </p:blipFill>
+        <p:spPr>
+          <a:xfrm>
+            <a:off x="5946955" y="1381811"/>
+            <a:ext cx="6091032" cy="4864415"/>
+          </a:xfrm>
+          <a:prstGeom prst="rect">
+            <a:avLst/>
+          </a:prstGeom>
+          <a:ln>
+            <a:noFill/>
+          </a:ln>
+          <a:effectLst>
+            <a:outerShdw blurRad="292100" dist="139700" dir="2700000" algn="tl" rotWithShape="0">
+              <a:srgbClr val="333333">
+                <a:alpha val="65000"/>
+              </a:srgbClr>
+            </a:outerShdw>
+          </a:effectLst>
+        </p:spPr>
+      </p:pic>
+    </p:spTree>
+    <p:extLst>
+      <p:ext uri="{BB962C8B-B14F-4D97-AF65-F5344CB8AC3E}">
+        <p14:creationId xmlns:p14="http://schemas.microsoft.com/office/powerpoint/2010/main" val="143485305"/>
+      </p:ext>
+    </p:extLst>
+  </p:cSld>
+  <p:clrMapOvr>
+    <a:masterClrMapping/>
+  </p:clrMapOvr>
+</p:sld>
+</file>
+
+<file path=ppt/slides/slide7.xml><?xml version="1.0" encoding="utf-8"?>
+<p:sld xmlns:a="http://schemas.openxmlformats.org/drawingml/2006/main" xmlns:r="http://schemas.openxmlformats.org/officeDocument/2006/relationships" xmlns:p="http://schemas.openxmlformats.org/presentationml/2006/main">
+  <p:cSld>
+    <p:spTree>
+      <p:nvGrpSpPr>
+        <p:cNvPr id="1" name="">
+          <a:extLst>
+            <a:ext uri="{FF2B5EF4-FFF2-40B4-BE49-F238E27FC236}">
+              <a16:creationId xmlns:a16="http://schemas.microsoft.com/office/drawing/2014/main" id="{74CDB1D2-7523-9A3A-1341-DACE5C67825C}"/>
+            </a:ext>
+          </a:extLst>
+        </p:cNvPr>
+        <p:cNvGrpSpPr/>
+        <p:nvPr/>
+      </p:nvGrpSpPr>
+      <p:grpSpPr>
+        <a:xfrm>
+          <a:off x="0" y="0"/>
+          <a:ext cx="0" cy="0"/>
+          <a:chOff x="0" y="0"/>
+          <a:chExt cx="0" cy="0"/>
+        </a:xfrm>
+      </p:grpSpPr>
+      <p:pic>
+        <p:nvPicPr>
+          <p:cNvPr id="5" name="Picture Placeholder 4" descr="Fog-covered mountain&#10;">
+            <a:extLst>
+              <a:ext uri="{FF2B5EF4-FFF2-40B4-BE49-F238E27FC236}">
+                <a16:creationId xmlns:a16="http://schemas.microsoft.com/office/drawing/2014/main" id="{789C77E1-78F8-65E9-D7EA-3A4346064C76}"/>
+              </a:ext>
+            </a:extLst>
+          </p:cNvPr>
+          <p:cNvPicPr>
+            <a:picLocks noGrp="1" noChangeAspect="1"/>
+          </p:cNvPicPr>
+          <p:nvPr>
+            <p:ph type="pic" sz="quarter" idx="14"/>
+          </p:nvPr>
+        </p:nvPicPr>
+        <p:blipFill rotWithShape="1">
+          <a:blip r:embed="rId3">
+            <a:extLst>
+              <a:ext uri="{28A0092B-C50C-407E-A947-70E740481C1C}">
+                <a14:useLocalDpi xmlns:a14="http://schemas.microsoft.com/office/drawing/2010/main" val="0"/>
+              </a:ext>
+            </a:extLst>
+          </a:blip>
+          <a:srcRect/>
+          <a:stretch/>
+        </p:blipFill>
+        <p:spPr>
+          <a:xfrm>
+            <a:off x="0" y="0"/>
+            <a:ext cx="12196224" cy="6858000"/>
+          </a:xfrm>
+        </p:spPr>
+      </p:pic>
+      <p:sp>
+        <p:nvSpPr>
+          <p:cNvPr id="6" name="Title 2">
+            <a:extLst>
+              <a:ext uri="{FF2B5EF4-FFF2-40B4-BE49-F238E27FC236}">
+                <a16:creationId xmlns:a16="http://schemas.microsoft.com/office/drawing/2014/main" id="{9E0C8624-423C-D078-5F58-2F912CA93964}"/>
+              </a:ext>
+            </a:extLst>
+          </p:cNvPr>
+          <p:cNvSpPr>
+            <a:spLocks noGrp="1"/>
+          </p:cNvSpPr>
+          <p:nvPr>
+            <p:ph type="title"/>
+          </p:nvPr>
+        </p:nvSpPr>
+        <p:spPr>
+          <a:xfrm>
+            <a:off x="81440" y="82088"/>
+            <a:ext cx="9695273" cy="667633"/>
+          </a:xfrm>
+        </p:spPr>
+        <p:txBody>
+          <a:bodyPr>
+            <a:normAutofit fontScale="90000"/>
+          </a:bodyPr>
+          <a:lstStyle/>
+          <a:p>
+            <a:r>
+              <a:rPr lang="en-US" sz="3200" dirty="0"/>
+              <a:t>Archi® Tool Tutorial base on User Guide 5.6.0</a:t>
+            </a:r>
+          </a:p>
+        </p:txBody>
+      </p:sp>
+      <p:sp>
+        <p:nvSpPr>
+          <p:cNvPr id="4" name="TextBox 3">
+            <a:extLst>
+              <a:ext uri="{FF2B5EF4-FFF2-40B4-BE49-F238E27FC236}">
+                <a16:creationId xmlns:a16="http://schemas.microsoft.com/office/drawing/2014/main" id="{35295EF0-340D-5508-425A-9096E11148BD}"/>
+              </a:ext>
+            </a:extLst>
+          </p:cNvPr>
+          <p:cNvSpPr txBox="1"/>
+          <p:nvPr/>
+        </p:nvSpPr>
+        <p:spPr>
+          <a:xfrm>
+            <a:off x="106258" y="917049"/>
+            <a:ext cx="1916371" cy="1200329"/>
+          </a:xfrm>
+          <a:prstGeom prst="rect">
+            <a:avLst/>
+          </a:prstGeom>
+        </p:spPr>
+        <p:style>
+          <a:lnRef idx="0">
+            <a:schemeClr val="accent6"/>
+          </a:lnRef>
+          <a:fillRef idx="3">
+            <a:schemeClr val="accent6"/>
+          </a:fillRef>
+          <a:effectRef idx="3">
+            <a:schemeClr val="accent6"/>
+          </a:effectRef>
+          <a:fontRef idx="minor">
+            <a:schemeClr val="lt1"/>
+          </a:fontRef>
+        </p:style>
+        <p:txBody>
+          <a:bodyPr wrap="square" rtlCol="0" anchor="ctr">
+            <a:spAutoFit/>
+          </a:bodyPr>
+          <a:lstStyle/>
+          <a:p>
+            <a:pPr algn="ctr"/>
+            <a:r>
+              <a:rPr lang="en-US" sz="7200" b="1" dirty="0">
+                <a:latin typeface="Amasis MT Pro Black" panose="02040A04050005020304" pitchFamily="18" charset="0"/>
+                <a:ea typeface="华文琥珀" panose="02010800040101010101" pitchFamily="2" charset="-122"/>
+                <a:cs typeface="Aharoni" panose="02010803020104030203" pitchFamily="2" charset="-79"/>
+              </a:rPr>
+              <a:t>007</a:t>
+            </a:r>
+          </a:p>
+        </p:txBody>
+      </p:sp>
+      <p:sp>
+        <p:nvSpPr>
+          <p:cNvPr id="7" name="TextBox 6">
+            <a:extLst>
+              <a:ext uri="{FF2B5EF4-FFF2-40B4-BE49-F238E27FC236}">
+                <a16:creationId xmlns:a16="http://schemas.microsoft.com/office/drawing/2014/main" id="{415340D8-5560-E493-5D1A-4C49A6B4D3B2}"/>
+              </a:ext>
+            </a:extLst>
+          </p:cNvPr>
+          <p:cNvSpPr txBox="1"/>
+          <p:nvPr/>
+        </p:nvSpPr>
+        <p:spPr>
+          <a:xfrm>
+            <a:off x="81440" y="2353369"/>
+            <a:ext cx="6252416" cy="2585323"/>
+          </a:xfrm>
+          <a:prstGeom prst="rect">
+            <a:avLst/>
+          </a:prstGeom>
+          <a:noFill/>
+        </p:spPr>
+        <p:txBody>
+          <a:bodyPr wrap="square" rtlCol="0">
+            <a:spAutoFit/>
+          </a:bodyPr>
+          <a:lstStyle/>
+          <a:p>
+            <a:r>
+              <a:rPr lang="en-US" sz="5400" b="1" dirty="0">
+                <a:solidFill>
+                  <a:schemeClr val="bg1"/>
+                </a:solidFill>
+              </a:rPr>
+              <a:t>CH05 Model Tree</a:t>
+            </a:r>
+          </a:p>
+          <a:p>
+            <a:pPr marL="457200" indent="-457200">
+              <a:buFont typeface="Arial" panose="020B0604020202020204" pitchFamily="34" charset="0"/>
+              <a:buChar char="•"/>
+            </a:pPr>
+            <a:r>
+              <a:rPr lang="en-US" sz="3600" b="1" dirty="0">
+                <a:solidFill>
+                  <a:schemeClr val="bg1"/>
+                </a:solidFill>
+              </a:rPr>
+              <a:t>05.02 Specialized Elements in the “New” Menu</a:t>
+            </a:r>
+            <a:endParaRPr lang="en-US" sz="2800" b="1" dirty="0">
+              <a:solidFill>
+                <a:schemeClr val="bg1"/>
+              </a:solidFill>
+            </a:endParaRPr>
+          </a:p>
+        </p:txBody>
+      </p:sp>
+      <p:pic>
+        <p:nvPicPr>
+          <p:cNvPr id="11" name="Picture 10">
+            <a:extLst>
+              <a:ext uri="{FF2B5EF4-FFF2-40B4-BE49-F238E27FC236}">
+                <a16:creationId xmlns:a16="http://schemas.microsoft.com/office/drawing/2014/main" id="{E815C8EB-3272-832F-FCF8-D89B6D1B1583}"/>
+              </a:ext>
+            </a:extLst>
+          </p:cNvPr>
+          <p:cNvPicPr>
+            <a:picLocks noChangeAspect="1"/>
+          </p:cNvPicPr>
+          <p:nvPr/>
+        </p:nvPicPr>
+        <p:blipFill>
+          <a:blip r:embed="rId4"/>
+          <a:stretch>
+            <a:fillRect/>
+          </a:stretch>
+        </p:blipFill>
+        <p:spPr>
+          <a:xfrm>
+            <a:off x="9883629" y="130236"/>
+            <a:ext cx="2294305" cy="985640"/>
+          </a:xfrm>
+          <a:prstGeom prst="rect">
+            <a:avLst/>
+          </a:prstGeom>
+          <a:ln>
+            <a:noFill/>
+          </a:ln>
+          <a:effectLst>
+            <a:softEdge rad="112500"/>
+          </a:effectLst>
+        </p:spPr>
+      </p:pic>
+      <p:pic>
+        <p:nvPicPr>
+          <p:cNvPr id="19" name="Picture 18">
+            <a:extLst>
+              <a:ext uri="{FF2B5EF4-FFF2-40B4-BE49-F238E27FC236}">
+                <a16:creationId xmlns:a16="http://schemas.microsoft.com/office/drawing/2014/main" id="{1D1239A2-423C-8917-53ED-25674E13C910}"/>
+              </a:ext>
+            </a:extLst>
+          </p:cNvPr>
+          <p:cNvPicPr>
+            <a:picLocks noChangeAspect="1"/>
+          </p:cNvPicPr>
+          <p:nvPr/>
+        </p:nvPicPr>
+        <p:blipFill>
+          <a:blip r:embed="rId5"/>
+          <a:stretch>
+            <a:fillRect/>
+          </a:stretch>
+        </p:blipFill>
+        <p:spPr>
+          <a:xfrm>
+            <a:off x="5989072" y="1213421"/>
+            <a:ext cx="5334285" cy="5423562"/>
+          </a:xfrm>
+          <a:prstGeom prst="rect">
+            <a:avLst/>
+          </a:prstGeom>
+          <a:ln>
+            <a:noFill/>
+          </a:ln>
+          <a:effectLst>
+            <a:outerShdw blurRad="292100" dist="139700" dir="2700000" algn="tl" rotWithShape="0">
+              <a:srgbClr val="333333">
+                <a:alpha val="65000"/>
+              </a:srgbClr>
+            </a:outerShdw>
+          </a:effectLst>
+        </p:spPr>
+      </p:pic>
+    </p:spTree>
+    <p:extLst>
+      <p:ext uri="{BB962C8B-B14F-4D97-AF65-F5344CB8AC3E}">
+        <p14:creationId xmlns:p14="http://schemas.microsoft.com/office/powerpoint/2010/main" val="1812279828"/>
+      </p:ext>
+    </p:extLst>
+  </p:cSld>
+  <p:clrMapOvr>
+    <a:masterClrMapping/>
+  </p:clrMapOvr>
+</p:sld>
+</file>
+
+<file path=ppt/slides/slide8.xml><?xml version="1.0" encoding="utf-8"?>
+<p:sld xmlns:a="http://schemas.openxmlformats.org/drawingml/2006/main" xmlns:r="http://schemas.openxmlformats.org/officeDocument/2006/relationships" xmlns:p="http://schemas.openxmlformats.org/presentationml/2006/main">
+  <p:cSld>
+    <p:spTree>
+      <p:nvGrpSpPr>
+        <p:cNvPr id="1" name="">
+          <a:extLst>
+            <a:ext uri="{FF2B5EF4-FFF2-40B4-BE49-F238E27FC236}">
+              <a16:creationId xmlns:a16="http://schemas.microsoft.com/office/drawing/2014/main" id="{296318A0-8182-EF23-ABC9-AFFE6669E672}"/>
+            </a:ext>
+          </a:extLst>
+        </p:cNvPr>
+        <p:cNvGrpSpPr/>
+        <p:nvPr/>
+      </p:nvGrpSpPr>
+      <p:grpSpPr>
+        <a:xfrm>
+          <a:off x="0" y="0"/>
+          <a:ext cx="0" cy="0"/>
+          <a:chOff x="0" y="0"/>
+          <a:chExt cx="0" cy="0"/>
+        </a:xfrm>
+      </p:grpSpPr>
+      <p:pic>
+        <p:nvPicPr>
+          <p:cNvPr id="5" name="Picture Placeholder 4" descr="Fog-covered mountain&#10;">
+            <a:extLst>
+              <a:ext uri="{FF2B5EF4-FFF2-40B4-BE49-F238E27FC236}">
+                <a16:creationId xmlns:a16="http://schemas.microsoft.com/office/drawing/2014/main" id="{058135BF-3E96-D46B-A5FE-D1F67A54239F}"/>
+              </a:ext>
+            </a:extLst>
+          </p:cNvPr>
+          <p:cNvPicPr>
+            <a:picLocks noGrp="1" noChangeAspect="1"/>
+          </p:cNvPicPr>
+          <p:nvPr>
+            <p:ph type="pic" sz="quarter" idx="14"/>
+          </p:nvPr>
+        </p:nvPicPr>
+        <p:blipFill rotWithShape="1">
+          <a:blip r:embed="rId3">
+            <a:extLst>
+              <a:ext uri="{28A0092B-C50C-407E-A947-70E740481C1C}">
+                <a14:useLocalDpi xmlns:a14="http://schemas.microsoft.com/office/drawing/2010/main" val="0"/>
+              </a:ext>
+            </a:extLst>
+          </a:blip>
+          <a:srcRect/>
+          <a:stretch/>
+        </p:blipFill>
+        <p:spPr>
+          <a:xfrm>
+            <a:off x="0" y="0"/>
+            <a:ext cx="12196224" cy="6858000"/>
+          </a:xfrm>
+        </p:spPr>
+      </p:pic>
+      <p:sp>
+        <p:nvSpPr>
+          <p:cNvPr id="6" name="Title 2">
+            <a:extLst>
+              <a:ext uri="{FF2B5EF4-FFF2-40B4-BE49-F238E27FC236}">
+                <a16:creationId xmlns:a16="http://schemas.microsoft.com/office/drawing/2014/main" id="{FF038C84-FEE6-46A8-F8A3-A1B4262D1323}"/>
+              </a:ext>
+            </a:extLst>
+          </p:cNvPr>
+          <p:cNvSpPr>
+            <a:spLocks noGrp="1"/>
+          </p:cNvSpPr>
+          <p:nvPr>
+            <p:ph type="title"/>
+          </p:nvPr>
+        </p:nvSpPr>
+        <p:spPr>
+          <a:xfrm>
+            <a:off x="81440" y="82088"/>
+            <a:ext cx="9695273" cy="667633"/>
+          </a:xfrm>
+        </p:spPr>
+        <p:txBody>
+          <a:bodyPr>
+            <a:normAutofit fontScale="90000"/>
+          </a:bodyPr>
+          <a:lstStyle/>
+          <a:p>
+            <a:r>
+              <a:rPr lang="en-US" sz="3200" dirty="0"/>
+              <a:t>Archi® Tool Tutorial base on User Guide 5.6.0</a:t>
+            </a:r>
+          </a:p>
+        </p:txBody>
+      </p:sp>
+      <p:sp>
+        <p:nvSpPr>
+          <p:cNvPr id="4" name="TextBox 3">
+            <a:extLst>
+              <a:ext uri="{FF2B5EF4-FFF2-40B4-BE49-F238E27FC236}">
+                <a16:creationId xmlns:a16="http://schemas.microsoft.com/office/drawing/2014/main" id="{B7D30EC2-FEC0-CACF-5254-D946289E6A42}"/>
+              </a:ext>
+            </a:extLst>
+          </p:cNvPr>
+          <p:cNvSpPr txBox="1"/>
+          <p:nvPr/>
+        </p:nvSpPr>
+        <p:spPr>
+          <a:xfrm>
+            <a:off x="106258" y="917049"/>
+            <a:ext cx="1916371" cy="1200329"/>
+          </a:xfrm>
+          <a:prstGeom prst="rect">
+            <a:avLst/>
+          </a:prstGeom>
+        </p:spPr>
+        <p:style>
+          <a:lnRef idx="0">
+            <a:schemeClr val="accent6"/>
+          </a:lnRef>
+          <a:fillRef idx="3">
+            <a:schemeClr val="accent6"/>
+          </a:fillRef>
+          <a:effectRef idx="3">
+            <a:schemeClr val="accent6"/>
+          </a:effectRef>
+          <a:fontRef idx="minor">
+            <a:schemeClr val="lt1"/>
+          </a:fontRef>
+        </p:style>
+        <p:txBody>
+          <a:bodyPr wrap="square" rtlCol="0" anchor="ctr">
+            <a:spAutoFit/>
+          </a:bodyPr>
+          <a:lstStyle/>
+          <a:p>
+            <a:pPr algn="ctr"/>
+            <a:r>
+              <a:rPr lang="en-US" sz="7200" b="1" dirty="0">
+                <a:latin typeface="Amasis MT Pro Black" panose="02040A04050005020304" pitchFamily="18" charset="0"/>
+                <a:ea typeface="华文琥珀" panose="02010800040101010101" pitchFamily="2" charset="-122"/>
+                <a:cs typeface="Aharoni" panose="02010803020104030203" pitchFamily="2" charset="-79"/>
+              </a:rPr>
+              <a:t>008</a:t>
+            </a:r>
+          </a:p>
+        </p:txBody>
+      </p:sp>
+      <p:sp>
+        <p:nvSpPr>
+          <p:cNvPr id="7" name="TextBox 6">
+            <a:extLst>
+              <a:ext uri="{FF2B5EF4-FFF2-40B4-BE49-F238E27FC236}">
+                <a16:creationId xmlns:a16="http://schemas.microsoft.com/office/drawing/2014/main" id="{0D2CF7B1-F9A4-DAE7-8B96-2581AD5E3D3C}"/>
+              </a:ext>
+            </a:extLst>
+          </p:cNvPr>
+          <p:cNvSpPr txBox="1"/>
+          <p:nvPr/>
+        </p:nvSpPr>
+        <p:spPr>
+          <a:xfrm>
+            <a:off x="81440" y="2353369"/>
+            <a:ext cx="6252416" cy="2400657"/>
+          </a:xfrm>
+          <a:prstGeom prst="rect">
+            <a:avLst/>
+          </a:prstGeom>
+          <a:noFill/>
+        </p:spPr>
+        <p:txBody>
+          <a:bodyPr wrap="square" rtlCol="0">
+            <a:spAutoFit/>
+          </a:bodyPr>
+          <a:lstStyle/>
+          <a:p>
+            <a:r>
+              <a:rPr lang="en-US" sz="5400" b="1" dirty="0">
+                <a:solidFill>
+                  <a:schemeClr val="bg1"/>
+                </a:solidFill>
+              </a:rPr>
+              <a:t>CH05 Model Tree</a:t>
+            </a:r>
+          </a:p>
+          <a:p>
+            <a:pPr marL="457200" indent="-457200">
+              <a:buFont typeface="Arial" panose="020B0604020202020204" pitchFamily="34" charset="0"/>
+              <a:buChar char="•"/>
+            </a:pPr>
+            <a:r>
+              <a:rPr lang="en-US" sz="3200" b="1" dirty="0">
+                <a:solidFill>
+                  <a:schemeClr val="bg1"/>
+                </a:solidFill>
+              </a:rPr>
+              <a:t>05.03 Folders and Organization</a:t>
+            </a:r>
+          </a:p>
+          <a:p>
+            <a:pPr marL="914400" lvl="1" indent="-457200">
+              <a:buFont typeface="Arial" panose="020B0604020202020204" pitchFamily="34" charset="0"/>
+              <a:buChar char="•"/>
+            </a:pPr>
+            <a:r>
+              <a:rPr lang="en-US" sz="3200" b="1" dirty="0">
+                <a:solidFill>
+                  <a:schemeClr val="bg1"/>
+                </a:solidFill>
+              </a:rPr>
+              <a:t>05.03.01 User Sub-Folders</a:t>
+            </a:r>
+            <a:endParaRPr lang="en-US" sz="2400" b="1" dirty="0">
+              <a:solidFill>
+                <a:schemeClr val="bg1"/>
+              </a:solidFill>
+            </a:endParaRPr>
+          </a:p>
+        </p:txBody>
+      </p:sp>
+      <p:pic>
+        <p:nvPicPr>
+          <p:cNvPr id="11" name="Picture 10">
+            <a:extLst>
+              <a:ext uri="{FF2B5EF4-FFF2-40B4-BE49-F238E27FC236}">
+                <a16:creationId xmlns:a16="http://schemas.microsoft.com/office/drawing/2014/main" id="{878FFAAD-3B84-B0C8-3700-6819666134E6}"/>
+              </a:ext>
+            </a:extLst>
+          </p:cNvPr>
+          <p:cNvPicPr>
+            <a:picLocks noChangeAspect="1"/>
+          </p:cNvPicPr>
+          <p:nvPr/>
+        </p:nvPicPr>
+        <p:blipFill>
+          <a:blip r:embed="rId4"/>
+          <a:stretch>
+            <a:fillRect/>
+          </a:stretch>
+        </p:blipFill>
+        <p:spPr>
+          <a:xfrm>
+            <a:off x="9883629" y="130236"/>
+            <a:ext cx="2294305" cy="985640"/>
+          </a:xfrm>
+          <a:prstGeom prst="rect">
+            <a:avLst/>
+          </a:prstGeom>
+          <a:ln>
+            <a:noFill/>
+          </a:ln>
+          <a:effectLst>
+            <a:softEdge rad="112500"/>
+          </a:effectLst>
+        </p:spPr>
+      </p:pic>
+      <p:pic>
+        <p:nvPicPr>
+          <p:cNvPr id="16" name="Picture 15">
+            <a:extLst>
+              <a:ext uri="{FF2B5EF4-FFF2-40B4-BE49-F238E27FC236}">
+                <a16:creationId xmlns:a16="http://schemas.microsoft.com/office/drawing/2014/main" id="{56F13406-79E4-2193-963B-613C63117D80}"/>
+              </a:ext>
+            </a:extLst>
+          </p:cNvPr>
+          <p:cNvPicPr>
+            <a:picLocks noChangeAspect="1"/>
+          </p:cNvPicPr>
+          <p:nvPr/>
+        </p:nvPicPr>
+        <p:blipFill>
+          <a:blip r:embed="rId5"/>
+          <a:stretch>
+            <a:fillRect/>
+          </a:stretch>
+        </p:blipFill>
+        <p:spPr>
+          <a:xfrm>
+            <a:off x="502535" y="4825557"/>
+            <a:ext cx="2086266" cy="1705213"/>
+          </a:xfrm>
+          <a:prstGeom prst="rect">
+            <a:avLst/>
+          </a:prstGeom>
+        </p:spPr>
+      </p:pic>
+      <p:pic>
+        <p:nvPicPr>
+          <p:cNvPr id="18" name="Picture 17">
+            <a:extLst>
+              <a:ext uri="{FF2B5EF4-FFF2-40B4-BE49-F238E27FC236}">
+                <a16:creationId xmlns:a16="http://schemas.microsoft.com/office/drawing/2014/main" id="{AFBD9548-DF95-2C43-C07F-DEC438F9E80C}"/>
+              </a:ext>
+            </a:extLst>
+          </p:cNvPr>
+          <p:cNvPicPr>
+            <a:picLocks noChangeAspect="1"/>
+          </p:cNvPicPr>
+          <p:nvPr/>
+        </p:nvPicPr>
+        <p:blipFill>
+          <a:blip r:embed="rId6"/>
+          <a:stretch>
+            <a:fillRect/>
+          </a:stretch>
+        </p:blipFill>
+        <p:spPr>
+          <a:xfrm>
+            <a:off x="3091336" y="4826962"/>
+            <a:ext cx="2725151" cy="1703807"/>
+          </a:xfrm>
+          <a:prstGeom prst="rect">
+            <a:avLst/>
+          </a:prstGeom>
+        </p:spPr>
+      </p:pic>
+      <p:pic>
+        <p:nvPicPr>
+          <p:cNvPr id="22" name="Picture 21">
+            <a:extLst>
+              <a:ext uri="{FF2B5EF4-FFF2-40B4-BE49-F238E27FC236}">
+                <a16:creationId xmlns:a16="http://schemas.microsoft.com/office/drawing/2014/main" id="{901AB305-C020-5876-77F6-A7ADF6BDDE44}"/>
+              </a:ext>
+            </a:extLst>
+          </p:cNvPr>
+          <p:cNvPicPr>
+            <a:picLocks noChangeAspect="1"/>
+          </p:cNvPicPr>
+          <p:nvPr/>
+        </p:nvPicPr>
+        <p:blipFill>
+          <a:blip r:embed="rId7"/>
+          <a:stretch>
+            <a:fillRect/>
+          </a:stretch>
+        </p:blipFill>
+        <p:spPr>
+          <a:xfrm>
+            <a:off x="6375515" y="1156858"/>
+            <a:ext cx="5060539" cy="5570906"/>
+          </a:xfrm>
+          <a:prstGeom prst="rect">
+            <a:avLst/>
+          </a:prstGeom>
+          <a:ln>
+            <a:noFill/>
+          </a:ln>
+          <a:effectLst>
+            <a:outerShdw blurRad="292100" dist="139700" dir="2700000" algn="tl" rotWithShape="0">
+              <a:srgbClr val="333333">
+                <a:alpha val="65000"/>
+              </a:srgbClr>
+            </a:outerShdw>
+          </a:effectLst>
+        </p:spPr>
+      </p:pic>
+    </p:spTree>
+    <p:extLst>
+      <p:ext uri="{BB962C8B-B14F-4D97-AF65-F5344CB8AC3E}">
+        <p14:creationId xmlns:p14="http://schemas.microsoft.com/office/powerpoint/2010/main" val="1831338718"/>
+      </p:ext>
+    </p:extLst>
+  </p:cSld>
+  <p:clrMapOvr>
+    <a:masterClrMapping/>
+  </p:clrMapOvr>
+</p:sld>
+</file>
+
+<file path=ppt/slides/slide9.xml><?xml version="1.0" encoding="utf-8"?>
+<p:sld xmlns:a="http://schemas.openxmlformats.org/drawingml/2006/main" xmlns:r="http://schemas.openxmlformats.org/officeDocument/2006/relationships" xmlns:p="http://schemas.openxmlformats.org/presentationml/2006/main">
+  <p:cSld>
+    <p:spTree>
+      <p:nvGrpSpPr>
+        <p:cNvPr id="1" name="">
+          <a:extLst>
+            <a:ext uri="{FF2B5EF4-FFF2-40B4-BE49-F238E27FC236}">
+              <a16:creationId xmlns:a16="http://schemas.microsoft.com/office/drawing/2014/main" id="{72C143A3-2E89-55FF-D385-D90869070E77}"/>
+            </a:ext>
+          </a:extLst>
+        </p:cNvPr>
+        <p:cNvGrpSpPr/>
+        <p:nvPr/>
+      </p:nvGrpSpPr>
+      <p:grpSpPr>
+        <a:xfrm>
+          <a:off x="0" y="0"/>
+          <a:ext cx="0" cy="0"/>
+          <a:chOff x="0" y="0"/>
+          <a:chExt cx="0" cy="0"/>
+        </a:xfrm>
+      </p:grpSpPr>
+      <p:pic>
+        <p:nvPicPr>
+          <p:cNvPr id="5" name="Picture Placeholder 4" descr="Fog-covered mountain&#10;">
+            <a:extLst>
+              <a:ext uri="{FF2B5EF4-FFF2-40B4-BE49-F238E27FC236}">
+                <a16:creationId xmlns:a16="http://schemas.microsoft.com/office/drawing/2014/main" id="{C3779BED-976A-7570-6978-BA76963FB609}"/>
+              </a:ext>
+            </a:extLst>
+          </p:cNvPr>
+          <p:cNvPicPr>
+            <a:picLocks noGrp="1" noChangeAspect="1"/>
+          </p:cNvPicPr>
+          <p:nvPr>
+            <p:ph type="pic" sz="quarter" idx="14"/>
+          </p:nvPr>
+        </p:nvPicPr>
+        <p:blipFill rotWithShape="1">
+          <a:blip r:embed="rId3">
+            <a:extLst>
+              <a:ext uri="{28A0092B-C50C-407E-A947-70E740481C1C}">
+                <a14:useLocalDpi xmlns:a14="http://schemas.microsoft.com/office/drawing/2010/main" val="0"/>
+              </a:ext>
+            </a:extLst>
+          </a:blip>
+          <a:srcRect/>
+          <a:stretch/>
+        </p:blipFill>
+        <p:spPr>
+          <a:xfrm>
+            <a:off x="0" y="0"/>
+            <a:ext cx="12196224" cy="6858000"/>
+          </a:xfrm>
+        </p:spPr>
+      </p:pic>
+      <p:sp>
+        <p:nvSpPr>
+          <p:cNvPr id="6" name="Title 2">
+            <a:extLst>
+              <a:ext uri="{FF2B5EF4-FFF2-40B4-BE49-F238E27FC236}">
+                <a16:creationId xmlns:a16="http://schemas.microsoft.com/office/drawing/2014/main" id="{0F0660DD-30C5-E298-F082-178810CD70A8}"/>
+              </a:ext>
+            </a:extLst>
+          </p:cNvPr>
+          <p:cNvSpPr>
+            <a:spLocks noGrp="1"/>
+          </p:cNvSpPr>
+          <p:nvPr>
+            <p:ph type="title"/>
+          </p:nvPr>
+        </p:nvSpPr>
+        <p:spPr>
+          <a:xfrm>
+            <a:off x="81440" y="82088"/>
+            <a:ext cx="9695273" cy="667633"/>
+          </a:xfrm>
+        </p:spPr>
+        <p:txBody>
+          <a:bodyPr>
+            <a:normAutofit fontScale="90000"/>
+          </a:bodyPr>
+          <a:lstStyle/>
+          <a:p>
+            <a:r>
+              <a:rPr lang="en-US" sz="3200" dirty="0"/>
+              <a:t>Archi® Tool Tutorial base on User Guide 5.6.0</a:t>
+            </a:r>
+          </a:p>
+        </p:txBody>
+      </p:sp>
+      <p:sp>
+        <p:nvSpPr>
+          <p:cNvPr id="4" name="TextBox 3">
+            <a:extLst>
+              <a:ext uri="{FF2B5EF4-FFF2-40B4-BE49-F238E27FC236}">
+                <a16:creationId xmlns:a16="http://schemas.microsoft.com/office/drawing/2014/main" id="{1736C9CC-AC47-D3A9-F340-34A97FDAC582}"/>
+              </a:ext>
+            </a:extLst>
+          </p:cNvPr>
+          <p:cNvSpPr txBox="1"/>
+          <p:nvPr/>
+        </p:nvSpPr>
+        <p:spPr>
+          <a:xfrm>
+            <a:off x="106258" y="917049"/>
+            <a:ext cx="1916371" cy="1200329"/>
+          </a:xfrm>
+          <a:prstGeom prst="rect">
+            <a:avLst/>
+          </a:prstGeom>
+        </p:spPr>
+        <p:style>
+          <a:lnRef idx="0">
+            <a:schemeClr val="accent6"/>
+          </a:lnRef>
+          <a:fillRef idx="3">
+            <a:schemeClr val="accent6"/>
+          </a:fillRef>
+          <a:effectRef idx="3">
+            <a:schemeClr val="accent6"/>
+          </a:effectRef>
+          <a:fontRef idx="minor">
+            <a:schemeClr val="lt1"/>
+          </a:fontRef>
+        </p:style>
+        <p:txBody>
+          <a:bodyPr wrap="square" rtlCol="0" anchor="ctr">
+            <a:spAutoFit/>
+          </a:bodyPr>
+          <a:lstStyle/>
+          <a:p>
+            <a:pPr algn="ctr"/>
+            <a:r>
+              <a:rPr lang="en-US" sz="7200" b="1" dirty="0">
+                <a:latin typeface="Amasis MT Pro Black" panose="02040A04050005020304" pitchFamily="18" charset="0"/>
+                <a:ea typeface="华文琥珀" panose="02010800040101010101" pitchFamily="2" charset="-122"/>
+                <a:cs typeface="Aharoni" panose="02010803020104030203" pitchFamily="2" charset="-79"/>
+              </a:rPr>
+              <a:t>009</a:t>
+            </a:r>
+          </a:p>
+        </p:txBody>
+      </p:sp>
+      <p:sp>
+        <p:nvSpPr>
+          <p:cNvPr id="7" name="TextBox 6">
+            <a:extLst>
+              <a:ext uri="{FF2B5EF4-FFF2-40B4-BE49-F238E27FC236}">
+                <a16:creationId xmlns:a16="http://schemas.microsoft.com/office/drawing/2014/main" id="{5F71BFF0-226B-850B-4C24-54DAE5B6FE7F}"/>
+              </a:ext>
+            </a:extLst>
+          </p:cNvPr>
+          <p:cNvSpPr txBox="1"/>
+          <p:nvPr/>
+        </p:nvSpPr>
+        <p:spPr>
+          <a:xfrm>
+            <a:off x="81440" y="2353369"/>
+            <a:ext cx="6252416" cy="4308872"/>
+          </a:xfrm>
+          <a:prstGeom prst="rect">
+            <a:avLst/>
+          </a:prstGeom>
+          <a:noFill/>
+        </p:spPr>
+        <p:txBody>
+          <a:bodyPr wrap="square" rtlCol="0">
+            <a:spAutoFit/>
+          </a:bodyPr>
+          <a:lstStyle/>
+          <a:p>
+            <a:r>
+              <a:rPr lang="en-US" sz="5400" b="1" dirty="0">
+                <a:solidFill>
+                  <a:schemeClr val="bg1"/>
+                </a:solidFill>
+              </a:rPr>
+              <a:t>CH05 Model Tree</a:t>
+            </a:r>
+          </a:p>
+          <a:p>
+            <a:pPr marL="457200" indent="-457200">
+              <a:buFont typeface="Arial" panose="020B0604020202020204" pitchFamily="34" charset="0"/>
+              <a:buChar char="•"/>
+            </a:pPr>
+            <a:r>
+              <a:rPr lang="en-US" sz="2800" b="1" dirty="0">
+                <a:solidFill>
+                  <a:schemeClr val="bg1"/>
+                </a:solidFill>
+              </a:rPr>
+              <a:t>05.04 Working in Model Tree</a:t>
+            </a:r>
+          </a:p>
+          <a:p>
+            <a:pPr marL="914400" lvl="1" indent="-457200">
+              <a:buFont typeface="Arial" panose="020B0604020202020204" pitchFamily="34" charset="0"/>
+              <a:buChar char="•"/>
+            </a:pPr>
+            <a:r>
+              <a:rPr lang="en-US" sz="2400" b="1" dirty="0">
+                <a:solidFill>
+                  <a:schemeClr val="bg1"/>
+                </a:solidFill>
+              </a:rPr>
+              <a:t>05.04.01 </a:t>
+            </a:r>
+            <a:r>
+              <a:rPr lang="en-US" altLang="zh-CN" sz="2400" b="1" dirty="0">
+                <a:solidFill>
+                  <a:schemeClr val="bg1"/>
+                </a:solidFill>
+              </a:rPr>
+              <a:t>Drag</a:t>
+            </a:r>
+            <a:r>
+              <a:rPr lang="zh-CN" altLang="en-US" sz="2400" b="1" dirty="0">
+                <a:solidFill>
+                  <a:schemeClr val="bg1"/>
+                </a:solidFill>
+              </a:rPr>
+              <a:t> </a:t>
+            </a:r>
+            <a:r>
+              <a:rPr lang="en-US" altLang="zh-CN" sz="2400" b="1" dirty="0">
+                <a:solidFill>
+                  <a:schemeClr val="bg1"/>
+                </a:solidFill>
+              </a:rPr>
+              <a:t>and</a:t>
+            </a:r>
+            <a:r>
+              <a:rPr lang="zh-CN" altLang="en-US" sz="2400" b="1" dirty="0">
+                <a:solidFill>
+                  <a:schemeClr val="bg1"/>
+                </a:solidFill>
+              </a:rPr>
+              <a:t> </a:t>
+            </a:r>
+            <a:r>
+              <a:rPr lang="en-US" altLang="zh-CN" sz="2400" b="1" dirty="0">
+                <a:solidFill>
+                  <a:schemeClr val="bg1"/>
+                </a:solidFill>
+              </a:rPr>
+              <a:t>Drop</a:t>
+            </a:r>
+          </a:p>
+          <a:p>
+            <a:pPr marL="914400" lvl="1" indent="-457200">
+              <a:buFont typeface="Arial" panose="020B0604020202020204" pitchFamily="34" charset="0"/>
+              <a:buChar char="•"/>
+            </a:pPr>
+            <a:r>
+              <a:rPr lang="en-US" sz="2400" b="1" dirty="0">
+                <a:solidFill>
+                  <a:schemeClr val="bg1"/>
+                </a:solidFill>
+              </a:rPr>
+              <a:t>05.04.02 Cut and Paste</a:t>
+            </a:r>
+          </a:p>
+          <a:p>
+            <a:pPr marL="914400" lvl="1" indent="-457200">
+              <a:buFont typeface="Arial" panose="020B0604020202020204" pitchFamily="34" charset="0"/>
+              <a:buChar char="•"/>
+            </a:pPr>
+            <a:r>
+              <a:rPr lang="en-US" sz="2400" b="1" dirty="0">
+                <a:solidFill>
+                  <a:schemeClr val="bg1"/>
+                </a:solidFill>
+              </a:rPr>
+              <a:t>05.04.03 Deleting Objects from the Model Tree</a:t>
+            </a:r>
+          </a:p>
+          <a:p>
+            <a:pPr marL="914400" lvl="1" indent="-457200">
+              <a:buFont typeface="Arial" panose="020B0604020202020204" pitchFamily="34" charset="0"/>
+              <a:buChar char="•"/>
+            </a:pPr>
+            <a:r>
+              <a:rPr lang="en-US" sz="2400" b="1" dirty="0">
+                <a:solidFill>
+                  <a:schemeClr val="bg1"/>
+                </a:solidFill>
+              </a:rPr>
+              <a:t>05.04.04 Renaming and Object in the Model Tree</a:t>
+            </a:r>
+          </a:p>
+          <a:p>
+            <a:pPr marL="914400" lvl="1" indent="-457200">
+              <a:buFont typeface="Arial" panose="020B0604020202020204" pitchFamily="34" charset="0"/>
+              <a:buChar char="•"/>
+            </a:pPr>
+            <a:r>
+              <a:rPr lang="en-US" sz="2400" b="1" dirty="0">
+                <a:solidFill>
+                  <a:schemeClr val="bg1"/>
+                </a:solidFill>
+              </a:rPr>
+              <a:t>05.14.05 </a:t>
+            </a:r>
+            <a:r>
+              <a:rPr lang="en-US" altLang="zh-CN" sz="2400" b="1" dirty="0">
+                <a:solidFill>
+                  <a:schemeClr val="bg1"/>
+                </a:solidFill>
+              </a:rPr>
+              <a:t>Duplicating an Element or View in the Model Tree</a:t>
+            </a:r>
+            <a:endParaRPr lang="en-US" sz="2400" b="1" dirty="0">
+              <a:solidFill>
+                <a:schemeClr val="bg1"/>
+              </a:solidFill>
+            </a:endParaRPr>
+          </a:p>
+        </p:txBody>
+      </p:sp>
+      <p:pic>
+        <p:nvPicPr>
+          <p:cNvPr id="11" name="Picture 10">
+            <a:extLst>
+              <a:ext uri="{FF2B5EF4-FFF2-40B4-BE49-F238E27FC236}">
+                <a16:creationId xmlns:a16="http://schemas.microsoft.com/office/drawing/2014/main" id="{0BA2A3CC-7740-1D74-F4DC-798A8DB0DA5C}"/>
+              </a:ext>
+            </a:extLst>
+          </p:cNvPr>
+          <p:cNvPicPr>
+            <a:picLocks noChangeAspect="1"/>
+          </p:cNvPicPr>
+          <p:nvPr/>
+        </p:nvPicPr>
+        <p:blipFill>
+          <a:blip r:embed="rId4"/>
+          <a:stretch>
+            <a:fillRect/>
+          </a:stretch>
+        </p:blipFill>
+        <p:spPr>
+          <a:xfrm>
+            <a:off x="9883629" y="130236"/>
+            <a:ext cx="2294305" cy="985640"/>
+          </a:xfrm>
+          <a:prstGeom prst="rect">
+            <a:avLst/>
+          </a:prstGeom>
+          <a:ln>
+            <a:noFill/>
+          </a:ln>
+          <a:effectLst>
+            <a:softEdge rad="112500"/>
+          </a:effectLst>
+        </p:spPr>
+      </p:pic>
+      <p:pic>
+        <p:nvPicPr>
+          <p:cNvPr id="12" name="Picture 11">
+            <a:extLst>
+              <a:ext uri="{FF2B5EF4-FFF2-40B4-BE49-F238E27FC236}">
+                <a16:creationId xmlns:a16="http://schemas.microsoft.com/office/drawing/2014/main" id="{D0786F14-7588-2DA7-1E8D-52953B382436}"/>
+              </a:ext>
+            </a:extLst>
+          </p:cNvPr>
+          <p:cNvPicPr>
+            <a:picLocks noChangeAspect="1"/>
+          </p:cNvPicPr>
+          <p:nvPr/>
+        </p:nvPicPr>
+        <p:blipFill>
+          <a:blip r:embed="rId5"/>
+          <a:stretch>
+            <a:fillRect/>
+          </a:stretch>
+        </p:blipFill>
+        <p:spPr>
+          <a:xfrm>
+            <a:off x="6475019" y="1200421"/>
+            <a:ext cx="5188824" cy="5453898"/>
+          </a:xfrm>
+          <a:prstGeom prst="rect">
+            <a:avLst/>
+          </a:prstGeom>
+          <a:ln>
+            <a:noFill/>
+          </a:ln>
+          <a:effectLst>
+            <a:outerShdw blurRad="292100" dist="139700" dir="2700000" algn="tl" rotWithShape="0">
+              <a:srgbClr val="333333">
+                <a:alpha val="65000"/>
+              </a:srgbClr>
+            </a:outerShdw>
+          </a:effectLst>
+        </p:spPr>
+      </p:pic>
+    </p:spTree>
+    <p:extLst>
+      <p:ext uri="{BB962C8B-B14F-4D97-AF65-F5344CB8AC3E}">
+        <p14:creationId xmlns:p14="http://schemas.microsoft.com/office/powerpoint/2010/main" val="3419591707"/>
       </p:ext>
     </p:extLst>
   </p:cSld>

--- a/Archi_Tool_Tutorial_base_on_User_Guide.pptx
+++ b/Archi_Tool_Tutorial_base_on_User_Guide.pptx
@@ -156,6 +156,9 @@
             <p14:sldId id="391"/>
             <p14:sldId id="392"/>
           </p14:sldIdLst>
+        </p14:section>
+        <p14:section name="06 Views in Archi" id="{BFCED128-08C0-4FFC-8E63-E76280839A49}">
+          <p14:sldIdLst/>
         </p14:section>
       </p14:sectionLst>
     </p:ext>
@@ -8582,20 +8585,12 @@
               <a:buChar char="•"/>
             </a:pPr>
             <a:r>
-              <a:rPr lang="en-US" sz="2400" b="1">
-                <a:solidFill>
-                  <a:schemeClr val="bg1"/>
-                </a:solidFill>
-              </a:rPr>
-              <a:t>05.11.08 Find </a:t>
-            </a:r>
-            <a:r>
               <a:rPr lang="en-US" sz="2400" b="1" dirty="0">
                 <a:solidFill>
                   <a:schemeClr val="bg1"/>
                 </a:solidFill>
               </a:rPr>
-              <a:t>and Replace</a:t>
+              <a:t>05.11.08 Find and Replace</a:t>
             </a:r>
           </a:p>
         </p:txBody>
@@ -9277,7 +9272,7 @@
         </p:nvPicPr>
         <p:blipFill>
           <a:blip r:embed="rId5">
-            <a:alphaModFix amt="85000"/>
+            <a:alphaModFix amt="70000"/>
           </a:blip>
           <a:stretch>
             <a:fillRect/>
@@ -9286,7 +9281,7 @@
         <p:spPr>
           <a:xfrm>
             <a:off x="5802374" y="1163772"/>
-            <a:ext cx="5772001" cy="5528114"/>
+            <a:ext cx="6080492" cy="5528114"/>
           </a:xfrm>
           <a:prstGeom prst="rect">
             <a:avLst/>

--- a/Archi_Tool_Tutorial_base_on_User_Guide.pptx
+++ b/Archi_Tool_Tutorial_base_on_User_Guide.pptx
@@ -6038,15 +6038,17 @@
           <p:nvPr/>
         </p:nvPicPr>
         <p:blipFill>
-          <a:blip r:embed="rId5"/>
+          <a:blip r:embed="rId5">
+            <a:alphaModFix amt="70000"/>
+          </a:blip>
           <a:stretch>
             <a:fillRect/>
           </a:stretch>
         </p:blipFill>
         <p:spPr>
           <a:xfrm>
-            <a:off x="6520677" y="1150577"/>
-            <a:ext cx="4656298" cy="5544904"/>
+            <a:off x="5911098" y="1150577"/>
+            <a:ext cx="5954434" cy="5544904"/>
           </a:xfrm>
           <a:prstGeom prst="rect">
             <a:avLst/>
@@ -6338,15 +6340,17 @@
           <p:nvPr/>
         </p:nvPicPr>
         <p:blipFill>
-          <a:blip r:embed="rId5"/>
+          <a:blip r:embed="rId5">
+            <a:alphaModFix amt="70000"/>
+          </a:blip>
           <a:stretch>
             <a:fillRect/>
           </a:stretch>
         </p:blipFill>
         <p:spPr>
           <a:xfrm>
-            <a:off x="6440114" y="1152524"/>
-            <a:ext cx="4677166" cy="5575240"/>
+            <a:off x="6032440" y="1152524"/>
+            <a:ext cx="5794089" cy="5575240"/>
           </a:xfrm>
           <a:prstGeom prst="rect">
             <a:avLst/>
@@ -6630,7 +6634,9 @@
           <p:nvPr/>
         </p:nvPicPr>
         <p:blipFill>
-          <a:blip r:embed="rId5"/>
+          <a:blip r:embed="rId5">
+            <a:alphaModFix amt="70000"/>
+          </a:blip>
           <a:stretch>
             <a:fillRect/>
           </a:stretch>
@@ -6638,7 +6644,7 @@
         <p:spPr>
           <a:xfrm>
             <a:off x="6065649" y="1200420"/>
-            <a:ext cx="4807477" cy="5559764"/>
+            <a:ext cx="5695875" cy="5559764"/>
           </a:xfrm>
           <a:prstGeom prst="rect">
             <a:avLst/>
@@ -6922,15 +6928,17 @@
           <p:nvPr/>
         </p:nvPicPr>
         <p:blipFill>
-          <a:blip r:embed="rId5"/>
+          <a:blip r:embed="rId5">
+            <a:alphaModFix amt="70000"/>
+          </a:blip>
           <a:stretch>
             <a:fillRect/>
           </a:stretch>
         </p:blipFill>
         <p:spPr>
           <a:xfrm>
-            <a:off x="6279709" y="1161669"/>
-            <a:ext cx="4751072" cy="5614243"/>
+            <a:off x="5984770" y="1161669"/>
+            <a:ext cx="5828758" cy="5614243"/>
           </a:xfrm>
           <a:prstGeom prst="rect">
             <a:avLst/>
@@ -7257,7 +7265,9 @@
           <p:nvPr/>
         </p:nvPicPr>
         <p:blipFill>
-          <a:blip r:embed="rId6"/>
+          <a:blip r:embed="rId6">
+            <a:alphaModFix amt="70000"/>
+          </a:blip>
           <a:stretch>
             <a:fillRect/>
           </a:stretch>
@@ -7265,7 +7275,7 @@
         <p:spPr>
           <a:xfrm>
             <a:off x="6060004" y="1199095"/>
-            <a:ext cx="4674657" cy="5492900"/>
+            <a:ext cx="5688519" cy="5492900"/>
           </a:xfrm>
           <a:prstGeom prst="rect">
             <a:avLst/>
@@ -7549,7 +7559,9 @@
           <p:nvPr/>
         </p:nvPicPr>
         <p:blipFill>
-          <a:blip r:embed="rId5"/>
+          <a:blip r:embed="rId5">
+            <a:alphaModFix amt="70000"/>
+          </a:blip>
           <a:stretch>
             <a:fillRect/>
           </a:stretch>
@@ -7557,7 +7569,7 @@
         <p:spPr>
           <a:xfrm>
             <a:off x="6217335" y="1246112"/>
-            <a:ext cx="4518668" cy="5362891"/>
+            <a:ext cx="5652530" cy="5362891"/>
           </a:xfrm>
           <a:prstGeom prst="rect">
             <a:avLst/>
@@ -8002,7 +8014,9 @@
           <p:nvPr/>
         </p:nvPicPr>
         <p:blipFill>
-          <a:blip r:embed="rId5"/>
+          <a:blip r:embed="rId5">
+            <a:alphaModFix amt="70000"/>
+          </a:blip>
           <a:stretch>
             <a:fillRect/>
           </a:stretch>
@@ -8010,7 +8024,7 @@
         <p:spPr>
           <a:xfrm>
             <a:off x="6096000" y="1246112"/>
-            <a:ext cx="5232200" cy="5367225"/>
+            <a:ext cx="5665524" cy="5367225"/>
           </a:xfrm>
           <a:prstGeom prst="rect">
             <a:avLst/>
@@ -8331,7 +8345,9 @@
           <p:nvPr/>
         </p:nvPicPr>
         <p:blipFill>
-          <a:blip r:embed="rId5"/>
+          <a:blip r:embed="rId5">
+            <a:alphaModFix amt="70000"/>
+          </a:blip>
           <a:stretch>
             <a:fillRect/>
           </a:stretch>
@@ -8339,7 +8355,7 @@
         <p:spPr>
           <a:xfrm>
             <a:off x="6333856" y="1191527"/>
-            <a:ext cx="5291391" cy="5536237"/>
+            <a:ext cx="5471005" cy="5536237"/>
           </a:xfrm>
           <a:prstGeom prst="rect">
             <a:avLst/>
@@ -8646,15 +8662,17 @@
           <p:nvPr/>
         </p:nvPicPr>
         <p:blipFill>
-          <a:blip r:embed="rId5"/>
+          <a:blip r:embed="rId5">
+            <a:alphaModFix amt="70000"/>
+          </a:blip>
           <a:stretch>
             <a:fillRect/>
           </a:stretch>
         </p:blipFill>
         <p:spPr>
           <a:xfrm>
-            <a:off x="6251406" y="1174192"/>
-            <a:ext cx="5269120" cy="5553572"/>
+            <a:off x="5967435" y="1174192"/>
+            <a:ext cx="5889429" cy="5553572"/>
           </a:xfrm>
           <a:prstGeom prst="rect">
             <a:avLst/>
@@ -9650,15 +9668,17 @@
           <p:nvPr/>
         </p:nvPicPr>
         <p:blipFill>
-          <a:blip r:embed="rId5"/>
+          <a:blip r:embed="rId5">
+            <a:alphaModFix amt="70000"/>
+          </a:blip>
           <a:stretch>
             <a:fillRect/>
           </a:stretch>
         </p:blipFill>
         <p:spPr>
           <a:xfrm>
-            <a:off x="5991777" y="1179004"/>
-            <a:ext cx="5851995" cy="5596908"/>
+            <a:off x="5768087" y="1179004"/>
+            <a:ext cx="6075685" cy="5596908"/>
           </a:xfrm>
           <a:prstGeom prst="rect">
             <a:avLst/>
@@ -9936,15 +9956,17 @@
           <p:nvPr/>
         </p:nvPicPr>
         <p:blipFill>
-          <a:blip r:embed="rId5"/>
+          <a:blip r:embed="rId5">
+            <a:alphaModFix amt="70000"/>
+          </a:blip>
           <a:stretch>
             <a:fillRect/>
           </a:stretch>
         </p:blipFill>
         <p:spPr>
           <a:xfrm>
-            <a:off x="6041920" y="1165525"/>
-            <a:ext cx="5802120" cy="5562239"/>
+            <a:off x="5672747" y="1165525"/>
+            <a:ext cx="6171293" cy="5562239"/>
           </a:xfrm>
           <a:prstGeom prst="rect">
             <a:avLst/>
@@ -10242,7 +10264,9 @@
           <p:nvPr/>
         </p:nvPicPr>
         <p:blipFill>
-          <a:blip r:embed="rId5"/>
+          <a:blip r:embed="rId5">
+            <a:alphaModFix amt="70000"/>
+          </a:blip>
           <a:stretch>
             <a:fillRect/>
           </a:stretch>
@@ -10534,7 +10558,9 @@
           <p:nvPr/>
         </p:nvPicPr>
         <p:blipFill>
-          <a:blip r:embed="rId5"/>
+          <a:blip r:embed="rId5">
+            <a:alphaModFix amt="70000"/>
+          </a:blip>
           <a:stretch>
             <a:fillRect/>
           </a:stretch>
@@ -10542,7 +10568,7 @@
         <p:spPr>
           <a:xfrm>
             <a:off x="5989072" y="1213421"/>
-            <a:ext cx="5334285" cy="5423562"/>
+            <a:ext cx="5750784" cy="5423562"/>
           </a:xfrm>
           <a:prstGeom prst="rect">
             <a:avLst/>
@@ -10900,15 +10926,17 @@
           <p:nvPr/>
         </p:nvPicPr>
         <p:blipFill>
-          <a:blip r:embed="rId7"/>
+          <a:blip r:embed="rId7">
+            <a:alphaModFix amt="70000"/>
+          </a:blip>
           <a:stretch>
             <a:fillRect/>
           </a:stretch>
         </p:blipFill>
         <p:spPr>
           <a:xfrm>
-            <a:off x="6375515" y="1156858"/>
-            <a:ext cx="5060539" cy="5570906"/>
+            <a:off x="6440114" y="1156858"/>
+            <a:ext cx="5313950" cy="5570906"/>
           </a:xfrm>
           <a:prstGeom prst="rect">
             <a:avLst/>
@@ -11310,15 +11338,17 @@
           <p:nvPr/>
         </p:nvPicPr>
         <p:blipFill>
-          <a:blip r:embed="rId5"/>
+          <a:blip r:embed="rId5">
+            <a:alphaModFix amt="70000"/>
+          </a:blip>
           <a:stretch>
             <a:fillRect/>
           </a:stretch>
         </p:blipFill>
         <p:spPr>
           <a:xfrm>
-            <a:off x="6475019" y="1200421"/>
-            <a:ext cx="5188824" cy="5453898"/>
+            <a:off x="6475018" y="1200421"/>
+            <a:ext cx="5485853" cy="5453898"/>
           </a:xfrm>
           <a:prstGeom prst="rect">
             <a:avLst/>

--- a/Archi_Tool_Tutorial_base_on_User_Guide.pptx
+++ b/Archi_Tool_Tutorial_base_on_User_Guide.pptx
@@ -5,7 +5,7 @@
     <p:sldMasterId id="2147483648" r:id="rId1"/>
   </p:sldMasterIdLst>
   <p:notesMasterIdLst>
-    <p:notesMasterId r:id="rId20"/>
+    <p:notesMasterId r:id="rId26"/>
   </p:notesMasterIdLst>
   <p:sldIdLst>
     <p:sldId id="375" r:id="rId2"/>
@@ -26,6 +26,12 @@
     <p:sldId id="390" r:id="rId17"/>
     <p:sldId id="391" r:id="rId18"/>
     <p:sldId id="392" r:id="rId19"/>
+    <p:sldId id="393" r:id="rId20"/>
+    <p:sldId id="394" r:id="rId21"/>
+    <p:sldId id="395" r:id="rId22"/>
+    <p:sldId id="396" r:id="rId23"/>
+    <p:sldId id="397" r:id="rId24"/>
+    <p:sldId id="398" r:id="rId25"/>
   </p:sldIdLst>
   <p:sldSz cx="12192000" cy="6858000"/>
   <p:notesSz cx="6858000" cy="9144000"/>
@@ -158,7 +164,14 @@
           </p14:sldIdLst>
         </p14:section>
         <p14:section name="06 Views in Archi" id="{BFCED128-08C0-4FFC-8E63-E76280839A49}">
-          <p14:sldIdLst/>
+          <p14:sldIdLst>
+            <p14:sldId id="393"/>
+            <p14:sldId id="394"/>
+            <p14:sldId id="395"/>
+            <p14:sldId id="396"/>
+            <p14:sldId id="397"/>
+            <p14:sldId id="398"/>
+          </p14:sldIdLst>
         </p14:section>
       </p14:sectionLst>
     </p:ext>
@@ -1591,6 +1604,114 @@
 </p:notes>
 </file>
 
+<file path=ppt/notesSlides/notesSlide19.xml><?xml version="1.0" encoding="utf-8"?>
+<p:notes xmlns:a="http://schemas.openxmlformats.org/drawingml/2006/main" xmlns:r="http://schemas.openxmlformats.org/officeDocument/2006/relationships" xmlns:p="http://schemas.openxmlformats.org/presentationml/2006/main">
+  <p:cSld>
+    <p:spTree>
+      <p:nvGrpSpPr>
+        <p:cNvPr id="1" name="">
+          <a:extLst>
+            <a:ext uri="{FF2B5EF4-FFF2-40B4-BE49-F238E27FC236}">
+              <a16:creationId xmlns:a16="http://schemas.microsoft.com/office/drawing/2014/main" id="{32C3D067-E85A-7DD8-CE71-3BAF915958A2}"/>
+            </a:ext>
+          </a:extLst>
+        </p:cNvPr>
+        <p:cNvGrpSpPr/>
+        <p:nvPr/>
+      </p:nvGrpSpPr>
+      <p:grpSpPr>
+        <a:xfrm>
+          <a:off x="0" y="0"/>
+          <a:ext cx="0" cy="0"/>
+          <a:chOff x="0" y="0"/>
+          <a:chExt cx="0" cy="0"/>
+        </a:xfrm>
+      </p:grpSpPr>
+      <p:sp>
+        <p:nvSpPr>
+          <p:cNvPr id="2" name="Slide Image Placeholder 1">
+            <a:extLst>
+              <a:ext uri="{FF2B5EF4-FFF2-40B4-BE49-F238E27FC236}">
+                <a16:creationId xmlns:a16="http://schemas.microsoft.com/office/drawing/2014/main" id="{C719F38F-0707-A982-E1D9-875A6C87D51F}"/>
+              </a:ext>
+            </a:extLst>
+          </p:cNvPr>
+          <p:cNvSpPr>
+            <a:spLocks noGrp="1" noRot="1" noChangeAspect="1"/>
+          </p:cNvSpPr>
+          <p:nvPr>
+            <p:ph type="sldImg"/>
+          </p:nvPr>
+        </p:nvSpPr>
+        <p:spPr/>
+      </p:sp>
+      <p:sp>
+        <p:nvSpPr>
+          <p:cNvPr id="3" name="Notes Placeholder 2">
+            <a:extLst>
+              <a:ext uri="{FF2B5EF4-FFF2-40B4-BE49-F238E27FC236}">
+                <a16:creationId xmlns:a16="http://schemas.microsoft.com/office/drawing/2014/main" id="{94CADD2C-354D-7898-50B1-C176D0B32000}"/>
+              </a:ext>
+            </a:extLst>
+          </p:cNvPr>
+          <p:cNvSpPr>
+            <a:spLocks noGrp="1"/>
+          </p:cNvSpPr>
+          <p:nvPr>
+            <p:ph type="body" idx="1"/>
+          </p:nvPr>
+        </p:nvSpPr>
+        <p:spPr/>
+        <p:txBody>
+          <a:bodyPr/>
+          <a:lstStyle/>
+          <a:p>
+            <a:endParaRPr lang="en-US" dirty="0"/>
+          </a:p>
+        </p:txBody>
+      </p:sp>
+      <p:sp>
+        <p:nvSpPr>
+          <p:cNvPr id="4" name="Slide Number Placeholder 3">
+            <a:extLst>
+              <a:ext uri="{FF2B5EF4-FFF2-40B4-BE49-F238E27FC236}">
+                <a16:creationId xmlns:a16="http://schemas.microsoft.com/office/drawing/2014/main" id="{E4AE068C-0A59-53CC-7339-129A28FB5AED}"/>
+              </a:ext>
+            </a:extLst>
+          </p:cNvPr>
+          <p:cNvSpPr>
+            <a:spLocks noGrp="1"/>
+          </p:cNvSpPr>
+          <p:nvPr>
+            <p:ph type="sldNum" sz="quarter" idx="5"/>
+          </p:nvPr>
+        </p:nvSpPr>
+        <p:spPr/>
+        <p:txBody>
+          <a:bodyPr/>
+          <a:lstStyle/>
+          <a:p>
+            <a:fld id="{DAF72F06-F6ED-43C1-A86D-15B5F2AFDECD}" type="slidenum">
+              <a:rPr lang="en-US" smtClean="0"/>
+              <a:t>19</a:t>
+            </a:fld>
+            <a:endParaRPr lang="en-US" dirty="0"/>
+          </a:p>
+        </p:txBody>
+      </p:sp>
+    </p:spTree>
+    <p:extLst>
+      <p:ext uri="{BB962C8B-B14F-4D97-AF65-F5344CB8AC3E}">
+        <p14:creationId xmlns:p14="http://schemas.microsoft.com/office/powerpoint/2010/main" val="820372523"/>
+      </p:ext>
+    </p:extLst>
+  </p:cSld>
+  <p:clrMapOvr>
+    <a:masterClrMapping/>
+  </p:clrMapOvr>
+</p:notes>
+</file>
+
 <file path=ppt/notesSlides/notesSlide2.xml><?xml version="1.0" encoding="utf-8"?>
 <p:notes xmlns:a="http://schemas.openxmlformats.org/drawingml/2006/main" xmlns:r="http://schemas.openxmlformats.org/officeDocument/2006/relationships" xmlns:p="http://schemas.openxmlformats.org/presentationml/2006/main">
   <p:cSld>
@@ -1690,6 +1811,546 @@
     <p:extLst>
       <p:ext uri="{BB962C8B-B14F-4D97-AF65-F5344CB8AC3E}">
         <p14:creationId xmlns:p14="http://schemas.microsoft.com/office/powerpoint/2010/main" val="22475685"/>
+      </p:ext>
+    </p:extLst>
+  </p:cSld>
+  <p:clrMapOvr>
+    <a:masterClrMapping/>
+  </p:clrMapOvr>
+</p:notes>
+</file>
+
+<file path=ppt/notesSlides/notesSlide20.xml><?xml version="1.0" encoding="utf-8"?>
+<p:notes xmlns:a="http://schemas.openxmlformats.org/drawingml/2006/main" xmlns:r="http://schemas.openxmlformats.org/officeDocument/2006/relationships" xmlns:p="http://schemas.openxmlformats.org/presentationml/2006/main">
+  <p:cSld>
+    <p:spTree>
+      <p:nvGrpSpPr>
+        <p:cNvPr id="1" name="">
+          <a:extLst>
+            <a:ext uri="{FF2B5EF4-FFF2-40B4-BE49-F238E27FC236}">
+              <a16:creationId xmlns:a16="http://schemas.microsoft.com/office/drawing/2014/main" id="{C5C420FD-91B1-E9EF-7AAD-88D2FCE3BCF4}"/>
+            </a:ext>
+          </a:extLst>
+        </p:cNvPr>
+        <p:cNvGrpSpPr/>
+        <p:nvPr/>
+      </p:nvGrpSpPr>
+      <p:grpSpPr>
+        <a:xfrm>
+          <a:off x="0" y="0"/>
+          <a:ext cx="0" cy="0"/>
+          <a:chOff x="0" y="0"/>
+          <a:chExt cx="0" cy="0"/>
+        </a:xfrm>
+      </p:grpSpPr>
+      <p:sp>
+        <p:nvSpPr>
+          <p:cNvPr id="2" name="Slide Image Placeholder 1">
+            <a:extLst>
+              <a:ext uri="{FF2B5EF4-FFF2-40B4-BE49-F238E27FC236}">
+                <a16:creationId xmlns:a16="http://schemas.microsoft.com/office/drawing/2014/main" id="{E69C296F-865B-0CD8-F92B-4D740B4024CB}"/>
+              </a:ext>
+            </a:extLst>
+          </p:cNvPr>
+          <p:cNvSpPr>
+            <a:spLocks noGrp="1" noRot="1" noChangeAspect="1"/>
+          </p:cNvSpPr>
+          <p:nvPr>
+            <p:ph type="sldImg"/>
+          </p:nvPr>
+        </p:nvSpPr>
+        <p:spPr/>
+      </p:sp>
+      <p:sp>
+        <p:nvSpPr>
+          <p:cNvPr id="3" name="Notes Placeholder 2">
+            <a:extLst>
+              <a:ext uri="{FF2B5EF4-FFF2-40B4-BE49-F238E27FC236}">
+                <a16:creationId xmlns:a16="http://schemas.microsoft.com/office/drawing/2014/main" id="{57F289CF-40C2-7AB0-FCC7-A1A4D59D3097}"/>
+              </a:ext>
+            </a:extLst>
+          </p:cNvPr>
+          <p:cNvSpPr>
+            <a:spLocks noGrp="1"/>
+          </p:cNvSpPr>
+          <p:nvPr>
+            <p:ph type="body" idx="1"/>
+          </p:nvPr>
+        </p:nvSpPr>
+        <p:spPr/>
+        <p:txBody>
+          <a:bodyPr/>
+          <a:lstStyle/>
+          <a:p>
+            <a:endParaRPr lang="en-US" dirty="0"/>
+          </a:p>
+        </p:txBody>
+      </p:sp>
+      <p:sp>
+        <p:nvSpPr>
+          <p:cNvPr id="4" name="Slide Number Placeholder 3">
+            <a:extLst>
+              <a:ext uri="{FF2B5EF4-FFF2-40B4-BE49-F238E27FC236}">
+                <a16:creationId xmlns:a16="http://schemas.microsoft.com/office/drawing/2014/main" id="{F85E7DFA-55B3-91B3-5961-234D15A6FC0B}"/>
+              </a:ext>
+            </a:extLst>
+          </p:cNvPr>
+          <p:cNvSpPr>
+            <a:spLocks noGrp="1"/>
+          </p:cNvSpPr>
+          <p:nvPr>
+            <p:ph type="sldNum" sz="quarter" idx="5"/>
+          </p:nvPr>
+        </p:nvSpPr>
+        <p:spPr/>
+        <p:txBody>
+          <a:bodyPr/>
+          <a:lstStyle/>
+          <a:p>
+            <a:fld id="{DAF72F06-F6ED-43C1-A86D-15B5F2AFDECD}" type="slidenum">
+              <a:rPr lang="en-US" smtClean="0"/>
+              <a:t>20</a:t>
+            </a:fld>
+            <a:endParaRPr lang="en-US" dirty="0"/>
+          </a:p>
+        </p:txBody>
+      </p:sp>
+    </p:spTree>
+    <p:extLst>
+      <p:ext uri="{BB962C8B-B14F-4D97-AF65-F5344CB8AC3E}">
+        <p14:creationId xmlns:p14="http://schemas.microsoft.com/office/powerpoint/2010/main" val="1899087308"/>
+      </p:ext>
+    </p:extLst>
+  </p:cSld>
+  <p:clrMapOvr>
+    <a:masterClrMapping/>
+  </p:clrMapOvr>
+</p:notes>
+</file>
+
+<file path=ppt/notesSlides/notesSlide21.xml><?xml version="1.0" encoding="utf-8"?>
+<p:notes xmlns:a="http://schemas.openxmlformats.org/drawingml/2006/main" xmlns:r="http://schemas.openxmlformats.org/officeDocument/2006/relationships" xmlns:p="http://schemas.openxmlformats.org/presentationml/2006/main">
+  <p:cSld>
+    <p:spTree>
+      <p:nvGrpSpPr>
+        <p:cNvPr id="1" name="">
+          <a:extLst>
+            <a:ext uri="{FF2B5EF4-FFF2-40B4-BE49-F238E27FC236}">
+              <a16:creationId xmlns:a16="http://schemas.microsoft.com/office/drawing/2014/main" id="{A11410CC-6CB8-03CE-CA8F-0AAD5C9C4773}"/>
+            </a:ext>
+          </a:extLst>
+        </p:cNvPr>
+        <p:cNvGrpSpPr/>
+        <p:nvPr/>
+      </p:nvGrpSpPr>
+      <p:grpSpPr>
+        <a:xfrm>
+          <a:off x="0" y="0"/>
+          <a:ext cx="0" cy="0"/>
+          <a:chOff x="0" y="0"/>
+          <a:chExt cx="0" cy="0"/>
+        </a:xfrm>
+      </p:grpSpPr>
+      <p:sp>
+        <p:nvSpPr>
+          <p:cNvPr id="2" name="Slide Image Placeholder 1">
+            <a:extLst>
+              <a:ext uri="{FF2B5EF4-FFF2-40B4-BE49-F238E27FC236}">
+                <a16:creationId xmlns:a16="http://schemas.microsoft.com/office/drawing/2014/main" id="{0813CAD3-E3C8-9915-18E6-48A2C83E2665}"/>
+              </a:ext>
+            </a:extLst>
+          </p:cNvPr>
+          <p:cNvSpPr>
+            <a:spLocks noGrp="1" noRot="1" noChangeAspect="1"/>
+          </p:cNvSpPr>
+          <p:nvPr>
+            <p:ph type="sldImg"/>
+          </p:nvPr>
+        </p:nvSpPr>
+        <p:spPr/>
+      </p:sp>
+      <p:sp>
+        <p:nvSpPr>
+          <p:cNvPr id="3" name="Notes Placeholder 2">
+            <a:extLst>
+              <a:ext uri="{FF2B5EF4-FFF2-40B4-BE49-F238E27FC236}">
+                <a16:creationId xmlns:a16="http://schemas.microsoft.com/office/drawing/2014/main" id="{E613707C-E3DF-2D94-8CBC-F09E8DA842FB}"/>
+              </a:ext>
+            </a:extLst>
+          </p:cNvPr>
+          <p:cNvSpPr>
+            <a:spLocks noGrp="1"/>
+          </p:cNvSpPr>
+          <p:nvPr>
+            <p:ph type="body" idx="1"/>
+          </p:nvPr>
+        </p:nvSpPr>
+        <p:spPr/>
+        <p:txBody>
+          <a:bodyPr/>
+          <a:lstStyle/>
+          <a:p>
+            <a:endParaRPr lang="en-US" dirty="0"/>
+          </a:p>
+        </p:txBody>
+      </p:sp>
+      <p:sp>
+        <p:nvSpPr>
+          <p:cNvPr id="4" name="Slide Number Placeholder 3">
+            <a:extLst>
+              <a:ext uri="{FF2B5EF4-FFF2-40B4-BE49-F238E27FC236}">
+                <a16:creationId xmlns:a16="http://schemas.microsoft.com/office/drawing/2014/main" id="{AED52D54-F861-E2CA-C40D-5A9555B4CE5B}"/>
+              </a:ext>
+            </a:extLst>
+          </p:cNvPr>
+          <p:cNvSpPr>
+            <a:spLocks noGrp="1"/>
+          </p:cNvSpPr>
+          <p:nvPr>
+            <p:ph type="sldNum" sz="quarter" idx="5"/>
+          </p:nvPr>
+        </p:nvSpPr>
+        <p:spPr/>
+        <p:txBody>
+          <a:bodyPr/>
+          <a:lstStyle/>
+          <a:p>
+            <a:fld id="{DAF72F06-F6ED-43C1-A86D-15B5F2AFDECD}" type="slidenum">
+              <a:rPr lang="en-US" smtClean="0"/>
+              <a:t>21</a:t>
+            </a:fld>
+            <a:endParaRPr lang="en-US" dirty="0"/>
+          </a:p>
+        </p:txBody>
+      </p:sp>
+    </p:spTree>
+    <p:extLst>
+      <p:ext uri="{BB962C8B-B14F-4D97-AF65-F5344CB8AC3E}">
+        <p14:creationId xmlns:p14="http://schemas.microsoft.com/office/powerpoint/2010/main" val="3098422406"/>
+      </p:ext>
+    </p:extLst>
+  </p:cSld>
+  <p:clrMapOvr>
+    <a:masterClrMapping/>
+  </p:clrMapOvr>
+</p:notes>
+</file>
+
+<file path=ppt/notesSlides/notesSlide22.xml><?xml version="1.0" encoding="utf-8"?>
+<p:notes xmlns:a="http://schemas.openxmlformats.org/drawingml/2006/main" xmlns:r="http://schemas.openxmlformats.org/officeDocument/2006/relationships" xmlns:p="http://schemas.openxmlformats.org/presentationml/2006/main">
+  <p:cSld>
+    <p:spTree>
+      <p:nvGrpSpPr>
+        <p:cNvPr id="1" name="">
+          <a:extLst>
+            <a:ext uri="{FF2B5EF4-FFF2-40B4-BE49-F238E27FC236}">
+              <a16:creationId xmlns:a16="http://schemas.microsoft.com/office/drawing/2014/main" id="{4BF05A50-3143-98C9-B4A7-60442C59DFB8}"/>
+            </a:ext>
+          </a:extLst>
+        </p:cNvPr>
+        <p:cNvGrpSpPr/>
+        <p:nvPr/>
+      </p:nvGrpSpPr>
+      <p:grpSpPr>
+        <a:xfrm>
+          <a:off x="0" y="0"/>
+          <a:ext cx="0" cy="0"/>
+          <a:chOff x="0" y="0"/>
+          <a:chExt cx="0" cy="0"/>
+        </a:xfrm>
+      </p:grpSpPr>
+      <p:sp>
+        <p:nvSpPr>
+          <p:cNvPr id="2" name="Slide Image Placeholder 1">
+            <a:extLst>
+              <a:ext uri="{FF2B5EF4-FFF2-40B4-BE49-F238E27FC236}">
+                <a16:creationId xmlns:a16="http://schemas.microsoft.com/office/drawing/2014/main" id="{85982F9A-A7DC-A8BE-2492-21D61118C9B4}"/>
+              </a:ext>
+            </a:extLst>
+          </p:cNvPr>
+          <p:cNvSpPr>
+            <a:spLocks noGrp="1" noRot="1" noChangeAspect="1"/>
+          </p:cNvSpPr>
+          <p:nvPr>
+            <p:ph type="sldImg"/>
+          </p:nvPr>
+        </p:nvSpPr>
+        <p:spPr/>
+      </p:sp>
+      <p:sp>
+        <p:nvSpPr>
+          <p:cNvPr id="3" name="Notes Placeholder 2">
+            <a:extLst>
+              <a:ext uri="{FF2B5EF4-FFF2-40B4-BE49-F238E27FC236}">
+                <a16:creationId xmlns:a16="http://schemas.microsoft.com/office/drawing/2014/main" id="{9FFD87BD-C449-163A-7CF0-2FF1489F2C65}"/>
+              </a:ext>
+            </a:extLst>
+          </p:cNvPr>
+          <p:cNvSpPr>
+            <a:spLocks noGrp="1"/>
+          </p:cNvSpPr>
+          <p:nvPr>
+            <p:ph type="body" idx="1"/>
+          </p:nvPr>
+        </p:nvSpPr>
+        <p:spPr/>
+        <p:txBody>
+          <a:bodyPr/>
+          <a:lstStyle/>
+          <a:p>
+            <a:endParaRPr lang="en-US" dirty="0"/>
+          </a:p>
+        </p:txBody>
+      </p:sp>
+      <p:sp>
+        <p:nvSpPr>
+          <p:cNvPr id="4" name="Slide Number Placeholder 3">
+            <a:extLst>
+              <a:ext uri="{FF2B5EF4-FFF2-40B4-BE49-F238E27FC236}">
+                <a16:creationId xmlns:a16="http://schemas.microsoft.com/office/drawing/2014/main" id="{B1AB7C92-E62E-A2B0-2C7F-E4BB44901943}"/>
+              </a:ext>
+            </a:extLst>
+          </p:cNvPr>
+          <p:cNvSpPr>
+            <a:spLocks noGrp="1"/>
+          </p:cNvSpPr>
+          <p:nvPr>
+            <p:ph type="sldNum" sz="quarter" idx="5"/>
+          </p:nvPr>
+        </p:nvSpPr>
+        <p:spPr/>
+        <p:txBody>
+          <a:bodyPr/>
+          <a:lstStyle/>
+          <a:p>
+            <a:fld id="{DAF72F06-F6ED-43C1-A86D-15B5F2AFDECD}" type="slidenum">
+              <a:rPr lang="en-US" smtClean="0"/>
+              <a:t>22</a:t>
+            </a:fld>
+            <a:endParaRPr lang="en-US" dirty="0"/>
+          </a:p>
+        </p:txBody>
+      </p:sp>
+    </p:spTree>
+    <p:extLst>
+      <p:ext uri="{BB962C8B-B14F-4D97-AF65-F5344CB8AC3E}">
+        <p14:creationId xmlns:p14="http://schemas.microsoft.com/office/powerpoint/2010/main" val="2555220076"/>
+      </p:ext>
+    </p:extLst>
+  </p:cSld>
+  <p:clrMapOvr>
+    <a:masterClrMapping/>
+  </p:clrMapOvr>
+</p:notes>
+</file>
+
+<file path=ppt/notesSlides/notesSlide23.xml><?xml version="1.0" encoding="utf-8"?>
+<p:notes xmlns:a="http://schemas.openxmlformats.org/drawingml/2006/main" xmlns:r="http://schemas.openxmlformats.org/officeDocument/2006/relationships" xmlns:p="http://schemas.openxmlformats.org/presentationml/2006/main">
+  <p:cSld>
+    <p:spTree>
+      <p:nvGrpSpPr>
+        <p:cNvPr id="1" name="">
+          <a:extLst>
+            <a:ext uri="{FF2B5EF4-FFF2-40B4-BE49-F238E27FC236}">
+              <a16:creationId xmlns:a16="http://schemas.microsoft.com/office/drawing/2014/main" id="{B42D2C72-0549-074C-06A5-CF03C8E1AFEA}"/>
+            </a:ext>
+          </a:extLst>
+        </p:cNvPr>
+        <p:cNvGrpSpPr/>
+        <p:nvPr/>
+      </p:nvGrpSpPr>
+      <p:grpSpPr>
+        <a:xfrm>
+          <a:off x="0" y="0"/>
+          <a:ext cx="0" cy="0"/>
+          <a:chOff x="0" y="0"/>
+          <a:chExt cx="0" cy="0"/>
+        </a:xfrm>
+      </p:grpSpPr>
+      <p:sp>
+        <p:nvSpPr>
+          <p:cNvPr id="2" name="Slide Image Placeholder 1">
+            <a:extLst>
+              <a:ext uri="{FF2B5EF4-FFF2-40B4-BE49-F238E27FC236}">
+                <a16:creationId xmlns:a16="http://schemas.microsoft.com/office/drawing/2014/main" id="{A86F208A-E625-501A-502E-CE4818B1FFA1}"/>
+              </a:ext>
+            </a:extLst>
+          </p:cNvPr>
+          <p:cNvSpPr>
+            <a:spLocks noGrp="1" noRot="1" noChangeAspect="1"/>
+          </p:cNvSpPr>
+          <p:nvPr>
+            <p:ph type="sldImg"/>
+          </p:nvPr>
+        </p:nvSpPr>
+        <p:spPr/>
+      </p:sp>
+      <p:sp>
+        <p:nvSpPr>
+          <p:cNvPr id="3" name="Notes Placeholder 2">
+            <a:extLst>
+              <a:ext uri="{FF2B5EF4-FFF2-40B4-BE49-F238E27FC236}">
+                <a16:creationId xmlns:a16="http://schemas.microsoft.com/office/drawing/2014/main" id="{0106A5D2-F838-A71C-8173-32DDD8364783}"/>
+              </a:ext>
+            </a:extLst>
+          </p:cNvPr>
+          <p:cNvSpPr>
+            <a:spLocks noGrp="1"/>
+          </p:cNvSpPr>
+          <p:nvPr>
+            <p:ph type="body" idx="1"/>
+          </p:nvPr>
+        </p:nvSpPr>
+        <p:spPr/>
+        <p:txBody>
+          <a:bodyPr/>
+          <a:lstStyle/>
+          <a:p>
+            <a:endParaRPr lang="en-US" dirty="0"/>
+          </a:p>
+        </p:txBody>
+      </p:sp>
+      <p:sp>
+        <p:nvSpPr>
+          <p:cNvPr id="4" name="Slide Number Placeholder 3">
+            <a:extLst>
+              <a:ext uri="{FF2B5EF4-FFF2-40B4-BE49-F238E27FC236}">
+                <a16:creationId xmlns:a16="http://schemas.microsoft.com/office/drawing/2014/main" id="{C2F36695-0110-E774-A24B-800A1D7CB310}"/>
+              </a:ext>
+            </a:extLst>
+          </p:cNvPr>
+          <p:cNvSpPr>
+            <a:spLocks noGrp="1"/>
+          </p:cNvSpPr>
+          <p:nvPr>
+            <p:ph type="sldNum" sz="quarter" idx="5"/>
+          </p:nvPr>
+        </p:nvSpPr>
+        <p:spPr/>
+        <p:txBody>
+          <a:bodyPr/>
+          <a:lstStyle/>
+          <a:p>
+            <a:fld id="{DAF72F06-F6ED-43C1-A86D-15B5F2AFDECD}" type="slidenum">
+              <a:rPr lang="en-US" smtClean="0"/>
+              <a:t>23</a:t>
+            </a:fld>
+            <a:endParaRPr lang="en-US" dirty="0"/>
+          </a:p>
+        </p:txBody>
+      </p:sp>
+    </p:spTree>
+    <p:extLst>
+      <p:ext uri="{BB962C8B-B14F-4D97-AF65-F5344CB8AC3E}">
+        <p14:creationId xmlns:p14="http://schemas.microsoft.com/office/powerpoint/2010/main" val="3149457592"/>
+      </p:ext>
+    </p:extLst>
+  </p:cSld>
+  <p:clrMapOvr>
+    <a:masterClrMapping/>
+  </p:clrMapOvr>
+</p:notes>
+</file>
+
+<file path=ppt/notesSlides/notesSlide24.xml><?xml version="1.0" encoding="utf-8"?>
+<p:notes xmlns:a="http://schemas.openxmlformats.org/drawingml/2006/main" xmlns:r="http://schemas.openxmlformats.org/officeDocument/2006/relationships" xmlns:p="http://schemas.openxmlformats.org/presentationml/2006/main">
+  <p:cSld>
+    <p:spTree>
+      <p:nvGrpSpPr>
+        <p:cNvPr id="1" name="">
+          <a:extLst>
+            <a:ext uri="{FF2B5EF4-FFF2-40B4-BE49-F238E27FC236}">
+              <a16:creationId xmlns:a16="http://schemas.microsoft.com/office/drawing/2014/main" id="{9787DDF4-4F66-03F9-8B10-CDC8D520B75B}"/>
+            </a:ext>
+          </a:extLst>
+        </p:cNvPr>
+        <p:cNvGrpSpPr/>
+        <p:nvPr/>
+      </p:nvGrpSpPr>
+      <p:grpSpPr>
+        <a:xfrm>
+          <a:off x="0" y="0"/>
+          <a:ext cx="0" cy="0"/>
+          <a:chOff x="0" y="0"/>
+          <a:chExt cx="0" cy="0"/>
+        </a:xfrm>
+      </p:grpSpPr>
+      <p:sp>
+        <p:nvSpPr>
+          <p:cNvPr id="2" name="Slide Image Placeholder 1">
+            <a:extLst>
+              <a:ext uri="{FF2B5EF4-FFF2-40B4-BE49-F238E27FC236}">
+                <a16:creationId xmlns:a16="http://schemas.microsoft.com/office/drawing/2014/main" id="{A848EBC4-4ABA-DA9D-1FD9-CC034938DE0C}"/>
+              </a:ext>
+            </a:extLst>
+          </p:cNvPr>
+          <p:cNvSpPr>
+            <a:spLocks noGrp="1" noRot="1" noChangeAspect="1"/>
+          </p:cNvSpPr>
+          <p:nvPr>
+            <p:ph type="sldImg"/>
+          </p:nvPr>
+        </p:nvSpPr>
+        <p:spPr/>
+      </p:sp>
+      <p:sp>
+        <p:nvSpPr>
+          <p:cNvPr id="3" name="Notes Placeholder 2">
+            <a:extLst>
+              <a:ext uri="{FF2B5EF4-FFF2-40B4-BE49-F238E27FC236}">
+                <a16:creationId xmlns:a16="http://schemas.microsoft.com/office/drawing/2014/main" id="{3BBA7B6D-F04C-6F63-11F6-7464B8479F5F}"/>
+              </a:ext>
+            </a:extLst>
+          </p:cNvPr>
+          <p:cNvSpPr>
+            <a:spLocks noGrp="1"/>
+          </p:cNvSpPr>
+          <p:nvPr>
+            <p:ph type="body" idx="1"/>
+          </p:nvPr>
+        </p:nvSpPr>
+        <p:spPr/>
+        <p:txBody>
+          <a:bodyPr/>
+          <a:lstStyle/>
+          <a:p>
+            <a:endParaRPr lang="en-US" dirty="0"/>
+          </a:p>
+        </p:txBody>
+      </p:sp>
+      <p:sp>
+        <p:nvSpPr>
+          <p:cNvPr id="4" name="Slide Number Placeholder 3">
+            <a:extLst>
+              <a:ext uri="{FF2B5EF4-FFF2-40B4-BE49-F238E27FC236}">
+                <a16:creationId xmlns:a16="http://schemas.microsoft.com/office/drawing/2014/main" id="{234790C0-BEBE-64C5-18F6-3CE09EA0A0B6}"/>
+              </a:ext>
+            </a:extLst>
+          </p:cNvPr>
+          <p:cNvSpPr>
+            <a:spLocks noGrp="1"/>
+          </p:cNvSpPr>
+          <p:nvPr>
+            <p:ph type="sldNum" sz="quarter" idx="5"/>
+          </p:nvPr>
+        </p:nvSpPr>
+        <p:spPr/>
+        <p:txBody>
+          <a:bodyPr/>
+          <a:lstStyle/>
+          <a:p>
+            <a:fld id="{DAF72F06-F6ED-43C1-A86D-15B5F2AFDECD}" type="slidenum">
+              <a:rPr lang="en-US" smtClean="0"/>
+              <a:t>24</a:t>
+            </a:fld>
+            <a:endParaRPr lang="en-US" dirty="0"/>
+          </a:p>
+        </p:txBody>
+      </p:sp>
+    </p:spTree>
+    <p:extLst>
+      <p:ext uri="{BB962C8B-B14F-4D97-AF65-F5344CB8AC3E}">
+        <p14:creationId xmlns:p14="http://schemas.microsoft.com/office/powerpoint/2010/main" val="2488046922"/>
       </p:ext>
     </p:extLst>
   </p:cSld>
@@ -6661,6 +7322,36 @@
           </a:effectLst>
         </p:spPr>
       </p:pic>
+      <p:pic>
+        <p:nvPicPr>
+          <p:cNvPr id="13" name="Picture 12">
+            <a:extLst>
+              <a:ext uri="{FF2B5EF4-FFF2-40B4-BE49-F238E27FC236}">
+                <a16:creationId xmlns:a16="http://schemas.microsoft.com/office/drawing/2014/main" id="{171FA923-A563-4BA5-7661-7610AEDF4150}"/>
+              </a:ext>
+            </a:extLst>
+          </p:cNvPr>
+          <p:cNvPicPr>
+            <a:picLocks noChangeAspect="1"/>
+          </p:cNvPicPr>
+          <p:nvPr/>
+        </p:nvPicPr>
+        <p:blipFill>
+          <a:blip r:embed="rId6"/>
+          <a:stretch>
+            <a:fillRect/>
+          </a:stretch>
+        </p:blipFill>
+        <p:spPr>
+          <a:xfrm>
+            <a:off x="2178070" y="4375010"/>
+            <a:ext cx="1790950" cy="2362530"/>
+          </a:xfrm>
+          <a:prstGeom prst="rect">
+            <a:avLst/>
+          </a:prstGeom>
+        </p:spPr>
+      </p:pic>
     </p:spTree>
     <p:extLst>
       <p:ext uri="{BB962C8B-B14F-4D97-AF65-F5344CB8AC3E}">
@@ -8702,6 +9393,328 @@
 </p:sld>
 </file>
 
+<file path=ppt/slides/slide19.xml><?xml version="1.0" encoding="utf-8"?>
+<p:sld xmlns:a="http://schemas.openxmlformats.org/drawingml/2006/main" xmlns:r="http://schemas.openxmlformats.org/officeDocument/2006/relationships" xmlns:p="http://schemas.openxmlformats.org/presentationml/2006/main">
+  <p:cSld>
+    <p:spTree>
+      <p:nvGrpSpPr>
+        <p:cNvPr id="1" name="">
+          <a:extLst>
+            <a:ext uri="{FF2B5EF4-FFF2-40B4-BE49-F238E27FC236}">
+              <a16:creationId xmlns:a16="http://schemas.microsoft.com/office/drawing/2014/main" id="{DC6CD1C5-0612-6B26-E324-79DF93D30222}"/>
+            </a:ext>
+          </a:extLst>
+        </p:cNvPr>
+        <p:cNvGrpSpPr/>
+        <p:nvPr/>
+      </p:nvGrpSpPr>
+      <p:grpSpPr>
+        <a:xfrm>
+          <a:off x="0" y="0"/>
+          <a:ext cx="0" cy="0"/>
+          <a:chOff x="0" y="0"/>
+          <a:chExt cx="0" cy="0"/>
+        </a:xfrm>
+      </p:grpSpPr>
+      <p:pic>
+        <p:nvPicPr>
+          <p:cNvPr id="5" name="Picture Placeholder 4" descr="Fog-covered mountain&#10;">
+            <a:extLst>
+              <a:ext uri="{FF2B5EF4-FFF2-40B4-BE49-F238E27FC236}">
+                <a16:creationId xmlns:a16="http://schemas.microsoft.com/office/drawing/2014/main" id="{574B4F97-5E6A-3CDD-4481-6078026FD404}"/>
+              </a:ext>
+            </a:extLst>
+          </p:cNvPr>
+          <p:cNvPicPr>
+            <a:picLocks noGrp="1" noChangeAspect="1"/>
+          </p:cNvPicPr>
+          <p:nvPr>
+            <p:ph type="pic" sz="quarter" idx="14"/>
+          </p:nvPr>
+        </p:nvPicPr>
+        <p:blipFill rotWithShape="1">
+          <a:blip r:embed="rId3">
+            <a:extLst>
+              <a:ext uri="{28A0092B-C50C-407E-A947-70E740481C1C}">
+                <a14:useLocalDpi xmlns:a14="http://schemas.microsoft.com/office/drawing/2010/main" val="0"/>
+              </a:ext>
+            </a:extLst>
+          </a:blip>
+          <a:srcRect/>
+          <a:stretch/>
+        </p:blipFill>
+        <p:spPr>
+          <a:xfrm>
+            <a:off x="0" y="0"/>
+            <a:ext cx="12196224" cy="6858000"/>
+          </a:xfrm>
+        </p:spPr>
+      </p:pic>
+      <p:sp>
+        <p:nvSpPr>
+          <p:cNvPr id="6" name="Title 2">
+            <a:extLst>
+              <a:ext uri="{FF2B5EF4-FFF2-40B4-BE49-F238E27FC236}">
+                <a16:creationId xmlns:a16="http://schemas.microsoft.com/office/drawing/2014/main" id="{35EE49EA-A11B-5263-6E3A-3916261FE90D}"/>
+              </a:ext>
+            </a:extLst>
+          </p:cNvPr>
+          <p:cNvSpPr>
+            <a:spLocks noGrp="1"/>
+          </p:cNvSpPr>
+          <p:nvPr>
+            <p:ph type="title"/>
+          </p:nvPr>
+        </p:nvSpPr>
+        <p:spPr>
+          <a:xfrm>
+            <a:off x="81440" y="82088"/>
+            <a:ext cx="9695273" cy="667633"/>
+          </a:xfrm>
+        </p:spPr>
+        <p:txBody>
+          <a:bodyPr>
+            <a:normAutofit fontScale="90000"/>
+          </a:bodyPr>
+          <a:lstStyle/>
+          <a:p>
+            <a:r>
+              <a:rPr lang="en-US" sz="3200" dirty="0"/>
+              <a:t>Archi® Tool Tutorial base on User Guide 5.6.0</a:t>
+            </a:r>
+          </a:p>
+        </p:txBody>
+      </p:sp>
+      <p:sp>
+        <p:nvSpPr>
+          <p:cNvPr id="4" name="TextBox 3">
+            <a:extLst>
+              <a:ext uri="{FF2B5EF4-FFF2-40B4-BE49-F238E27FC236}">
+                <a16:creationId xmlns:a16="http://schemas.microsoft.com/office/drawing/2014/main" id="{6FE7F6F8-A6AA-DC8B-1EF9-1658E8DAB2AB}"/>
+              </a:ext>
+            </a:extLst>
+          </p:cNvPr>
+          <p:cNvSpPr txBox="1"/>
+          <p:nvPr/>
+        </p:nvSpPr>
+        <p:spPr>
+          <a:xfrm>
+            <a:off x="106257" y="810709"/>
+            <a:ext cx="2294305" cy="1446550"/>
+          </a:xfrm>
+          <a:prstGeom prst="rect">
+            <a:avLst/>
+          </a:prstGeom>
+        </p:spPr>
+        <p:style>
+          <a:lnRef idx="0">
+            <a:schemeClr val="accent6"/>
+          </a:lnRef>
+          <a:fillRef idx="3">
+            <a:schemeClr val="accent6"/>
+          </a:fillRef>
+          <a:effectRef idx="3">
+            <a:schemeClr val="accent6"/>
+          </a:effectRef>
+          <a:fontRef idx="minor">
+            <a:schemeClr val="lt1"/>
+          </a:fontRef>
+        </p:style>
+        <p:txBody>
+          <a:bodyPr wrap="square" rtlCol="0" anchor="ctr">
+            <a:spAutoFit/>
+          </a:bodyPr>
+          <a:lstStyle/>
+          <a:p>
+            <a:pPr algn="ctr"/>
+            <a:r>
+              <a:rPr lang="en-US" sz="8800" b="1" dirty="0">
+                <a:latin typeface="Amasis MT Pro Black" panose="02040A04050005020304" pitchFamily="18" charset="0"/>
+                <a:ea typeface="华文琥珀" panose="02010800040101010101" pitchFamily="2" charset="-122"/>
+                <a:cs typeface="Aharoni" panose="02010803020104030203" pitchFamily="2" charset="-79"/>
+              </a:rPr>
+              <a:t>019</a:t>
+            </a:r>
+          </a:p>
+        </p:txBody>
+      </p:sp>
+      <p:sp>
+        <p:nvSpPr>
+          <p:cNvPr id="7" name="TextBox 6">
+            <a:extLst>
+              <a:ext uri="{FF2B5EF4-FFF2-40B4-BE49-F238E27FC236}">
+                <a16:creationId xmlns:a16="http://schemas.microsoft.com/office/drawing/2014/main" id="{EFA8F54B-C414-49EC-87C6-578382B09A40}"/>
+              </a:ext>
+            </a:extLst>
+          </p:cNvPr>
+          <p:cNvSpPr txBox="1"/>
+          <p:nvPr/>
+        </p:nvSpPr>
+        <p:spPr>
+          <a:xfrm>
+            <a:off x="81440" y="2353369"/>
+            <a:ext cx="6252416" cy="3139321"/>
+          </a:xfrm>
+          <a:prstGeom prst="rect">
+            <a:avLst/>
+          </a:prstGeom>
+          <a:noFill/>
+        </p:spPr>
+        <p:txBody>
+          <a:bodyPr wrap="square" rtlCol="0">
+            <a:spAutoFit/>
+          </a:bodyPr>
+          <a:lstStyle/>
+          <a:p>
+            <a:r>
+              <a:rPr lang="en-US" sz="5400" b="1" dirty="0">
+                <a:solidFill>
+                  <a:schemeClr val="bg1"/>
+                </a:solidFill>
+              </a:rPr>
+              <a:t>CH06 Archi Views</a:t>
+            </a:r>
+          </a:p>
+          <a:p>
+            <a:pPr marL="457200" indent="-457200">
+              <a:buFont typeface="Arial" panose="020B0604020202020204" pitchFamily="34" charset="0"/>
+              <a:buChar char="•"/>
+            </a:pPr>
+            <a:r>
+              <a:rPr lang="en-US" sz="3600" b="1" dirty="0">
+                <a:solidFill>
+                  <a:schemeClr val="bg1"/>
+                </a:solidFill>
+              </a:rPr>
+              <a:t>06.01 Opening a View</a:t>
+            </a:r>
+          </a:p>
+          <a:p>
+            <a:pPr marL="457200" indent="-457200">
+              <a:buFont typeface="Arial" panose="020B0604020202020204" pitchFamily="34" charset="0"/>
+              <a:buChar char="•"/>
+            </a:pPr>
+            <a:r>
+              <a:rPr lang="en-US" sz="3600" b="1" dirty="0">
+                <a:solidFill>
+                  <a:schemeClr val="bg1"/>
+                </a:solidFill>
+              </a:rPr>
+              <a:t>06.02 Creating a New View</a:t>
+            </a:r>
+          </a:p>
+          <a:p>
+            <a:pPr marL="457200" indent="-457200">
+              <a:buFont typeface="Arial" panose="020B0604020202020204" pitchFamily="34" charset="0"/>
+              <a:buChar char="•"/>
+            </a:pPr>
+            <a:r>
+              <a:rPr lang="en-US" sz="3600" b="1" dirty="0">
+                <a:solidFill>
+                  <a:schemeClr val="bg1"/>
+                </a:solidFill>
+              </a:rPr>
+              <a:t>06.03 Working with Views</a:t>
+            </a:r>
+            <a:endParaRPr lang="en-US" sz="2400" b="1" dirty="0">
+              <a:solidFill>
+                <a:schemeClr val="bg1"/>
+              </a:solidFill>
+            </a:endParaRPr>
+          </a:p>
+        </p:txBody>
+      </p:sp>
+      <p:pic>
+        <p:nvPicPr>
+          <p:cNvPr id="11" name="Picture 10">
+            <a:extLst>
+              <a:ext uri="{FF2B5EF4-FFF2-40B4-BE49-F238E27FC236}">
+                <a16:creationId xmlns:a16="http://schemas.microsoft.com/office/drawing/2014/main" id="{8E7D0E30-6587-418D-9895-887E770D394A}"/>
+              </a:ext>
+            </a:extLst>
+          </p:cNvPr>
+          <p:cNvPicPr>
+            <a:picLocks noChangeAspect="1"/>
+          </p:cNvPicPr>
+          <p:nvPr/>
+        </p:nvPicPr>
+        <p:blipFill>
+          <a:blip r:embed="rId4"/>
+          <a:stretch>
+            <a:fillRect/>
+          </a:stretch>
+        </p:blipFill>
+        <p:spPr>
+          <a:xfrm>
+            <a:off x="9883629" y="130236"/>
+            <a:ext cx="2294305" cy="985640"/>
+          </a:xfrm>
+          <a:prstGeom prst="rect">
+            <a:avLst/>
+          </a:prstGeom>
+          <a:ln>
+            <a:noFill/>
+          </a:ln>
+          <a:effectLst>
+            <a:softEdge rad="112500"/>
+          </a:effectLst>
+        </p:spPr>
+      </p:pic>
+      <p:pic>
+        <p:nvPicPr>
+          <p:cNvPr id="3" name="Picture 2">
+            <a:extLst>
+              <a:ext uri="{FF2B5EF4-FFF2-40B4-BE49-F238E27FC236}">
+                <a16:creationId xmlns:a16="http://schemas.microsoft.com/office/drawing/2014/main" id="{BB09EF83-E173-84C4-78F9-7815F4BF7EA1}"/>
+              </a:ext>
+            </a:extLst>
+          </p:cNvPr>
+          <p:cNvPicPr>
+            <a:picLocks noChangeAspect="1"/>
+          </p:cNvPicPr>
+          <p:nvPr/>
+        </p:nvPicPr>
+        <p:blipFill>
+          <a:blip r:embed="rId5">
+            <a:alphaModFix amt="70000"/>
+          </a:blip>
+          <a:stretch>
+            <a:fillRect/>
+          </a:stretch>
+        </p:blipFill>
+        <p:spPr>
+          <a:xfrm>
+            <a:off x="6333856" y="1246112"/>
+            <a:ext cx="5546803" cy="5370195"/>
+          </a:xfrm>
+          <a:prstGeom prst="rect">
+            <a:avLst/>
+          </a:prstGeom>
+          <a:ln>
+            <a:noFill/>
+          </a:ln>
+          <a:effectLst>
+            <a:outerShdw blurRad="292100" dist="139700" dir="2700000" algn="tl" rotWithShape="0">
+              <a:srgbClr val="333333">
+                <a:alpha val="65000"/>
+              </a:srgbClr>
+            </a:outerShdw>
+          </a:effectLst>
+        </p:spPr>
+      </p:pic>
+    </p:spTree>
+    <p:extLst>
+      <p:ext uri="{BB962C8B-B14F-4D97-AF65-F5344CB8AC3E}">
+        <p14:creationId xmlns:p14="http://schemas.microsoft.com/office/powerpoint/2010/main" val="1358969309"/>
+      </p:ext>
+    </p:extLst>
+  </p:cSld>
+  <p:clrMapOvr>
+    <a:masterClrMapping/>
+  </p:clrMapOvr>
+</p:sld>
+</file>
+
 <file path=ppt/slides/slide2.xml><?xml version="1.0" encoding="utf-8"?>
 <p:sld xmlns:a="http://schemas.openxmlformats.org/drawingml/2006/main" xmlns:r="http://schemas.openxmlformats.org/officeDocument/2006/relationships" xmlns:p="http://schemas.openxmlformats.org/presentationml/2006/main">
   <p:cSld>
@@ -9008,6 +10021,1655 @@
     <p:extLst>
       <p:ext uri="{BB962C8B-B14F-4D97-AF65-F5344CB8AC3E}">
         <p14:creationId xmlns:p14="http://schemas.microsoft.com/office/powerpoint/2010/main" val="1786602962"/>
+      </p:ext>
+    </p:extLst>
+  </p:cSld>
+  <p:clrMapOvr>
+    <a:masterClrMapping/>
+  </p:clrMapOvr>
+</p:sld>
+</file>
+
+<file path=ppt/slides/slide20.xml><?xml version="1.0" encoding="utf-8"?>
+<p:sld xmlns:a="http://schemas.openxmlformats.org/drawingml/2006/main" xmlns:r="http://schemas.openxmlformats.org/officeDocument/2006/relationships" xmlns:p="http://schemas.openxmlformats.org/presentationml/2006/main">
+  <p:cSld>
+    <p:spTree>
+      <p:nvGrpSpPr>
+        <p:cNvPr id="1" name="">
+          <a:extLst>
+            <a:ext uri="{FF2B5EF4-FFF2-40B4-BE49-F238E27FC236}">
+              <a16:creationId xmlns:a16="http://schemas.microsoft.com/office/drawing/2014/main" id="{D62105A7-04C0-6B4F-B62F-2EC84D984B66}"/>
+            </a:ext>
+          </a:extLst>
+        </p:cNvPr>
+        <p:cNvGrpSpPr/>
+        <p:nvPr/>
+      </p:nvGrpSpPr>
+      <p:grpSpPr>
+        <a:xfrm>
+          <a:off x="0" y="0"/>
+          <a:ext cx="0" cy="0"/>
+          <a:chOff x="0" y="0"/>
+          <a:chExt cx="0" cy="0"/>
+        </a:xfrm>
+      </p:grpSpPr>
+      <p:pic>
+        <p:nvPicPr>
+          <p:cNvPr id="5" name="Picture Placeholder 4" descr="Fog-covered mountain&#10;">
+            <a:extLst>
+              <a:ext uri="{FF2B5EF4-FFF2-40B4-BE49-F238E27FC236}">
+                <a16:creationId xmlns:a16="http://schemas.microsoft.com/office/drawing/2014/main" id="{C24D1A1C-609E-2AE5-E967-E6AD45667E26}"/>
+              </a:ext>
+            </a:extLst>
+          </p:cNvPr>
+          <p:cNvPicPr>
+            <a:picLocks noGrp="1" noChangeAspect="1"/>
+          </p:cNvPicPr>
+          <p:nvPr>
+            <p:ph type="pic" sz="quarter" idx="14"/>
+          </p:nvPr>
+        </p:nvPicPr>
+        <p:blipFill rotWithShape="1">
+          <a:blip r:embed="rId3">
+            <a:extLst>
+              <a:ext uri="{28A0092B-C50C-407E-A947-70E740481C1C}">
+                <a14:useLocalDpi xmlns:a14="http://schemas.microsoft.com/office/drawing/2010/main" val="0"/>
+              </a:ext>
+            </a:extLst>
+          </a:blip>
+          <a:srcRect/>
+          <a:stretch/>
+        </p:blipFill>
+        <p:spPr>
+          <a:xfrm>
+            <a:off x="0" y="0"/>
+            <a:ext cx="12196224" cy="6858000"/>
+          </a:xfrm>
+        </p:spPr>
+      </p:pic>
+      <p:sp>
+        <p:nvSpPr>
+          <p:cNvPr id="6" name="Title 2">
+            <a:extLst>
+              <a:ext uri="{FF2B5EF4-FFF2-40B4-BE49-F238E27FC236}">
+                <a16:creationId xmlns:a16="http://schemas.microsoft.com/office/drawing/2014/main" id="{F3C79DBD-4562-91C5-C25C-61364F0458F9}"/>
+              </a:ext>
+            </a:extLst>
+          </p:cNvPr>
+          <p:cNvSpPr>
+            <a:spLocks noGrp="1"/>
+          </p:cNvSpPr>
+          <p:nvPr>
+            <p:ph type="title"/>
+          </p:nvPr>
+        </p:nvSpPr>
+        <p:spPr>
+          <a:xfrm>
+            <a:off x="81440" y="82088"/>
+            <a:ext cx="9695273" cy="667633"/>
+          </a:xfrm>
+        </p:spPr>
+        <p:txBody>
+          <a:bodyPr>
+            <a:normAutofit fontScale="90000"/>
+          </a:bodyPr>
+          <a:lstStyle/>
+          <a:p>
+            <a:r>
+              <a:rPr lang="en-US" sz="3200" dirty="0"/>
+              <a:t>Archi® Tool Tutorial base on User Guide 5.6.0</a:t>
+            </a:r>
+          </a:p>
+        </p:txBody>
+      </p:sp>
+      <p:sp>
+        <p:nvSpPr>
+          <p:cNvPr id="4" name="TextBox 3">
+            <a:extLst>
+              <a:ext uri="{FF2B5EF4-FFF2-40B4-BE49-F238E27FC236}">
+                <a16:creationId xmlns:a16="http://schemas.microsoft.com/office/drawing/2014/main" id="{0F88B3AA-DC79-E8DF-D4B1-F3BA6495CFC5}"/>
+              </a:ext>
+            </a:extLst>
+          </p:cNvPr>
+          <p:cNvSpPr txBox="1"/>
+          <p:nvPr/>
+        </p:nvSpPr>
+        <p:spPr>
+          <a:xfrm>
+            <a:off x="106257" y="810709"/>
+            <a:ext cx="2294305" cy="1446550"/>
+          </a:xfrm>
+          <a:prstGeom prst="rect">
+            <a:avLst/>
+          </a:prstGeom>
+        </p:spPr>
+        <p:style>
+          <a:lnRef idx="0">
+            <a:schemeClr val="accent6"/>
+          </a:lnRef>
+          <a:fillRef idx="3">
+            <a:schemeClr val="accent6"/>
+          </a:fillRef>
+          <a:effectRef idx="3">
+            <a:schemeClr val="accent6"/>
+          </a:effectRef>
+          <a:fontRef idx="minor">
+            <a:schemeClr val="lt1"/>
+          </a:fontRef>
+        </p:style>
+        <p:txBody>
+          <a:bodyPr wrap="square" rtlCol="0" anchor="ctr">
+            <a:spAutoFit/>
+          </a:bodyPr>
+          <a:lstStyle/>
+          <a:p>
+            <a:pPr algn="ctr"/>
+            <a:r>
+              <a:rPr lang="en-US" sz="8800" b="1" dirty="0">
+                <a:latin typeface="Amasis MT Pro Black" panose="02040A04050005020304" pitchFamily="18" charset="0"/>
+                <a:ea typeface="华文琥珀" panose="02010800040101010101" pitchFamily="2" charset="-122"/>
+                <a:cs typeface="Aharoni" panose="02010803020104030203" pitchFamily="2" charset="-79"/>
+              </a:rPr>
+              <a:t>020</a:t>
+            </a:r>
+          </a:p>
+        </p:txBody>
+      </p:sp>
+      <p:sp>
+        <p:nvSpPr>
+          <p:cNvPr id="7" name="TextBox 6">
+            <a:extLst>
+              <a:ext uri="{FF2B5EF4-FFF2-40B4-BE49-F238E27FC236}">
+                <a16:creationId xmlns:a16="http://schemas.microsoft.com/office/drawing/2014/main" id="{F0FC2B72-DC21-AEE3-68A7-F93178111114}"/>
+              </a:ext>
+            </a:extLst>
+          </p:cNvPr>
+          <p:cNvSpPr txBox="1"/>
+          <p:nvPr/>
+        </p:nvSpPr>
+        <p:spPr>
+          <a:xfrm>
+            <a:off x="81440" y="2353369"/>
+            <a:ext cx="6252416" cy="3323987"/>
+          </a:xfrm>
+          <a:prstGeom prst="rect">
+            <a:avLst/>
+          </a:prstGeom>
+          <a:noFill/>
+        </p:spPr>
+        <p:txBody>
+          <a:bodyPr wrap="square" rtlCol="0">
+            <a:spAutoFit/>
+          </a:bodyPr>
+          <a:lstStyle/>
+          <a:p>
+            <a:r>
+              <a:rPr lang="en-US" sz="5400" b="1" dirty="0">
+                <a:solidFill>
+                  <a:schemeClr val="bg1"/>
+                </a:solidFill>
+              </a:rPr>
+              <a:t>CH06 Archi Views</a:t>
+            </a:r>
+          </a:p>
+          <a:p>
+            <a:pPr marL="457200" indent="-457200">
+              <a:buFont typeface="Arial" panose="020B0604020202020204" pitchFamily="34" charset="0"/>
+              <a:buChar char="•"/>
+            </a:pPr>
+            <a:r>
+              <a:rPr lang="en-US" sz="3600" b="1" dirty="0">
+                <a:solidFill>
+                  <a:schemeClr val="bg1"/>
+                </a:solidFill>
+              </a:rPr>
+              <a:t>06.04 Navigating a View</a:t>
+            </a:r>
+          </a:p>
+          <a:p>
+            <a:pPr marL="914400" lvl="1" indent="-457200">
+              <a:buFont typeface="Arial" panose="020B0604020202020204" pitchFamily="34" charset="0"/>
+              <a:buChar char="•"/>
+            </a:pPr>
+            <a:r>
+              <a:rPr lang="en-US" sz="2400" b="1" dirty="0">
+                <a:solidFill>
+                  <a:schemeClr val="bg1"/>
+                </a:solidFill>
+              </a:rPr>
+              <a:t>Panning</a:t>
+            </a:r>
+          </a:p>
+          <a:p>
+            <a:pPr marL="914400" lvl="1" indent="-457200">
+              <a:buFont typeface="Arial" panose="020B0604020202020204" pitchFamily="34" charset="0"/>
+              <a:buChar char="•"/>
+            </a:pPr>
+            <a:r>
+              <a:rPr lang="en-US" sz="2400" b="1" dirty="0">
+                <a:solidFill>
+                  <a:schemeClr val="bg1"/>
+                </a:solidFill>
+              </a:rPr>
+              <a:t>Using Keyboard</a:t>
+            </a:r>
+          </a:p>
+          <a:p>
+            <a:pPr marL="914400" lvl="1" indent="-457200">
+              <a:buFont typeface="Arial" panose="020B0604020202020204" pitchFamily="34" charset="0"/>
+              <a:buChar char="•"/>
+            </a:pPr>
+            <a:r>
+              <a:rPr lang="en-US" sz="2400" b="1" dirty="0">
+                <a:solidFill>
+                  <a:schemeClr val="bg1"/>
+                </a:solidFill>
+              </a:rPr>
+              <a:t>Auto-Scrolling</a:t>
+            </a:r>
+          </a:p>
+          <a:p>
+            <a:pPr marL="914400" lvl="1" indent="-457200">
+              <a:buFont typeface="Arial" panose="020B0604020202020204" pitchFamily="34" charset="0"/>
+              <a:buChar char="•"/>
+            </a:pPr>
+            <a:r>
+              <a:rPr lang="en-US" sz="2400" b="1" dirty="0">
+                <a:solidFill>
+                  <a:schemeClr val="bg1"/>
+                </a:solidFill>
+              </a:rPr>
+              <a:t>Zooming</a:t>
+            </a:r>
+          </a:p>
+          <a:p>
+            <a:pPr marL="914400" lvl="1" indent="-457200">
+              <a:buFont typeface="Arial" panose="020B0604020202020204" pitchFamily="34" charset="0"/>
+              <a:buChar char="•"/>
+            </a:pPr>
+            <a:r>
+              <a:rPr lang="en-US" sz="2400" b="1" dirty="0">
+                <a:solidFill>
+                  <a:schemeClr val="bg1"/>
+                </a:solidFill>
+              </a:rPr>
+              <a:t>Fine and Replace</a:t>
+            </a:r>
+          </a:p>
+        </p:txBody>
+      </p:sp>
+      <p:pic>
+        <p:nvPicPr>
+          <p:cNvPr id="11" name="Picture 10">
+            <a:extLst>
+              <a:ext uri="{FF2B5EF4-FFF2-40B4-BE49-F238E27FC236}">
+                <a16:creationId xmlns:a16="http://schemas.microsoft.com/office/drawing/2014/main" id="{6B6A4972-9DB9-6B15-B806-77BAD5B5C6E5}"/>
+              </a:ext>
+            </a:extLst>
+          </p:cNvPr>
+          <p:cNvPicPr>
+            <a:picLocks noChangeAspect="1"/>
+          </p:cNvPicPr>
+          <p:nvPr/>
+        </p:nvPicPr>
+        <p:blipFill>
+          <a:blip r:embed="rId4"/>
+          <a:stretch>
+            <a:fillRect/>
+          </a:stretch>
+        </p:blipFill>
+        <p:spPr>
+          <a:xfrm>
+            <a:off x="9883629" y="130236"/>
+            <a:ext cx="2294305" cy="985640"/>
+          </a:xfrm>
+          <a:prstGeom prst="rect">
+            <a:avLst/>
+          </a:prstGeom>
+          <a:ln>
+            <a:noFill/>
+          </a:ln>
+          <a:effectLst>
+            <a:softEdge rad="112500"/>
+          </a:effectLst>
+        </p:spPr>
+      </p:pic>
+      <p:pic>
+        <p:nvPicPr>
+          <p:cNvPr id="8" name="Picture 7">
+            <a:extLst>
+              <a:ext uri="{FF2B5EF4-FFF2-40B4-BE49-F238E27FC236}">
+                <a16:creationId xmlns:a16="http://schemas.microsoft.com/office/drawing/2014/main" id="{EB0FD07B-77A8-18D5-2C66-618858CC230D}"/>
+              </a:ext>
+            </a:extLst>
+          </p:cNvPr>
+          <p:cNvPicPr>
+            <a:picLocks noChangeAspect="1"/>
+          </p:cNvPicPr>
+          <p:nvPr/>
+        </p:nvPicPr>
+        <p:blipFill>
+          <a:blip r:embed="rId5">
+            <a:alphaModFix amt="70000"/>
+          </a:blip>
+          <a:stretch>
+            <a:fillRect/>
+          </a:stretch>
+        </p:blipFill>
+        <p:spPr>
+          <a:xfrm>
+            <a:off x="6205659" y="1217754"/>
+            <a:ext cx="5717990" cy="5460399"/>
+          </a:xfrm>
+          <a:prstGeom prst="rect">
+            <a:avLst/>
+          </a:prstGeom>
+          <a:ln>
+            <a:noFill/>
+          </a:ln>
+          <a:effectLst>
+            <a:outerShdw blurRad="292100" dist="139700" dir="2700000" algn="tl" rotWithShape="0">
+              <a:srgbClr val="333333">
+                <a:alpha val="65000"/>
+              </a:srgbClr>
+            </a:outerShdw>
+          </a:effectLst>
+        </p:spPr>
+      </p:pic>
+    </p:spTree>
+    <p:extLst>
+      <p:ext uri="{BB962C8B-B14F-4D97-AF65-F5344CB8AC3E}">
+        <p14:creationId xmlns:p14="http://schemas.microsoft.com/office/powerpoint/2010/main" val="3547095031"/>
+      </p:ext>
+    </p:extLst>
+  </p:cSld>
+  <p:clrMapOvr>
+    <a:masterClrMapping/>
+  </p:clrMapOvr>
+</p:sld>
+</file>
+
+<file path=ppt/slides/slide21.xml><?xml version="1.0" encoding="utf-8"?>
+<p:sld xmlns:a="http://schemas.openxmlformats.org/drawingml/2006/main" xmlns:r="http://schemas.openxmlformats.org/officeDocument/2006/relationships" xmlns:p="http://schemas.openxmlformats.org/presentationml/2006/main">
+  <p:cSld>
+    <p:spTree>
+      <p:nvGrpSpPr>
+        <p:cNvPr id="1" name="">
+          <a:extLst>
+            <a:ext uri="{FF2B5EF4-FFF2-40B4-BE49-F238E27FC236}">
+              <a16:creationId xmlns:a16="http://schemas.microsoft.com/office/drawing/2014/main" id="{FEB1CE8F-F155-1138-9A78-58436B0B9F97}"/>
+            </a:ext>
+          </a:extLst>
+        </p:cNvPr>
+        <p:cNvGrpSpPr/>
+        <p:nvPr/>
+      </p:nvGrpSpPr>
+      <p:grpSpPr>
+        <a:xfrm>
+          <a:off x="0" y="0"/>
+          <a:ext cx="0" cy="0"/>
+          <a:chOff x="0" y="0"/>
+          <a:chExt cx="0" cy="0"/>
+        </a:xfrm>
+      </p:grpSpPr>
+      <p:pic>
+        <p:nvPicPr>
+          <p:cNvPr id="5" name="Picture Placeholder 4" descr="Fog-covered mountain&#10;">
+            <a:extLst>
+              <a:ext uri="{FF2B5EF4-FFF2-40B4-BE49-F238E27FC236}">
+                <a16:creationId xmlns:a16="http://schemas.microsoft.com/office/drawing/2014/main" id="{3A107A59-19C4-5B9E-5D39-AC37DAA2628F}"/>
+              </a:ext>
+            </a:extLst>
+          </p:cNvPr>
+          <p:cNvPicPr>
+            <a:picLocks noGrp="1" noChangeAspect="1"/>
+          </p:cNvPicPr>
+          <p:nvPr>
+            <p:ph type="pic" sz="quarter" idx="14"/>
+          </p:nvPr>
+        </p:nvPicPr>
+        <p:blipFill rotWithShape="1">
+          <a:blip r:embed="rId3">
+            <a:extLst>
+              <a:ext uri="{28A0092B-C50C-407E-A947-70E740481C1C}">
+                <a14:useLocalDpi xmlns:a14="http://schemas.microsoft.com/office/drawing/2010/main" val="0"/>
+              </a:ext>
+            </a:extLst>
+          </a:blip>
+          <a:srcRect/>
+          <a:stretch/>
+        </p:blipFill>
+        <p:spPr>
+          <a:xfrm>
+            <a:off x="-18290" y="0"/>
+            <a:ext cx="12196224" cy="6858000"/>
+          </a:xfrm>
+        </p:spPr>
+      </p:pic>
+      <p:sp>
+        <p:nvSpPr>
+          <p:cNvPr id="6" name="Title 2">
+            <a:extLst>
+              <a:ext uri="{FF2B5EF4-FFF2-40B4-BE49-F238E27FC236}">
+                <a16:creationId xmlns:a16="http://schemas.microsoft.com/office/drawing/2014/main" id="{47B73BF0-334D-0068-C1EF-BE1CEB4CA870}"/>
+              </a:ext>
+            </a:extLst>
+          </p:cNvPr>
+          <p:cNvSpPr>
+            <a:spLocks noGrp="1"/>
+          </p:cNvSpPr>
+          <p:nvPr>
+            <p:ph type="title"/>
+          </p:nvPr>
+        </p:nvSpPr>
+        <p:spPr>
+          <a:xfrm>
+            <a:off x="81440" y="82088"/>
+            <a:ext cx="9695273" cy="667633"/>
+          </a:xfrm>
+        </p:spPr>
+        <p:txBody>
+          <a:bodyPr>
+            <a:normAutofit fontScale="90000"/>
+          </a:bodyPr>
+          <a:lstStyle/>
+          <a:p>
+            <a:r>
+              <a:rPr lang="en-US" sz="3200" dirty="0"/>
+              <a:t>Archi® Tool Tutorial base on User Guide 5.6.0</a:t>
+            </a:r>
+          </a:p>
+        </p:txBody>
+      </p:sp>
+      <p:sp>
+        <p:nvSpPr>
+          <p:cNvPr id="4" name="TextBox 3">
+            <a:extLst>
+              <a:ext uri="{FF2B5EF4-FFF2-40B4-BE49-F238E27FC236}">
+                <a16:creationId xmlns:a16="http://schemas.microsoft.com/office/drawing/2014/main" id="{D10E9EC3-BC96-2191-63FF-CF842DB08096}"/>
+              </a:ext>
+            </a:extLst>
+          </p:cNvPr>
+          <p:cNvSpPr txBox="1"/>
+          <p:nvPr/>
+        </p:nvSpPr>
+        <p:spPr>
+          <a:xfrm>
+            <a:off x="106257" y="810709"/>
+            <a:ext cx="2294305" cy="1446550"/>
+          </a:xfrm>
+          <a:prstGeom prst="rect">
+            <a:avLst/>
+          </a:prstGeom>
+        </p:spPr>
+        <p:style>
+          <a:lnRef idx="0">
+            <a:schemeClr val="accent6"/>
+          </a:lnRef>
+          <a:fillRef idx="3">
+            <a:schemeClr val="accent6"/>
+          </a:fillRef>
+          <a:effectRef idx="3">
+            <a:schemeClr val="accent6"/>
+          </a:effectRef>
+          <a:fontRef idx="minor">
+            <a:schemeClr val="lt1"/>
+          </a:fontRef>
+        </p:style>
+        <p:txBody>
+          <a:bodyPr wrap="square" rtlCol="0" anchor="ctr">
+            <a:spAutoFit/>
+          </a:bodyPr>
+          <a:lstStyle/>
+          <a:p>
+            <a:pPr algn="ctr"/>
+            <a:r>
+              <a:rPr lang="en-US" sz="8800" b="1" dirty="0">
+                <a:latin typeface="Amasis MT Pro Black" panose="02040A04050005020304" pitchFamily="18" charset="0"/>
+                <a:ea typeface="华文琥珀" panose="02010800040101010101" pitchFamily="2" charset="-122"/>
+                <a:cs typeface="Aharoni" panose="02010803020104030203" pitchFamily="2" charset="-79"/>
+              </a:rPr>
+              <a:t>021</a:t>
+            </a:r>
+          </a:p>
+        </p:txBody>
+      </p:sp>
+      <p:sp>
+        <p:nvSpPr>
+          <p:cNvPr id="7" name="TextBox 6">
+            <a:extLst>
+              <a:ext uri="{FF2B5EF4-FFF2-40B4-BE49-F238E27FC236}">
+                <a16:creationId xmlns:a16="http://schemas.microsoft.com/office/drawing/2014/main" id="{F8B1369B-57C2-4533-CF5C-F445AA7F5962}"/>
+              </a:ext>
+            </a:extLst>
+          </p:cNvPr>
+          <p:cNvSpPr txBox="1"/>
+          <p:nvPr/>
+        </p:nvSpPr>
+        <p:spPr>
+          <a:xfrm>
+            <a:off x="81440" y="2353369"/>
+            <a:ext cx="6252416" cy="2585323"/>
+          </a:xfrm>
+          <a:prstGeom prst="rect">
+            <a:avLst/>
+          </a:prstGeom>
+          <a:noFill/>
+        </p:spPr>
+        <p:txBody>
+          <a:bodyPr wrap="square" rtlCol="0">
+            <a:spAutoFit/>
+          </a:bodyPr>
+          <a:lstStyle/>
+          <a:p>
+            <a:r>
+              <a:rPr lang="en-US" sz="5400" b="1" dirty="0">
+                <a:solidFill>
+                  <a:schemeClr val="bg1"/>
+                </a:solidFill>
+              </a:rPr>
+              <a:t>CH06 Archi Views</a:t>
+            </a:r>
+          </a:p>
+          <a:p>
+            <a:pPr marL="457200" indent="-457200">
+              <a:buFont typeface="Arial" panose="020B0604020202020204" pitchFamily="34" charset="0"/>
+              <a:buChar char="•"/>
+            </a:pPr>
+            <a:r>
+              <a:rPr lang="en-US" sz="3600" b="1" dirty="0">
+                <a:solidFill>
+                  <a:schemeClr val="bg1"/>
+                </a:solidFill>
+              </a:rPr>
+              <a:t>06.05 The Palette</a:t>
+            </a:r>
+          </a:p>
+          <a:p>
+            <a:pPr marL="457200" indent="-457200">
+              <a:buFont typeface="Arial" panose="020B0604020202020204" pitchFamily="34" charset="0"/>
+              <a:buChar char="•"/>
+            </a:pPr>
+            <a:r>
+              <a:rPr lang="en-US" sz="3600" b="1" dirty="0">
+                <a:solidFill>
+                  <a:schemeClr val="bg1"/>
+                </a:solidFill>
+              </a:rPr>
+              <a:t>06.06 Specialized Concepts in Palette</a:t>
+            </a:r>
+            <a:endParaRPr lang="en-US" sz="2400" b="1" dirty="0">
+              <a:solidFill>
+                <a:schemeClr val="bg1"/>
+              </a:solidFill>
+            </a:endParaRPr>
+          </a:p>
+        </p:txBody>
+      </p:sp>
+      <p:pic>
+        <p:nvPicPr>
+          <p:cNvPr id="11" name="Picture 10">
+            <a:extLst>
+              <a:ext uri="{FF2B5EF4-FFF2-40B4-BE49-F238E27FC236}">
+                <a16:creationId xmlns:a16="http://schemas.microsoft.com/office/drawing/2014/main" id="{84905317-F048-C2AD-857F-B50B5256F434}"/>
+              </a:ext>
+            </a:extLst>
+          </p:cNvPr>
+          <p:cNvPicPr>
+            <a:picLocks noChangeAspect="1"/>
+          </p:cNvPicPr>
+          <p:nvPr/>
+        </p:nvPicPr>
+        <p:blipFill>
+          <a:blip r:embed="rId4"/>
+          <a:stretch>
+            <a:fillRect/>
+          </a:stretch>
+        </p:blipFill>
+        <p:spPr>
+          <a:xfrm>
+            <a:off x="9883629" y="130236"/>
+            <a:ext cx="2294305" cy="985640"/>
+          </a:xfrm>
+          <a:prstGeom prst="rect">
+            <a:avLst/>
+          </a:prstGeom>
+          <a:ln>
+            <a:noFill/>
+          </a:ln>
+          <a:effectLst>
+            <a:softEdge rad="112500"/>
+          </a:effectLst>
+        </p:spPr>
+      </p:pic>
+      <p:pic>
+        <p:nvPicPr>
+          <p:cNvPr id="10" name="Picture 9">
+            <a:extLst>
+              <a:ext uri="{FF2B5EF4-FFF2-40B4-BE49-F238E27FC236}">
+                <a16:creationId xmlns:a16="http://schemas.microsoft.com/office/drawing/2014/main" id="{FA2BC4D6-E161-2F62-DCBF-3A48DE673ADB}"/>
+              </a:ext>
+            </a:extLst>
+          </p:cNvPr>
+          <p:cNvPicPr>
+            <a:picLocks noChangeAspect="1"/>
+          </p:cNvPicPr>
+          <p:nvPr/>
+        </p:nvPicPr>
+        <p:blipFill>
+          <a:blip r:embed="rId5"/>
+          <a:stretch>
+            <a:fillRect/>
+          </a:stretch>
+        </p:blipFill>
+        <p:spPr>
+          <a:xfrm>
+            <a:off x="4929588" y="3518445"/>
+            <a:ext cx="1166412" cy="3209319"/>
+          </a:xfrm>
+          <a:prstGeom prst="rect">
+            <a:avLst/>
+          </a:prstGeom>
+        </p:spPr>
+      </p:pic>
+      <p:pic>
+        <p:nvPicPr>
+          <p:cNvPr id="13" name="Picture 12">
+            <a:extLst>
+              <a:ext uri="{FF2B5EF4-FFF2-40B4-BE49-F238E27FC236}">
+                <a16:creationId xmlns:a16="http://schemas.microsoft.com/office/drawing/2014/main" id="{9F677F6D-84CC-107D-E506-81302E7BD45D}"/>
+              </a:ext>
+            </a:extLst>
+          </p:cNvPr>
+          <p:cNvPicPr>
+            <a:picLocks noChangeAspect="1"/>
+          </p:cNvPicPr>
+          <p:nvPr/>
+        </p:nvPicPr>
+        <p:blipFill>
+          <a:blip r:embed="rId6">
+            <a:alphaModFix amt="70000"/>
+          </a:blip>
+          <a:stretch>
+            <a:fillRect/>
+          </a:stretch>
+        </p:blipFill>
+        <p:spPr>
+          <a:xfrm>
+            <a:off x="6401835" y="1200194"/>
+            <a:ext cx="5335545" cy="5527570"/>
+          </a:xfrm>
+          <a:prstGeom prst="rect">
+            <a:avLst/>
+          </a:prstGeom>
+        </p:spPr>
+      </p:pic>
+    </p:spTree>
+    <p:extLst>
+      <p:ext uri="{BB962C8B-B14F-4D97-AF65-F5344CB8AC3E}">
+        <p14:creationId xmlns:p14="http://schemas.microsoft.com/office/powerpoint/2010/main" val="2738635902"/>
+      </p:ext>
+    </p:extLst>
+  </p:cSld>
+  <p:clrMapOvr>
+    <a:masterClrMapping/>
+  </p:clrMapOvr>
+</p:sld>
+</file>
+
+<file path=ppt/slides/slide22.xml><?xml version="1.0" encoding="utf-8"?>
+<p:sld xmlns:a="http://schemas.openxmlformats.org/drawingml/2006/main" xmlns:r="http://schemas.openxmlformats.org/officeDocument/2006/relationships" xmlns:p="http://schemas.openxmlformats.org/presentationml/2006/main">
+  <p:cSld>
+    <p:spTree>
+      <p:nvGrpSpPr>
+        <p:cNvPr id="1" name="">
+          <a:extLst>
+            <a:ext uri="{FF2B5EF4-FFF2-40B4-BE49-F238E27FC236}">
+              <a16:creationId xmlns:a16="http://schemas.microsoft.com/office/drawing/2014/main" id="{54D244BA-7B32-D814-1E98-03B5A8C1D91F}"/>
+            </a:ext>
+          </a:extLst>
+        </p:cNvPr>
+        <p:cNvGrpSpPr/>
+        <p:nvPr/>
+      </p:nvGrpSpPr>
+      <p:grpSpPr>
+        <a:xfrm>
+          <a:off x="0" y="0"/>
+          <a:ext cx="0" cy="0"/>
+          <a:chOff x="0" y="0"/>
+          <a:chExt cx="0" cy="0"/>
+        </a:xfrm>
+      </p:grpSpPr>
+      <p:pic>
+        <p:nvPicPr>
+          <p:cNvPr id="5" name="Picture Placeholder 4" descr="Fog-covered mountain&#10;">
+            <a:extLst>
+              <a:ext uri="{FF2B5EF4-FFF2-40B4-BE49-F238E27FC236}">
+                <a16:creationId xmlns:a16="http://schemas.microsoft.com/office/drawing/2014/main" id="{8316A3A0-9EF9-89DB-92EF-FDAC0F1AAF80}"/>
+              </a:ext>
+            </a:extLst>
+          </p:cNvPr>
+          <p:cNvPicPr>
+            <a:picLocks noGrp="1" noChangeAspect="1"/>
+          </p:cNvPicPr>
+          <p:nvPr>
+            <p:ph type="pic" sz="quarter" idx="14"/>
+          </p:nvPr>
+        </p:nvPicPr>
+        <p:blipFill rotWithShape="1">
+          <a:blip r:embed="rId3">
+            <a:extLst>
+              <a:ext uri="{28A0092B-C50C-407E-A947-70E740481C1C}">
+                <a14:useLocalDpi xmlns:a14="http://schemas.microsoft.com/office/drawing/2010/main" val="0"/>
+              </a:ext>
+            </a:extLst>
+          </a:blip>
+          <a:srcRect/>
+          <a:stretch/>
+        </p:blipFill>
+        <p:spPr>
+          <a:xfrm>
+            <a:off x="-18290" y="0"/>
+            <a:ext cx="12196224" cy="6858000"/>
+          </a:xfrm>
+        </p:spPr>
+      </p:pic>
+      <p:sp>
+        <p:nvSpPr>
+          <p:cNvPr id="6" name="Title 2">
+            <a:extLst>
+              <a:ext uri="{FF2B5EF4-FFF2-40B4-BE49-F238E27FC236}">
+                <a16:creationId xmlns:a16="http://schemas.microsoft.com/office/drawing/2014/main" id="{A502DB5C-8AF2-CD3B-6E80-C09C60D71F60}"/>
+              </a:ext>
+            </a:extLst>
+          </p:cNvPr>
+          <p:cNvSpPr>
+            <a:spLocks noGrp="1"/>
+          </p:cNvSpPr>
+          <p:nvPr>
+            <p:ph type="title"/>
+          </p:nvPr>
+        </p:nvSpPr>
+        <p:spPr>
+          <a:xfrm>
+            <a:off x="81440" y="82088"/>
+            <a:ext cx="9695273" cy="667633"/>
+          </a:xfrm>
+        </p:spPr>
+        <p:txBody>
+          <a:bodyPr>
+            <a:normAutofit fontScale="90000"/>
+          </a:bodyPr>
+          <a:lstStyle/>
+          <a:p>
+            <a:r>
+              <a:rPr lang="en-US" sz="3200" dirty="0"/>
+              <a:t>Archi® Tool Tutorial base on User Guide 5.6.0</a:t>
+            </a:r>
+          </a:p>
+        </p:txBody>
+      </p:sp>
+      <p:sp>
+        <p:nvSpPr>
+          <p:cNvPr id="4" name="TextBox 3">
+            <a:extLst>
+              <a:ext uri="{FF2B5EF4-FFF2-40B4-BE49-F238E27FC236}">
+                <a16:creationId xmlns:a16="http://schemas.microsoft.com/office/drawing/2014/main" id="{588426D7-39D6-C793-9926-4A86D4D82781}"/>
+              </a:ext>
+            </a:extLst>
+          </p:cNvPr>
+          <p:cNvSpPr txBox="1"/>
+          <p:nvPr/>
+        </p:nvSpPr>
+        <p:spPr>
+          <a:xfrm>
+            <a:off x="106257" y="810709"/>
+            <a:ext cx="2294305" cy="1446550"/>
+          </a:xfrm>
+          <a:prstGeom prst="rect">
+            <a:avLst/>
+          </a:prstGeom>
+        </p:spPr>
+        <p:style>
+          <a:lnRef idx="0">
+            <a:schemeClr val="accent6"/>
+          </a:lnRef>
+          <a:fillRef idx="3">
+            <a:schemeClr val="accent6"/>
+          </a:fillRef>
+          <a:effectRef idx="3">
+            <a:schemeClr val="accent6"/>
+          </a:effectRef>
+          <a:fontRef idx="minor">
+            <a:schemeClr val="lt1"/>
+          </a:fontRef>
+        </p:style>
+        <p:txBody>
+          <a:bodyPr wrap="square" rtlCol="0" anchor="ctr">
+            <a:spAutoFit/>
+          </a:bodyPr>
+          <a:lstStyle/>
+          <a:p>
+            <a:pPr algn="ctr"/>
+            <a:r>
+              <a:rPr lang="en-US" sz="8800" b="1" dirty="0">
+                <a:latin typeface="Amasis MT Pro Black" panose="02040A04050005020304" pitchFamily="18" charset="0"/>
+                <a:ea typeface="华文琥珀" panose="02010800040101010101" pitchFamily="2" charset="-122"/>
+                <a:cs typeface="Aharoni" panose="02010803020104030203" pitchFamily="2" charset="-79"/>
+              </a:rPr>
+              <a:t>022</a:t>
+            </a:r>
+          </a:p>
+        </p:txBody>
+      </p:sp>
+      <p:sp>
+        <p:nvSpPr>
+          <p:cNvPr id="7" name="TextBox 6">
+            <a:extLst>
+              <a:ext uri="{FF2B5EF4-FFF2-40B4-BE49-F238E27FC236}">
+                <a16:creationId xmlns:a16="http://schemas.microsoft.com/office/drawing/2014/main" id="{2AAE09F8-7AF0-921E-5C0E-3F8E556FBACB}"/>
+              </a:ext>
+            </a:extLst>
+          </p:cNvPr>
+          <p:cNvSpPr txBox="1"/>
+          <p:nvPr/>
+        </p:nvSpPr>
+        <p:spPr>
+          <a:xfrm>
+            <a:off x="81440" y="2353369"/>
+            <a:ext cx="6252416" cy="2031325"/>
+          </a:xfrm>
+          <a:prstGeom prst="rect">
+            <a:avLst/>
+          </a:prstGeom>
+          <a:noFill/>
+        </p:spPr>
+        <p:txBody>
+          <a:bodyPr wrap="square" rtlCol="0">
+            <a:spAutoFit/>
+          </a:bodyPr>
+          <a:lstStyle/>
+          <a:p>
+            <a:r>
+              <a:rPr lang="en-US" sz="5400" b="1" dirty="0">
+                <a:solidFill>
+                  <a:schemeClr val="bg1"/>
+                </a:solidFill>
+              </a:rPr>
+              <a:t>CH06 Archi Views</a:t>
+            </a:r>
+          </a:p>
+          <a:p>
+            <a:pPr marL="457200" indent="-457200">
+              <a:buFont typeface="Arial" panose="020B0604020202020204" pitchFamily="34" charset="0"/>
+              <a:buChar char="•"/>
+            </a:pPr>
+            <a:r>
+              <a:rPr lang="en-US" sz="3600" b="1" dirty="0">
+                <a:solidFill>
+                  <a:schemeClr val="bg1"/>
+                </a:solidFill>
+              </a:rPr>
+              <a:t>06.07 The Detached Palette</a:t>
+            </a:r>
+            <a:endParaRPr lang="en-US" sz="2400" b="1" dirty="0">
+              <a:solidFill>
+                <a:schemeClr val="bg1"/>
+              </a:solidFill>
+            </a:endParaRPr>
+          </a:p>
+        </p:txBody>
+      </p:sp>
+      <p:pic>
+        <p:nvPicPr>
+          <p:cNvPr id="11" name="Picture 10">
+            <a:extLst>
+              <a:ext uri="{FF2B5EF4-FFF2-40B4-BE49-F238E27FC236}">
+                <a16:creationId xmlns:a16="http://schemas.microsoft.com/office/drawing/2014/main" id="{7EA60ED2-7023-AB9E-5B50-C74AF62ED48D}"/>
+              </a:ext>
+            </a:extLst>
+          </p:cNvPr>
+          <p:cNvPicPr>
+            <a:picLocks noChangeAspect="1"/>
+          </p:cNvPicPr>
+          <p:nvPr/>
+        </p:nvPicPr>
+        <p:blipFill>
+          <a:blip r:embed="rId4"/>
+          <a:stretch>
+            <a:fillRect/>
+          </a:stretch>
+        </p:blipFill>
+        <p:spPr>
+          <a:xfrm>
+            <a:off x="9883629" y="130236"/>
+            <a:ext cx="2294305" cy="985640"/>
+          </a:xfrm>
+          <a:prstGeom prst="rect">
+            <a:avLst/>
+          </a:prstGeom>
+          <a:ln>
+            <a:noFill/>
+          </a:ln>
+          <a:effectLst>
+            <a:softEdge rad="112500"/>
+          </a:effectLst>
+        </p:spPr>
+      </p:pic>
+      <p:pic>
+        <p:nvPicPr>
+          <p:cNvPr id="3" name="Picture 2">
+            <a:extLst>
+              <a:ext uri="{FF2B5EF4-FFF2-40B4-BE49-F238E27FC236}">
+                <a16:creationId xmlns:a16="http://schemas.microsoft.com/office/drawing/2014/main" id="{17A34B00-E227-0B3D-B48F-9203CDB81E83}"/>
+              </a:ext>
+            </a:extLst>
+          </p:cNvPr>
+          <p:cNvPicPr>
+            <a:picLocks noChangeAspect="1"/>
+          </p:cNvPicPr>
+          <p:nvPr/>
+        </p:nvPicPr>
+        <p:blipFill>
+          <a:blip r:embed="rId5">
+            <a:alphaModFix amt="70000"/>
+          </a:blip>
+          <a:stretch>
+            <a:fillRect/>
+          </a:stretch>
+        </p:blipFill>
+        <p:spPr>
+          <a:xfrm>
+            <a:off x="6056709" y="1282760"/>
+            <a:ext cx="5977166" cy="5302220"/>
+          </a:xfrm>
+          <a:prstGeom prst="rect">
+            <a:avLst/>
+          </a:prstGeom>
+          <a:ln>
+            <a:noFill/>
+          </a:ln>
+          <a:effectLst>
+            <a:outerShdw blurRad="292100" dist="139700" dir="2700000" algn="tl" rotWithShape="0">
+              <a:srgbClr val="333333">
+                <a:alpha val="65000"/>
+              </a:srgbClr>
+            </a:outerShdw>
+          </a:effectLst>
+        </p:spPr>
+      </p:pic>
+      <p:pic>
+        <p:nvPicPr>
+          <p:cNvPr id="9" name="Picture 8">
+            <a:extLst>
+              <a:ext uri="{FF2B5EF4-FFF2-40B4-BE49-F238E27FC236}">
+                <a16:creationId xmlns:a16="http://schemas.microsoft.com/office/drawing/2014/main" id="{4DF8AF4D-6F7F-522B-B111-54A905916997}"/>
+              </a:ext>
+            </a:extLst>
+          </p:cNvPr>
+          <p:cNvPicPr>
+            <a:picLocks noChangeAspect="1"/>
+          </p:cNvPicPr>
+          <p:nvPr/>
+        </p:nvPicPr>
+        <p:blipFill>
+          <a:blip r:embed="rId6"/>
+          <a:stretch>
+            <a:fillRect/>
+          </a:stretch>
+        </p:blipFill>
+        <p:spPr>
+          <a:xfrm>
+            <a:off x="2455370" y="4087451"/>
+            <a:ext cx="2314898" cy="2381582"/>
+          </a:xfrm>
+          <a:prstGeom prst="roundRect">
+            <a:avLst>
+              <a:gd name="adj" fmla="val 8594"/>
+            </a:avLst>
+          </a:prstGeom>
+          <a:solidFill>
+            <a:srgbClr val="FFFFFF">
+              <a:shade val="85000"/>
+            </a:srgbClr>
+          </a:solidFill>
+          <a:ln>
+            <a:noFill/>
+          </a:ln>
+          <a:effectLst>
+            <a:reflection blurRad="12700" stA="38000" endPos="28000" dist="5000" dir="5400000" sy="-100000" algn="bl" rotWithShape="0"/>
+          </a:effectLst>
+        </p:spPr>
+      </p:pic>
+    </p:spTree>
+    <p:extLst>
+      <p:ext uri="{BB962C8B-B14F-4D97-AF65-F5344CB8AC3E}">
+        <p14:creationId xmlns:p14="http://schemas.microsoft.com/office/powerpoint/2010/main" val="1574109380"/>
+      </p:ext>
+    </p:extLst>
+  </p:cSld>
+  <p:clrMapOvr>
+    <a:masterClrMapping/>
+  </p:clrMapOvr>
+</p:sld>
+</file>
+
+<file path=ppt/slides/slide23.xml><?xml version="1.0" encoding="utf-8"?>
+<p:sld xmlns:a="http://schemas.openxmlformats.org/drawingml/2006/main" xmlns:r="http://schemas.openxmlformats.org/officeDocument/2006/relationships" xmlns:p="http://schemas.openxmlformats.org/presentationml/2006/main">
+  <p:cSld>
+    <p:spTree>
+      <p:nvGrpSpPr>
+        <p:cNvPr id="1" name="">
+          <a:extLst>
+            <a:ext uri="{FF2B5EF4-FFF2-40B4-BE49-F238E27FC236}">
+              <a16:creationId xmlns:a16="http://schemas.microsoft.com/office/drawing/2014/main" id="{F2B8B40C-C10E-1FCD-701E-CD4F0187E9D7}"/>
+            </a:ext>
+          </a:extLst>
+        </p:cNvPr>
+        <p:cNvGrpSpPr/>
+        <p:nvPr/>
+      </p:nvGrpSpPr>
+      <p:grpSpPr>
+        <a:xfrm>
+          <a:off x="0" y="0"/>
+          <a:ext cx="0" cy="0"/>
+          <a:chOff x="0" y="0"/>
+          <a:chExt cx="0" cy="0"/>
+        </a:xfrm>
+      </p:grpSpPr>
+      <p:pic>
+        <p:nvPicPr>
+          <p:cNvPr id="5" name="Picture Placeholder 4" descr="Fog-covered mountain&#10;">
+            <a:extLst>
+              <a:ext uri="{FF2B5EF4-FFF2-40B4-BE49-F238E27FC236}">
+                <a16:creationId xmlns:a16="http://schemas.microsoft.com/office/drawing/2014/main" id="{283C5D57-51A1-FE44-6946-25A017D7395E}"/>
+              </a:ext>
+            </a:extLst>
+          </p:cNvPr>
+          <p:cNvPicPr>
+            <a:picLocks noGrp="1" noChangeAspect="1"/>
+          </p:cNvPicPr>
+          <p:nvPr>
+            <p:ph type="pic" sz="quarter" idx="14"/>
+          </p:nvPr>
+        </p:nvPicPr>
+        <p:blipFill rotWithShape="1">
+          <a:blip r:embed="rId3">
+            <a:extLst>
+              <a:ext uri="{28A0092B-C50C-407E-A947-70E740481C1C}">
+                <a14:useLocalDpi xmlns:a14="http://schemas.microsoft.com/office/drawing/2010/main" val="0"/>
+              </a:ext>
+            </a:extLst>
+          </a:blip>
+          <a:srcRect/>
+          <a:stretch/>
+        </p:blipFill>
+        <p:spPr>
+          <a:xfrm>
+            <a:off x="-18290" y="0"/>
+            <a:ext cx="12196224" cy="6858000"/>
+          </a:xfrm>
+        </p:spPr>
+      </p:pic>
+      <p:sp>
+        <p:nvSpPr>
+          <p:cNvPr id="6" name="Title 2">
+            <a:extLst>
+              <a:ext uri="{FF2B5EF4-FFF2-40B4-BE49-F238E27FC236}">
+                <a16:creationId xmlns:a16="http://schemas.microsoft.com/office/drawing/2014/main" id="{6E7872FB-D811-43D0-8AF2-E5D722E9ECAE}"/>
+              </a:ext>
+            </a:extLst>
+          </p:cNvPr>
+          <p:cNvSpPr>
+            <a:spLocks noGrp="1"/>
+          </p:cNvSpPr>
+          <p:nvPr>
+            <p:ph type="title"/>
+          </p:nvPr>
+        </p:nvSpPr>
+        <p:spPr>
+          <a:xfrm>
+            <a:off x="81440" y="82088"/>
+            <a:ext cx="9695273" cy="667633"/>
+          </a:xfrm>
+        </p:spPr>
+        <p:txBody>
+          <a:bodyPr>
+            <a:normAutofit fontScale="90000"/>
+          </a:bodyPr>
+          <a:lstStyle/>
+          <a:p>
+            <a:r>
+              <a:rPr lang="en-US" sz="3200" dirty="0"/>
+              <a:t>Archi® Tool Tutorial base on User Guide 5.6.0</a:t>
+            </a:r>
+          </a:p>
+        </p:txBody>
+      </p:sp>
+      <p:sp>
+        <p:nvSpPr>
+          <p:cNvPr id="4" name="TextBox 3">
+            <a:extLst>
+              <a:ext uri="{FF2B5EF4-FFF2-40B4-BE49-F238E27FC236}">
+                <a16:creationId xmlns:a16="http://schemas.microsoft.com/office/drawing/2014/main" id="{8F6FC91B-E91A-0B22-1667-5DD96AE2C4F7}"/>
+              </a:ext>
+            </a:extLst>
+          </p:cNvPr>
+          <p:cNvSpPr txBox="1"/>
+          <p:nvPr/>
+        </p:nvSpPr>
+        <p:spPr>
+          <a:xfrm>
+            <a:off x="106257" y="810709"/>
+            <a:ext cx="2294305" cy="1446550"/>
+          </a:xfrm>
+          <a:prstGeom prst="rect">
+            <a:avLst/>
+          </a:prstGeom>
+        </p:spPr>
+        <p:style>
+          <a:lnRef idx="0">
+            <a:schemeClr val="accent6"/>
+          </a:lnRef>
+          <a:fillRef idx="3">
+            <a:schemeClr val="accent6"/>
+          </a:fillRef>
+          <a:effectRef idx="3">
+            <a:schemeClr val="accent6"/>
+          </a:effectRef>
+          <a:fontRef idx="minor">
+            <a:schemeClr val="lt1"/>
+          </a:fontRef>
+        </p:style>
+        <p:txBody>
+          <a:bodyPr wrap="square" rtlCol="0" anchor="ctr">
+            <a:spAutoFit/>
+          </a:bodyPr>
+          <a:lstStyle/>
+          <a:p>
+            <a:pPr algn="ctr"/>
+            <a:r>
+              <a:rPr lang="en-US" sz="8800" b="1" dirty="0">
+                <a:latin typeface="Amasis MT Pro Black" panose="02040A04050005020304" pitchFamily="18" charset="0"/>
+                <a:ea typeface="华文琥珀" panose="02010800040101010101" pitchFamily="2" charset="-122"/>
+                <a:cs typeface="Aharoni" panose="02010803020104030203" pitchFamily="2" charset="-79"/>
+              </a:rPr>
+              <a:t>023</a:t>
+            </a:r>
+          </a:p>
+        </p:txBody>
+      </p:sp>
+      <p:sp>
+        <p:nvSpPr>
+          <p:cNvPr id="7" name="TextBox 6">
+            <a:extLst>
+              <a:ext uri="{FF2B5EF4-FFF2-40B4-BE49-F238E27FC236}">
+                <a16:creationId xmlns:a16="http://schemas.microsoft.com/office/drawing/2014/main" id="{9B32A169-4023-0957-B85A-5FE4FF680362}"/>
+              </a:ext>
+            </a:extLst>
+          </p:cNvPr>
+          <p:cNvSpPr txBox="1"/>
+          <p:nvPr/>
+        </p:nvSpPr>
+        <p:spPr>
+          <a:xfrm>
+            <a:off x="81440" y="2353369"/>
+            <a:ext cx="6252416" cy="2031325"/>
+          </a:xfrm>
+          <a:prstGeom prst="rect">
+            <a:avLst/>
+          </a:prstGeom>
+          <a:noFill/>
+        </p:spPr>
+        <p:txBody>
+          <a:bodyPr wrap="square" rtlCol="0">
+            <a:spAutoFit/>
+          </a:bodyPr>
+          <a:lstStyle/>
+          <a:p>
+            <a:r>
+              <a:rPr lang="en-US" sz="5400" b="1" dirty="0">
+                <a:solidFill>
+                  <a:schemeClr val="bg1"/>
+                </a:solidFill>
+              </a:rPr>
+              <a:t>CH06 Archi Views</a:t>
+            </a:r>
+          </a:p>
+          <a:p>
+            <a:pPr marL="457200" indent="-457200">
+              <a:buFont typeface="Arial" panose="020B0604020202020204" pitchFamily="34" charset="0"/>
+              <a:buChar char="•"/>
+            </a:pPr>
+            <a:r>
+              <a:rPr lang="en-US" sz="3600" b="1" dirty="0">
+                <a:solidFill>
+                  <a:schemeClr val="bg1"/>
+                </a:solidFill>
+              </a:rPr>
+              <a:t>06.08 Palette Selection Tools</a:t>
+            </a:r>
+            <a:endParaRPr lang="en-US" sz="2400" b="1" dirty="0">
+              <a:solidFill>
+                <a:schemeClr val="bg1"/>
+              </a:solidFill>
+            </a:endParaRPr>
+          </a:p>
+        </p:txBody>
+      </p:sp>
+      <p:pic>
+        <p:nvPicPr>
+          <p:cNvPr id="11" name="Picture 10">
+            <a:extLst>
+              <a:ext uri="{FF2B5EF4-FFF2-40B4-BE49-F238E27FC236}">
+                <a16:creationId xmlns:a16="http://schemas.microsoft.com/office/drawing/2014/main" id="{CB9FD2A0-F128-9F76-CF61-C181837BC05A}"/>
+              </a:ext>
+            </a:extLst>
+          </p:cNvPr>
+          <p:cNvPicPr>
+            <a:picLocks noChangeAspect="1"/>
+          </p:cNvPicPr>
+          <p:nvPr/>
+        </p:nvPicPr>
+        <p:blipFill>
+          <a:blip r:embed="rId4"/>
+          <a:stretch>
+            <a:fillRect/>
+          </a:stretch>
+        </p:blipFill>
+        <p:spPr>
+          <a:xfrm>
+            <a:off x="9883629" y="130236"/>
+            <a:ext cx="2294305" cy="985640"/>
+          </a:xfrm>
+          <a:prstGeom prst="rect">
+            <a:avLst/>
+          </a:prstGeom>
+          <a:ln>
+            <a:noFill/>
+          </a:ln>
+          <a:effectLst>
+            <a:softEdge rad="112500"/>
+          </a:effectLst>
+        </p:spPr>
+      </p:pic>
+      <p:pic>
+        <p:nvPicPr>
+          <p:cNvPr id="8" name="Picture 7">
+            <a:extLst>
+              <a:ext uri="{FF2B5EF4-FFF2-40B4-BE49-F238E27FC236}">
+                <a16:creationId xmlns:a16="http://schemas.microsoft.com/office/drawing/2014/main" id="{FF7BC2E1-E4F0-6AC5-DA45-F917CCD0EBDE}"/>
+              </a:ext>
+            </a:extLst>
+          </p:cNvPr>
+          <p:cNvPicPr>
+            <a:picLocks noChangeAspect="1"/>
+          </p:cNvPicPr>
+          <p:nvPr/>
+        </p:nvPicPr>
+        <p:blipFill>
+          <a:blip r:embed="rId5">
+            <a:alphaModFix amt="70000"/>
+          </a:blip>
+          <a:stretch>
+            <a:fillRect/>
+          </a:stretch>
+        </p:blipFill>
+        <p:spPr>
+          <a:xfrm>
+            <a:off x="6054109" y="1367018"/>
+            <a:ext cx="5978446" cy="5273196"/>
+          </a:xfrm>
+          <a:prstGeom prst="rect">
+            <a:avLst/>
+          </a:prstGeom>
+          <a:ln>
+            <a:noFill/>
+          </a:ln>
+          <a:effectLst>
+            <a:outerShdw blurRad="292100" dist="139700" dir="2700000" algn="tl" rotWithShape="0">
+              <a:srgbClr val="333333">
+                <a:alpha val="65000"/>
+              </a:srgbClr>
+            </a:outerShdw>
+          </a:effectLst>
+        </p:spPr>
+      </p:pic>
+    </p:spTree>
+    <p:extLst>
+      <p:ext uri="{BB962C8B-B14F-4D97-AF65-F5344CB8AC3E}">
+        <p14:creationId xmlns:p14="http://schemas.microsoft.com/office/powerpoint/2010/main" val="3755124717"/>
+      </p:ext>
+    </p:extLst>
+  </p:cSld>
+  <p:clrMapOvr>
+    <a:masterClrMapping/>
+  </p:clrMapOvr>
+</p:sld>
+</file>
+
+<file path=ppt/slides/slide24.xml><?xml version="1.0" encoding="utf-8"?>
+<p:sld xmlns:a="http://schemas.openxmlformats.org/drawingml/2006/main" xmlns:r="http://schemas.openxmlformats.org/officeDocument/2006/relationships" xmlns:p="http://schemas.openxmlformats.org/presentationml/2006/main">
+  <p:cSld>
+    <p:spTree>
+      <p:nvGrpSpPr>
+        <p:cNvPr id="1" name="">
+          <a:extLst>
+            <a:ext uri="{FF2B5EF4-FFF2-40B4-BE49-F238E27FC236}">
+              <a16:creationId xmlns:a16="http://schemas.microsoft.com/office/drawing/2014/main" id="{5F53DFA4-5BA7-F44D-0B7E-720991019433}"/>
+            </a:ext>
+          </a:extLst>
+        </p:cNvPr>
+        <p:cNvGrpSpPr/>
+        <p:nvPr/>
+      </p:nvGrpSpPr>
+      <p:grpSpPr>
+        <a:xfrm>
+          <a:off x="0" y="0"/>
+          <a:ext cx="0" cy="0"/>
+          <a:chOff x="0" y="0"/>
+          <a:chExt cx="0" cy="0"/>
+        </a:xfrm>
+      </p:grpSpPr>
+      <p:pic>
+        <p:nvPicPr>
+          <p:cNvPr id="5" name="Picture Placeholder 4" descr="Fog-covered mountain&#10;">
+            <a:extLst>
+              <a:ext uri="{FF2B5EF4-FFF2-40B4-BE49-F238E27FC236}">
+                <a16:creationId xmlns:a16="http://schemas.microsoft.com/office/drawing/2014/main" id="{D802F345-423B-359F-E017-831CC779AAEF}"/>
+              </a:ext>
+            </a:extLst>
+          </p:cNvPr>
+          <p:cNvPicPr>
+            <a:picLocks noGrp="1" noChangeAspect="1"/>
+          </p:cNvPicPr>
+          <p:nvPr>
+            <p:ph type="pic" sz="quarter" idx="14"/>
+          </p:nvPr>
+        </p:nvPicPr>
+        <p:blipFill rotWithShape="1">
+          <a:blip r:embed="rId3">
+            <a:extLst>
+              <a:ext uri="{28A0092B-C50C-407E-A947-70E740481C1C}">
+                <a14:useLocalDpi xmlns:a14="http://schemas.microsoft.com/office/drawing/2010/main" val="0"/>
+              </a:ext>
+            </a:extLst>
+          </a:blip>
+          <a:srcRect/>
+          <a:stretch/>
+        </p:blipFill>
+        <p:spPr>
+          <a:xfrm>
+            <a:off x="-18290" y="0"/>
+            <a:ext cx="12196224" cy="6858000"/>
+          </a:xfrm>
+        </p:spPr>
+      </p:pic>
+      <p:sp>
+        <p:nvSpPr>
+          <p:cNvPr id="6" name="Title 2">
+            <a:extLst>
+              <a:ext uri="{FF2B5EF4-FFF2-40B4-BE49-F238E27FC236}">
+                <a16:creationId xmlns:a16="http://schemas.microsoft.com/office/drawing/2014/main" id="{C5587843-21AD-7E69-B4DF-8A1998B227CD}"/>
+              </a:ext>
+            </a:extLst>
+          </p:cNvPr>
+          <p:cNvSpPr>
+            <a:spLocks noGrp="1"/>
+          </p:cNvSpPr>
+          <p:nvPr>
+            <p:ph type="title"/>
+          </p:nvPr>
+        </p:nvSpPr>
+        <p:spPr>
+          <a:xfrm>
+            <a:off x="81440" y="82088"/>
+            <a:ext cx="9695273" cy="667633"/>
+          </a:xfrm>
+        </p:spPr>
+        <p:txBody>
+          <a:bodyPr>
+            <a:normAutofit fontScale="90000"/>
+          </a:bodyPr>
+          <a:lstStyle/>
+          <a:p>
+            <a:r>
+              <a:rPr lang="en-US" sz="3200" dirty="0"/>
+              <a:t>Archi® Tool Tutorial base on User Guide 5.6.0</a:t>
+            </a:r>
+          </a:p>
+        </p:txBody>
+      </p:sp>
+      <p:sp>
+        <p:nvSpPr>
+          <p:cNvPr id="4" name="TextBox 3">
+            <a:extLst>
+              <a:ext uri="{FF2B5EF4-FFF2-40B4-BE49-F238E27FC236}">
+                <a16:creationId xmlns:a16="http://schemas.microsoft.com/office/drawing/2014/main" id="{BD37DA40-CCF9-8AA5-F003-D5BF37D34706}"/>
+              </a:ext>
+            </a:extLst>
+          </p:cNvPr>
+          <p:cNvSpPr txBox="1"/>
+          <p:nvPr/>
+        </p:nvSpPr>
+        <p:spPr>
+          <a:xfrm>
+            <a:off x="106257" y="810709"/>
+            <a:ext cx="2294305" cy="1446550"/>
+          </a:xfrm>
+          <a:prstGeom prst="rect">
+            <a:avLst/>
+          </a:prstGeom>
+        </p:spPr>
+        <p:style>
+          <a:lnRef idx="0">
+            <a:schemeClr val="accent6"/>
+          </a:lnRef>
+          <a:fillRef idx="3">
+            <a:schemeClr val="accent6"/>
+          </a:fillRef>
+          <a:effectRef idx="3">
+            <a:schemeClr val="accent6"/>
+          </a:effectRef>
+          <a:fontRef idx="minor">
+            <a:schemeClr val="lt1"/>
+          </a:fontRef>
+        </p:style>
+        <p:txBody>
+          <a:bodyPr wrap="square" rtlCol="0" anchor="ctr">
+            <a:spAutoFit/>
+          </a:bodyPr>
+          <a:lstStyle/>
+          <a:p>
+            <a:pPr algn="ctr"/>
+            <a:r>
+              <a:rPr lang="en-US" sz="8800" b="1" dirty="0">
+                <a:latin typeface="Amasis MT Pro Black" panose="02040A04050005020304" pitchFamily="18" charset="0"/>
+                <a:ea typeface="华文琥珀" panose="02010800040101010101" pitchFamily="2" charset="-122"/>
+                <a:cs typeface="Aharoni" panose="02010803020104030203" pitchFamily="2" charset="-79"/>
+              </a:rPr>
+              <a:t>024</a:t>
+            </a:r>
+          </a:p>
+        </p:txBody>
+      </p:sp>
+      <p:sp>
+        <p:nvSpPr>
+          <p:cNvPr id="7" name="TextBox 6">
+            <a:extLst>
+              <a:ext uri="{FF2B5EF4-FFF2-40B4-BE49-F238E27FC236}">
+                <a16:creationId xmlns:a16="http://schemas.microsoft.com/office/drawing/2014/main" id="{ED203B5D-9784-1953-4B84-4762B5FFE47B}"/>
+              </a:ext>
+            </a:extLst>
+          </p:cNvPr>
+          <p:cNvSpPr txBox="1"/>
+          <p:nvPr/>
+        </p:nvSpPr>
+        <p:spPr>
+          <a:xfrm>
+            <a:off x="81440" y="2353369"/>
+            <a:ext cx="6252416" cy="3139321"/>
+          </a:xfrm>
+          <a:prstGeom prst="rect">
+            <a:avLst/>
+          </a:prstGeom>
+          <a:noFill/>
+        </p:spPr>
+        <p:txBody>
+          <a:bodyPr wrap="square" rtlCol="0">
+            <a:spAutoFit/>
+          </a:bodyPr>
+          <a:lstStyle/>
+          <a:p>
+            <a:r>
+              <a:rPr lang="en-US" sz="5400" b="1" dirty="0">
+                <a:solidFill>
+                  <a:schemeClr val="bg1"/>
+                </a:solidFill>
+              </a:rPr>
+              <a:t>CH06 Archi Views</a:t>
+            </a:r>
+          </a:p>
+          <a:p>
+            <a:pPr marL="457200" indent="-457200">
+              <a:buFont typeface="Arial" panose="020B0604020202020204" pitchFamily="34" charset="0"/>
+              <a:buChar char="•"/>
+            </a:pPr>
+            <a:r>
+              <a:rPr lang="en-US" sz="3600" b="1" dirty="0">
+                <a:solidFill>
+                  <a:schemeClr val="bg1"/>
+                </a:solidFill>
+              </a:rPr>
+              <a:t>06.09 Palette Creation Tools</a:t>
+            </a:r>
+          </a:p>
+          <a:p>
+            <a:pPr marL="914400" lvl="1" indent="-457200">
+              <a:buFont typeface="Arial" panose="020B0604020202020204" pitchFamily="34" charset="0"/>
+              <a:buChar char="•"/>
+            </a:pPr>
+            <a:r>
+              <a:rPr lang="en-US" sz="2400" b="1" dirty="0">
+                <a:solidFill>
+                  <a:schemeClr val="bg1"/>
+                </a:solidFill>
+              </a:rPr>
+              <a:t>Relations</a:t>
+            </a:r>
+          </a:p>
+          <a:p>
+            <a:pPr marL="914400" lvl="1" indent="-457200">
+              <a:buFont typeface="Arial" panose="020B0604020202020204" pitchFamily="34" charset="0"/>
+              <a:buChar char="•"/>
+            </a:pPr>
+            <a:r>
+              <a:rPr lang="en-US" sz="2400" b="1" dirty="0">
+                <a:solidFill>
+                  <a:schemeClr val="bg1"/>
+                </a:solidFill>
+              </a:rPr>
+              <a:t>Notes and Groups</a:t>
+            </a:r>
+          </a:p>
+          <a:p>
+            <a:pPr marL="914400" lvl="1" indent="-457200">
+              <a:buFont typeface="Arial" panose="020B0604020202020204" pitchFamily="34" charset="0"/>
+              <a:buChar char="•"/>
+            </a:pPr>
+            <a:r>
+              <a:rPr lang="en-US" sz="2400" b="1" dirty="0">
+                <a:solidFill>
+                  <a:schemeClr val="bg1"/>
+                </a:solidFill>
+              </a:rPr>
+              <a:t>ArchiMate Elements</a:t>
+            </a:r>
+          </a:p>
+        </p:txBody>
+      </p:sp>
+      <p:pic>
+        <p:nvPicPr>
+          <p:cNvPr id="11" name="Picture 10">
+            <a:extLst>
+              <a:ext uri="{FF2B5EF4-FFF2-40B4-BE49-F238E27FC236}">
+                <a16:creationId xmlns:a16="http://schemas.microsoft.com/office/drawing/2014/main" id="{2C31E911-A4CB-999B-5634-928B8C116269}"/>
+              </a:ext>
+            </a:extLst>
+          </p:cNvPr>
+          <p:cNvPicPr>
+            <a:picLocks noChangeAspect="1"/>
+          </p:cNvPicPr>
+          <p:nvPr/>
+        </p:nvPicPr>
+        <p:blipFill>
+          <a:blip r:embed="rId4"/>
+          <a:stretch>
+            <a:fillRect/>
+          </a:stretch>
+        </p:blipFill>
+        <p:spPr>
+          <a:xfrm>
+            <a:off x="9883629" y="130236"/>
+            <a:ext cx="2294305" cy="985640"/>
+          </a:xfrm>
+          <a:prstGeom prst="rect">
+            <a:avLst/>
+          </a:prstGeom>
+          <a:ln>
+            <a:noFill/>
+          </a:ln>
+          <a:effectLst>
+            <a:softEdge rad="112500"/>
+          </a:effectLst>
+        </p:spPr>
+      </p:pic>
+      <p:pic>
+        <p:nvPicPr>
+          <p:cNvPr id="3" name="Picture 2">
+            <a:extLst>
+              <a:ext uri="{FF2B5EF4-FFF2-40B4-BE49-F238E27FC236}">
+                <a16:creationId xmlns:a16="http://schemas.microsoft.com/office/drawing/2014/main" id="{7DB67ABB-5DD0-E43E-AF8D-91BB66E02504}"/>
+              </a:ext>
+            </a:extLst>
+          </p:cNvPr>
+          <p:cNvPicPr>
+            <a:picLocks noChangeAspect="1"/>
+          </p:cNvPicPr>
+          <p:nvPr/>
+        </p:nvPicPr>
+        <p:blipFill>
+          <a:blip r:embed="rId5">
+            <a:alphaModFix amt="70000"/>
+          </a:blip>
+          <a:stretch>
+            <a:fillRect/>
+          </a:stretch>
+        </p:blipFill>
+        <p:spPr>
+          <a:xfrm>
+            <a:off x="6021042" y="1592714"/>
+            <a:ext cx="6016806" cy="4938095"/>
+          </a:xfrm>
+          <a:prstGeom prst="rect">
+            <a:avLst/>
+          </a:prstGeom>
+          <a:ln>
+            <a:noFill/>
+          </a:ln>
+          <a:effectLst>
+            <a:outerShdw blurRad="292100" dist="139700" dir="2700000" algn="tl" rotWithShape="0">
+              <a:srgbClr val="333333">
+                <a:alpha val="65000"/>
+              </a:srgbClr>
+            </a:outerShdw>
+          </a:effectLst>
+        </p:spPr>
+      </p:pic>
+    </p:spTree>
+    <p:extLst>
+      <p:ext uri="{BB962C8B-B14F-4D97-AF65-F5344CB8AC3E}">
+        <p14:creationId xmlns:p14="http://schemas.microsoft.com/office/powerpoint/2010/main" val="3128063844"/>
       </p:ext>
     </p:extLst>
   </p:cSld>
